--- a/01 Classes/Aula 02, 03, 04 Desenvolvimento Web Caracterização - HTML.pptx
+++ b/01 Classes/Aula 02, 03, 04 Desenvolvimento Web Caracterização - HTML.pptx
@@ -5,7 +5,7 @@
     <p:sldMasterId id="2147483648" r:id="rId1"/>
   </p:sldMasterIdLst>
   <p:notesMasterIdLst>
-    <p:notesMasterId r:id="rId80"/>
+    <p:notesMasterId r:id="rId79"/>
   </p:notesMasterIdLst>
   <p:sldIdLst>
     <p:sldId id="256" r:id="rId2"/>
@@ -70,22 +70,21 @@
     <p:sldId id="390" r:id="rId61"/>
     <p:sldId id="391" r:id="rId62"/>
     <p:sldId id="392" r:id="rId63"/>
-    <p:sldId id="393" r:id="rId64"/>
-    <p:sldId id="394" r:id="rId65"/>
-    <p:sldId id="395" r:id="rId66"/>
-    <p:sldId id="396" r:id="rId67"/>
-    <p:sldId id="397" r:id="rId68"/>
-    <p:sldId id="398" r:id="rId69"/>
-    <p:sldId id="399" r:id="rId70"/>
-    <p:sldId id="400" r:id="rId71"/>
-    <p:sldId id="401" r:id="rId72"/>
-    <p:sldId id="413" r:id="rId73"/>
-    <p:sldId id="414" r:id="rId74"/>
-    <p:sldId id="333" r:id="rId75"/>
-    <p:sldId id="323" r:id="rId76"/>
-    <p:sldId id="334" r:id="rId77"/>
-    <p:sldId id="337" r:id="rId78"/>
-    <p:sldId id="309" r:id="rId79"/>
+    <p:sldId id="394" r:id="rId64"/>
+    <p:sldId id="395" r:id="rId65"/>
+    <p:sldId id="396" r:id="rId66"/>
+    <p:sldId id="397" r:id="rId67"/>
+    <p:sldId id="398" r:id="rId68"/>
+    <p:sldId id="399" r:id="rId69"/>
+    <p:sldId id="400" r:id="rId70"/>
+    <p:sldId id="401" r:id="rId71"/>
+    <p:sldId id="413" r:id="rId72"/>
+    <p:sldId id="414" r:id="rId73"/>
+    <p:sldId id="333" r:id="rId74"/>
+    <p:sldId id="323" r:id="rId75"/>
+    <p:sldId id="334" r:id="rId76"/>
+    <p:sldId id="337" r:id="rId77"/>
+    <p:sldId id="309" r:id="rId78"/>
   </p:sldIdLst>
   <p:sldSz cx="9144000" cy="5143500" type="screen16x9"/>
   <p:notesSz cx="6858000" cy="9144000"/>
@@ -4389,7 +4388,7 @@
     </p:spTree>
     <p:extLst>
       <p:ext uri="{BB962C8B-B14F-4D97-AF65-F5344CB8AC3E}">
-        <p14:creationId xmlns:p14="http://schemas.microsoft.com/office/powerpoint/2010/main" val="3873966017"/>
+        <p14:creationId xmlns:p14="http://schemas.microsoft.com/office/powerpoint/2010/main" val="280131429"/>
       </p:ext>
     </p:extLst>
   </p:cSld>
@@ -4455,7 +4454,7 @@
     </p:spTree>
     <p:extLst>
       <p:ext uri="{BB962C8B-B14F-4D97-AF65-F5344CB8AC3E}">
-        <p14:creationId xmlns:p14="http://schemas.microsoft.com/office/powerpoint/2010/main" val="280131429"/>
+        <p14:creationId xmlns:p14="http://schemas.microsoft.com/office/powerpoint/2010/main" val="2319844715"/>
       </p:ext>
     </p:extLst>
   </p:cSld>
@@ -4521,7 +4520,7 @@
     </p:spTree>
     <p:extLst>
       <p:ext uri="{BB962C8B-B14F-4D97-AF65-F5344CB8AC3E}">
-        <p14:creationId xmlns:p14="http://schemas.microsoft.com/office/powerpoint/2010/main" val="2319844715"/>
+        <p14:creationId xmlns:p14="http://schemas.microsoft.com/office/powerpoint/2010/main" val="3675019588"/>
       </p:ext>
     </p:extLst>
   </p:cSld>
@@ -4587,7 +4586,7 @@
     </p:spTree>
     <p:extLst>
       <p:ext uri="{BB962C8B-B14F-4D97-AF65-F5344CB8AC3E}">
-        <p14:creationId xmlns:p14="http://schemas.microsoft.com/office/powerpoint/2010/main" val="3675019588"/>
+        <p14:creationId xmlns:p14="http://schemas.microsoft.com/office/powerpoint/2010/main" val="907248137"/>
       </p:ext>
     </p:extLst>
   </p:cSld>
@@ -4653,7 +4652,7 @@
     </p:spTree>
     <p:extLst>
       <p:ext uri="{BB962C8B-B14F-4D97-AF65-F5344CB8AC3E}">
-        <p14:creationId xmlns:p14="http://schemas.microsoft.com/office/powerpoint/2010/main" val="907248137"/>
+        <p14:creationId xmlns:p14="http://schemas.microsoft.com/office/powerpoint/2010/main" val="2509115191"/>
       </p:ext>
     </p:extLst>
   </p:cSld>
@@ -4719,7 +4718,7 @@
     </p:spTree>
     <p:extLst>
       <p:ext uri="{BB962C8B-B14F-4D97-AF65-F5344CB8AC3E}">
-        <p14:creationId xmlns:p14="http://schemas.microsoft.com/office/powerpoint/2010/main" val="2509115191"/>
+        <p14:creationId xmlns:p14="http://schemas.microsoft.com/office/powerpoint/2010/main" val="2312139790"/>
       </p:ext>
     </p:extLst>
   </p:cSld>
@@ -4785,7 +4784,7 @@
     </p:spTree>
     <p:extLst>
       <p:ext uri="{BB962C8B-B14F-4D97-AF65-F5344CB8AC3E}">
-        <p14:creationId xmlns:p14="http://schemas.microsoft.com/office/powerpoint/2010/main" val="2312139790"/>
+        <p14:creationId xmlns:p14="http://schemas.microsoft.com/office/powerpoint/2010/main" val="1474153294"/>
       </p:ext>
     </p:extLst>
   </p:cSld>
@@ -4851,7 +4850,7 @@
     </p:spTree>
     <p:extLst>
       <p:ext uri="{BB962C8B-B14F-4D97-AF65-F5344CB8AC3E}">
-        <p14:creationId xmlns:p14="http://schemas.microsoft.com/office/powerpoint/2010/main" val="1474153294"/>
+        <p14:creationId xmlns:p14="http://schemas.microsoft.com/office/powerpoint/2010/main" val="457666005"/>
       </p:ext>
     </p:extLst>
   </p:cSld>
@@ -4917,7 +4916,7 @@
     </p:spTree>
     <p:extLst>
       <p:ext uri="{BB962C8B-B14F-4D97-AF65-F5344CB8AC3E}">
-        <p14:creationId xmlns:p14="http://schemas.microsoft.com/office/powerpoint/2010/main" val="457666005"/>
+        <p14:creationId xmlns:p14="http://schemas.microsoft.com/office/powerpoint/2010/main" val="1441584521"/>
       </p:ext>
     </p:extLst>
   </p:cSld>
@@ -5049,7 +5048,7 @@
     </p:spTree>
     <p:extLst>
       <p:ext uri="{BB962C8B-B14F-4D97-AF65-F5344CB8AC3E}">
-        <p14:creationId xmlns:p14="http://schemas.microsoft.com/office/powerpoint/2010/main" val="1441584521"/>
+        <p14:creationId xmlns:p14="http://schemas.microsoft.com/office/powerpoint/2010/main" val="649096357"/>
       </p:ext>
     </p:extLst>
   </p:cSld>
@@ -5115,7 +5114,7 @@
     </p:spTree>
     <p:extLst>
       <p:ext uri="{BB962C8B-B14F-4D97-AF65-F5344CB8AC3E}">
-        <p14:creationId xmlns:p14="http://schemas.microsoft.com/office/powerpoint/2010/main" val="649096357"/>
+        <p14:creationId xmlns:p14="http://schemas.microsoft.com/office/powerpoint/2010/main" val="585304384"/>
       </p:ext>
     </p:extLst>
   </p:cSld>
@@ -5181,7 +5180,7 @@
     </p:spTree>
     <p:extLst>
       <p:ext uri="{BB962C8B-B14F-4D97-AF65-F5344CB8AC3E}">
-        <p14:creationId xmlns:p14="http://schemas.microsoft.com/office/powerpoint/2010/main" val="585304384"/>
+        <p14:creationId xmlns:p14="http://schemas.microsoft.com/office/powerpoint/2010/main" val="2709569597"/>
       </p:ext>
     </p:extLst>
   </p:cSld>
@@ -5247,7 +5246,7 @@
     </p:spTree>
     <p:extLst>
       <p:ext uri="{BB962C8B-B14F-4D97-AF65-F5344CB8AC3E}">
-        <p14:creationId xmlns:p14="http://schemas.microsoft.com/office/powerpoint/2010/main" val="2709569597"/>
+        <p14:creationId xmlns:p14="http://schemas.microsoft.com/office/powerpoint/2010/main" val="2296249050"/>
       </p:ext>
     </p:extLst>
   </p:cSld>
@@ -5258,72 +5257,6 @@
 </file>
 
 <file path=ppt/notesSlides/notesSlide74.xml><?xml version="1.0" encoding="utf-8"?>
-<p:notes xmlns:a="http://schemas.openxmlformats.org/drawingml/2006/main" xmlns:r="http://schemas.openxmlformats.org/officeDocument/2006/relationships" xmlns:p="http://schemas.openxmlformats.org/presentationml/2006/main">
-  <p:cSld>
-    <p:spTree>
-      <p:nvGrpSpPr>
-        <p:cNvPr id="1" name=""/>
-        <p:cNvGrpSpPr/>
-        <p:nvPr/>
-      </p:nvGrpSpPr>
-      <p:grpSpPr>
-        <a:xfrm>
-          <a:off x="0" y="0"/>
-          <a:ext cx="0" cy="0"/>
-          <a:chOff x="0" y="0"/>
-          <a:chExt cx="0" cy="0"/>
-        </a:xfrm>
-      </p:grpSpPr>
-      <p:sp>
-        <p:nvSpPr>
-          <p:cNvPr id="2" name="Espaço Reservado para Imagem de Slide 1"/>
-          <p:cNvSpPr>
-            <a:spLocks noGrp="1" noRot="1" noChangeAspect="1"/>
-          </p:cNvSpPr>
-          <p:nvPr>
-            <p:ph type="sldImg"/>
-          </p:nvPr>
-        </p:nvSpPr>
-        <p:spPr>
-          <a:xfrm>
-            <a:off x="381000" y="685800"/>
-            <a:ext cx="6096000" cy="3429000"/>
-          </a:xfrm>
-        </p:spPr>
-      </p:sp>
-      <p:sp>
-        <p:nvSpPr>
-          <p:cNvPr id="3" name="Espaço Reservado para Anotações 2"/>
-          <p:cNvSpPr>
-            <a:spLocks noGrp="1"/>
-          </p:cNvSpPr>
-          <p:nvPr>
-            <p:ph type="body" idx="1"/>
-          </p:nvPr>
-        </p:nvSpPr>
-        <p:spPr/>
-        <p:txBody>
-          <a:bodyPr/>
-          <a:lstStyle/>
-          <a:p>
-            <a:endParaRPr lang="pt-BR" dirty="0"/>
-          </a:p>
-        </p:txBody>
-      </p:sp>
-    </p:spTree>
-    <p:extLst>
-      <p:ext uri="{BB962C8B-B14F-4D97-AF65-F5344CB8AC3E}">
-        <p14:creationId xmlns:p14="http://schemas.microsoft.com/office/powerpoint/2010/main" val="2296249050"/>
-      </p:ext>
-    </p:extLst>
-  </p:cSld>
-  <p:clrMapOvr>
-    <a:masterClrMapping/>
-  </p:clrMapOvr>
-</p:notes>
-</file>
-
-<file path=ppt/notesSlides/notesSlide75.xml><?xml version="1.0" encoding="utf-8"?>
 <p:notes xmlns:a="http://schemas.openxmlformats.org/drawingml/2006/main" xmlns:r="http://schemas.openxmlformats.org/officeDocument/2006/relationships" xmlns:p="http://schemas.openxmlformats.org/presentationml/2006/main">
   <p:cSld>
     <p:spTree>
@@ -8560,6 +8493,143 @@
               <a:t> master</a:t>
             </a:r>
           </a:p>
+          <a:p>
+            <a:pPr marL="0" indent="0" algn="just">
+              <a:buNone/>
+            </a:pPr>
+            <a:endParaRPr lang="pt-BR" sz="3200" b="1" dirty="0">
+              <a:solidFill>
+                <a:srgbClr val="FF0000"/>
+              </a:solidFill>
+              <a:latin typeface="Times New Roman" panose="02020603050405020304" pitchFamily="18" charset="0"/>
+              <a:cs typeface="Times New Roman" panose="02020603050405020304" pitchFamily="18" charset="0"/>
+            </a:endParaRPr>
+          </a:p>
+          <a:p>
+            <a:pPr marL="0" indent="0" algn="just">
+              <a:buNone/>
+            </a:pPr>
+            <a:r>
+              <a:rPr lang="pt-BR" sz="1600" b="1" dirty="0">
+                <a:solidFill>
+                  <a:srgbClr val="FF0000"/>
+                </a:solidFill>
+                <a:latin typeface="Times New Roman" panose="02020603050405020304" pitchFamily="18" charset="0"/>
+                <a:cs typeface="Times New Roman" panose="02020603050405020304" pitchFamily="18" charset="0"/>
+              </a:rPr>
+              <a:t>Nota: </a:t>
+            </a:r>
+            <a:r>
+              <a:rPr lang="pt-BR" sz="1600" b="1" dirty="0">
+                <a:solidFill>
+                  <a:schemeClr val="tx1"/>
+                </a:solidFill>
+                <a:latin typeface="Times New Roman" panose="02020603050405020304" pitchFamily="18" charset="0"/>
+                <a:cs typeface="Times New Roman" panose="02020603050405020304" pitchFamily="18" charset="0"/>
+              </a:rPr>
+              <a:t>O </a:t>
+            </a:r>
+            <a:r>
+              <a:rPr lang="pt-BR" sz="1600" b="1" dirty="0" err="1">
+                <a:solidFill>
+                  <a:srgbClr val="FF0000"/>
+                </a:solidFill>
+                <a:latin typeface="Times New Roman" panose="02020603050405020304" pitchFamily="18" charset="0"/>
+                <a:cs typeface="Times New Roman" panose="02020603050405020304" pitchFamily="18" charset="0"/>
+              </a:rPr>
+              <a:t>git</a:t>
+            </a:r>
+            <a:r>
+              <a:rPr lang="pt-BR" sz="1600" b="1" dirty="0">
+                <a:solidFill>
+                  <a:srgbClr val="FF0000"/>
+                </a:solidFill>
+                <a:latin typeface="Times New Roman" panose="02020603050405020304" pitchFamily="18" charset="0"/>
+                <a:cs typeface="Times New Roman" panose="02020603050405020304" pitchFamily="18" charset="0"/>
+              </a:rPr>
+              <a:t> </a:t>
+            </a:r>
+            <a:r>
+              <a:rPr lang="pt-BR" sz="1600" b="1" dirty="0" err="1">
+                <a:solidFill>
+                  <a:srgbClr val="FF0000"/>
+                </a:solidFill>
+                <a:latin typeface="Times New Roman" panose="02020603050405020304" pitchFamily="18" charset="0"/>
+                <a:cs typeface="Times New Roman" panose="02020603050405020304" pitchFamily="18" charset="0"/>
+              </a:rPr>
+              <a:t>push</a:t>
+            </a:r>
+            <a:r>
+              <a:rPr lang="pt-BR" sz="1600" b="1" dirty="0">
+                <a:solidFill>
+                  <a:schemeClr val="tx1"/>
+                </a:solidFill>
+                <a:latin typeface="Times New Roman" panose="02020603050405020304" pitchFamily="18" charset="0"/>
+                <a:cs typeface="Times New Roman" panose="02020603050405020304" pitchFamily="18" charset="0"/>
+              </a:rPr>
+              <a:t> pode ser na </a:t>
+            </a:r>
+            <a:r>
+              <a:rPr lang="pt-BR" sz="1600" b="1" dirty="0" err="1">
+                <a:solidFill>
+                  <a:schemeClr val="tx1"/>
+                </a:solidFill>
+                <a:latin typeface="Times New Roman" panose="02020603050405020304" pitchFamily="18" charset="0"/>
+                <a:cs typeface="Times New Roman" panose="02020603050405020304" pitchFamily="18" charset="0"/>
+              </a:rPr>
+              <a:t>branch</a:t>
+            </a:r>
+            <a:r>
+              <a:rPr lang="pt-BR" sz="1600" b="1" dirty="0">
+                <a:solidFill>
+                  <a:schemeClr val="tx1"/>
+                </a:solidFill>
+                <a:latin typeface="Times New Roman" panose="02020603050405020304" pitchFamily="18" charset="0"/>
+                <a:cs typeface="Times New Roman" panose="02020603050405020304" pitchFamily="18" charset="0"/>
+              </a:rPr>
+              <a:t> </a:t>
+            </a:r>
+            <a:r>
+              <a:rPr lang="pt-BR" sz="1600" b="1" dirty="0" err="1">
+                <a:solidFill>
+                  <a:srgbClr val="FF0000"/>
+                </a:solidFill>
+                <a:latin typeface="Times New Roman" panose="02020603050405020304" pitchFamily="18" charset="0"/>
+                <a:cs typeface="Times New Roman" panose="02020603050405020304" pitchFamily="18" charset="0"/>
+              </a:rPr>
+              <a:t>main</a:t>
+            </a:r>
+            <a:r>
+              <a:rPr lang="pt-BR" sz="1600" b="1" dirty="0">
+                <a:solidFill>
+                  <a:schemeClr val="tx1"/>
+                </a:solidFill>
+                <a:latin typeface="Times New Roman" panose="02020603050405020304" pitchFamily="18" charset="0"/>
+                <a:cs typeface="Times New Roman" panose="02020603050405020304" pitchFamily="18" charset="0"/>
+              </a:rPr>
+              <a:t> ou </a:t>
+            </a:r>
+            <a:r>
+              <a:rPr lang="pt-BR" sz="1600" b="1" dirty="0">
+                <a:solidFill>
+                  <a:srgbClr val="FF0000"/>
+                </a:solidFill>
+                <a:latin typeface="Times New Roman" panose="02020603050405020304" pitchFamily="18" charset="0"/>
+                <a:cs typeface="Times New Roman" panose="02020603050405020304" pitchFamily="18" charset="0"/>
+              </a:rPr>
+              <a:t>master</a:t>
+            </a:r>
+            <a:r>
+              <a:rPr lang="pt-BR" sz="1600" b="1" dirty="0">
+                <a:solidFill>
+                  <a:schemeClr val="tx1"/>
+                </a:solidFill>
+                <a:latin typeface="Times New Roman" panose="02020603050405020304" pitchFamily="18" charset="0"/>
+                <a:cs typeface="Times New Roman" panose="02020603050405020304" pitchFamily="18" charset="0"/>
+              </a:rPr>
+              <a:t>, observar o gerado pelo GITHUB.</a:t>
+            </a:r>
+          </a:p>
         </p:txBody>
       </p:sp>
     </p:spTree>
@@ -9404,11 +9474,18 @@
               <a:buNone/>
             </a:pPr>
             <a:r>
-              <a:rPr lang="pt-BR" sz="2400" dirty="0">
-                <a:latin typeface="Times New Roman" panose="02020603050405020304" pitchFamily="18" charset="0"/>
-                <a:cs typeface="Times New Roman" panose="02020603050405020304" pitchFamily="18" charset="0"/>
-              </a:rPr>
-              <a:t>Protocolos são conjunto de regras para a comunicação em rede. Eles determinam como computadores se comunicam: como iniciar, manter e encerrar a comunicação.</a:t>
+              <a:rPr lang="pt-BR" sz="2400" b="1" dirty="0">
+                <a:latin typeface="Times New Roman" panose="02020603050405020304" pitchFamily="18" charset="0"/>
+                <a:cs typeface="Times New Roman" panose="02020603050405020304" pitchFamily="18" charset="0"/>
+              </a:rPr>
+              <a:t>Protocolos</a:t>
+            </a:r>
+            <a:r>
+              <a:rPr lang="pt-BR" sz="2400" dirty="0">
+                <a:latin typeface="Times New Roman" panose="02020603050405020304" pitchFamily="18" charset="0"/>
+                <a:cs typeface="Times New Roman" panose="02020603050405020304" pitchFamily="18" charset="0"/>
+              </a:rPr>
+              <a:t> são conjunto de regras para a comunicação em rede. Eles determinam como computadores se comunicam: como iniciar, manter e encerrar a comunicação.</a:t>
             </a:r>
           </a:p>
           <a:p>
@@ -9853,11 +9930,18 @@
               <a:buNone/>
             </a:pPr>
             <a:r>
-              <a:rPr lang="pt-BR" sz="2400" dirty="0">
-                <a:latin typeface="Times New Roman" panose="02020603050405020304" pitchFamily="18" charset="0"/>
-                <a:cs typeface="Times New Roman" panose="02020603050405020304" pitchFamily="18" charset="0"/>
-              </a:rPr>
-              <a:t>Exemplo: </a:t>
+              <a:rPr lang="pt-BR" sz="2400" b="1" dirty="0">
+                <a:latin typeface="Times New Roman" panose="02020603050405020304" pitchFamily="18" charset="0"/>
+                <a:cs typeface="Times New Roman" panose="02020603050405020304" pitchFamily="18" charset="0"/>
+              </a:rPr>
+              <a:t>Exemplo</a:t>
+            </a:r>
+            <a:r>
+              <a:rPr lang="pt-BR" sz="2400" dirty="0">
+                <a:latin typeface="Times New Roman" panose="02020603050405020304" pitchFamily="18" charset="0"/>
+                <a:cs typeface="Times New Roman" panose="02020603050405020304" pitchFamily="18" charset="0"/>
+              </a:rPr>
+              <a:t>: </a:t>
             </a:r>
             <a:r>
               <a:rPr lang="pt-BR" sz="2400" dirty="0">
@@ -10016,8 +10100,8 @@
         </p:nvSpPr>
         <p:spPr>
           <a:xfrm>
-            <a:off x="142865" y="1200151"/>
-            <a:ext cx="8865056" cy="3394472"/>
+            <a:off x="142865" y="1200150"/>
+            <a:ext cx="8865056" cy="3737369"/>
           </a:xfrm>
         </p:spPr>
         <p:txBody>
@@ -10034,7 +10118,41 @@
                 <a:latin typeface="Times New Roman" panose="02020603050405020304" pitchFamily="18" charset="0"/>
                 <a:cs typeface="Times New Roman" panose="02020603050405020304" pitchFamily="18" charset="0"/>
               </a:rPr>
-              <a:t>Cria páginas web como textos descritivos e informações separadamente, utilizamos um linguagem de marcação HTML. Foi inventado por Tim Berners-Lee, em 1990, com fins científicos.</a:t>
+              <a:t>Cria páginas web como textos descritivos e informações separadamente, utilizamos um </a:t>
+            </a:r>
+            <a:r>
+              <a:rPr lang="pt-BR" sz="2400" b="1" dirty="0">
+                <a:solidFill>
+                  <a:srgbClr val="FF0000"/>
+                </a:solidFill>
+                <a:latin typeface="Times New Roman" panose="02020603050405020304" pitchFamily="18" charset="0"/>
+                <a:cs typeface="Times New Roman" panose="02020603050405020304" pitchFamily="18" charset="0"/>
+              </a:rPr>
+              <a:t>linguagem de marcação HTML</a:t>
+            </a:r>
+            <a:r>
+              <a:rPr lang="pt-BR" sz="2400" dirty="0">
+                <a:latin typeface="Times New Roman" panose="02020603050405020304" pitchFamily="18" charset="0"/>
+                <a:cs typeface="Times New Roman" panose="02020603050405020304" pitchFamily="18" charset="0"/>
+              </a:rPr>
+              <a:t>. Foi inventado por </a:t>
+            </a:r>
+            <a:r>
+              <a:rPr lang="pt-BR" sz="2400" b="1" dirty="0">
+                <a:solidFill>
+                  <a:srgbClr val="FF0000"/>
+                </a:solidFill>
+                <a:latin typeface="Times New Roman" panose="02020603050405020304" pitchFamily="18" charset="0"/>
+                <a:cs typeface="Times New Roman" panose="02020603050405020304" pitchFamily="18" charset="0"/>
+              </a:rPr>
+              <a:t>Tim Berners-Lee</a:t>
+            </a:r>
+            <a:r>
+              <a:rPr lang="pt-BR" sz="2400" dirty="0">
+                <a:latin typeface="Times New Roman" panose="02020603050405020304" pitchFamily="18" charset="0"/>
+                <a:cs typeface="Times New Roman" panose="02020603050405020304" pitchFamily="18" charset="0"/>
+              </a:rPr>
+              <a:t>, em 1990, com fins científicos.</a:t>
             </a:r>
           </a:p>
           <a:p>
@@ -10055,10 +10173,30 @@
                 <a:latin typeface="Times New Roman" panose="02020603050405020304" pitchFamily="18" charset="0"/>
                 <a:cs typeface="Times New Roman" panose="02020603050405020304" pitchFamily="18" charset="0"/>
               </a:rPr>
-              <a:t>As páginas web são armazenados em arquivos com extensão </a:t>
-            </a:r>
-            <a:r>
-              <a:rPr lang="pt-BR" sz="2400" dirty="0" err="1">
+              <a:t>As </a:t>
+            </a:r>
+            <a:r>
+              <a:rPr lang="pt-BR" sz="2400" b="1" dirty="0">
+                <a:solidFill>
+                  <a:srgbClr val="FF0000"/>
+                </a:solidFill>
+                <a:latin typeface="Times New Roman" panose="02020603050405020304" pitchFamily="18" charset="0"/>
+                <a:cs typeface="Times New Roman" panose="02020603050405020304" pitchFamily="18" charset="0"/>
+              </a:rPr>
+              <a:t>páginas web </a:t>
+            </a:r>
+            <a:r>
+              <a:rPr lang="pt-BR" sz="2400" dirty="0">
+                <a:latin typeface="Times New Roman" panose="02020603050405020304" pitchFamily="18" charset="0"/>
+                <a:cs typeface="Times New Roman" panose="02020603050405020304" pitchFamily="18" charset="0"/>
+              </a:rPr>
+              <a:t>são armazenadas em arquivos com extensão </a:t>
+            </a:r>
+            <a:r>
+              <a:rPr lang="pt-BR" sz="2400" b="1" dirty="0" err="1">
+                <a:solidFill>
+                  <a:srgbClr val="FF0000"/>
+                </a:solidFill>
                 <a:latin typeface="Times New Roman" panose="02020603050405020304" pitchFamily="18" charset="0"/>
                 <a:cs typeface="Times New Roman" panose="02020603050405020304" pitchFamily="18" charset="0"/>
               </a:rPr>
@@ -10072,7 +10210,10 @@
               <a:t> ou </a:t>
             </a:r>
             <a:r>
-              <a:rPr lang="pt-BR" sz="2400" dirty="0" err="1">
+              <a:rPr lang="pt-BR" sz="2400" b="1" dirty="0" err="1">
+                <a:solidFill>
+                  <a:srgbClr val="FF0000"/>
+                </a:solidFill>
                 <a:latin typeface="Times New Roman" panose="02020603050405020304" pitchFamily="18" charset="0"/>
                 <a:cs typeface="Times New Roman" panose="02020603050405020304" pitchFamily="18" charset="0"/>
               </a:rPr>
@@ -10104,14 +10245,31 @@
                 <a:latin typeface="Times New Roman" panose="02020603050405020304" pitchFamily="18" charset="0"/>
                 <a:cs typeface="Times New Roman" panose="02020603050405020304" pitchFamily="18" charset="0"/>
               </a:rPr>
-              <a:t>Para criar um documento HTML, precisa de um editor de texto ou uma IDE de texto, padrão UTF-8 com o </a:t>
-            </a:r>
-            <a:r>
-              <a:rPr lang="pt-BR" sz="2400" dirty="0" err="1">
+              <a:t>Para criar um documento HTML, precisa de um editor de texto, como o </a:t>
+            </a:r>
+            <a:r>
+              <a:rPr lang="pt-BR" sz="2400" b="1" dirty="0" err="1">
                 <a:latin typeface="Times New Roman" panose="02020603050405020304" pitchFamily="18" charset="0"/>
                 <a:cs typeface="Times New Roman" panose="02020603050405020304" pitchFamily="18" charset="0"/>
               </a:rPr>
               <a:t>notepad</a:t>
+            </a:r>
+            <a:r>
+              <a:rPr lang="pt-BR" sz="2400" dirty="0">
+                <a:latin typeface="Times New Roman" panose="02020603050405020304" pitchFamily="18" charset="0"/>
+                <a:cs typeface="Times New Roman" panose="02020603050405020304" pitchFamily="18" charset="0"/>
+              </a:rPr>
+              <a:t>, ou uma IDE, </a:t>
+            </a:r>
+            <a:r>
+              <a:rPr lang="pt-BR" sz="2400" b="1" dirty="0">
+                <a:solidFill>
+                  <a:srgbClr val="FF0000"/>
+                </a:solidFill>
+                <a:latin typeface="Times New Roman" panose="02020603050405020304" pitchFamily="18" charset="0"/>
+                <a:cs typeface="Times New Roman" panose="02020603050405020304" pitchFamily="18" charset="0"/>
+              </a:rPr>
+              <a:t>padrão UTF-8</a:t>
             </a:r>
             <a:r>
               <a:rPr lang="pt-BR" sz="2400" dirty="0">
@@ -10275,11 +10433,21 @@
               <a:buNone/>
             </a:pPr>
             <a:r>
-              <a:rPr lang="pt-BR" sz="2400" dirty="0">
-                <a:latin typeface="Times New Roman" panose="02020603050405020304" pitchFamily="18" charset="0"/>
-                <a:cs typeface="Times New Roman" panose="02020603050405020304" pitchFamily="18" charset="0"/>
-              </a:rPr>
-              <a:t>Codificação de caracteres é o mecanismo que armazena os símbolos em forma binária no computador, possibilitando a conversão de um símbolo em código e um código em símbolo.</a:t>
+              <a:rPr lang="pt-BR" sz="2400" b="1" dirty="0">
+                <a:solidFill>
+                  <a:srgbClr val="FF0000"/>
+                </a:solidFill>
+                <a:latin typeface="Times New Roman" panose="02020603050405020304" pitchFamily="18" charset="0"/>
+                <a:cs typeface="Times New Roman" panose="02020603050405020304" pitchFamily="18" charset="0"/>
+              </a:rPr>
+              <a:t>Codificação de caracteres </a:t>
+            </a:r>
+            <a:r>
+              <a:rPr lang="pt-BR" sz="2400" dirty="0">
+                <a:latin typeface="Times New Roman" panose="02020603050405020304" pitchFamily="18" charset="0"/>
+                <a:cs typeface="Times New Roman" panose="02020603050405020304" pitchFamily="18" charset="0"/>
+              </a:rPr>
+              <a:t>é o mecanismo que armazena os símbolos em forma binária no computador, possibilitando a conversão de um símbolo em código e um código em símbolo.</a:t>
             </a:r>
           </a:p>
           <a:p>
@@ -10300,21 +10468,69 @@
                 <a:latin typeface="Times New Roman" panose="02020603050405020304" pitchFamily="18" charset="0"/>
                 <a:cs typeface="Times New Roman" panose="02020603050405020304" pitchFamily="18" charset="0"/>
               </a:rPr>
-              <a:t>A codificação </a:t>
-            </a:r>
-            <a:r>
-              <a:rPr lang="pt-BR" sz="2400" dirty="0" err="1">
-                <a:latin typeface="Times New Roman" panose="02020603050405020304" pitchFamily="18" charset="0"/>
-                <a:cs typeface="Times New Roman" panose="02020603050405020304" pitchFamily="18" charset="0"/>
-              </a:rPr>
-              <a:t>multbyte</a:t>
-            </a:r>
-            <a:r>
-              <a:rPr lang="pt-BR" sz="2400" dirty="0">
-                <a:latin typeface="Times New Roman" panose="02020603050405020304" pitchFamily="18" charset="0"/>
-                <a:cs typeface="Times New Roman" panose="02020603050405020304" pitchFamily="18" charset="0"/>
-              </a:rPr>
-              <a:t> UTF-8 é a recomendação atual para codificação na web. Esta codificação utiliza um número variável de bytes para representar símbolos, podendo usar de 1 a 4 bytes.</a:t>
+              <a:t>A </a:t>
+            </a:r>
+            <a:r>
+              <a:rPr lang="pt-BR" sz="2400" b="1" dirty="0">
+                <a:latin typeface="Times New Roman" panose="02020603050405020304" pitchFamily="18" charset="0"/>
+                <a:cs typeface="Times New Roman" panose="02020603050405020304" pitchFamily="18" charset="0"/>
+              </a:rPr>
+              <a:t>codificação </a:t>
+            </a:r>
+            <a:r>
+              <a:rPr lang="pt-BR" sz="2400" b="1" dirty="0" err="1">
+                <a:latin typeface="Times New Roman" panose="02020603050405020304" pitchFamily="18" charset="0"/>
+                <a:cs typeface="Times New Roman" panose="02020603050405020304" pitchFamily="18" charset="0"/>
+              </a:rPr>
+              <a:t>multibyte</a:t>
+            </a:r>
+            <a:r>
+              <a:rPr lang="pt-BR" sz="2400" b="1" dirty="0">
+                <a:latin typeface="Times New Roman" panose="02020603050405020304" pitchFamily="18" charset="0"/>
+                <a:cs typeface="Times New Roman" panose="02020603050405020304" pitchFamily="18" charset="0"/>
+              </a:rPr>
+              <a:t> </a:t>
+            </a:r>
+            <a:r>
+              <a:rPr lang="pt-BR" sz="2400" b="1" dirty="0">
+                <a:solidFill>
+                  <a:srgbClr val="FF0000"/>
+                </a:solidFill>
+                <a:latin typeface="Times New Roman" panose="02020603050405020304" pitchFamily="18" charset="0"/>
+                <a:cs typeface="Times New Roman" panose="02020603050405020304" pitchFamily="18" charset="0"/>
+              </a:rPr>
+              <a:t>UTF-8</a:t>
+            </a:r>
+            <a:r>
+              <a:rPr lang="pt-BR" sz="2400" b="1" dirty="0">
+                <a:latin typeface="Times New Roman" panose="02020603050405020304" pitchFamily="18" charset="0"/>
+                <a:cs typeface="Times New Roman" panose="02020603050405020304" pitchFamily="18" charset="0"/>
+              </a:rPr>
+              <a:t> </a:t>
+            </a:r>
+            <a:r>
+              <a:rPr lang="pt-BR" sz="2400" dirty="0">
+                <a:latin typeface="Times New Roman" panose="02020603050405020304" pitchFamily="18" charset="0"/>
+                <a:cs typeface="Times New Roman" panose="02020603050405020304" pitchFamily="18" charset="0"/>
+              </a:rPr>
+              <a:t>é a recomendação atual para codificação na web. Esta codificação utiliza um número variável de bytes para representar símbolos, podendo usar de </a:t>
+            </a:r>
+            <a:r>
+              <a:rPr lang="pt-BR" sz="2400" b="1" dirty="0">
+                <a:solidFill>
+                  <a:srgbClr val="FF0000"/>
+                </a:solidFill>
+                <a:latin typeface="Times New Roman" panose="02020603050405020304" pitchFamily="18" charset="0"/>
+                <a:cs typeface="Times New Roman" panose="02020603050405020304" pitchFamily="18" charset="0"/>
+              </a:rPr>
+              <a:t>1 a 4 bytes</a:t>
+            </a:r>
+            <a:r>
+              <a:rPr lang="pt-BR" sz="2400" dirty="0">
+                <a:latin typeface="Times New Roman" panose="02020603050405020304" pitchFamily="18" charset="0"/>
+                <a:cs typeface="Times New Roman" panose="02020603050405020304" pitchFamily="18" charset="0"/>
+              </a:rPr>
+              <a:t>.</a:t>
             </a:r>
           </a:p>
           <a:p>
@@ -11552,7 +11768,21 @@
                 <a:latin typeface="Times New Roman" panose="02020603050405020304" pitchFamily="18" charset="0"/>
                 <a:cs typeface="Times New Roman" panose="02020603050405020304" pitchFamily="18" charset="0"/>
               </a:rPr>
-              <a:t> são elementos básicos de um documento HTML, utilizados para especificar o formato do conteúdo de uma página web.</a:t>
+              <a:t> são elementos básicos de um </a:t>
+            </a:r>
+            <a:r>
+              <a:rPr lang="pt-BR" sz="2400" b="1" dirty="0">
+                <a:latin typeface="Times New Roman" panose="02020603050405020304" pitchFamily="18" charset="0"/>
+                <a:cs typeface="Times New Roman" panose="02020603050405020304" pitchFamily="18" charset="0"/>
+              </a:rPr>
+              <a:t>documento HTML</a:t>
+            </a:r>
+            <a:r>
+              <a:rPr lang="pt-BR" sz="2400" dirty="0">
+                <a:latin typeface="Times New Roman" panose="02020603050405020304" pitchFamily="18" charset="0"/>
+                <a:cs typeface="Times New Roman" panose="02020603050405020304" pitchFamily="18" charset="0"/>
+              </a:rPr>
+              <a:t>, utilizados para especificar o formato do conteúdo de uma página web.</a:t>
             </a:r>
           </a:p>
           <a:p>
@@ -11573,7 +11803,21 @@
                 <a:latin typeface="Times New Roman" panose="02020603050405020304" pitchFamily="18" charset="0"/>
                 <a:cs typeface="Times New Roman" panose="02020603050405020304" pitchFamily="18" charset="0"/>
               </a:rPr>
-              <a:t>Os sinais &lt;&gt; permitem aos navegadores distinguir as </a:t>
+              <a:t>Os </a:t>
+            </a:r>
+            <a:r>
+              <a:rPr lang="pt-BR" sz="2400" b="1" dirty="0">
+                <a:latin typeface="Times New Roman" panose="02020603050405020304" pitchFamily="18" charset="0"/>
+                <a:cs typeface="Times New Roman" panose="02020603050405020304" pitchFamily="18" charset="0"/>
+              </a:rPr>
+              <a:t>sinais &lt;&gt; </a:t>
+            </a:r>
+            <a:r>
+              <a:rPr lang="pt-BR" sz="2400" dirty="0">
+                <a:latin typeface="Times New Roman" panose="02020603050405020304" pitchFamily="18" charset="0"/>
+                <a:cs typeface="Times New Roman" panose="02020603050405020304" pitchFamily="18" charset="0"/>
+              </a:rPr>
+              <a:t>permitem aos navegadores distinguir as </a:t>
             </a:r>
             <a:r>
               <a:rPr lang="pt-BR" sz="2400" dirty="0" err="1">
@@ -11697,8 +11941,31 @@
                 <a:latin typeface="Times New Roman" panose="02020603050405020304" pitchFamily="18" charset="0"/>
                 <a:cs typeface="Times New Roman" panose="02020603050405020304" pitchFamily="18" charset="0"/>
               </a:rPr>
-              <a:t>Um documento HTML possui três partes:</a:t>
-            </a:r>
+              <a:t>Um documento </a:t>
+            </a:r>
+            <a:r>
+              <a:rPr lang="pt-BR" sz="2400" b="1" dirty="0">
+                <a:latin typeface="Times New Roman" panose="02020603050405020304" pitchFamily="18" charset="0"/>
+                <a:cs typeface="Times New Roman" panose="02020603050405020304" pitchFamily="18" charset="0"/>
+              </a:rPr>
+              <a:t>HTML</a:t>
+            </a:r>
+            <a:r>
+              <a:rPr lang="pt-BR" sz="2400" dirty="0">
+                <a:latin typeface="Times New Roman" panose="02020603050405020304" pitchFamily="18" charset="0"/>
+                <a:cs typeface="Times New Roman" panose="02020603050405020304" pitchFamily="18" charset="0"/>
+              </a:rPr>
+              <a:t> possui duas partes:</a:t>
+            </a:r>
+          </a:p>
+          <a:p>
+            <a:pPr marL="0" indent="0" algn="just">
+              <a:buNone/>
+            </a:pPr>
+            <a:endParaRPr lang="pt-BR" sz="2400" dirty="0">
+              <a:latin typeface="Times New Roman" panose="02020603050405020304" pitchFamily="18" charset="0"/>
+              <a:cs typeface="Times New Roman" panose="02020603050405020304" pitchFamily="18" charset="0"/>
+            </a:endParaRPr>
           </a:p>
           <a:p>
             <a:pPr marL="0" indent="0" algn="just">
@@ -12091,7 +12358,7 @@
             </a:r>
           </a:p>
           <a:p>
-            <a:pPr marL="0" indent="0" algn="just">
+            <a:pPr marL="447675" lvl="1" indent="0" algn="just">
               <a:buNone/>
             </a:pPr>
             <a:r>
@@ -12117,7 +12384,7 @@
             </a:r>
           </a:p>
           <a:p>
-            <a:pPr marL="0" indent="0" algn="just">
+            <a:pPr marL="447675" lvl="1" indent="0" algn="just">
               <a:buNone/>
             </a:pPr>
             <a:r>
@@ -12125,7 +12392,7 @@
                 <a:latin typeface="Times New Roman" panose="02020603050405020304" pitchFamily="18" charset="0"/>
                 <a:cs typeface="Times New Roman" panose="02020603050405020304" pitchFamily="18" charset="0"/>
               </a:rPr>
-              <a:t>  &lt;</a:t>
+              <a:t>       &lt;</a:t>
             </a:r>
             <a:r>
               <a:rPr lang="en-US" sz="1800" b="1" dirty="0">
@@ -12157,7 +12424,7 @@
             </a:r>
           </a:p>
           <a:p>
-            <a:pPr marL="0" indent="0" algn="just">
+            <a:pPr marL="447675" lvl="1" indent="0" algn="just">
               <a:buNone/>
             </a:pPr>
             <a:r>
@@ -12183,7 +12450,7 @@
             </a:r>
           </a:p>
           <a:p>
-            <a:pPr marL="0" indent="0" algn="just">
+            <a:pPr marL="447675" lvl="1" indent="0" algn="just">
               <a:buNone/>
             </a:pPr>
             <a:r>
@@ -12209,7 +12476,7 @@
             </a:r>
           </a:p>
           <a:p>
-            <a:pPr marL="0" indent="0" algn="just">
+            <a:pPr marL="891540" lvl="2" indent="0" algn="just">
               <a:buNone/>
             </a:pPr>
             <a:r>
@@ -12249,7 +12516,7 @@
             </a:r>
           </a:p>
           <a:p>
-            <a:pPr marL="0" indent="0" algn="just">
+            <a:pPr marL="891540" lvl="2" indent="0" algn="just">
               <a:buNone/>
             </a:pPr>
             <a:r>
@@ -12289,7 +12556,7 @@
             </a:r>
           </a:p>
           <a:p>
-            <a:pPr marL="0" indent="0" algn="just">
+            <a:pPr marL="447675" lvl="1" indent="0" algn="just">
               <a:buNone/>
             </a:pPr>
             <a:r>
@@ -12823,7 +13090,7 @@
                 <a:latin typeface="Times New Roman" panose="02020603050405020304" pitchFamily="18" charset="0"/>
                 <a:cs typeface="Times New Roman" panose="02020603050405020304" pitchFamily="18" charset="0"/>
               </a:rPr>
-              <a:t>  &lt;</a:t>
+              <a:t> 	 &lt;</a:t>
             </a:r>
             <a:r>
               <a:rPr lang="en-US" sz="3200" b="1" dirty="0">
@@ -13058,7 +13325,7 @@
             </a:r>
           </a:p>
           <a:p>
-            <a:pPr marL="0" indent="0" algn="just">
+            <a:pPr marL="447675" lvl="1" indent="0" algn="just">
               <a:buNone/>
             </a:pPr>
             <a:r>
@@ -13093,7 +13360,7 @@
             </a:r>
           </a:p>
           <a:p>
-            <a:pPr marL="0" indent="0" algn="just">
+            <a:pPr marL="891540" lvl="2" indent="0" algn="just">
               <a:buNone/>
             </a:pPr>
             <a:r>
@@ -13128,7 +13395,7 @@
             </a:r>
           </a:p>
           <a:p>
-            <a:pPr marL="0" indent="0" algn="just">
+            <a:pPr marL="891540" lvl="2" indent="0" algn="just">
               <a:buNone/>
             </a:pPr>
             <a:r>
@@ -13163,7 +13430,7 @@
             </a:r>
           </a:p>
           <a:p>
-            <a:pPr marL="0" indent="0" algn="just">
+            <a:pPr marL="447675" lvl="1" indent="0" algn="just">
               <a:buNone/>
             </a:pPr>
             <a:r>
@@ -13397,7 +13664,7 @@
             </a:r>
           </a:p>
           <a:p>
-            <a:pPr marL="0" indent="0" algn="just">
+            <a:pPr marL="447675" lvl="1" indent="0" algn="just">
               <a:buNone/>
             </a:pPr>
             <a:r>
@@ -13432,7 +13699,7 @@
             </a:r>
           </a:p>
           <a:p>
-            <a:pPr marL="0" indent="0" algn="just">
+            <a:pPr marL="891540" lvl="2" indent="0" algn="just">
               <a:buNone/>
             </a:pPr>
             <a:r>
@@ -13467,7 +13734,7 @@
             </a:r>
           </a:p>
           <a:p>
-            <a:pPr marL="0" indent="0" algn="just">
+            <a:pPr marL="891540" lvl="2" indent="0" algn="just">
               <a:buNone/>
             </a:pPr>
             <a:r>
@@ -13502,7 +13769,7 @@
             </a:r>
           </a:p>
           <a:p>
-            <a:pPr marL="0" indent="0" algn="just">
+            <a:pPr marL="447675" lvl="1" indent="0" algn="just">
               <a:buNone/>
             </a:pPr>
             <a:r>
@@ -13759,7 +14026,7 @@
                 <a:latin typeface="Times New Roman" panose="02020603050405020304" pitchFamily="18" charset="0"/>
                 <a:cs typeface="Times New Roman" panose="02020603050405020304" pitchFamily="18" charset="0"/>
               </a:rPr>
-              <a:t>  &lt;</a:t>
+              <a:t> 	 &lt;</a:t>
             </a:r>
             <a:r>
               <a:rPr lang="en-US" sz="3200" b="1" dirty="0">
@@ -13999,7 +14266,21 @@
                 <a:latin typeface="Times New Roman" panose="02020603050405020304" pitchFamily="18" charset="0"/>
                 <a:cs typeface="Times New Roman" panose="02020603050405020304" pitchFamily="18" charset="0"/>
               </a:rPr>
-              <a:t>&gt; define metadados sobre um documento HTML. Metadados são dados (informações) sobre dados. </a:t>
+              <a:t>&gt; define metadados sobre um documento </a:t>
+            </a:r>
+            <a:r>
+              <a:rPr lang="pt-BR" sz="3200" b="1" dirty="0">
+                <a:latin typeface="Times New Roman" panose="02020603050405020304" pitchFamily="18" charset="0"/>
+                <a:cs typeface="Times New Roman" panose="02020603050405020304" pitchFamily="18" charset="0"/>
+              </a:rPr>
+              <a:t>HTML</a:t>
+            </a:r>
+            <a:r>
+              <a:rPr lang="pt-BR" sz="3200" dirty="0">
+                <a:latin typeface="Times New Roman" panose="02020603050405020304" pitchFamily="18" charset="0"/>
+                <a:cs typeface="Times New Roman" panose="02020603050405020304" pitchFamily="18" charset="0"/>
+              </a:rPr>
+              <a:t>. Metadados são dados (informações) sobre dados. </a:t>
             </a:r>
           </a:p>
           <a:p>
@@ -14240,7 +14521,7 @@
             <a:pPr marL="0" indent="0" algn="just">
               <a:buNone/>
             </a:pPr>
-            <a:endParaRPr lang="pt-BR" sz="2400" dirty="0">
+            <a:endParaRPr lang="pt-BR" sz="3200" dirty="0">
               <a:latin typeface="Times New Roman" panose="02020603050405020304" pitchFamily="18" charset="0"/>
               <a:cs typeface="Times New Roman" panose="02020603050405020304" pitchFamily="18" charset="0"/>
             </a:endParaRPr>
@@ -14249,7 +14530,36 @@
             <a:pPr marL="0" indent="0" algn="just">
               <a:buNone/>
             </a:pPr>
-            <a:endParaRPr lang="pt-BR" sz="2400" dirty="0">
+            <a:r>
+              <a:rPr lang="pt-BR" sz="3200" dirty="0">
+                <a:latin typeface="Times New Roman" panose="02020603050405020304" pitchFamily="18" charset="0"/>
+                <a:cs typeface="Times New Roman" panose="02020603050405020304" pitchFamily="18" charset="0"/>
+              </a:rPr>
+              <a:t>O </a:t>
+            </a:r>
+            <a:r>
+              <a:rPr lang="pt-BR" sz="3200" b="1" dirty="0">
+                <a:solidFill>
+                  <a:srgbClr val="FF0000"/>
+                </a:solidFill>
+                <a:latin typeface="Times New Roman" panose="02020603050405020304" pitchFamily="18" charset="0"/>
+                <a:cs typeface="Times New Roman" panose="02020603050405020304" pitchFamily="18" charset="0"/>
+              </a:rPr>
+              <a:t>desenvolvimento web </a:t>
+            </a:r>
+            <a:r>
+              <a:rPr lang="pt-BR" sz="3200" dirty="0">
+                <a:latin typeface="Times New Roman" panose="02020603050405020304" pitchFamily="18" charset="0"/>
+                <a:cs typeface="Times New Roman" panose="02020603050405020304" pitchFamily="18" charset="0"/>
+              </a:rPr>
+              <a:t>se trata da criação de um software web conectado a uma rede internet ou intranet. </a:t>
+            </a:r>
+          </a:p>
+          <a:p>
+            <a:pPr marL="0" indent="0" algn="just">
+              <a:buNone/>
+            </a:pPr>
+            <a:endParaRPr lang="pt-BR" sz="3200" dirty="0">
               <a:latin typeface="Times New Roman" panose="02020603050405020304" pitchFamily="18" charset="0"/>
               <a:cs typeface="Times New Roman" panose="02020603050405020304" pitchFamily="18" charset="0"/>
             </a:endParaRPr>
@@ -14258,36 +14568,7 @@
             <a:pPr marL="0" indent="0" algn="just">
               <a:buNone/>
             </a:pPr>
-            <a:r>
-              <a:rPr lang="pt-BR" sz="2400" dirty="0">
-                <a:latin typeface="Times New Roman" panose="02020603050405020304" pitchFamily="18" charset="0"/>
-                <a:cs typeface="Times New Roman" panose="02020603050405020304" pitchFamily="18" charset="0"/>
-              </a:rPr>
-              <a:t>O </a:t>
-            </a:r>
-            <a:r>
-              <a:rPr lang="pt-BR" sz="2400" b="1" dirty="0">
-                <a:solidFill>
-                  <a:srgbClr val="FF0000"/>
-                </a:solidFill>
-                <a:latin typeface="Times New Roman" panose="02020603050405020304" pitchFamily="18" charset="0"/>
-                <a:cs typeface="Times New Roman" panose="02020603050405020304" pitchFamily="18" charset="0"/>
-              </a:rPr>
-              <a:t>desenvolvimento web </a:t>
-            </a:r>
-            <a:r>
-              <a:rPr lang="pt-BR" sz="2400" dirty="0">
-                <a:latin typeface="Times New Roman" panose="02020603050405020304" pitchFamily="18" charset="0"/>
-                <a:cs typeface="Times New Roman" panose="02020603050405020304" pitchFamily="18" charset="0"/>
-              </a:rPr>
-              <a:t>se trata da criação de um software web conectado a uma rede internet ou intranet. </a:t>
-            </a:r>
-          </a:p>
-          <a:p>
-            <a:pPr marL="0" indent="0" algn="just">
-              <a:buNone/>
-            </a:pPr>
-            <a:endParaRPr lang="pt-BR" sz="2400" dirty="0">
+            <a:endParaRPr lang="pt-BR" sz="3200" dirty="0">
               <a:latin typeface="Times New Roman" panose="02020603050405020304" pitchFamily="18" charset="0"/>
               <a:cs typeface="Times New Roman" panose="02020603050405020304" pitchFamily="18" charset="0"/>
             </a:endParaRPr>
@@ -14296,16 +14577,7 @@
             <a:pPr marL="0" indent="0" algn="just">
               <a:buNone/>
             </a:pPr>
-            <a:endParaRPr lang="pt-BR" sz="2400" dirty="0">
-              <a:latin typeface="Times New Roman" panose="02020603050405020304" pitchFamily="18" charset="0"/>
-              <a:cs typeface="Times New Roman" panose="02020603050405020304" pitchFamily="18" charset="0"/>
-            </a:endParaRPr>
-          </a:p>
-          <a:p>
-            <a:pPr marL="0" indent="0" algn="just">
-              <a:buNone/>
-            </a:pPr>
-            <a:endParaRPr lang="pt-BR" sz="2400" dirty="0">
+            <a:endParaRPr lang="pt-BR" sz="3200" dirty="0">
               <a:latin typeface="Times New Roman" panose="02020603050405020304" pitchFamily="18" charset="0"/>
               <a:cs typeface="Times New Roman" panose="02020603050405020304" pitchFamily="18" charset="0"/>
             </a:endParaRPr>
@@ -15077,7 +15349,7 @@
               <a:t>	&lt;</a:t>
             </a:r>
             <a:r>
-              <a:rPr lang="pt-BR" sz="2400" dirty="0" err="1">
+              <a:rPr lang="pt-BR" sz="2400" b="1" dirty="0" err="1">
                 <a:latin typeface="Times New Roman" panose="02020603050405020304" pitchFamily="18" charset="0"/>
                 <a:cs typeface="Times New Roman" panose="02020603050405020304" pitchFamily="18" charset="0"/>
               </a:rPr>
@@ -15091,7 +15363,7 @@
               <a:t>&gt; e &lt;/</a:t>
             </a:r>
             <a:r>
-              <a:rPr lang="pt-BR" sz="2400" dirty="0" err="1">
+              <a:rPr lang="pt-BR" sz="2400" b="1" dirty="0" err="1">
                 <a:latin typeface="Times New Roman" panose="02020603050405020304" pitchFamily="18" charset="0"/>
                 <a:cs typeface="Times New Roman" panose="02020603050405020304" pitchFamily="18" charset="0"/>
               </a:rPr>
@@ -15102,7 +15374,14 @@
                 <a:latin typeface="Times New Roman" panose="02020603050405020304" pitchFamily="18" charset="0"/>
                 <a:cs typeface="Times New Roman" panose="02020603050405020304" pitchFamily="18" charset="0"/>
               </a:rPr>
-              <a:t>&gt; um documento HTML</a:t>
+              <a:t>&gt; um documento </a:t>
+            </a:r>
+            <a:r>
+              <a:rPr lang="pt-BR" sz="2400" b="1" dirty="0">
+                <a:latin typeface="Times New Roman" panose="02020603050405020304" pitchFamily="18" charset="0"/>
+                <a:cs typeface="Times New Roman" panose="02020603050405020304" pitchFamily="18" charset="0"/>
+              </a:rPr>
+              <a:t>HTML</a:t>
             </a:r>
           </a:p>
           <a:p>
@@ -15117,7 +15396,7 @@
               <a:t>	&lt;</a:t>
             </a:r>
             <a:r>
-              <a:rPr lang="pt-BR" sz="2400" dirty="0" err="1">
+              <a:rPr lang="pt-BR" sz="2400" b="1" dirty="0" err="1">
                 <a:latin typeface="Times New Roman" panose="02020603050405020304" pitchFamily="18" charset="0"/>
                 <a:cs typeface="Times New Roman" panose="02020603050405020304" pitchFamily="18" charset="0"/>
               </a:rPr>
@@ -15131,7 +15410,7 @@
               <a:t>&gt; e &lt;</a:t>
             </a:r>
             <a:r>
-              <a:rPr lang="pt-BR" sz="2400" dirty="0" err="1">
+              <a:rPr lang="pt-BR" sz="2400" b="1" dirty="0" err="1">
                 <a:latin typeface="Times New Roman" panose="02020603050405020304" pitchFamily="18" charset="0"/>
                 <a:cs typeface="Times New Roman" panose="02020603050405020304" pitchFamily="18" charset="0"/>
               </a:rPr>
@@ -15154,22 +15433,50 @@
                 <a:latin typeface="Times New Roman" panose="02020603050405020304" pitchFamily="18" charset="0"/>
                 <a:cs typeface="Times New Roman" panose="02020603050405020304" pitchFamily="18" charset="0"/>
               </a:rPr>
-              <a:t>	&lt;h1&gt; e &lt;h1&gt; título de uma capítulo/seção</a:t>
-            </a:r>
-          </a:p>
-          <a:p>
-            <a:pPr marL="0" indent="0" algn="just">
-              <a:buNone/>
-            </a:pPr>
-            <a:r>
-              <a:rPr lang="pt-BR" sz="2400" dirty="0">
-                <a:latin typeface="Times New Roman" panose="02020603050405020304" pitchFamily="18" charset="0"/>
-                <a:cs typeface="Times New Roman" panose="02020603050405020304" pitchFamily="18" charset="0"/>
-              </a:rPr>
               <a:t>	&lt;</a:t>
             </a:r>
             <a:r>
-              <a:rPr lang="pt-BR" sz="2400" dirty="0" err="1">
+              <a:rPr lang="pt-BR" sz="2400" b="1" dirty="0">
+                <a:latin typeface="Times New Roman" panose="02020603050405020304" pitchFamily="18" charset="0"/>
+                <a:cs typeface="Times New Roman" panose="02020603050405020304" pitchFamily="18" charset="0"/>
+              </a:rPr>
+              <a:t>h1</a:t>
+            </a:r>
+            <a:r>
+              <a:rPr lang="pt-BR" sz="2400" dirty="0">
+                <a:latin typeface="Times New Roman" panose="02020603050405020304" pitchFamily="18" charset="0"/>
+                <a:cs typeface="Times New Roman" panose="02020603050405020304" pitchFamily="18" charset="0"/>
+              </a:rPr>
+              <a:t>&gt; e &lt;</a:t>
+            </a:r>
+            <a:r>
+              <a:rPr lang="pt-BR" sz="2400" b="1" dirty="0">
+                <a:latin typeface="Times New Roman" panose="02020603050405020304" pitchFamily="18" charset="0"/>
+                <a:cs typeface="Times New Roman" panose="02020603050405020304" pitchFamily="18" charset="0"/>
+              </a:rPr>
+              <a:t>h1</a:t>
+            </a:r>
+            <a:r>
+              <a:rPr lang="pt-BR" sz="2400" dirty="0">
+                <a:latin typeface="Times New Roman" panose="02020603050405020304" pitchFamily="18" charset="0"/>
+                <a:cs typeface="Times New Roman" panose="02020603050405020304" pitchFamily="18" charset="0"/>
+              </a:rPr>
+              <a:t>&gt; título de uma capítulo/seção</a:t>
+            </a:r>
+          </a:p>
+          <a:p>
+            <a:pPr marL="0" indent="0" algn="just">
+              <a:buNone/>
+            </a:pPr>
+            <a:r>
+              <a:rPr lang="pt-BR" sz="2400" dirty="0">
+                <a:latin typeface="Times New Roman" panose="02020603050405020304" pitchFamily="18" charset="0"/>
+                <a:cs typeface="Times New Roman" panose="02020603050405020304" pitchFamily="18" charset="0"/>
+              </a:rPr>
+              <a:t>	&lt;</a:t>
+            </a:r>
+            <a:r>
+              <a:rPr lang="pt-BR" sz="2400" b="1" dirty="0" err="1">
                 <a:latin typeface="Times New Roman" panose="02020603050405020304" pitchFamily="18" charset="0"/>
                 <a:cs typeface="Times New Roman" panose="02020603050405020304" pitchFamily="18" charset="0"/>
               </a:rPr>
@@ -15183,7 +15490,7 @@
               <a:t>&gt; e &lt;/</a:t>
             </a:r>
             <a:r>
-              <a:rPr lang="pt-BR" sz="2400" dirty="0" err="1">
+              <a:rPr lang="pt-BR" sz="2400" b="1" dirty="0" err="1">
                 <a:latin typeface="Times New Roman" panose="02020603050405020304" pitchFamily="18" charset="0"/>
                 <a:cs typeface="Times New Roman" panose="02020603050405020304" pitchFamily="18" charset="0"/>
               </a:rPr>
@@ -15206,19 +15513,75 @@
                 <a:latin typeface="Times New Roman" panose="02020603050405020304" pitchFamily="18" charset="0"/>
                 <a:cs typeface="Times New Roman" panose="02020603050405020304" pitchFamily="18" charset="0"/>
               </a:rPr>
-              <a:t>	&lt;body&gt; e &lt;/body&gt; a área do corpo (conteúdo)</a:t>
-            </a:r>
-          </a:p>
-          <a:p>
-            <a:pPr marL="0" indent="0" algn="just">
-              <a:buNone/>
-            </a:pPr>
-            <a:r>
-              <a:rPr lang="pt-BR" sz="2400" dirty="0">
-                <a:latin typeface="Times New Roman" panose="02020603050405020304" pitchFamily="18" charset="0"/>
-                <a:cs typeface="Times New Roman" panose="02020603050405020304" pitchFamily="18" charset="0"/>
-              </a:rPr>
-              <a:t>	&lt;p&gt; e &lt;/p&gt; um novo parágrafo</a:t>
+              <a:t>	&lt;</a:t>
+            </a:r>
+            <a:r>
+              <a:rPr lang="pt-BR" sz="2400" b="1" dirty="0">
+                <a:latin typeface="Times New Roman" panose="02020603050405020304" pitchFamily="18" charset="0"/>
+                <a:cs typeface="Times New Roman" panose="02020603050405020304" pitchFamily="18" charset="0"/>
+              </a:rPr>
+              <a:t>body</a:t>
+            </a:r>
+            <a:r>
+              <a:rPr lang="pt-BR" sz="2400" dirty="0">
+                <a:latin typeface="Times New Roman" panose="02020603050405020304" pitchFamily="18" charset="0"/>
+                <a:cs typeface="Times New Roman" panose="02020603050405020304" pitchFamily="18" charset="0"/>
+              </a:rPr>
+              <a:t>&gt; e &lt;/</a:t>
+            </a:r>
+            <a:r>
+              <a:rPr lang="pt-BR" sz="2400" b="1" dirty="0">
+                <a:latin typeface="Times New Roman" panose="02020603050405020304" pitchFamily="18" charset="0"/>
+                <a:cs typeface="Times New Roman" panose="02020603050405020304" pitchFamily="18" charset="0"/>
+              </a:rPr>
+              <a:t>body</a:t>
+            </a:r>
+            <a:r>
+              <a:rPr lang="pt-BR" sz="2400" dirty="0">
+                <a:latin typeface="Times New Roman" panose="02020603050405020304" pitchFamily="18" charset="0"/>
+                <a:cs typeface="Times New Roman" panose="02020603050405020304" pitchFamily="18" charset="0"/>
+              </a:rPr>
+              <a:t>&gt; a área do corpo (conteúdo)</a:t>
+            </a:r>
+          </a:p>
+          <a:p>
+            <a:pPr marL="0" indent="0" algn="just">
+              <a:buNone/>
+            </a:pPr>
+            <a:r>
+              <a:rPr lang="pt-BR" sz="2400" dirty="0">
+                <a:latin typeface="Times New Roman" panose="02020603050405020304" pitchFamily="18" charset="0"/>
+                <a:cs typeface="Times New Roman" panose="02020603050405020304" pitchFamily="18" charset="0"/>
+              </a:rPr>
+              <a:t>	&lt;</a:t>
+            </a:r>
+            <a:r>
+              <a:rPr lang="pt-BR" sz="2400" b="1" dirty="0">
+                <a:latin typeface="Times New Roman" panose="02020603050405020304" pitchFamily="18" charset="0"/>
+                <a:cs typeface="Times New Roman" panose="02020603050405020304" pitchFamily="18" charset="0"/>
+              </a:rPr>
+              <a:t>p</a:t>
+            </a:r>
+            <a:r>
+              <a:rPr lang="pt-BR" sz="2400" dirty="0">
+                <a:latin typeface="Times New Roman" panose="02020603050405020304" pitchFamily="18" charset="0"/>
+                <a:cs typeface="Times New Roman" panose="02020603050405020304" pitchFamily="18" charset="0"/>
+              </a:rPr>
+              <a:t>&gt; e &lt;/</a:t>
+            </a:r>
+            <a:r>
+              <a:rPr lang="pt-BR" sz="2400" b="1" dirty="0">
+                <a:latin typeface="Times New Roman" panose="02020603050405020304" pitchFamily="18" charset="0"/>
+                <a:cs typeface="Times New Roman" panose="02020603050405020304" pitchFamily="18" charset="0"/>
+              </a:rPr>
+              <a:t>p</a:t>
+            </a:r>
+            <a:r>
+              <a:rPr lang="pt-BR" sz="2400" dirty="0">
+                <a:latin typeface="Times New Roman" panose="02020603050405020304" pitchFamily="18" charset="0"/>
+                <a:cs typeface="Times New Roman" panose="02020603050405020304" pitchFamily="18" charset="0"/>
+              </a:rPr>
+              <a:t>&gt; um novo parágrafo</a:t>
             </a:r>
           </a:p>
           <a:p>
@@ -15706,6 +16069,11 @@
               </a:rPr>
               <a:t>Exemplo:</a:t>
             </a:r>
+          </a:p>
+          <a:p>
+            <a:pPr marL="0" indent="0" algn="just">
+              <a:buNone/>
+            </a:pPr>
             <a:endParaRPr lang="pt-BR" sz="2400" dirty="0">
               <a:latin typeface="Times New Roman" panose="02020603050405020304" pitchFamily="18" charset="0"/>
               <a:cs typeface="Times New Roman" panose="02020603050405020304" pitchFamily="18" charset="0"/>
@@ -16092,6 +16460,11 @@
               </a:rPr>
               <a:t>Exemplo:</a:t>
             </a:r>
+          </a:p>
+          <a:p>
+            <a:pPr marL="0" indent="0" algn="just">
+              <a:buNone/>
+            </a:pPr>
             <a:endParaRPr lang="pt-BR" sz="2400" dirty="0">
               <a:latin typeface="Times New Roman" panose="02020603050405020304" pitchFamily="18" charset="0"/>
               <a:cs typeface="Times New Roman" panose="02020603050405020304" pitchFamily="18" charset="0"/>
@@ -16106,7 +16479,7 @@
                 <a:latin typeface="Times New Roman" panose="02020603050405020304" pitchFamily="18" charset="0"/>
                 <a:cs typeface="Times New Roman" panose="02020603050405020304" pitchFamily="18" charset="0"/>
               </a:rPr>
-              <a:t>&lt;</a:t>
+              <a:t>	&lt;</a:t>
             </a:r>
             <a:r>
               <a:rPr lang="pt-BR" sz="2400" b="1" dirty="0">
@@ -16155,7 +16528,7 @@
                 <a:latin typeface="Times New Roman" panose="02020603050405020304" pitchFamily="18" charset="0"/>
                 <a:cs typeface="Times New Roman" panose="02020603050405020304" pitchFamily="18" charset="0"/>
               </a:rPr>
-              <a:t>&lt;</a:t>
+              <a:t>	&lt;</a:t>
             </a:r>
             <a:r>
               <a:rPr lang="pt-BR" sz="2400" b="1" dirty="0">
@@ -16384,6 +16757,11 @@
               </a:rPr>
               <a:t>Exemplo:</a:t>
             </a:r>
+          </a:p>
+          <a:p>
+            <a:pPr marL="0" indent="0" algn="just">
+              <a:buNone/>
+            </a:pPr>
             <a:endParaRPr lang="pt-BR" sz="2400" dirty="0">
               <a:latin typeface="Times New Roman" panose="02020603050405020304" pitchFamily="18" charset="0"/>
               <a:cs typeface="Times New Roman" panose="02020603050405020304" pitchFamily="18" charset="0"/>
@@ -16398,7 +16776,7 @@
                 <a:latin typeface="Times New Roman" panose="02020603050405020304" pitchFamily="18" charset="0"/>
                 <a:cs typeface="Times New Roman" panose="02020603050405020304" pitchFamily="18" charset="0"/>
               </a:rPr>
-              <a:t>&lt;</a:t>
+              <a:t>	&lt;</a:t>
             </a:r>
             <a:r>
               <a:rPr lang="pt-BR" sz="2400" b="1" dirty="0">
@@ -16433,12 +16811,21 @@
             <a:pPr marL="0" indent="0" algn="just">
               <a:buNone/>
             </a:pPr>
-            <a:r>
-              <a:rPr lang="pt-BR" sz="2400" dirty="0">
-                <a:latin typeface="Times New Roman" panose="02020603050405020304" pitchFamily="18" charset="0"/>
-                <a:cs typeface="Times New Roman" panose="02020603050405020304" pitchFamily="18" charset="0"/>
-              </a:rPr>
-              <a:t>&lt;</a:t>
+            <a:endParaRPr lang="pt-BR" sz="2400" dirty="0">
+              <a:latin typeface="Times New Roman" panose="02020603050405020304" pitchFamily="18" charset="0"/>
+              <a:cs typeface="Times New Roman" panose="02020603050405020304" pitchFamily="18" charset="0"/>
+            </a:endParaRPr>
+          </a:p>
+          <a:p>
+            <a:pPr marL="0" indent="0" algn="just">
+              <a:buNone/>
+            </a:pPr>
+            <a:r>
+              <a:rPr lang="pt-BR" sz="2400" dirty="0">
+                <a:latin typeface="Times New Roman" panose="02020603050405020304" pitchFamily="18" charset="0"/>
+                <a:cs typeface="Times New Roman" panose="02020603050405020304" pitchFamily="18" charset="0"/>
+              </a:rPr>
+              <a:t>	&lt;</a:t>
             </a:r>
             <a:r>
               <a:rPr lang="pt-BR" sz="2400" b="1" dirty="0">
@@ -16632,35 +17019,50 @@
               <a:t>Para destacar um texto, além dos efeitos, pode alterar o alinhamento da linha do parágrafo (</a:t>
             </a:r>
             <a:r>
-              <a:rPr lang="pt-BR" sz="2400" dirty="0" err="1">
+              <a:rPr lang="pt-BR" sz="2400" b="1" dirty="0" err="1">
+                <a:solidFill>
+                  <a:srgbClr val="FF0000"/>
+                </a:solidFill>
                 <a:latin typeface="Times New Roman" panose="02020603050405020304" pitchFamily="18" charset="0"/>
                 <a:cs typeface="Times New Roman" panose="02020603050405020304" pitchFamily="18" charset="0"/>
               </a:rPr>
               <a:t>left</a:t>
             </a:r>
             <a:r>
-              <a:rPr lang="pt-BR" sz="2400" dirty="0">
+              <a:rPr lang="pt-BR" sz="2400" b="1" dirty="0">
+                <a:solidFill>
+                  <a:srgbClr val="FF0000"/>
+                </a:solidFill>
                 <a:latin typeface="Times New Roman" panose="02020603050405020304" pitchFamily="18" charset="0"/>
                 <a:cs typeface="Times New Roman" panose="02020603050405020304" pitchFamily="18" charset="0"/>
               </a:rPr>
               <a:t>, center, </a:t>
             </a:r>
             <a:r>
-              <a:rPr lang="pt-BR" sz="2400" dirty="0" err="1">
+              <a:rPr lang="pt-BR" sz="2400" b="1" dirty="0" err="1">
+                <a:solidFill>
+                  <a:srgbClr val="FF0000"/>
+                </a:solidFill>
                 <a:latin typeface="Times New Roman" panose="02020603050405020304" pitchFamily="18" charset="0"/>
                 <a:cs typeface="Times New Roman" panose="02020603050405020304" pitchFamily="18" charset="0"/>
               </a:rPr>
               <a:t>right</a:t>
             </a:r>
             <a:r>
-              <a:rPr lang="pt-BR" sz="2400" dirty="0">
+              <a:rPr lang="pt-BR" sz="2400" b="1" dirty="0">
+                <a:solidFill>
+                  <a:srgbClr val="FF0000"/>
+                </a:solidFill>
                 <a:latin typeface="Times New Roman" panose="02020603050405020304" pitchFamily="18" charset="0"/>
                 <a:cs typeface="Times New Roman" panose="02020603050405020304" pitchFamily="18" charset="0"/>
               </a:rPr>
               <a:t>, </a:t>
             </a:r>
             <a:r>
-              <a:rPr lang="pt-BR" sz="2400" dirty="0" err="1">
+              <a:rPr lang="pt-BR" sz="2400" b="1" dirty="0" err="1">
+                <a:solidFill>
+                  <a:srgbClr val="FF0000"/>
+                </a:solidFill>
                 <a:latin typeface="Times New Roman" panose="02020603050405020304" pitchFamily="18" charset="0"/>
                 <a:cs typeface="Times New Roman" panose="02020603050405020304" pitchFamily="18" charset="0"/>
               </a:rPr>
@@ -16709,10 +17111,70 @@
               <a:t> </a:t>
             </a:r>
             <a:r>
+              <a:rPr lang="pt-BR" sz="2400" b="1" dirty="0" err="1">
+                <a:solidFill>
+                  <a:srgbClr val="FF0000"/>
+                </a:solidFill>
+                <a:latin typeface="Times New Roman" panose="02020603050405020304" pitchFamily="18" charset="0"/>
+                <a:cs typeface="Times New Roman" panose="02020603050405020304" pitchFamily="18" charset="0"/>
+              </a:rPr>
+              <a:t>align</a:t>
+            </a:r>
+            <a:r>
+              <a:rPr lang="pt-BR" sz="2400" dirty="0">
+                <a:latin typeface="Times New Roman" panose="02020603050405020304" pitchFamily="18" charset="0"/>
+                <a:cs typeface="Times New Roman" panose="02020603050405020304" pitchFamily="18" charset="0"/>
+              </a:rPr>
+              <a:t>=</a:t>
+            </a:r>
+            <a:r>
               <a:rPr lang="pt-BR" sz="2400" dirty="0" err="1">
                 <a:latin typeface="Times New Roman" panose="02020603050405020304" pitchFamily="18" charset="0"/>
                 <a:cs typeface="Times New Roman" panose="02020603050405020304" pitchFamily="18" charset="0"/>
               </a:rPr>
+              <a:t>left</a:t>
+            </a:r>
+            <a:r>
+              <a:rPr lang="pt-BR" sz="2400" dirty="0">
+                <a:latin typeface="Times New Roman" panose="02020603050405020304" pitchFamily="18" charset="0"/>
+                <a:cs typeface="Times New Roman" panose="02020603050405020304" pitchFamily="18" charset="0"/>
+              </a:rPr>
+              <a:t>&gt;Alinhamento à esquerda (padrão).&lt;/p&gt;</a:t>
+            </a:r>
+          </a:p>
+          <a:p>
+            <a:pPr marL="0" indent="0" algn="just">
+              <a:buNone/>
+            </a:pPr>
+            <a:r>
+              <a:rPr lang="pt-BR" sz="2400" dirty="0">
+                <a:latin typeface="Times New Roman" panose="02020603050405020304" pitchFamily="18" charset="0"/>
+                <a:cs typeface="Times New Roman" panose="02020603050405020304" pitchFamily="18" charset="0"/>
+              </a:rPr>
+              <a:t>&lt;</a:t>
+            </a:r>
+            <a:r>
+              <a:rPr lang="pt-BR" sz="2400" b="1" dirty="0">
+                <a:latin typeface="Times New Roman" panose="02020603050405020304" pitchFamily="18" charset="0"/>
+                <a:cs typeface="Times New Roman" panose="02020603050405020304" pitchFamily="18" charset="0"/>
+              </a:rPr>
+              <a:t>p</a:t>
+            </a:r>
+            <a:r>
+              <a:rPr lang="pt-BR" sz="2400" dirty="0">
+                <a:latin typeface="Times New Roman" panose="02020603050405020304" pitchFamily="18" charset="0"/>
+                <a:cs typeface="Times New Roman" panose="02020603050405020304" pitchFamily="18" charset="0"/>
+              </a:rPr>
+              <a:t> </a:t>
+            </a:r>
+            <a:r>
+              <a:rPr lang="pt-BR" sz="2400" b="1" dirty="0" err="1">
+                <a:solidFill>
+                  <a:srgbClr val="FF0000"/>
+                </a:solidFill>
+                <a:latin typeface="Times New Roman" panose="02020603050405020304" pitchFamily="18" charset="0"/>
+                <a:cs typeface="Times New Roman" panose="02020603050405020304" pitchFamily="18" charset="0"/>
+              </a:rPr>
               <a:t>align</a:t>
             </a:r>
             <a:r>
@@ -16720,6 +17182,49 @@
                 <a:latin typeface="Times New Roman" panose="02020603050405020304" pitchFamily="18" charset="0"/>
                 <a:cs typeface="Times New Roman" panose="02020603050405020304" pitchFamily="18" charset="0"/>
               </a:rPr>
+              <a:t>=center&gt;Alinhamento à esquerda (padrão).&lt;/p&gt;</a:t>
+            </a:r>
+          </a:p>
+          <a:p>
+            <a:pPr marL="0" indent="0" algn="just">
+              <a:buNone/>
+            </a:pPr>
+            <a:r>
+              <a:rPr lang="pt-BR" sz="2400" dirty="0">
+                <a:latin typeface="Times New Roman" panose="02020603050405020304" pitchFamily="18" charset="0"/>
+                <a:cs typeface="Times New Roman" panose="02020603050405020304" pitchFamily="18" charset="0"/>
+              </a:rPr>
+              <a:t>&lt;</a:t>
+            </a:r>
+            <a:r>
+              <a:rPr lang="pt-BR" sz="2400" b="1" dirty="0">
+                <a:latin typeface="Times New Roman" panose="02020603050405020304" pitchFamily="18" charset="0"/>
+                <a:cs typeface="Times New Roman" panose="02020603050405020304" pitchFamily="18" charset="0"/>
+              </a:rPr>
+              <a:t>p</a:t>
+            </a:r>
+            <a:r>
+              <a:rPr lang="pt-BR" sz="2400" dirty="0">
+                <a:latin typeface="Times New Roman" panose="02020603050405020304" pitchFamily="18" charset="0"/>
+                <a:cs typeface="Times New Roman" panose="02020603050405020304" pitchFamily="18" charset="0"/>
+              </a:rPr>
+              <a:t> </a:t>
+            </a:r>
+            <a:r>
+              <a:rPr lang="pt-BR" sz="2400" b="1" dirty="0" err="1">
+                <a:solidFill>
+                  <a:srgbClr val="FF0000"/>
+                </a:solidFill>
+                <a:latin typeface="Times New Roman" panose="02020603050405020304" pitchFamily="18" charset="0"/>
+                <a:cs typeface="Times New Roman" panose="02020603050405020304" pitchFamily="18" charset="0"/>
+              </a:rPr>
+              <a:t>align</a:t>
+            </a:r>
+            <a:r>
+              <a:rPr lang="pt-BR" sz="2400" dirty="0">
+                <a:latin typeface="Times New Roman" panose="02020603050405020304" pitchFamily="18" charset="0"/>
+                <a:cs typeface="Times New Roman" panose="02020603050405020304" pitchFamily="18" charset="0"/>
+              </a:rPr>
               <a:t>=</a:t>
             </a:r>
             <a:r>
@@ -16727,7 +17232,7 @@
                 <a:latin typeface="Times New Roman" panose="02020603050405020304" pitchFamily="18" charset="0"/>
                 <a:cs typeface="Times New Roman" panose="02020603050405020304" pitchFamily="18" charset="0"/>
               </a:rPr>
-              <a:t>left</a:t>
+              <a:t>right</a:t>
             </a:r>
             <a:r>
               <a:rPr lang="pt-BR" sz="2400" dirty="0">
@@ -16763,101 +17268,10 @@
               <a:t> </a:t>
             </a:r>
             <a:r>
-              <a:rPr lang="pt-BR" sz="2400" dirty="0" err="1">
-                <a:latin typeface="Times New Roman" panose="02020603050405020304" pitchFamily="18" charset="0"/>
-                <a:cs typeface="Times New Roman" panose="02020603050405020304" pitchFamily="18" charset="0"/>
-              </a:rPr>
-              <a:t>align</a:t>
-            </a:r>
-            <a:r>
-              <a:rPr lang="pt-BR" sz="2400" dirty="0">
-                <a:latin typeface="Times New Roman" panose="02020603050405020304" pitchFamily="18" charset="0"/>
-                <a:cs typeface="Times New Roman" panose="02020603050405020304" pitchFamily="18" charset="0"/>
-              </a:rPr>
-              <a:t>=center&gt;Alinhamento à esquerda (padrão).&lt;/p&gt;</a:t>
-            </a:r>
-          </a:p>
-          <a:p>
-            <a:pPr marL="0" indent="0" algn="just">
-              <a:buNone/>
-            </a:pPr>
-            <a:r>
-              <a:rPr lang="pt-BR" sz="2400" dirty="0">
-                <a:latin typeface="Times New Roman" panose="02020603050405020304" pitchFamily="18" charset="0"/>
-                <a:cs typeface="Times New Roman" panose="02020603050405020304" pitchFamily="18" charset="0"/>
-              </a:rPr>
-              <a:t>&lt;</a:t>
-            </a:r>
-            <a:r>
-              <a:rPr lang="pt-BR" sz="2400" b="1" dirty="0">
-                <a:latin typeface="Times New Roman" panose="02020603050405020304" pitchFamily="18" charset="0"/>
-                <a:cs typeface="Times New Roman" panose="02020603050405020304" pitchFamily="18" charset="0"/>
-              </a:rPr>
-              <a:t>p</a:t>
-            </a:r>
-            <a:r>
-              <a:rPr lang="pt-BR" sz="2400" dirty="0">
-                <a:latin typeface="Times New Roman" panose="02020603050405020304" pitchFamily="18" charset="0"/>
-                <a:cs typeface="Times New Roman" panose="02020603050405020304" pitchFamily="18" charset="0"/>
-              </a:rPr>
-              <a:t> </a:t>
-            </a:r>
-            <a:r>
-              <a:rPr lang="pt-BR" sz="2400" dirty="0" err="1">
-                <a:latin typeface="Times New Roman" panose="02020603050405020304" pitchFamily="18" charset="0"/>
-                <a:cs typeface="Times New Roman" panose="02020603050405020304" pitchFamily="18" charset="0"/>
-              </a:rPr>
-              <a:t>align</a:t>
-            </a:r>
-            <a:r>
-              <a:rPr lang="pt-BR" sz="2400" dirty="0">
-                <a:latin typeface="Times New Roman" panose="02020603050405020304" pitchFamily="18" charset="0"/>
-                <a:cs typeface="Times New Roman" panose="02020603050405020304" pitchFamily="18" charset="0"/>
-              </a:rPr>
-              <a:t>=</a:t>
-            </a:r>
-            <a:r>
-              <a:rPr lang="pt-BR" sz="2400" dirty="0" err="1">
-                <a:latin typeface="Times New Roman" panose="02020603050405020304" pitchFamily="18" charset="0"/>
-                <a:cs typeface="Times New Roman" panose="02020603050405020304" pitchFamily="18" charset="0"/>
-              </a:rPr>
-              <a:t>right</a:t>
-            </a:r>
-            <a:r>
-              <a:rPr lang="pt-BR" sz="2400" dirty="0">
-                <a:latin typeface="Times New Roman" panose="02020603050405020304" pitchFamily="18" charset="0"/>
-                <a:cs typeface="Times New Roman" panose="02020603050405020304" pitchFamily="18" charset="0"/>
-              </a:rPr>
-              <a:t>&gt;Alinhamento à esquerda (padrão).&lt;/p&gt;</a:t>
-            </a:r>
-          </a:p>
-          <a:p>
-            <a:pPr marL="0" indent="0" algn="just">
-              <a:buNone/>
-            </a:pPr>
-            <a:r>
-              <a:rPr lang="pt-BR" sz="2400" dirty="0">
-                <a:latin typeface="Times New Roman" panose="02020603050405020304" pitchFamily="18" charset="0"/>
-                <a:cs typeface="Times New Roman" panose="02020603050405020304" pitchFamily="18" charset="0"/>
-              </a:rPr>
-              <a:t>&lt;</a:t>
-            </a:r>
-            <a:r>
-              <a:rPr lang="pt-BR" sz="2400" b="1" dirty="0">
-                <a:latin typeface="Times New Roman" panose="02020603050405020304" pitchFamily="18" charset="0"/>
-                <a:cs typeface="Times New Roman" panose="02020603050405020304" pitchFamily="18" charset="0"/>
-              </a:rPr>
-              <a:t>p</a:t>
-            </a:r>
-            <a:r>
-              <a:rPr lang="pt-BR" sz="2400" dirty="0">
-                <a:latin typeface="Times New Roman" panose="02020603050405020304" pitchFamily="18" charset="0"/>
-                <a:cs typeface="Times New Roman" panose="02020603050405020304" pitchFamily="18" charset="0"/>
-              </a:rPr>
-              <a:t> </a:t>
-            </a:r>
-            <a:r>
-              <a:rPr lang="pt-BR" sz="2400" dirty="0" err="1">
+              <a:rPr lang="pt-BR" sz="2400" b="1" dirty="0" err="1">
+                <a:solidFill>
+                  <a:srgbClr val="FF0000"/>
+                </a:solidFill>
                 <a:latin typeface="Times New Roman" panose="02020603050405020304" pitchFamily="18" charset="0"/>
                 <a:cs typeface="Times New Roman" panose="02020603050405020304" pitchFamily="18" charset="0"/>
               </a:rPr>
@@ -17022,7 +17436,45 @@
                 <a:latin typeface="Times New Roman" panose="02020603050405020304" pitchFamily="18" charset="0"/>
                 <a:cs typeface="Times New Roman" panose="02020603050405020304" pitchFamily="18" charset="0"/>
               </a:rPr>
-              <a:t>A fonte padrão da visualização da página web é, Times New Roman.</a:t>
+              <a:t>A </a:t>
+            </a:r>
+            <a:r>
+              <a:rPr lang="pt-BR" sz="2400" b="1" dirty="0">
+                <a:latin typeface="Times New Roman" panose="02020603050405020304" pitchFamily="18" charset="0"/>
+                <a:cs typeface="Times New Roman" panose="02020603050405020304" pitchFamily="18" charset="0"/>
+              </a:rPr>
+              <a:t>fonte padrão </a:t>
+            </a:r>
+            <a:r>
+              <a:rPr lang="pt-BR" sz="2400" dirty="0">
+                <a:latin typeface="Times New Roman" panose="02020603050405020304" pitchFamily="18" charset="0"/>
+                <a:cs typeface="Times New Roman" panose="02020603050405020304" pitchFamily="18" charset="0"/>
+              </a:rPr>
+              <a:t>da visualização da </a:t>
+            </a:r>
+            <a:r>
+              <a:rPr lang="pt-BR" sz="2400" b="1" dirty="0">
+                <a:latin typeface="Times New Roman" panose="02020603050405020304" pitchFamily="18" charset="0"/>
+                <a:cs typeface="Times New Roman" panose="02020603050405020304" pitchFamily="18" charset="0"/>
+              </a:rPr>
+              <a:t>página web </a:t>
+            </a:r>
+            <a:r>
+              <a:rPr lang="pt-BR" sz="2400" dirty="0">
+                <a:latin typeface="Times New Roman" panose="02020603050405020304" pitchFamily="18" charset="0"/>
+                <a:cs typeface="Times New Roman" panose="02020603050405020304" pitchFamily="18" charset="0"/>
+              </a:rPr>
+              <a:t>é, </a:t>
+            </a:r>
+            <a:r>
+              <a:rPr lang="pt-BR" sz="2400" b="1" dirty="0">
+                <a:solidFill>
+                  <a:srgbClr val="FF0000"/>
+                </a:solidFill>
+                <a:latin typeface="Times New Roman" panose="02020603050405020304" pitchFamily="18" charset="0"/>
+                <a:cs typeface="Times New Roman" panose="02020603050405020304" pitchFamily="18" charset="0"/>
+              </a:rPr>
+              <a:t>Times New Roman.</a:t>
             </a:r>
           </a:p>
           <a:p>
@@ -17149,60 +17601,91 @@
               <a:t>Pode escolher qualquer fonte existente, mas ela só aparecerá em computadores que tiverem tal fonte instalada: </a:t>
             </a:r>
             <a:r>
-              <a:rPr lang="pt-BR" sz="2400" dirty="0" err="1">
+              <a:rPr lang="pt-BR" sz="2400" b="1" dirty="0" err="1">
+                <a:solidFill>
+                  <a:srgbClr val="FF0000"/>
+                </a:solidFill>
                 <a:latin typeface="Times New Roman" panose="02020603050405020304" pitchFamily="18" charset="0"/>
                 <a:cs typeface="Times New Roman" panose="02020603050405020304" pitchFamily="18" charset="0"/>
               </a:rPr>
               <a:t>arial</a:t>
             </a:r>
             <a:r>
-              <a:rPr lang="pt-BR" sz="2400" dirty="0">
+              <a:rPr lang="pt-BR" sz="2400" b="1" dirty="0">
+                <a:solidFill>
+                  <a:srgbClr val="FF0000"/>
+                </a:solidFill>
                 <a:latin typeface="Times New Roman" panose="02020603050405020304" pitchFamily="18" charset="0"/>
                 <a:cs typeface="Times New Roman" panose="02020603050405020304" pitchFamily="18" charset="0"/>
               </a:rPr>
               <a:t>, </a:t>
             </a:r>
             <a:r>
-              <a:rPr lang="pt-BR" sz="2400" dirty="0" err="1">
+              <a:rPr lang="pt-BR" sz="2400" b="1" dirty="0" err="1">
+                <a:solidFill>
+                  <a:srgbClr val="FF0000"/>
+                </a:solidFill>
                 <a:latin typeface="Times New Roman" panose="02020603050405020304" pitchFamily="18" charset="0"/>
                 <a:cs typeface="Times New Roman" panose="02020603050405020304" pitchFamily="18" charset="0"/>
               </a:rPr>
               <a:t>calibri</a:t>
             </a:r>
             <a:r>
-              <a:rPr lang="pt-BR" sz="2400" dirty="0">
+              <a:rPr lang="pt-BR" sz="2400" b="1" dirty="0">
+                <a:solidFill>
+                  <a:srgbClr val="FF0000"/>
+                </a:solidFill>
                 <a:latin typeface="Times New Roman" panose="02020603050405020304" pitchFamily="18" charset="0"/>
                 <a:cs typeface="Times New Roman" panose="02020603050405020304" pitchFamily="18" charset="0"/>
               </a:rPr>
               <a:t>, </a:t>
             </a:r>
             <a:r>
-              <a:rPr lang="pt-BR" sz="2400" dirty="0" err="1">
+              <a:rPr lang="pt-BR" sz="2400" b="1" dirty="0" err="1">
+                <a:solidFill>
+                  <a:srgbClr val="FF0000"/>
+                </a:solidFill>
                 <a:latin typeface="Times New Roman" panose="02020603050405020304" pitchFamily="18" charset="0"/>
                 <a:cs typeface="Times New Roman" panose="02020603050405020304" pitchFamily="18" charset="0"/>
               </a:rPr>
               <a:t>verdana</a:t>
             </a:r>
             <a:r>
-              <a:rPr lang="pt-BR" sz="2400" dirty="0">
+              <a:rPr lang="pt-BR" sz="2400" b="1" dirty="0">
+                <a:solidFill>
+                  <a:srgbClr val="FF0000"/>
+                </a:solidFill>
                 <a:latin typeface="Times New Roman" panose="02020603050405020304" pitchFamily="18" charset="0"/>
                 <a:cs typeface="Times New Roman" panose="02020603050405020304" pitchFamily="18" charset="0"/>
               </a:rPr>
               <a:t>, comic </a:t>
             </a:r>
             <a:r>
-              <a:rPr lang="pt-BR" sz="2400" dirty="0" err="1">
+              <a:rPr lang="pt-BR" sz="2400" b="1" dirty="0" err="1">
+                <a:solidFill>
+                  <a:srgbClr val="FF0000"/>
+                </a:solidFill>
                 <a:latin typeface="Times New Roman" panose="02020603050405020304" pitchFamily="18" charset="0"/>
                 <a:cs typeface="Times New Roman" panose="02020603050405020304" pitchFamily="18" charset="0"/>
               </a:rPr>
               <a:t>sans</a:t>
             </a:r>
             <a:r>
-              <a:rPr lang="pt-BR" sz="2400" dirty="0">
-                <a:latin typeface="Times New Roman" panose="02020603050405020304" pitchFamily="18" charset="0"/>
-                <a:cs typeface="Times New Roman" panose="02020603050405020304" pitchFamily="18" charset="0"/>
-              </a:rPr>
-              <a:t> MS.</a:t>
+              <a:rPr lang="pt-BR" sz="2400" b="1" dirty="0">
+                <a:solidFill>
+                  <a:srgbClr val="FF0000"/>
+                </a:solidFill>
+                <a:latin typeface="Times New Roman" panose="02020603050405020304" pitchFamily="18" charset="0"/>
+                <a:cs typeface="Times New Roman" panose="02020603050405020304" pitchFamily="18" charset="0"/>
+              </a:rPr>
+              <a:t> MS</a:t>
+            </a:r>
+            <a:r>
+              <a:rPr lang="pt-BR" sz="2400" dirty="0">
+                <a:latin typeface="Times New Roman" panose="02020603050405020304" pitchFamily="18" charset="0"/>
+                <a:cs typeface="Times New Roman" panose="02020603050405020304" pitchFamily="18" charset="0"/>
+              </a:rPr>
+              <a:t>.</a:t>
             </a:r>
           </a:p>
         </p:txBody>
@@ -17333,10 +17816,23 @@
                 <a:latin typeface="Times New Roman" panose="02020603050405020304" pitchFamily="18" charset="0"/>
                 <a:cs typeface="Times New Roman" panose="02020603050405020304" pitchFamily="18" charset="0"/>
               </a:rPr>
-              <a:t>No atributo </a:t>
-            </a:r>
-            <a:r>
-              <a:rPr lang="pt-BR" sz="2400" dirty="0" err="1">
+              <a:t>No </a:t>
+            </a:r>
+            <a:r>
+              <a:rPr lang="pt-BR" sz="2400" b="1" dirty="0">
+                <a:solidFill>
+                  <a:srgbClr val="FF0000"/>
+                </a:solidFill>
+                <a:latin typeface="Times New Roman" panose="02020603050405020304" pitchFamily="18" charset="0"/>
+                <a:cs typeface="Times New Roman" panose="02020603050405020304" pitchFamily="18" charset="0"/>
+              </a:rPr>
+              <a:t>atributo </a:t>
+            </a:r>
+            <a:r>
+              <a:rPr lang="pt-BR" sz="2400" b="1" dirty="0" err="1">
+                <a:solidFill>
+                  <a:srgbClr val="FF0000"/>
+                </a:solidFill>
                 <a:latin typeface="Times New Roman" panose="02020603050405020304" pitchFamily="18" charset="0"/>
                 <a:cs typeface="Times New Roman" panose="02020603050405020304" pitchFamily="18" charset="0"/>
               </a:rPr>
@@ -17347,7 +17843,21 @@
                 <a:latin typeface="Times New Roman" panose="02020603050405020304" pitchFamily="18" charset="0"/>
                 <a:cs typeface="Times New Roman" panose="02020603050405020304" pitchFamily="18" charset="0"/>
               </a:rPr>
-              <a:t>, o número pode variar de 1 a 7, sendo que 1 é o menor  tamanho e 7 é o maior tamanho.</a:t>
+              <a:t>, o número pode </a:t>
+            </a:r>
+            <a:r>
+              <a:rPr lang="pt-BR" sz="2400" b="1" dirty="0">
+                <a:latin typeface="Times New Roman" panose="02020603050405020304" pitchFamily="18" charset="0"/>
+                <a:cs typeface="Times New Roman" panose="02020603050405020304" pitchFamily="18" charset="0"/>
+              </a:rPr>
+              <a:t>variar de 1 a 7</a:t>
+            </a:r>
+            <a:r>
+              <a:rPr lang="pt-BR" sz="2400" dirty="0">
+                <a:latin typeface="Times New Roman" panose="02020603050405020304" pitchFamily="18" charset="0"/>
+                <a:cs typeface="Times New Roman" panose="02020603050405020304" pitchFamily="18" charset="0"/>
+              </a:rPr>
+              <a:t>, sendo que 1 é o menor  tamanho e 7 é o maior tamanho.</a:t>
             </a:r>
           </a:p>
           <a:p>
@@ -17396,7 +17906,7 @@
                 <a:latin typeface="Times New Roman" panose="02020603050405020304" pitchFamily="18" charset="0"/>
                 <a:cs typeface="Times New Roman" panose="02020603050405020304" pitchFamily="18" charset="0"/>
               </a:rPr>
-              <a:t>&lt;</a:t>
+              <a:t>	&lt;</a:t>
             </a:r>
             <a:r>
               <a:rPr lang="pt-BR" sz="2400" b="1" dirty="0" err="1">
@@ -17537,8 +18047,8 @@
         </p:nvSpPr>
         <p:spPr>
           <a:xfrm>
-            <a:off x="142865" y="1037312"/>
-            <a:ext cx="8865056" cy="3900207"/>
+            <a:off x="142865" y="999734"/>
+            <a:ext cx="8865056" cy="4073307"/>
           </a:xfrm>
         </p:spPr>
         <p:txBody>
@@ -17555,7 +18065,24 @@
                 <a:latin typeface="Times New Roman" panose="02020603050405020304" pitchFamily="18" charset="0"/>
                 <a:cs typeface="Times New Roman" panose="02020603050405020304" pitchFamily="18" charset="0"/>
               </a:rPr>
-              <a:t>No atributo color, pode ser definida pelo nome ou pelo código hexadecimal. Ao utilizar o nome, estará restrito às cores básicas, tais como: blue, </a:t>
+              <a:t>No </a:t>
+            </a:r>
+            <a:r>
+              <a:rPr lang="pt-BR" sz="2400" b="1" dirty="0">
+                <a:solidFill>
+                  <a:srgbClr val="FF0000"/>
+                </a:solidFill>
+                <a:latin typeface="Times New Roman" panose="02020603050405020304" pitchFamily="18" charset="0"/>
+                <a:cs typeface="Times New Roman" panose="02020603050405020304" pitchFamily="18" charset="0"/>
+              </a:rPr>
+              <a:t>atributo color</a:t>
+            </a:r>
+            <a:r>
+              <a:rPr lang="pt-BR" sz="2400" dirty="0">
+                <a:latin typeface="Times New Roman" panose="02020603050405020304" pitchFamily="18" charset="0"/>
+                <a:cs typeface="Times New Roman" panose="02020603050405020304" pitchFamily="18" charset="0"/>
+              </a:rPr>
+              <a:t>, pode ser definida pelo nome ou pelo código hexadecimal. Ao utilizar o nome, estará restrito às cores básicas, tais como: blue, </a:t>
             </a:r>
             <a:r>
               <a:rPr lang="pt-BR" sz="2400" dirty="0" err="1">
@@ -17671,31 +18198,67 @@
                 <a:latin typeface="Times New Roman" panose="02020603050405020304" pitchFamily="18" charset="0"/>
                 <a:cs typeface="Times New Roman" panose="02020603050405020304" pitchFamily="18" charset="0"/>
               </a:rPr>
-              <a:t>As cores em HTML são definidas em notação hexadecimal pela combinação das cores RGB(</a:t>
-            </a:r>
-            <a:r>
-              <a:rPr lang="pt-BR" sz="2400" dirty="0" err="1">
+              <a:t>As </a:t>
+            </a:r>
+            <a:r>
+              <a:rPr lang="pt-BR" sz="2400" b="1" dirty="0">
+                <a:latin typeface="Times New Roman" panose="02020603050405020304" pitchFamily="18" charset="0"/>
+                <a:cs typeface="Times New Roman" panose="02020603050405020304" pitchFamily="18" charset="0"/>
+              </a:rPr>
+              <a:t>cores em HTML </a:t>
+            </a:r>
+            <a:r>
+              <a:rPr lang="pt-BR" sz="2400" dirty="0">
+                <a:latin typeface="Times New Roman" panose="02020603050405020304" pitchFamily="18" charset="0"/>
+                <a:cs typeface="Times New Roman" panose="02020603050405020304" pitchFamily="18" charset="0"/>
+              </a:rPr>
+              <a:t>são definidas em notação hexadecimal pela combinação das cores </a:t>
+            </a:r>
+            <a:r>
+              <a:rPr lang="pt-BR" sz="2400" b="1" dirty="0">
+                <a:solidFill>
+                  <a:srgbClr val="FF0000"/>
+                </a:solidFill>
+                <a:latin typeface="Times New Roman" panose="02020603050405020304" pitchFamily="18" charset="0"/>
+                <a:cs typeface="Times New Roman" panose="02020603050405020304" pitchFamily="18" charset="0"/>
+              </a:rPr>
+              <a:t>RGB(</a:t>
+            </a:r>
+            <a:r>
+              <a:rPr lang="pt-BR" sz="2400" b="1" dirty="0" err="1">
+                <a:solidFill>
+                  <a:srgbClr val="FF0000"/>
+                </a:solidFill>
                 <a:latin typeface="Times New Roman" panose="02020603050405020304" pitchFamily="18" charset="0"/>
                 <a:cs typeface="Times New Roman" panose="02020603050405020304" pitchFamily="18" charset="0"/>
               </a:rPr>
               <a:t>red</a:t>
             </a:r>
             <a:r>
-              <a:rPr lang="pt-BR" sz="2400" dirty="0">
+              <a:rPr lang="pt-BR" sz="2400" b="1" dirty="0">
+                <a:solidFill>
+                  <a:srgbClr val="FF0000"/>
+                </a:solidFill>
                 <a:latin typeface="Times New Roman" panose="02020603050405020304" pitchFamily="18" charset="0"/>
                 <a:cs typeface="Times New Roman" panose="02020603050405020304" pitchFamily="18" charset="0"/>
               </a:rPr>
               <a:t>, </a:t>
             </a:r>
             <a:r>
-              <a:rPr lang="pt-BR" sz="2400" dirty="0" err="1">
+              <a:rPr lang="pt-BR" sz="2400" b="1" dirty="0" err="1">
+                <a:solidFill>
+                  <a:srgbClr val="FF0000"/>
+                </a:solidFill>
                 <a:latin typeface="Times New Roman" panose="02020603050405020304" pitchFamily="18" charset="0"/>
                 <a:cs typeface="Times New Roman" panose="02020603050405020304" pitchFamily="18" charset="0"/>
               </a:rPr>
               <a:t>green</a:t>
             </a:r>
             <a:r>
-              <a:rPr lang="pt-BR" sz="2400" dirty="0">
+              <a:rPr lang="pt-BR" sz="2400" b="1" dirty="0">
+                <a:solidFill>
+                  <a:srgbClr val="FF0000"/>
+                </a:solidFill>
                 <a:latin typeface="Times New Roman" panose="02020603050405020304" pitchFamily="18" charset="0"/>
                 <a:cs typeface="Times New Roman" panose="02020603050405020304" pitchFamily="18" charset="0"/>
               </a:rPr>
@@ -17720,10 +18283,24 @@
                 <a:latin typeface="Times New Roman" panose="02020603050405020304" pitchFamily="18" charset="0"/>
                 <a:cs typeface="Times New Roman" panose="02020603050405020304" pitchFamily="18" charset="0"/>
               </a:rPr>
-              <a:t>Os valores em hexadecimal são definidos em três pares de números, começando em 00 e terminando FF. Cada símbolo começa com o símbolo </a:t>
-            </a:r>
-            <a:r>
-              <a:rPr lang="pt-BR" sz="2400" dirty="0" err="1">
+              <a:t>Os </a:t>
+            </a:r>
+            <a:r>
+              <a:rPr lang="pt-BR" sz="2400" b="1" dirty="0">
+                <a:latin typeface="Times New Roman" panose="02020603050405020304" pitchFamily="18" charset="0"/>
+                <a:cs typeface="Times New Roman" panose="02020603050405020304" pitchFamily="18" charset="0"/>
+              </a:rPr>
+              <a:t>valores em hexadecimal </a:t>
+            </a:r>
+            <a:r>
+              <a:rPr lang="pt-BR" sz="2400" dirty="0">
+                <a:latin typeface="Times New Roman" panose="02020603050405020304" pitchFamily="18" charset="0"/>
+                <a:cs typeface="Times New Roman" panose="02020603050405020304" pitchFamily="18" charset="0"/>
+              </a:rPr>
+              <a:t>são definidos em três pares de números, começando em 00 e terminando FF. Cada símbolo começa com o símbolo </a:t>
+            </a:r>
+            <a:r>
+              <a:rPr lang="pt-BR" sz="2400" b="1" dirty="0" err="1">
                 <a:latin typeface="Times New Roman" panose="02020603050405020304" pitchFamily="18" charset="0"/>
                 <a:cs typeface="Times New Roman" panose="02020603050405020304" pitchFamily="18" charset="0"/>
               </a:rPr>
@@ -17734,7 +18311,55 @@
                 <a:latin typeface="Times New Roman" panose="02020603050405020304" pitchFamily="18" charset="0"/>
                 <a:cs typeface="Times New Roman" panose="02020603050405020304" pitchFamily="18" charset="0"/>
               </a:rPr>
-              <a:t> (#). (255x255x255) mais de 16 milhões de cores.</a:t>
+              <a:t> </a:t>
+            </a:r>
+            <a:r>
+              <a:rPr lang="pt-BR" sz="2400" b="1" dirty="0">
+                <a:latin typeface="Times New Roman" panose="02020603050405020304" pitchFamily="18" charset="0"/>
+                <a:cs typeface="Times New Roman" panose="02020603050405020304" pitchFamily="18" charset="0"/>
+              </a:rPr>
+              <a:t>(#).</a:t>
+            </a:r>
+            <a:r>
+              <a:rPr lang="pt-BR" sz="2400" dirty="0">
+                <a:latin typeface="Times New Roman" panose="02020603050405020304" pitchFamily="18" charset="0"/>
+                <a:cs typeface="Times New Roman" panose="02020603050405020304" pitchFamily="18" charset="0"/>
+              </a:rPr>
+              <a:t> </a:t>
+            </a:r>
+            <a:r>
+              <a:rPr lang="pt-BR" sz="2400" b="1" dirty="0">
+                <a:solidFill>
+                  <a:srgbClr val="FF0000"/>
+                </a:solidFill>
+                <a:latin typeface="Times New Roman" panose="02020603050405020304" pitchFamily="18" charset="0"/>
+                <a:cs typeface="Times New Roman" panose="02020603050405020304" pitchFamily="18" charset="0"/>
+              </a:rPr>
+              <a:t>(255x255x255) </a:t>
+            </a:r>
+            <a:r>
+              <a:rPr lang="pt-BR" sz="2400" dirty="0">
+                <a:latin typeface="Times New Roman" panose="02020603050405020304" pitchFamily="18" charset="0"/>
+                <a:cs typeface="Times New Roman" panose="02020603050405020304" pitchFamily="18" charset="0"/>
+              </a:rPr>
+              <a:t>mais de </a:t>
+            </a:r>
+            <a:r>
+              <a:rPr lang="pt-BR" sz="2400" b="1" dirty="0">
+                <a:solidFill>
+                  <a:srgbClr val="FF0000"/>
+                </a:solidFill>
+                <a:latin typeface="Times New Roman" panose="02020603050405020304" pitchFamily="18" charset="0"/>
+                <a:cs typeface="Times New Roman" panose="02020603050405020304" pitchFamily="18" charset="0"/>
+              </a:rPr>
+              <a:t>16 milhões de cores</a:t>
+            </a:r>
+            <a:r>
+              <a:rPr lang="pt-BR" sz="2400" dirty="0">
+                <a:latin typeface="Times New Roman" panose="02020603050405020304" pitchFamily="18" charset="0"/>
+                <a:cs typeface="Times New Roman" panose="02020603050405020304" pitchFamily="18" charset="0"/>
+              </a:rPr>
+              <a:t>.</a:t>
             </a:r>
           </a:p>
         </p:txBody>
@@ -17952,6 +18577,46 @@
                 <a:cs typeface="Times New Roman" panose="02020603050405020304" pitchFamily="18" charset="0"/>
               </a:rPr>
               <a:t>Cmder</a:t>
+            </a:r>
+            <a:endParaRPr lang="pt-BR" sz="2400" b="1" dirty="0">
+              <a:solidFill>
+                <a:srgbClr val="0070C0"/>
+              </a:solidFill>
+              <a:latin typeface="Times New Roman" panose="02020603050405020304" pitchFamily="18" charset="0"/>
+              <a:cs typeface="Times New Roman" panose="02020603050405020304" pitchFamily="18" charset="0"/>
+            </a:endParaRPr>
+          </a:p>
+          <a:p>
+            <a:pPr algn="just">
+              <a:buFont typeface="Wingdings" panose="05000000000000000000" pitchFamily="2" charset="2"/>
+              <a:buChar char="ü"/>
+            </a:pPr>
+            <a:r>
+              <a:rPr lang="pt-BR" sz="2400" b="1" dirty="0">
+                <a:solidFill>
+                  <a:srgbClr val="FF0000"/>
+                </a:solidFill>
+                <a:latin typeface="Times New Roman" panose="02020603050405020304" pitchFamily="18" charset="0"/>
+                <a:cs typeface="Times New Roman" panose="02020603050405020304" pitchFamily="18" charset="0"/>
+              </a:rPr>
+              <a:t>Repositório de Dados Remoto: </a:t>
+            </a:r>
+            <a:r>
+              <a:rPr lang="pt-BR" sz="2400" dirty="0">
+                <a:latin typeface="Times New Roman" panose="02020603050405020304" pitchFamily="18" charset="0"/>
+                <a:cs typeface="Times New Roman" panose="02020603050405020304" pitchFamily="18" charset="0"/>
+              </a:rPr>
+              <a:t> </a:t>
+            </a:r>
+            <a:r>
+              <a:rPr lang="pt-BR" sz="2400" b="1" dirty="0" err="1">
+                <a:solidFill>
+                  <a:srgbClr val="0070C0"/>
+                </a:solidFill>
+                <a:latin typeface="Times New Roman" panose="02020603050405020304" pitchFamily="18" charset="0"/>
+                <a:cs typeface="Times New Roman" panose="02020603050405020304" pitchFamily="18" charset="0"/>
+              </a:rPr>
+              <a:t>Github</a:t>
             </a:r>
             <a:endParaRPr lang="pt-BR" sz="2400" b="1" dirty="0">
               <a:solidFill>
@@ -18157,7 +18822,7 @@
                 <a:latin typeface="Times New Roman" panose="02020603050405020304" pitchFamily="18" charset="0"/>
                 <a:cs typeface="Times New Roman" panose="02020603050405020304" pitchFamily="18" charset="0"/>
               </a:rPr>
-              <a:t>&lt;</a:t>
+              <a:t>	&lt;</a:t>
             </a:r>
             <a:r>
               <a:rPr lang="pt-BR" sz="2400" b="1" dirty="0" err="1">
@@ -18171,10 +18836,30 @@
                 <a:latin typeface="Times New Roman" panose="02020603050405020304" pitchFamily="18" charset="0"/>
                 <a:cs typeface="Times New Roman" panose="02020603050405020304" pitchFamily="18" charset="0"/>
               </a:rPr>
-              <a:t> face=“Arial” </a:t>
-            </a:r>
-            <a:r>
-              <a:rPr lang="pt-BR" sz="2400" dirty="0" err="1">
+              <a:t> </a:t>
+            </a:r>
+            <a:r>
+              <a:rPr lang="pt-BR" sz="2400" b="1" dirty="0">
+                <a:solidFill>
+                  <a:srgbClr val="FF0000"/>
+                </a:solidFill>
+                <a:latin typeface="Times New Roman" panose="02020603050405020304" pitchFamily="18" charset="0"/>
+                <a:cs typeface="Times New Roman" panose="02020603050405020304" pitchFamily="18" charset="0"/>
+              </a:rPr>
+              <a:t>face</a:t>
+            </a:r>
+            <a:r>
+              <a:rPr lang="pt-BR" sz="2400" dirty="0">
+                <a:latin typeface="Times New Roman" panose="02020603050405020304" pitchFamily="18" charset="0"/>
+                <a:cs typeface="Times New Roman" panose="02020603050405020304" pitchFamily="18" charset="0"/>
+              </a:rPr>
+              <a:t>=“Arial” </a:t>
+            </a:r>
+            <a:r>
+              <a:rPr lang="pt-BR" sz="2400" b="1" dirty="0" err="1">
+                <a:solidFill>
+                  <a:srgbClr val="FF0000"/>
+                </a:solidFill>
                 <a:latin typeface="Times New Roman" panose="02020603050405020304" pitchFamily="18" charset="0"/>
                 <a:cs typeface="Times New Roman" panose="02020603050405020304" pitchFamily="18" charset="0"/>
               </a:rPr>
@@ -18185,7 +18870,24 @@
                 <a:latin typeface="Times New Roman" panose="02020603050405020304" pitchFamily="18" charset="0"/>
                 <a:cs typeface="Times New Roman" panose="02020603050405020304" pitchFamily="18" charset="0"/>
               </a:rPr>
-              <a:t>=“5” color=“</a:t>
+              <a:t>=“5” </a:t>
+            </a:r>
+            <a:r>
+              <a:rPr lang="pt-BR" sz="2400" b="1" dirty="0">
+                <a:solidFill>
+                  <a:srgbClr val="FF0000"/>
+                </a:solidFill>
+                <a:latin typeface="Times New Roman" panose="02020603050405020304" pitchFamily="18" charset="0"/>
+                <a:cs typeface="Times New Roman" panose="02020603050405020304" pitchFamily="18" charset="0"/>
+              </a:rPr>
+              <a:t>color</a:t>
+            </a:r>
+            <a:r>
+              <a:rPr lang="pt-BR" sz="2400" dirty="0">
+                <a:latin typeface="Times New Roman" panose="02020603050405020304" pitchFamily="18" charset="0"/>
+                <a:cs typeface="Times New Roman" panose="02020603050405020304" pitchFamily="18" charset="0"/>
+              </a:rPr>
+              <a:t>=“</a:t>
             </a:r>
             <a:r>
               <a:rPr lang="pt-BR" sz="2400" dirty="0" err="1">
@@ -18330,10 +19032,52 @@
                 <a:latin typeface="Times New Roman" panose="02020603050405020304" pitchFamily="18" charset="0"/>
                 <a:cs typeface="Times New Roman" panose="02020603050405020304" pitchFamily="18" charset="0"/>
               </a:rPr>
-              <a:t>Por padrão, os navegadores encaixam automaticamente o texto da página web de acordo com o tamanho de sua janela. Agora, se desejar quebrar o texto sempre no mesmo lugar, independente da largura da janela no navegador, você pode utilizar a </a:t>
-            </a:r>
-            <a:r>
-              <a:rPr lang="pt-BR" sz="2400" dirty="0" err="1">
+              <a:t>Por padrão, os </a:t>
+            </a:r>
+            <a:r>
+              <a:rPr lang="pt-BR" sz="2400" b="1" dirty="0">
+                <a:latin typeface="Times New Roman" panose="02020603050405020304" pitchFamily="18" charset="0"/>
+                <a:cs typeface="Times New Roman" panose="02020603050405020304" pitchFamily="18" charset="0"/>
+              </a:rPr>
+              <a:t>navegadores</a:t>
+            </a:r>
+            <a:r>
+              <a:rPr lang="pt-BR" sz="2400" dirty="0">
+                <a:latin typeface="Times New Roman" panose="02020603050405020304" pitchFamily="18" charset="0"/>
+                <a:cs typeface="Times New Roman" panose="02020603050405020304" pitchFamily="18" charset="0"/>
+              </a:rPr>
+              <a:t> </a:t>
+            </a:r>
+            <a:r>
+              <a:rPr lang="pt-BR" sz="2400" b="1" dirty="0">
+                <a:latin typeface="Times New Roman" panose="02020603050405020304" pitchFamily="18" charset="0"/>
+                <a:cs typeface="Times New Roman" panose="02020603050405020304" pitchFamily="18" charset="0"/>
+              </a:rPr>
+              <a:t>encaixam automaticamente o texto </a:t>
+            </a:r>
+            <a:r>
+              <a:rPr lang="pt-BR" sz="2400" dirty="0">
+                <a:latin typeface="Times New Roman" panose="02020603050405020304" pitchFamily="18" charset="0"/>
+                <a:cs typeface="Times New Roman" panose="02020603050405020304" pitchFamily="18" charset="0"/>
+              </a:rPr>
+              <a:t>da página web de acordo com o </a:t>
+            </a:r>
+            <a:r>
+              <a:rPr lang="pt-BR" sz="2400" b="1" dirty="0">
+                <a:latin typeface="Times New Roman" panose="02020603050405020304" pitchFamily="18" charset="0"/>
+                <a:cs typeface="Times New Roman" panose="02020603050405020304" pitchFamily="18" charset="0"/>
+              </a:rPr>
+              <a:t>tamanho de sua janela</a:t>
+            </a:r>
+            <a:r>
+              <a:rPr lang="pt-BR" sz="2400" dirty="0">
+                <a:latin typeface="Times New Roman" panose="02020603050405020304" pitchFamily="18" charset="0"/>
+                <a:cs typeface="Times New Roman" panose="02020603050405020304" pitchFamily="18" charset="0"/>
+              </a:rPr>
+              <a:t>. Agora, se desejar quebrar o texto sempre no mesmo lugar, independente da largura da janela no navegador, você pode utilizar a </a:t>
+            </a:r>
+            <a:r>
+              <a:rPr lang="pt-BR" sz="2400" b="1" dirty="0" err="1">
                 <a:latin typeface="Times New Roman" panose="02020603050405020304" pitchFamily="18" charset="0"/>
                 <a:cs typeface="Times New Roman" panose="02020603050405020304" pitchFamily="18" charset="0"/>
               </a:rPr>
@@ -18344,14 +19088,28 @@
                 <a:latin typeface="Times New Roman" panose="02020603050405020304" pitchFamily="18" charset="0"/>
                 <a:cs typeface="Times New Roman" panose="02020603050405020304" pitchFamily="18" charset="0"/>
               </a:rPr>
-              <a:t> &lt;p&gt;&lt;/p&gt; (</a:t>
-            </a:r>
-            <a:r>
-              <a:rPr lang="pt-BR" sz="2400" dirty="0" err="1">
-                <a:latin typeface="Times New Roman" panose="02020603050405020304" pitchFamily="18" charset="0"/>
-                <a:cs typeface="Times New Roman" panose="02020603050405020304" pitchFamily="18" charset="0"/>
-              </a:rPr>
-              <a:t>parahtaph</a:t>
+              <a:t> &lt;</a:t>
+            </a:r>
+            <a:r>
+              <a:rPr lang="pt-BR" sz="2400" b="1" dirty="0">
+                <a:latin typeface="Times New Roman" panose="02020603050405020304" pitchFamily="18" charset="0"/>
+                <a:cs typeface="Times New Roman" panose="02020603050405020304" pitchFamily="18" charset="0"/>
+              </a:rPr>
+              <a:t>p</a:t>
+            </a:r>
+            <a:r>
+              <a:rPr lang="pt-BR" sz="2400" dirty="0">
+                <a:latin typeface="Times New Roman" panose="02020603050405020304" pitchFamily="18" charset="0"/>
+                <a:cs typeface="Times New Roman" panose="02020603050405020304" pitchFamily="18" charset="0"/>
+              </a:rPr>
+              <a:t>&gt;&lt;/p&gt; (</a:t>
+            </a:r>
+            <a:r>
+              <a:rPr lang="pt-BR" sz="2400" b="1" dirty="0" err="1">
+                <a:latin typeface="Times New Roman" panose="02020603050405020304" pitchFamily="18" charset="0"/>
+                <a:cs typeface="Times New Roman" panose="02020603050405020304" pitchFamily="18" charset="0"/>
+              </a:rPr>
+              <a:t>paragraph</a:t>
             </a:r>
             <a:r>
               <a:rPr lang="pt-BR" sz="2400" dirty="0">
@@ -18428,7 +19186,7 @@
                 <a:latin typeface="Times New Roman" panose="02020603050405020304" pitchFamily="18" charset="0"/>
                 <a:cs typeface="Times New Roman" panose="02020603050405020304" pitchFamily="18" charset="0"/>
               </a:rPr>
-              <a:t>&lt;</a:t>
+              <a:t>	&lt;</a:t>
             </a:r>
             <a:r>
               <a:rPr lang="pt-BR" sz="2400" b="1" dirty="0">
@@ -18468,7 +19226,7 @@
                 <a:latin typeface="Times New Roman" panose="02020603050405020304" pitchFamily="18" charset="0"/>
                 <a:cs typeface="Times New Roman" panose="02020603050405020304" pitchFamily="18" charset="0"/>
               </a:rPr>
-              <a:t>	Cidade: Salvador&lt;/</a:t>
+              <a:t>		Cidade: Salvador&lt;/</a:t>
             </a:r>
             <a:r>
               <a:rPr lang="pt-BR" sz="2400" b="1" dirty="0">
@@ -18779,7 +19537,7 @@
                 <a:latin typeface="Times New Roman" panose="02020603050405020304" pitchFamily="18" charset="0"/>
                 <a:cs typeface="Times New Roman" panose="02020603050405020304" pitchFamily="18" charset="0"/>
               </a:rPr>
-              <a:t>&lt;</a:t>
+              <a:t>	&lt;</a:t>
             </a:r>
             <a:r>
               <a:rPr lang="pt-BR" sz="2400" b="1" dirty="0" err="1">
@@ -18833,19 +19591,19 @@
                 <a:latin typeface="Times New Roman" panose="02020603050405020304" pitchFamily="18" charset="0"/>
                 <a:cs typeface="Times New Roman" panose="02020603050405020304" pitchFamily="18" charset="0"/>
               </a:rPr>
-              <a:t>		    Nome: Julia Cardoso</a:t>
-            </a:r>
-          </a:p>
-          <a:p>
-            <a:pPr marL="0" indent="0" algn="just">
-              <a:buNone/>
-            </a:pPr>
-            <a:r>
-              <a:rPr lang="pt-BR" sz="2400" dirty="0">
-                <a:latin typeface="Times New Roman" panose="02020603050405020304" pitchFamily="18" charset="0"/>
-                <a:cs typeface="Times New Roman" panose="02020603050405020304" pitchFamily="18" charset="0"/>
-              </a:rPr>
-              <a:t>		    Cidade: Salvador</a:t>
+              <a:t>		    	    Nome: Julia Cardoso</a:t>
+            </a:r>
+          </a:p>
+          <a:p>
+            <a:pPr marL="0" indent="0" algn="just">
+              <a:buNone/>
+            </a:pPr>
+            <a:r>
+              <a:rPr lang="pt-BR" sz="2400" dirty="0">
+                <a:latin typeface="Times New Roman" panose="02020603050405020304" pitchFamily="18" charset="0"/>
+                <a:cs typeface="Times New Roman" panose="02020603050405020304" pitchFamily="18" charset="0"/>
+              </a:rPr>
+              <a:t>		    	    Cidade: Salvador</a:t>
             </a:r>
           </a:p>
           <a:p>
@@ -19064,6 +19822,11 @@
               </a:rPr>
               <a:t>Exemplo:</a:t>
             </a:r>
+          </a:p>
+          <a:p>
+            <a:pPr marL="0" indent="0" algn="just">
+              <a:buNone/>
+            </a:pPr>
             <a:endParaRPr lang="pt-BR" sz="2400" dirty="0">
               <a:latin typeface="Times New Roman" panose="02020603050405020304" pitchFamily="18" charset="0"/>
               <a:cs typeface="Times New Roman" panose="02020603050405020304" pitchFamily="18" charset="0"/>
@@ -19078,7 +19841,7 @@
                 <a:latin typeface="Times New Roman" panose="02020603050405020304" pitchFamily="18" charset="0"/>
                 <a:cs typeface="Times New Roman" panose="02020603050405020304" pitchFamily="18" charset="0"/>
               </a:rPr>
-              <a:t>&lt;</a:t>
+              <a:t>	&lt;</a:t>
             </a:r>
             <a:r>
               <a:rPr lang="pt-BR" sz="2400" b="1" dirty="0">
@@ -19118,7 +19881,7 @@
                 <a:latin typeface="Times New Roman" panose="02020603050405020304" pitchFamily="18" charset="0"/>
                 <a:cs typeface="Times New Roman" panose="02020603050405020304" pitchFamily="18" charset="0"/>
               </a:rPr>
-              <a:t>&lt;</a:t>
+              <a:t>	&lt;</a:t>
             </a:r>
             <a:r>
               <a:rPr lang="pt-BR" sz="2400" b="1" dirty="0">
@@ -19344,7 +20107,7 @@
                 <a:latin typeface="Times New Roman" panose="02020603050405020304" pitchFamily="18" charset="0"/>
                 <a:cs typeface="Times New Roman" panose="02020603050405020304" pitchFamily="18" charset="0"/>
               </a:rPr>
-              <a:t>&lt;</a:t>
+              <a:t>	&lt;</a:t>
             </a:r>
             <a:r>
               <a:rPr lang="pt-BR" sz="2400" b="1" dirty="0">
@@ -19370,7 +20133,7 @@
                 <a:latin typeface="Times New Roman" panose="02020603050405020304" pitchFamily="18" charset="0"/>
                 <a:cs typeface="Times New Roman" panose="02020603050405020304" pitchFamily="18" charset="0"/>
               </a:rPr>
-              <a:t>&lt;</a:t>
+              <a:t>	&lt;</a:t>
             </a:r>
             <a:r>
               <a:rPr lang="pt-BR" sz="2400" b="1" dirty="0">
@@ -19419,7 +20182,7 @@
                 <a:latin typeface="Times New Roman" panose="02020603050405020304" pitchFamily="18" charset="0"/>
                 <a:cs typeface="Times New Roman" panose="02020603050405020304" pitchFamily="18" charset="0"/>
               </a:rPr>
-              <a:t>&lt;</a:t>
+              <a:t>	&lt;</a:t>
             </a:r>
             <a:r>
               <a:rPr lang="pt-BR" sz="2400" b="1" dirty="0">
@@ -19445,7 +20208,7 @@
                 <a:latin typeface="Times New Roman" panose="02020603050405020304" pitchFamily="18" charset="0"/>
                 <a:cs typeface="Times New Roman" panose="02020603050405020304" pitchFamily="18" charset="0"/>
               </a:rPr>
-              <a:t>&lt;</a:t>
+              <a:t>	&lt;</a:t>
             </a:r>
             <a:r>
               <a:rPr lang="pt-BR" sz="2400" b="1" dirty="0">
@@ -19606,11 +20369,35 @@
               <a:buNone/>
             </a:pPr>
             <a:r>
-              <a:rPr lang="pt-BR" sz="2400" dirty="0">
-                <a:latin typeface="Times New Roman" panose="02020603050405020304" pitchFamily="18" charset="0"/>
-                <a:cs typeface="Times New Roman" panose="02020603050405020304" pitchFamily="18" charset="0"/>
-              </a:rPr>
-              <a:t>Lista é uma coleção de itens de relacionados. Existem três tipos de listas: Numeradas, não numeradas e descritivas. A </a:t>
+              <a:rPr lang="pt-BR" sz="2400" b="1" dirty="0">
+                <a:latin typeface="Times New Roman" panose="02020603050405020304" pitchFamily="18" charset="0"/>
+                <a:cs typeface="Times New Roman" panose="02020603050405020304" pitchFamily="18" charset="0"/>
+              </a:rPr>
+              <a:t>Lista</a:t>
+            </a:r>
+            <a:r>
+              <a:rPr lang="pt-BR" sz="2400" dirty="0">
+                <a:latin typeface="Times New Roman" panose="02020603050405020304" pitchFamily="18" charset="0"/>
+                <a:cs typeface="Times New Roman" panose="02020603050405020304" pitchFamily="18" charset="0"/>
+              </a:rPr>
+              <a:t> é uma coleção de itens de relacionados. Existem </a:t>
+            </a:r>
+            <a:r>
+              <a:rPr lang="pt-BR" sz="2400" b="1" dirty="0">
+                <a:solidFill>
+                  <a:srgbClr val="FF0000"/>
+                </a:solidFill>
+                <a:latin typeface="Times New Roman" panose="02020603050405020304" pitchFamily="18" charset="0"/>
+                <a:cs typeface="Times New Roman" panose="02020603050405020304" pitchFamily="18" charset="0"/>
+              </a:rPr>
+              <a:t>três tipos de listas</a:t>
+            </a:r>
+            <a:r>
+              <a:rPr lang="pt-BR" sz="2400" dirty="0">
+                <a:latin typeface="Times New Roman" panose="02020603050405020304" pitchFamily="18" charset="0"/>
+                <a:cs typeface="Times New Roman" panose="02020603050405020304" pitchFamily="18" charset="0"/>
+              </a:rPr>
+              <a:t>: Numeradas, não numeradas e descritivas. A </a:t>
             </a:r>
             <a:r>
               <a:rPr lang="pt-BR" sz="2400" dirty="0" err="1">
@@ -19666,7 +20453,24 @@
                 <a:latin typeface="Times New Roman" panose="02020603050405020304" pitchFamily="18" charset="0"/>
                 <a:cs typeface="Times New Roman" panose="02020603050405020304" pitchFamily="18" charset="0"/>
               </a:rPr>
-              <a:t> serve para criar listas ordenadas. A </a:t>
+              <a:t> serve para criar </a:t>
+            </a:r>
+            <a:r>
+              <a:rPr lang="pt-BR" sz="2400" b="1" dirty="0">
+                <a:solidFill>
+                  <a:srgbClr val="FF0000"/>
+                </a:solidFill>
+                <a:latin typeface="Times New Roman" panose="02020603050405020304" pitchFamily="18" charset="0"/>
+                <a:cs typeface="Times New Roman" panose="02020603050405020304" pitchFamily="18" charset="0"/>
+              </a:rPr>
+              <a:t>listas ordenadas</a:t>
+            </a:r>
+            <a:r>
+              <a:rPr lang="pt-BR" sz="2400" dirty="0">
+                <a:latin typeface="Times New Roman" panose="02020603050405020304" pitchFamily="18" charset="0"/>
+                <a:cs typeface="Times New Roman" panose="02020603050405020304" pitchFamily="18" charset="0"/>
+              </a:rPr>
+              <a:t>. A </a:t>
             </a:r>
             <a:r>
               <a:rPr lang="pt-BR" sz="2400" dirty="0" err="1">
@@ -20006,7 +20810,24 @@
                 <a:latin typeface="Times New Roman" panose="02020603050405020304" pitchFamily="18" charset="0"/>
                 <a:cs typeface="Times New Roman" panose="02020603050405020304" pitchFamily="18" charset="0"/>
               </a:rPr>
-              <a:t> serve para criar listas NÃO ordenadas.</a:t>
+              <a:t> serve para criar </a:t>
+            </a:r>
+            <a:r>
+              <a:rPr lang="pt-BR" sz="2400" b="1" dirty="0">
+                <a:solidFill>
+                  <a:srgbClr val="FF0000"/>
+                </a:solidFill>
+                <a:latin typeface="Times New Roman" panose="02020603050405020304" pitchFamily="18" charset="0"/>
+                <a:cs typeface="Times New Roman" panose="02020603050405020304" pitchFamily="18" charset="0"/>
+              </a:rPr>
+              <a:t>listas NÃO ordenadas</a:t>
+            </a:r>
+            <a:r>
+              <a:rPr lang="pt-BR" sz="2400" dirty="0">
+                <a:latin typeface="Times New Roman" panose="02020603050405020304" pitchFamily="18" charset="0"/>
+                <a:cs typeface="Times New Roman" panose="02020603050405020304" pitchFamily="18" charset="0"/>
+              </a:rPr>
+              <a:t>.</a:t>
             </a:r>
           </a:p>
           <a:p>
@@ -20029,6 +20850,15 @@
               </a:rPr>
               <a:t>Exemplo:</a:t>
             </a:r>
+          </a:p>
+          <a:p>
+            <a:pPr marL="0" indent="0" algn="just">
+              <a:buNone/>
+            </a:pPr>
+            <a:endParaRPr lang="pt-BR" sz="2400" b="1" dirty="0">
+              <a:latin typeface="Times New Roman" panose="02020603050405020304" pitchFamily="18" charset="0"/>
+              <a:cs typeface="Times New Roman" panose="02020603050405020304" pitchFamily="18" charset="0"/>
+            </a:endParaRPr>
           </a:p>
           <a:p>
             <a:pPr marL="0" indent="0" algn="just">
@@ -20416,7 +21246,24 @@
                 <a:latin typeface="Times New Roman" panose="02020603050405020304" pitchFamily="18" charset="0"/>
                 <a:cs typeface="Times New Roman" panose="02020603050405020304" pitchFamily="18" charset="0"/>
               </a:rPr>
-              <a:t> serve para criar listas descritivas.</a:t>
+              <a:t> serve para criar </a:t>
+            </a:r>
+            <a:r>
+              <a:rPr lang="pt-BR" sz="2400" b="1" dirty="0">
+                <a:solidFill>
+                  <a:srgbClr val="FF0000"/>
+                </a:solidFill>
+                <a:latin typeface="Times New Roman" panose="02020603050405020304" pitchFamily="18" charset="0"/>
+                <a:cs typeface="Times New Roman" panose="02020603050405020304" pitchFamily="18" charset="0"/>
+              </a:rPr>
+              <a:t>listas descritivas</a:t>
+            </a:r>
+            <a:r>
+              <a:rPr lang="pt-BR" sz="2400" dirty="0">
+                <a:latin typeface="Times New Roman" panose="02020603050405020304" pitchFamily="18" charset="0"/>
+                <a:cs typeface="Times New Roman" panose="02020603050405020304" pitchFamily="18" charset="0"/>
+              </a:rPr>
+              <a:t>.</a:t>
             </a:r>
           </a:p>
           <a:p>
@@ -20753,7 +21600,24 @@
                 <a:latin typeface="Times New Roman" panose="02020603050405020304" pitchFamily="18" charset="0"/>
                 <a:cs typeface="Times New Roman" panose="02020603050405020304" pitchFamily="18" charset="0"/>
               </a:rPr>
-              <a:t>Também é possível criar combinações de listas em uma página web.</a:t>
+              <a:t>Também é possível criar </a:t>
+            </a:r>
+            <a:r>
+              <a:rPr lang="pt-BR" sz="2400" b="1" dirty="0">
+                <a:solidFill>
+                  <a:srgbClr val="FF0000"/>
+                </a:solidFill>
+                <a:latin typeface="Times New Roman" panose="02020603050405020304" pitchFamily="18" charset="0"/>
+                <a:cs typeface="Times New Roman" panose="02020603050405020304" pitchFamily="18" charset="0"/>
+              </a:rPr>
+              <a:t>combinações de listas </a:t>
+            </a:r>
+            <a:r>
+              <a:rPr lang="pt-BR" sz="2400" dirty="0">
+                <a:latin typeface="Times New Roman" panose="02020603050405020304" pitchFamily="18" charset="0"/>
+                <a:cs typeface="Times New Roman" panose="02020603050405020304" pitchFamily="18" charset="0"/>
+              </a:rPr>
+              <a:t>em uma página web.</a:t>
             </a:r>
           </a:p>
           <a:p>
@@ -20774,7 +21638,24 @@
                 <a:latin typeface="Times New Roman" panose="02020603050405020304" pitchFamily="18" charset="0"/>
                 <a:cs typeface="Times New Roman" panose="02020603050405020304" pitchFamily="18" charset="0"/>
               </a:rPr>
-              <a:t>Essa combinação é chamada de lista intercalada.</a:t>
+              <a:t>Essa combinação é chamada de </a:t>
+            </a:r>
+            <a:r>
+              <a:rPr lang="pt-BR" sz="2400" b="1" dirty="0">
+                <a:solidFill>
+                  <a:srgbClr val="FF0000"/>
+                </a:solidFill>
+                <a:latin typeface="Times New Roman" panose="02020603050405020304" pitchFamily="18" charset="0"/>
+                <a:cs typeface="Times New Roman" panose="02020603050405020304" pitchFamily="18" charset="0"/>
+              </a:rPr>
+              <a:t>lista intercalada</a:t>
+            </a:r>
+            <a:r>
+              <a:rPr lang="pt-BR" sz="2400" dirty="0">
+                <a:latin typeface="Times New Roman" panose="02020603050405020304" pitchFamily="18" charset="0"/>
+                <a:cs typeface="Times New Roman" panose="02020603050405020304" pitchFamily="18" charset="0"/>
+              </a:rPr>
+              <a:t>.</a:t>
             </a:r>
           </a:p>
           <a:p>
@@ -20795,7 +21676,21 @@
                 <a:latin typeface="Times New Roman" panose="02020603050405020304" pitchFamily="18" charset="0"/>
                 <a:cs typeface="Times New Roman" panose="02020603050405020304" pitchFamily="18" charset="0"/>
               </a:rPr>
-              <a:t>Ou seja, são listas dentro de listas.</a:t>
+              <a:t>Ou seja, são </a:t>
+            </a:r>
+            <a:r>
+              <a:rPr lang="pt-BR" sz="2400" b="1" dirty="0">
+                <a:latin typeface="Times New Roman" panose="02020603050405020304" pitchFamily="18" charset="0"/>
+                <a:cs typeface="Times New Roman" panose="02020603050405020304" pitchFamily="18" charset="0"/>
+              </a:rPr>
+              <a:t>listas dentro de listas</a:t>
+            </a:r>
+            <a:r>
+              <a:rPr lang="pt-BR" sz="2400" dirty="0">
+                <a:latin typeface="Times New Roman" panose="02020603050405020304" pitchFamily="18" charset="0"/>
+                <a:cs typeface="Times New Roman" panose="02020603050405020304" pitchFamily="18" charset="0"/>
+              </a:rPr>
+              <a:t>.</a:t>
             </a:r>
             <a:endParaRPr lang="pt-BR" sz="2000" dirty="0">
               <a:latin typeface="Times New Roman" panose="02020603050405020304" pitchFamily="18" charset="0"/>
@@ -20927,7 +21822,21 @@
                 <a:latin typeface="Times New Roman" panose="02020603050405020304" pitchFamily="18" charset="0"/>
                 <a:cs typeface="Times New Roman" panose="02020603050405020304" pitchFamily="18" charset="0"/>
               </a:rPr>
-              <a:t>O atributo TYPE pode especificar o tipo de </a:t>
+              <a:t>O atributo </a:t>
+            </a:r>
+            <a:r>
+              <a:rPr lang="pt-BR" sz="2400" b="1" dirty="0">
+                <a:latin typeface="Times New Roman" panose="02020603050405020304" pitchFamily="18" charset="0"/>
+                <a:cs typeface="Times New Roman" panose="02020603050405020304" pitchFamily="18" charset="0"/>
+              </a:rPr>
+              <a:t>TYPE</a:t>
+            </a:r>
+            <a:r>
+              <a:rPr lang="pt-BR" sz="2400" dirty="0">
+                <a:latin typeface="Times New Roman" panose="02020603050405020304" pitchFamily="18" charset="0"/>
+                <a:cs typeface="Times New Roman" panose="02020603050405020304" pitchFamily="18" charset="0"/>
+              </a:rPr>
+              <a:t> pode especificar o tipo de </a:t>
             </a:r>
             <a:r>
               <a:rPr lang="pt-BR" sz="2400" b="1" dirty="0">
@@ -21259,6 +22168,23 @@
                 <a:hlinkClick r:id="rId3"/>
               </a:rPr>
               <a:t>https://cmder.net/</a:t>
+            </a:r>
+            <a:r>
+              <a:rPr lang="pt-BR" sz="2400" dirty="0">
+                <a:latin typeface="Times New Roman" panose="02020603050405020304" pitchFamily="18" charset="0"/>
+                <a:cs typeface="Times New Roman" panose="02020603050405020304" pitchFamily="18" charset="0"/>
+              </a:rPr>
+              <a:t>   (</a:t>
+            </a:r>
+            <a:r>
+              <a:rPr lang="pt-BR" sz="2400" b="1" dirty="0">
+                <a:solidFill>
+                  <a:srgbClr val="FF0000"/>
+                </a:solidFill>
+                <a:latin typeface="Times New Roman" panose="02020603050405020304" pitchFamily="18" charset="0"/>
+                <a:cs typeface="Times New Roman" panose="02020603050405020304" pitchFamily="18" charset="0"/>
+              </a:rPr>
+              <a:t>versão ZIPADA)</a:t>
             </a:r>
             <a:endParaRPr lang="pt-BR" sz="2400" dirty="0">
               <a:latin typeface="Times New Roman" panose="02020603050405020304" pitchFamily="18" charset="0"/>
@@ -21536,35 +22462,56 @@
               <a:buNone/>
             </a:pPr>
             <a:r>
-              <a:rPr lang="pt-BR" sz="2400" dirty="0">
-                <a:latin typeface="Times New Roman" panose="02020603050405020304" pitchFamily="18" charset="0"/>
-                <a:cs typeface="Times New Roman" panose="02020603050405020304" pitchFamily="18" charset="0"/>
-              </a:rPr>
-              <a:t>DISC = exibir marcador bolinha fechada.</a:t>
-            </a:r>
-          </a:p>
-          <a:p>
-            <a:pPr marL="0" indent="0" algn="just">
-              <a:buNone/>
-            </a:pPr>
-            <a:r>
-              <a:rPr lang="pt-BR" sz="2400" dirty="0">
-                <a:latin typeface="Times New Roman" panose="02020603050405020304" pitchFamily="18" charset="0"/>
-                <a:cs typeface="Times New Roman" panose="02020603050405020304" pitchFamily="18" charset="0"/>
-              </a:rPr>
-              <a:t>CIRCLE = exibir marcador bolinha aberta.</a:t>
-            </a:r>
-          </a:p>
-          <a:p>
-            <a:pPr marL="0" indent="0" algn="just">
-              <a:buNone/>
-            </a:pPr>
-            <a:r>
-              <a:rPr lang="pt-BR" sz="2400" dirty="0">
-                <a:latin typeface="Times New Roman" panose="02020603050405020304" pitchFamily="18" charset="0"/>
-                <a:cs typeface="Times New Roman" panose="02020603050405020304" pitchFamily="18" charset="0"/>
-              </a:rPr>
-              <a:t>SQUARE = exibir marcador quadrado.</a:t>
+              <a:rPr lang="pt-BR" sz="2400" b="1" dirty="0">
+                <a:latin typeface="Times New Roman" panose="02020603050405020304" pitchFamily="18" charset="0"/>
+                <a:cs typeface="Times New Roman" panose="02020603050405020304" pitchFamily="18" charset="0"/>
+              </a:rPr>
+              <a:t>DISC</a:t>
+            </a:r>
+            <a:r>
+              <a:rPr lang="pt-BR" sz="2400" dirty="0">
+                <a:latin typeface="Times New Roman" panose="02020603050405020304" pitchFamily="18" charset="0"/>
+                <a:cs typeface="Times New Roman" panose="02020603050405020304" pitchFamily="18" charset="0"/>
+              </a:rPr>
+              <a:t> = exibir marcador bolinha fechada.</a:t>
+            </a:r>
+          </a:p>
+          <a:p>
+            <a:pPr marL="0" indent="0" algn="just">
+              <a:buNone/>
+            </a:pPr>
+            <a:r>
+              <a:rPr lang="pt-BR" sz="2400" b="1" dirty="0">
+                <a:latin typeface="Times New Roman" panose="02020603050405020304" pitchFamily="18" charset="0"/>
+                <a:cs typeface="Times New Roman" panose="02020603050405020304" pitchFamily="18" charset="0"/>
+              </a:rPr>
+              <a:t>CIRCLE</a:t>
+            </a:r>
+            <a:r>
+              <a:rPr lang="pt-BR" sz="2400" dirty="0">
+                <a:latin typeface="Times New Roman" panose="02020603050405020304" pitchFamily="18" charset="0"/>
+                <a:cs typeface="Times New Roman" panose="02020603050405020304" pitchFamily="18" charset="0"/>
+              </a:rPr>
+              <a:t> = exibir marcador bolinha aberta.</a:t>
+            </a:r>
+          </a:p>
+          <a:p>
+            <a:pPr marL="0" indent="0" algn="just">
+              <a:buNone/>
+            </a:pPr>
+            <a:r>
+              <a:rPr lang="pt-BR" sz="2400" b="1" dirty="0">
+                <a:latin typeface="Times New Roman" panose="02020603050405020304" pitchFamily="18" charset="0"/>
+                <a:cs typeface="Times New Roman" panose="02020603050405020304" pitchFamily="18" charset="0"/>
+              </a:rPr>
+              <a:t>SQUARE</a:t>
+            </a:r>
+            <a:r>
+              <a:rPr lang="pt-BR" sz="2400" dirty="0">
+                <a:latin typeface="Times New Roman" panose="02020603050405020304" pitchFamily="18" charset="0"/>
+                <a:cs typeface="Times New Roman" panose="02020603050405020304" pitchFamily="18" charset="0"/>
+              </a:rPr>
+              <a:t> = exibir marcador quadrado.</a:t>
             </a:r>
           </a:p>
           <a:p>
@@ -21730,7 +22677,24 @@
                 <a:latin typeface="Times New Roman" panose="02020603050405020304" pitchFamily="18" charset="0"/>
                 <a:cs typeface="Times New Roman" panose="02020603050405020304" pitchFamily="18" charset="0"/>
               </a:rPr>
-              <a:t>Quando adicionamos uma imagem a uma página web, é preciso ter em mente o formato, o tamanho e a posição dela na página web.</a:t>
+              <a:t>Quando adicionamos uma </a:t>
+            </a:r>
+            <a:r>
+              <a:rPr lang="pt-BR" sz="2400" b="1" dirty="0">
+                <a:solidFill>
+                  <a:srgbClr val="FF0000"/>
+                </a:solidFill>
+                <a:latin typeface="Times New Roman" panose="02020603050405020304" pitchFamily="18" charset="0"/>
+                <a:cs typeface="Times New Roman" panose="02020603050405020304" pitchFamily="18" charset="0"/>
+              </a:rPr>
+              <a:t>imagem a uma página web</a:t>
+            </a:r>
+            <a:r>
+              <a:rPr lang="pt-BR" sz="2400" dirty="0">
+                <a:latin typeface="Times New Roman" panose="02020603050405020304" pitchFamily="18" charset="0"/>
+                <a:cs typeface="Times New Roman" panose="02020603050405020304" pitchFamily="18" charset="0"/>
+              </a:rPr>
+              <a:t>, é preciso ter em mente o formato, o tamanho e a posição dela na página web.</a:t>
             </a:r>
           </a:p>
           <a:p>
@@ -22080,21 +23044,35 @@
                 <a:latin typeface="Times New Roman" panose="02020603050405020304" pitchFamily="18" charset="0"/>
                 <a:cs typeface="Times New Roman" panose="02020603050405020304" pitchFamily="18" charset="0"/>
               </a:rPr>
-              <a:t>É necessário informar ao navegador aonde a imagem se encontra, ou seja, o endereço e o nome da imagem. Para isto, utiliza-se o atributo SRC (</a:t>
-            </a:r>
-            <a:r>
-              <a:rPr lang="pt-BR" sz="2400" dirty="0" err="1">
+              <a:t>É necessário informar ao navegador aonde a imagem se encontra, ou seja, o endereço e o nome da imagem. Para isto, utiliza-se o atributo </a:t>
+            </a:r>
+            <a:r>
+              <a:rPr lang="pt-BR" sz="2400" b="1" dirty="0">
+                <a:latin typeface="Times New Roman" panose="02020603050405020304" pitchFamily="18" charset="0"/>
+                <a:cs typeface="Times New Roman" panose="02020603050405020304" pitchFamily="18" charset="0"/>
+              </a:rPr>
+              <a:t>SRC (</a:t>
+            </a:r>
+            <a:r>
+              <a:rPr lang="pt-BR" sz="2400" b="1" dirty="0" err="1">
                 <a:latin typeface="Times New Roman" panose="02020603050405020304" pitchFamily="18" charset="0"/>
                 <a:cs typeface="Times New Roman" panose="02020603050405020304" pitchFamily="18" charset="0"/>
               </a:rPr>
               <a:t>source</a:t>
             </a:r>
             <a:r>
-              <a:rPr lang="pt-BR" sz="2400" dirty="0">
-                <a:latin typeface="Times New Roman" panose="02020603050405020304" pitchFamily="18" charset="0"/>
-                <a:cs typeface="Times New Roman" panose="02020603050405020304" pitchFamily="18" charset="0"/>
-              </a:rPr>
-              <a:t>, fonte). Não possui </a:t>
+              <a:rPr lang="pt-BR" sz="2400" b="1" dirty="0">
+                <a:latin typeface="Times New Roman" panose="02020603050405020304" pitchFamily="18" charset="0"/>
+                <a:cs typeface="Times New Roman" panose="02020603050405020304" pitchFamily="18" charset="0"/>
+              </a:rPr>
+              <a:t>, fonte). </a:t>
+            </a:r>
+            <a:r>
+              <a:rPr lang="pt-BR" sz="2400" dirty="0">
+                <a:latin typeface="Times New Roman" panose="02020603050405020304" pitchFamily="18" charset="0"/>
+                <a:cs typeface="Times New Roman" panose="02020603050405020304" pitchFamily="18" charset="0"/>
+              </a:rPr>
+              <a:t>Não possui </a:t>
             </a:r>
             <a:r>
               <a:rPr lang="pt-BR" sz="2400" dirty="0" err="1">
@@ -22158,7 +23136,10 @@
               <a:t> </a:t>
             </a:r>
             <a:r>
-              <a:rPr lang="pt-BR" sz="2400" dirty="0" err="1">
+              <a:rPr lang="pt-BR" sz="2400" b="1" dirty="0" err="1">
+                <a:solidFill>
+                  <a:srgbClr val="0070C0"/>
+                </a:solidFill>
                 <a:latin typeface="Times New Roman" panose="02020603050405020304" pitchFamily="18" charset="0"/>
                 <a:cs typeface="Times New Roman" panose="02020603050405020304" pitchFamily="18" charset="0"/>
               </a:rPr>
@@ -22272,7 +23253,94 @@
                 <a:latin typeface="Times New Roman" panose="02020603050405020304" pitchFamily="18" charset="0"/>
                 <a:cs typeface="Times New Roman" panose="02020603050405020304" pitchFamily="18" charset="0"/>
               </a:rPr>
-              <a:t>Quando criamos uma imagem para web, é preciso observar o tamanho do arquivo, para que usuários com qualquer tipo de conexão possa ter acesso, pois quanto menor a velocidade de conexão do usuário, mais tempo irá demorar para carregar a imagem.</a:t>
+              <a:t>Quando </a:t>
+            </a:r>
+            <a:r>
+              <a:rPr lang="pt-BR" sz="2400" b="1" dirty="0">
+                <a:latin typeface="Times New Roman" panose="02020603050405020304" pitchFamily="18" charset="0"/>
+                <a:cs typeface="Times New Roman" panose="02020603050405020304" pitchFamily="18" charset="0"/>
+              </a:rPr>
+              <a:t>criamos</a:t>
+            </a:r>
+            <a:r>
+              <a:rPr lang="pt-BR" sz="2400" dirty="0">
+                <a:latin typeface="Times New Roman" panose="02020603050405020304" pitchFamily="18" charset="0"/>
+                <a:cs typeface="Times New Roman" panose="02020603050405020304" pitchFamily="18" charset="0"/>
+              </a:rPr>
+              <a:t> uma </a:t>
+            </a:r>
+            <a:r>
+              <a:rPr lang="pt-BR" sz="2400" b="1" dirty="0">
+                <a:latin typeface="Times New Roman" panose="02020603050405020304" pitchFamily="18" charset="0"/>
+                <a:cs typeface="Times New Roman" panose="02020603050405020304" pitchFamily="18" charset="0"/>
+              </a:rPr>
+              <a:t>imagem para web</a:t>
+            </a:r>
+            <a:r>
+              <a:rPr lang="pt-BR" sz="2400" dirty="0">
+                <a:latin typeface="Times New Roman" panose="02020603050405020304" pitchFamily="18" charset="0"/>
+                <a:cs typeface="Times New Roman" panose="02020603050405020304" pitchFamily="18" charset="0"/>
+              </a:rPr>
+              <a:t>, é preciso observar o </a:t>
+            </a:r>
+            <a:r>
+              <a:rPr lang="pt-BR" sz="2400" b="1" dirty="0">
+                <a:latin typeface="Times New Roman" panose="02020603050405020304" pitchFamily="18" charset="0"/>
+                <a:cs typeface="Times New Roman" panose="02020603050405020304" pitchFamily="18" charset="0"/>
+              </a:rPr>
+              <a:t>tamanho do arquivo</a:t>
+            </a:r>
+            <a:r>
+              <a:rPr lang="pt-BR" sz="2400" dirty="0">
+                <a:latin typeface="Times New Roman" panose="02020603050405020304" pitchFamily="18" charset="0"/>
+                <a:cs typeface="Times New Roman" panose="02020603050405020304" pitchFamily="18" charset="0"/>
+              </a:rPr>
+              <a:t>, para que usuários com </a:t>
+            </a:r>
+            <a:r>
+              <a:rPr lang="pt-BR" sz="2400" b="1" dirty="0">
+                <a:solidFill>
+                  <a:srgbClr val="FF0000"/>
+                </a:solidFill>
+                <a:latin typeface="Times New Roman" panose="02020603050405020304" pitchFamily="18" charset="0"/>
+                <a:cs typeface="Times New Roman" panose="02020603050405020304" pitchFamily="18" charset="0"/>
+              </a:rPr>
+              <a:t>qualquer tipo de conexão </a:t>
+            </a:r>
+            <a:r>
+              <a:rPr lang="pt-BR" sz="2400" dirty="0">
+                <a:latin typeface="Times New Roman" panose="02020603050405020304" pitchFamily="18" charset="0"/>
+                <a:cs typeface="Times New Roman" panose="02020603050405020304" pitchFamily="18" charset="0"/>
+              </a:rPr>
+              <a:t>possa ter acesso, pois quanto </a:t>
+            </a:r>
+            <a:r>
+              <a:rPr lang="pt-BR" sz="2400" b="1" dirty="0">
+                <a:latin typeface="Times New Roman" panose="02020603050405020304" pitchFamily="18" charset="0"/>
+                <a:cs typeface="Times New Roman" panose="02020603050405020304" pitchFamily="18" charset="0"/>
+              </a:rPr>
+              <a:t>menor a velocidade de conexão </a:t>
+            </a:r>
+            <a:r>
+              <a:rPr lang="pt-BR" sz="2400" dirty="0">
+                <a:latin typeface="Times New Roman" panose="02020603050405020304" pitchFamily="18" charset="0"/>
+                <a:cs typeface="Times New Roman" panose="02020603050405020304" pitchFamily="18" charset="0"/>
+              </a:rPr>
+              <a:t>do usuário, </a:t>
+            </a:r>
+            <a:r>
+              <a:rPr lang="pt-BR" sz="2400" b="1" dirty="0">
+                <a:latin typeface="Times New Roman" panose="02020603050405020304" pitchFamily="18" charset="0"/>
+                <a:cs typeface="Times New Roman" panose="02020603050405020304" pitchFamily="18" charset="0"/>
+              </a:rPr>
+              <a:t>mais tempo irá demorar para carregar a imagem</a:t>
+            </a:r>
+            <a:r>
+              <a:rPr lang="pt-BR" sz="2400" dirty="0">
+                <a:latin typeface="Times New Roman" panose="02020603050405020304" pitchFamily="18" charset="0"/>
+                <a:cs typeface="Times New Roman" panose="02020603050405020304" pitchFamily="18" charset="0"/>
+              </a:rPr>
+              <a:t>.</a:t>
             </a:r>
           </a:p>
           <a:p>
@@ -22293,10 +23361,24 @@
                 <a:latin typeface="Times New Roman" panose="02020603050405020304" pitchFamily="18" charset="0"/>
                 <a:cs typeface="Times New Roman" panose="02020603050405020304" pitchFamily="18" charset="0"/>
               </a:rPr>
-              <a:t>Para alinhar textos e imagens na página web, deve ser utilizado o atributo </a:t>
-            </a:r>
-            <a:r>
-              <a:rPr lang="pt-BR" sz="2400" dirty="0" err="1">
+              <a:t>Para </a:t>
+            </a:r>
+            <a:r>
+              <a:rPr lang="pt-BR" sz="2400" b="1" dirty="0">
+                <a:latin typeface="Times New Roman" panose="02020603050405020304" pitchFamily="18" charset="0"/>
+                <a:cs typeface="Times New Roman" panose="02020603050405020304" pitchFamily="18" charset="0"/>
+              </a:rPr>
+              <a:t>alinhar textos e imagens </a:t>
+            </a:r>
+            <a:r>
+              <a:rPr lang="pt-BR" sz="2400" dirty="0">
+                <a:latin typeface="Times New Roman" panose="02020603050405020304" pitchFamily="18" charset="0"/>
+                <a:cs typeface="Times New Roman" panose="02020603050405020304" pitchFamily="18" charset="0"/>
+              </a:rPr>
+              <a:t>na página web, deve ser utilizado o atributo </a:t>
+            </a:r>
+            <a:r>
+              <a:rPr lang="pt-BR" sz="2400" b="1" dirty="0" err="1">
                 <a:latin typeface="Times New Roman" panose="02020603050405020304" pitchFamily="18" charset="0"/>
                 <a:cs typeface="Times New Roman" panose="02020603050405020304" pitchFamily="18" charset="0"/>
               </a:rPr>
@@ -22307,7 +23389,24 @@
                 <a:latin typeface="Times New Roman" panose="02020603050405020304" pitchFamily="18" charset="0"/>
                 <a:cs typeface="Times New Roman" panose="02020603050405020304" pitchFamily="18" charset="0"/>
               </a:rPr>
-              <a:t> , podendo alinhar o texto, no topo, centro, rodapé, à direita ou à esquerda da imagem.</a:t>
+              <a:t> , podendo </a:t>
+            </a:r>
+            <a:r>
+              <a:rPr lang="pt-BR" sz="2400" b="1" dirty="0">
+                <a:solidFill>
+                  <a:srgbClr val="FF0000"/>
+                </a:solidFill>
+                <a:latin typeface="Times New Roman" panose="02020603050405020304" pitchFamily="18" charset="0"/>
+                <a:cs typeface="Times New Roman" panose="02020603050405020304" pitchFamily="18" charset="0"/>
+              </a:rPr>
+              <a:t>alinhar o texto, no topo, centro, rodapé, à direita ou à esquerda da imagem</a:t>
+            </a:r>
+            <a:r>
+              <a:rPr lang="pt-BR" sz="2400" dirty="0">
+                <a:latin typeface="Times New Roman" panose="02020603050405020304" pitchFamily="18" charset="0"/>
+                <a:cs typeface="Times New Roman" panose="02020603050405020304" pitchFamily="18" charset="0"/>
+              </a:rPr>
+              <a:t>.</a:t>
             </a:r>
           </a:p>
           <a:p>
@@ -22328,10 +23427,24 @@
                 <a:latin typeface="Times New Roman" panose="02020603050405020304" pitchFamily="18" charset="0"/>
                 <a:cs typeface="Times New Roman" panose="02020603050405020304" pitchFamily="18" charset="0"/>
               </a:rPr>
-              <a:t>O valor default que o browser usa para o </a:t>
-            </a:r>
-            <a:r>
-              <a:rPr lang="pt-BR" sz="2400" dirty="0" err="1">
+              <a:t>O </a:t>
+            </a:r>
+            <a:r>
+              <a:rPr lang="pt-BR" sz="2400" b="1" dirty="0">
+                <a:latin typeface="Times New Roman" panose="02020603050405020304" pitchFamily="18" charset="0"/>
+                <a:cs typeface="Times New Roman" panose="02020603050405020304" pitchFamily="18" charset="0"/>
+              </a:rPr>
+              <a:t>valor default </a:t>
+            </a:r>
+            <a:r>
+              <a:rPr lang="pt-BR" sz="2400" dirty="0">
+                <a:latin typeface="Times New Roman" panose="02020603050405020304" pitchFamily="18" charset="0"/>
+                <a:cs typeface="Times New Roman" panose="02020603050405020304" pitchFamily="18" charset="0"/>
+              </a:rPr>
+              <a:t>que o browser usa para o </a:t>
+            </a:r>
+            <a:r>
+              <a:rPr lang="pt-BR" sz="2400" b="1" dirty="0" err="1">
                 <a:latin typeface="Times New Roman" panose="02020603050405020304" pitchFamily="18" charset="0"/>
                 <a:cs typeface="Times New Roman" panose="02020603050405020304" pitchFamily="18" charset="0"/>
               </a:rPr>
@@ -22342,7 +23455,24 @@
                 <a:latin typeface="Times New Roman" panose="02020603050405020304" pitchFamily="18" charset="0"/>
                 <a:cs typeface="Times New Roman" panose="02020603050405020304" pitchFamily="18" charset="0"/>
               </a:rPr>
-              <a:t> é BOTTOM. </a:t>
+              <a:t> é </a:t>
+            </a:r>
+            <a:r>
+              <a:rPr lang="pt-BR" sz="2400" b="1" dirty="0">
+                <a:solidFill>
+                  <a:srgbClr val="FF0000"/>
+                </a:solidFill>
+                <a:latin typeface="Times New Roman" panose="02020603050405020304" pitchFamily="18" charset="0"/>
+                <a:cs typeface="Times New Roman" panose="02020603050405020304" pitchFamily="18" charset="0"/>
+              </a:rPr>
+              <a:t>BOTTOM</a:t>
+            </a:r>
+            <a:r>
+              <a:rPr lang="pt-BR" sz="2400" dirty="0">
+                <a:latin typeface="Times New Roman" panose="02020603050405020304" pitchFamily="18" charset="0"/>
+                <a:cs typeface="Times New Roman" panose="02020603050405020304" pitchFamily="18" charset="0"/>
+              </a:rPr>
+              <a:t>. </a:t>
             </a:r>
             <a:endParaRPr lang="pt-BR" sz="2000" dirty="0">
               <a:latin typeface="Times New Roman" panose="02020603050405020304" pitchFamily="18" charset="0"/>
@@ -22540,7 +23670,7 @@
             </a:r>
           </a:p>
           <a:p>
-            <a:pPr marL="0" indent="0" algn="just">
+            <a:pPr marL="447675" lvl="1" indent="0" algn="just">
               <a:buNone/>
             </a:pPr>
             <a:r>
@@ -22551,10 +23681,81 @@
               <a:t>&lt;</a:t>
             </a:r>
             <a:r>
+              <a:rPr lang="pt-BR" sz="2000" b="1" dirty="0" err="1">
+                <a:latin typeface="Times New Roman" panose="02020603050405020304" pitchFamily="18" charset="0"/>
+                <a:cs typeface="Times New Roman" panose="02020603050405020304" pitchFamily="18" charset="0"/>
+              </a:rPr>
+              <a:t>img</a:t>
+            </a:r>
+            <a:r>
+              <a:rPr lang="pt-BR" sz="2000" dirty="0">
+                <a:latin typeface="Times New Roman" panose="02020603050405020304" pitchFamily="18" charset="0"/>
+                <a:cs typeface="Times New Roman" panose="02020603050405020304" pitchFamily="18" charset="0"/>
+              </a:rPr>
+              <a:t> </a:t>
+            </a:r>
+            <a:r>
+              <a:rPr lang="pt-BR" sz="2000" b="1" dirty="0" err="1">
+                <a:solidFill>
+                  <a:srgbClr val="0070C0"/>
+                </a:solidFill>
+                <a:latin typeface="Times New Roman" panose="02020603050405020304" pitchFamily="18" charset="0"/>
+                <a:cs typeface="Times New Roman" panose="02020603050405020304" pitchFamily="18" charset="0"/>
+              </a:rPr>
+              <a:t>src</a:t>
+            </a:r>
+            <a:r>
+              <a:rPr lang="pt-BR" sz="2000" dirty="0">
+                <a:latin typeface="Times New Roman" panose="02020603050405020304" pitchFamily="18" charset="0"/>
+                <a:cs typeface="Times New Roman" panose="02020603050405020304" pitchFamily="18" charset="0"/>
+              </a:rPr>
+              <a:t>=“caminho da imagem” </a:t>
+            </a:r>
+            <a:r>
               <a:rPr lang="pt-BR" sz="2000" dirty="0" err="1">
                 <a:latin typeface="Times New Roman" panose="02020603050405020304" pitchFamily="18" charset="0"/>
                 <a:cs typeface="Times New Roman" panose="02020603050405020304" pitchFamily="18" charset="0"/>
               </a:rPr>
+              <a:t>align</a:t>
+            </a:r>
+            <a:r>
+              <a:rPr lang="pt-BR" sz="2000" dirty="0">
+                <a:latin typeface="Times New Roman" panose="02020603050405020304" pitchFamily="18" charset="0"/>
+                <a:cs typeface="Times New Roman" panose="02020603050405020304" pitchFamily="18" charset="0"/>
+              </a:rPr>
+              <a:t>=“</a:t>
+            </a:r>
+            <a:r>
+              <a:rPr lang="pt-BR" sz="2000" b="1" dirty="0">
+                <a:latin typeface="Times New Roman" panose="02020603050405020304" pitchFamily="18" charset="0"/>
+                <a:cs typeface="Times New Roman" panose="02020603050405020304" pitchFamily="18" charset="0"/>
+              </a:rPr>
+              <a:t>top</a:t>
+            </a:r>
+            <a:r>
+              <a:rPr lang="pt-BR" sz="2000" dirty="0">
+                <a:latin typeface="Times New Roman" panose="02020603050405020304" pitchFamily="18" charset="0"/>
+                <a:cs typeface="Times New Roman" panose="02020603050405020304" pitchFamily="18" charset="0"/>
+              </a:rPr>
+              <a:t>”&gt;</a:t>
+            </a:r>
+          </a:p>
+          <a:p>
+            <a:pPr marL="447675" lvl="1" indent="0" algn="just">
+              <a:buNone/>
+            </a:pPr>
+            <a:r>
+              <a:rPr lang="pt-BR" sz="2000" dirty="0">
+                <a:latin typeface="Times New Roman" panose="02020603050405020304" pitchFamily="18" charset="0"/>
+                <a:cs typeface="Times New Roman" panose="02020603050405020304" pitchFamily="18" charset="0"/>
+              </a:rPr>
+              <a:t>&lt;</a:t>
+            </a:r>
+            <a:r>
+              <a:rPr lang="pt-BR" sz="2000" b="1" dirty="0" err="1">
+                <a:latin typeface="Times New Roman" panose="02020603050405020304" pitchFamily="18" charset="0"/>
+                <a:cs typeface="Times New Roman" panose="02020603050405020304" pitchFamily="18" charset="0"/>
+              </a:rPr>
               <a:t>img</a:t>
             </a:r>
             <a:r>
@@ -22565,10 +23766,84 @@
               <a:t> </a:t>
             </a:r>
             <a:r>
+              <a:rPr lang="pt-BR" sz="2000" b="1" dirty="0" err="1">
+                <a:solidFill>
+                  <a:srgbClr val="0070C0"/>
+                </a:solidFill>
+                <a:latin typeface="Times New Roman" panose="02020603050405020304" pitchFamily="18" charset="0"/>
+                <a:cs typeface="Times New Roman" panose="02020603050405020304" pitchFamily="18" charset="0"/>
+              </a:rPr>
+              <a:t>src</a:t>
+            </a:r>
+            <a:r>
+              <a:rPr lang="pt-BR" sz="2000" dirty="0">
+                <a:latin typeface="Times New Roman" panose="02020603050405020304" pitchFamily="18" charset="0"/>
+                <a:cs typeface="Times New Roman" panose="02020603050405020304" pitchFamily="18" charset="0"/>
+              </a:rPr>
+              <a:t>=“caminho da imagem” </a:t>
+            </a:r>
+            <a:r>
               <a:rPr lang="pt-BR" sz="2000" dirty="0" err="1">
                 <a:latin typeface="Times New Roman" panose="02020603050405020304" pitchFamily="18" charset="0"/>
                 <a:cs typeface="Times New Roman" panose="02020603050405020304" pitchFamily="18" charset="0"/>
               </a:rPr>
+              <a:t>align</a:t>
+            </a:r>
+            <a:r>
+              <a:rPr lang="pt-BR" sz="2000" dirty="0">
+                <a:latin typeface="Times New Roman" panose="02020603050405020304" pitchFamily="18" charset="0"/>
+                <a:cs typeface="Times New Roman" panose="02020603050405020304" pitchFamily="18" charset="0"/>
+              </a:rPr>
+              <a:t>=“</a:t>
+            </a:r>
+            <a:r>
+              <a:rPr lang="pt-BR" sz="2000" b="1" dirty="0" err="1">
+                <a:latin typeface="Times New Roman" panose="02020603050405020304" pitchFamily="18" charset="0"/>
+                <a:cs typeface="Times New Roman" panose="02020603050405020304" pitchFamily="18" charset="0"/>
+              </a:rPr>
+              <a:t>bottom</a:t>
+            </a:r>
+            <a:r>
+              <a:rPr lang="pt-BR" sz="2000" dirty="0">
+                <a:latin typeface="Times New Roman" panose="02020603050405020304" pitchFamily="18" charset="0"/>
+                <a:cs typeface="Times New Roman" panose="02020603050405020304" pitchFamily="18" charset="0"/>
+              </a:rPr>
+              <a:t>”&gt;</a:t>
+            </a:r>
+          </a:p>
+          <a:p>
+            <a:pPr marL="447675" lvl="1" indent="0" algn="just">
+              <a:buNone/>
+            </a:pPr>
+            <a:r>
+              <a:rPr lang="pt-BR" sz="2000" dirty="0">
+                <a:latin typeface="Times New Roman" panose="02020603050405020304" pitchFamily="18" charset="0"/>
+                <a:cs typeface="Times New Roman" panose="02020603050405020304" pitchFamily="18" charset="0"/>
+              </a:rPr>
+              <a:t>&lt;</a:t>
+            </a:r>
+            <a:r>
+              <a:rPr lang="pt-BR" sz="2000" b="1" dirty="0" err="1">
+                <a:latin typeface="Times New Roman" panose="02020603050405020304" pitchFamily="18" charset="0"/>
+                <a:cs typeface="Times New Roman" panose="02020603050405020304" pitchFamily="18" charset="0"/>
+              </a:rPr>
+              <a:t>img</a:t>
+            </a:r>
+            <a:r>
+              <a:rPr lang="pt-BR" sz="2000" dirty="0">
+                <a:latin typeface="Times New Roman" panose="02020603050405020304" pitchFamily="18" charset="0"/>
+                <a:cs typeface="Times New Roman" panose="02020603050405020304" pitchFamily="18" charset="0"/>
+              </a:rPr>
+              <a:t> </a:t>
+            </a:r>
+            <a:r>
+              <a:rPr lang="pt-BR" sz="2000" b="1" dirty="0" err="1">
+                <a:solidFill>
+                  <a:srgbClr val="0070C0"/>
+                </a:solidFill>
+                <a:latin typeface="Times New Roman" panose="02020603050405020304" pitchFamily="18" charset="0"/>
+                <a:cs typeface="Times New Roman" panose="02020603050405020304" pitchFamily="18" charset="0"/>
+              </a:rPr>
               <a:t>src</a:t>
             </a:r>
             <a:r>
@@ -22593,11 +23868,11 @@
               <a:t>=“</a:t>
             </a:r>
             <a:r>
-              <a:rPr lang="pt-BR" sz="2000" b="1" dirty="0">
-                <a:latin typeface="Times New Roman" panose="02020603050405020304" pitchFamily="18" charset="0"/>
-                <a:cs typeface="Times New Roman" panose="02020603050405020304" pitchFamily="18" charset="0"/>
-              </a:rPr>
-              <a:t>top</a:t>
+              <a:rPr lang="pt-BR" sz="2000" b="1" dirty="0" err="1">
+                <a:latin typeface="Times New Roman" panose="02020603050405020304" pitchFamily="18" charset="0"/>
+                <a:cs typeface="Times New Roman" panose="02020603050405020304" pitchFamily="18" charset="0"/>
+              </a:rPr>
+              <a:t>right</a:t>
             </a:r>
             <a:r>
               <a:rPr lang="pt-BR" sz="2000" dirty="0">
@@ -22608,7 +23883,7 @@
             </a:r>
           </a:p>
           <a:p>
-            <a:pPr marL="0" indent="0" algn="just">
+            <a:pPr marL="447675" lvl="1" indent="0" algn="just">
               <a:buNone/>
             </a:pPr>
             <a:r>
@@ -22619,10 +23894,81 @@
               <a:t>&lt;</a:t>
             </a:r>
             <a:r>
+              <a:rPr lang="pt-BR" sz="2000" b="1" dirty="0" err="1">
+                <a:latin typeface="Times New Roman" panose="02020603050405020304" pitchFamily="18" charset="0"/>
+                <a:cs typeface="Times New Roman" panose="02020603050405020304" pitchFamily="18" charset="0"/>
+              </a:rPr>
+              <a:t>img</a:t>
+            </a:r>
+            <a:r>
+              <a:rPr lang="pt-BR" sz="2000" dirty="0">
+                <a:latin typeface="Times New Roman" panose="02020603050405020304" pitchFamily="18" charset="0"/>
+                <a:cs typeface="Times New Roman" panose="02020603050405020304" pitchFamily="18" charset="0"/>
+              </a:rPr>
+              <a:t> </a:t>
+            </a:r>
+            <a:r>
+              <a:rPr lang="pt-BR" sz="2000" b="1" dirty="0" err="1">
+                <a:solidFill>
+                  <a:srgbClr val="0070C0"/>
+                </a:solidFill>
+                <a:latin typeface="Times New Roman" panose="02020603050405020304" pitchFamily="18" charset="0"/>
+                <a:cs typeface="Times New Roman" panose="02020603050405020304" pitchFamily="18" charset="0"/>
+              </a:rPr>
+              <a:t>src</a:t>
+            </a:r>
+            <a:r>
+              <a:rPr lang="pt-BR" sz="2000" dirty="0">
+                <a:latin typeface="Times New Roman" panose="02020603050405020304" pitchFamily="18" charset="0"/>
+                <a:cs typeface="Times New Roman" panose="02020603050405020304" pitchFamily="18" charset="0"/>
+              </a:rPr>
+              <a:t>=“caminho da imagem” </a:t>
+            </a:r>
+            <a:r>
               <a:rPr lang="pt-BR" sz="2000" dirty="0" err="1">
                 <a:latin typeface="Times New Roman" panose="02020603050405020304" pitchFamily="18" charset="0"/>
                 <a:cs typeface="Times New Roman" panose="02020603050405020304" pitchFamily="18" charset="0"/>
               </a:rPr>
+              <a:t>align</a:t>
+            </a:r>
+            <a:r>
+              <a:rPr lang="pt-BR" sz="2000" dirty="0">
+                <a:latin typeface="Times New Roman" panose="02020603050405020304" pitchFamily="18" charset="0"/>
+                <a:cs typeface="Times New Roman" panose="02020603050405020304" pitchFamily="18" charset="0"/>
+              </a:rPr>
+              <a:t>=“</a:t>
+            </a:r>
+            <a:r>
+              <a:rPr lang="pt-BR" sz="2000" b="1" dirty="0" err="1">
+                <a:latin typeface="Times New Roman" panose="02020603050405020304" pitchFamily="18" charset="0"/>
+                <a:cs typeface="Times New Roman" panose="02020603050405020304" pitchFamily="18" charset="0"/>
+              </a:rPr>
+              <a:t>left</a:t>
+            </a:r>
+            <a:r>
+              <a:rPr lang="pt-BR" sz="2000" dirty="0">
+                <a:latin typeface="Times New Roman" panose="02020603050405020304" pitchFamily="18" charset="0"/>
+                <a:cs typeface="Times New Roman" panose="02020603050405020304" pitchFamily="18" charset="0"/>
+              </a:rPr>
+              <a:t>”&gt;</a:t>
+            </a:r>
+          </a:p>
+          <a:p>
+            <a:pPr marL="447675" lvl="1" indent="0" algn="just">
+              <a:buNone/>
+            </a:pPr>
+            <a:r>
+              <a:rPr lang="pt-BR" sz="2000" dirty="0">
+                <a:latin typeface="Times New Roman" panose="02020603050405020304" pitchFamily="18" charset="0"/>
+                <a:cs typeface="Times New Roman" panose="02020603050405020304" pitchFamily="18" charset="0"/>
+              </a:rPr>
+              <a:t>&lt;</a:t>
+            </a:r>
+            <a:r>
+              <a:rPr lang="pt-BR" sz="2000" b="1" dirty="0" err="1">
+                <a:latin typeface="Times New Roman" panose="02020603050405020304" pitchFamily="18" charset="0"/>
+                <a:cs typeface="Times New Roman" panose="02020603050405020304" pitchFamily="18" charset="0"/>
+              </a:rPr>
               <a:t>img</a:t>
             </a:r>
             <a:r>
@@ -22633,211 +23979,10 @@
               <a:t> </a:t>
             </a:r>
             <a:r>
-              <a:rPr lang="pt-BR" sz="2000" dirty="0" err="1">
-                <a:latin typeface="Times New Roman" panose="02020603050405020304" pitchFamily="18" charset="0"/>
-                <a:cs typeface="Times New Roman" panose="02020603050405020304" pitchFamily="18" charset="0"/>
-              </a:rPr>
-              <a:t>src</a:t>
-            </a:r>
-            <a:r>
-              <a:rPr lang="pt-BR" sz="2000" dirty="0">
-                <a:latin typeface="Times New Roman" panose="02020603050405020304" pitchFamily="18" charset="0"/>
-                <a:cs typeface="Times New Roman" panose="02020603050405020304" pitchFamily="18" charset="0"/>
-              </a:rPr>
-              <a:t>=“caminho da imagem” </a:t>
-            </a:r>
-            <a:r>
-              <a:rPr lang="pt-BR" sz="2000" dirty="0" err="1">
-                <a:latin typeface="Times New Roman" panose="02020603050405020304" pitchFamily="18" charset="0"/>
-                <a:cs typeface="Times New Roman" panose="02020603050405020304" pitchFamily="18" charset="0"/>
-              </a:rPr>
-              <a:t>align</a:t>
-            </a:r>
-            <a:r>
-              <a:rPr lang="pt-BR" sz="2000" dirty="0">
-                <a:latin typeface="Times New Roman" panose="02020603050405020304" pitchFamily="18" charset="0"/>
-                <a:cs typeface="Times New Roman" panose="02020603050405020304" pitchFamily="18" charset="0"/>
-              </a:rPr>
-              <a:t>=“</a:t>
-            </a:r>
-            <a:r>
               <a:rPr lang="pt-BR" sz="2000" b="1" dirty="0" err="1">
-                <a:latin typeface="Times New Roman" panose="02020603050405020304" pitchFamily="18" charset="0"/>
-                <a:cs typeface="Times New Roman" panose="02020603050405020304" pitchFamily="18" charset="0"/>
-              </a:rPr>
-              <a:t>bottom</a:t>
-            </a:r>
-            <a:r>
-              <a:rPr lang="pt-BR" sz="2000" dirty="0">
-                <a:latin typeface="Times New Roman" panose="02020603050405020304" pitchFamily="18" charset="0"/>
-                <a:cs typeface="Times New Roman" panose="02020603050405020304" pitchFamily="18" charset="0"/>
-              </a:rPr>
-              <a:t>”&gt;</a:t>
-            </a:r>
-          </a:p>
-          <a:p>
-            <a:pPr marL="0" indent="0" algn="just">
-              <a:buNone/>
-            </a:pPr>
-            <a:r>
-              <a:rPr lang="pt-BR" sz="2000" dirty="0">
-                <a:latin typeface="Times New Roman" panose="02020603050405020304" pitchFamily="18" charset="0"/>
-                <a:cs typeface="Times New Roman" panose="02020603050405020304" pitchFamily="18" charset="0"/>
-              </a:rPr>
-              <a:t>&lt;</a:t>
-            </a:r>
-            <a:r>
-              <a:rPr lang="pt-BR" sz="2000" dirty="0" err="1">
-                <a:latin typeface="Times New Roman" panose="02020603050405020304" pitchFamily="18" charset="0"/>
-                <a:cs typeface="Times New Roman" panose="02020603050405020304" pitchFamily="18" charset="0"/>
-              </a:rPr>
-              <a:t>img</a:t>
-            </a:r>
-            <a:r>
-              <a:rPr lang="pt-BR" sz="2000" dirty="0">
-                <a:latin typeface="Times New Roman" panose="02020603050405020304" pitchFamily="18" charset="0"/>
-                <a:cs typeface="Times New Roman" panose="02020603050405020304" pitchFamily="18" charset="0"/>
-              </a:rPr>
-              <a:t> </a:t>
-            </a:r>
-            <a:r>
-              <a:rPr lang="pt-BR" sz="2000" dirty="0" err="1">
-                <a:latin typeface="Times New Roman" panose="02020603050405020304" pitchFamily="18" charset="0"/>
-                <a:cs typeface="Times New Roman" panose="02020603050405020304" pitchFamily="18" charset="0"/>
-              </a:rPr>
-              <a:t>src</a:t>
-            </a:r>
-            <a:r>
-              <a:rPr lang="pt-BR" sz="2000" dirty="0">
-                <a:latin typeface="Times New Roman" panose="02020603050405020304" pitchFamily="18" charset="0"/>
-                <a:cs typeface="Times New Roman" panose="02020603050405020304" pitchFamily="18" charset="0"/>
-              </a:rPr>
-              <a:t>=“caminho da imagem” </a:t>
-            </a:r>
-            <a:r>
-              <a:rPr lang="pt-BR" sz="2000" dirty="0" err="1">
-                <a:latin typeface="Times New Roman" panose="02020603050405020304" pitchFamily="18" charset="0"/>
-                <a:cs typeface="Times New Roman" panose="02020603050405020304" pitchFamily="18" charset="0"/>
-              </a:rPr>
-              <a:t>align</a:t>
-            </a:r>
-            <a:r>
-              <a:rPr lang="pt-BR" sz="2000" dirty="0">
-                <a:latin typeface="Times New Roman" panose="02020603050405020304" pitchFamily="18" charset="0"/>
-                <a:cs typeface="Times New Roman" panose="02020603050405020304" pitchFamily="18" charset="0"/>
-              </a:rPr>
-              <a:t>=“</a:t>
-            </a:r>
-            <a:r>
-              <a:rPr lang="pt-BR" sz="2000" b="1" dirty="0" err="1">
-                <a:latin typeface="Times New Roman" panose="02020603050405020304" pitchFamily="18" charset="0"/>
-                <a:cs typeface="Times New Roman" panose="02020603050405020304" pitchFamily="18" charset="0"/>
-              </a:rPr>
-              <a:t>right</a:t>
-            </a:r>
-            <a:r>
-              <a:rPr lang="pt-BR" sz="2000" dirty="0">
-                <a:latin typeface="Times New Roman" panose="02020603050405020304" pitchFamily="18" charset="0"/>
-                <a:cs typeface="Times New Roman" panose="02020603050405020304" pitchFamily="18" charset="0"/>
-              </a:rPr>
-              <a:t>”&gt;</a:t>
-            </a:r>
-          </a:p>
-          <a:p>
-            <a:pPr marL="0" indent="0" algn="just">
-              <a:buNone/>
-            </a:pPr>
-            <a:r>
-              <a:rPr lang="pt-BR" sz="2000" dirty="0">
-                <a:latin typeface="Times New Roman" panose="02020603050405020304" pitchFamily="18" charset="0"/>
-                <a:cs typeface="Times New Roman" panose="02020603050405020304" pitchFamily="18" charset="0"/>
-              </a:rPr>
-              <a:t>&lt;</a:t>
-            </a:r>
-            <a:r>
-              <a:rPr lang="pt-BR" sz="2000" dirty="0" err="1">
-                <a:latin typeface="Times New Roman" panose="02020603050405020304" pitchFamily="18" charset="0"/>
-                <a:cs typeface="Times New Roman" panose="02020603050405020304" pitchFamily="18" charset="0"/>
-              </a:rPr>
-              <a:t>img</a:t>
-            </a:r>
-            <a:r>
-              <a:rPr lang="pt-BR" sz="2000" dirty="0">
-                <a:latin typeface="Times New Roman" panose="02020603050405020304" pitchFamily="18" charset="0"/>
-                <a:cs typeface="Times New Roman" panose="02020603050405020304" pitchFamily="18" charset="0"/>
-              </a:rPr>
-              <a:t> </a:t>
-            </a:r>
-            <a:r>
-              <a:rPr lang="pt-BR" sz="2000" dirty="0" err="1">
-                <a:latin typeface="Times New Roman" panose="02020603050405020304" pitchFamily="18" charset="0"/>
-                <a:cs typeface="Times New Roman" panose="02020603050405020304" pitchFamily="18" charset="0"/>
-              </a:rPr>
-              <a:t>src</a:t>
-            </a:r>
-            <a:r>
-              <a:rPr lang="pt-BR" sz="2000" dirty="0">
-                <a:latin typeface="Times New Roman" panose="02020603050405020304" pitchFamily="18" charset="0"/>
-                <a:cs typeface="Times New Roman" panose="02020603050405020304" pitchFamily="18" charset="0"/>
-              </a:rPr>
-              <a:t>=“caminho da imagem” </a:t>
-            </a:r>
-            <a:r>
-              <a:rPr lang="pt-BR" sz="2000" dirty="0" err="1">
-                <a:latin typeface="Times New Roman" panose="02020603050405020304" pitchFamily="18" charset="0"/>
-                <a:cs typeface="Times New Roman" panose="02020603050405020304" pitchFamily="18" charset="0"/>
-              </a:rPr>
-              <a:t>align</a:t>
-            </a:r>
-            <a:r>
-              <a:rPr lang="pt-BR" sz="2000" dirty="0">
-                <a:latin typeface="Times New Roman" panose="02020603050405020304" pitchFamily="18" charset="0"/>
-                <a:cs typeface="Times New Roman" panose="02020603050405020304" pitchFamily="18" charset="0"/>
-              </a:rPr>
-              <a:t>=“</a:t>
-            </a:r>
-            <a:r>
-              <a:rPr lang="pt-BR" sz="2000" b="1" dirty="0" err="1">
-                <a:latin typeface="Times New Roman" panose="02020603050405020304" pitchFamily="18" charset="0"/>
-                <a:cs typeface="Times New Roman" panose="02020603050405020304" pitchFamily="18" charset="0"/>
-              </a:rPr>
-              <a:t>left</a:t>
-            </a:r>
-            <a:r>
-              <a:rPr lang="pt-BR" sz="2000" dirty="0">
-                <a:latin typeface="Times New Roman" panose="02020603050405020304" pitchFamily="18" charset="0"/>
-                <a:cs typeface="Times New Roman" panose="02020603050405020304" pitchFamily="18" charset="0"/>
-              </a:rPr>
-              <a:t>”&gt;</a:t>
-            </a:r>
-          </a:p>
-          <a:p>
-            <a:pPr marL="0" indent="0" algn="just">
-              <a:buNone/>
-            </a:pPr>
-            <a:r>
-              <a:rPr lang="pt-BR" sz="2000" dirty="0">
-                <a:latin typeface="Times New Roman" panose="02020603050405020304" pitchFamily="18" charset="0"/>
-                <a:cs typeface="Times New Roman" panose="02020603050405020304" pitchFamily="18" charset="0"/>
-              </a:rPr>
-              <a:t>&lt;</a:t>
-            </a:r>
-            <a:r>
-              <a:rPr lang="pt-BR" sz="2000" dirty="0" err="1">
-                <a:latin typeface="Times New Roman" panose="02020603050405020304" pitchFamily="18" charset="0"/>
-                <a:cs typeface="Times New Roman" panose="02020603050405020304" pitchFamily="18" charset="0"/>
-              </a:rPr>
-              <a:t>img</a:t>
-            </a:r>
-            <a:r>
-              <a:rPr lang="pt-BR" sz="2000" dirty="0">
-                <a:latin typeface="Times New Roman" panose="02020603050405020304" pitchFamily="18" charset="0"/>
-                <a:cs typeface="Times New Roman" panose="02020603050405020304" pitchFamily="18" charset="0"/>
-              </a:rPr>
-              <a:t> </a:t>
-            </a:r>
-            <a:r>
-              <a:rPr lang="pt-BR" sz="2000" dirty="0" err="1">
+                <a:solidFill>
+                  <a:srgbClr val="0070C0"/>
+                </a:solidFill>
                 <a:latin typeface="Times New Roman" panose="02020603050405020304" pitchFamily="18" charset="0"/>
                 <a:cs typeface="Times New Roman" panose="02020603050405020304" pitchFamily="18" charset="0"/>
               </a:rPr>
@@ -23118,7 +24263,10 @@
               <a:t>O atributo </a:t>
             </a:r>
             <a:r>
-              <a:rPr lang="pt-BR" sz="2000" dirty="0" err="1">
+              <a:rPr lang="pt-BR" sz="2000" b="1" dirty="0" err="1">
+                <a:solidFill>
+                  <a:srgbClr val="FF0000"/>
+                </a:solidFill>
                 <a:latin typeface="Times New Roman" panose="02020603050405020304" pitchFamily="18" charset="0"/>
                 <a:cs typeface="Times New Roman" panose="02020603050405020304" pitchFamily="18" charset="0"/>
               </a:rPr>
@@ -23150,7 +24298,52 @@
                 <a:latin typeface="Times New Roman" panose="02020603050405020304" pitchFamily="18" charset="0"/>
                 <a:cs typeface="Times New Roman" panose="02020603050405020304" pitchFamily="18" charset="0"/>
               </a:rPr>
-              <a:t>Este atributo é considerado de acessibilidade, já que é importantíssimo para deficientes visuais, uma vez que os programas desenvolvidos para eles leem as imagens.</a:t>
+              <a:t>Este </a:t>
+            </a:r>
+            <a:r>
+              <a:rPr lang="pt-BR" sz="2000" b="1" dirty="0">
+                <a:latin typeface="Times New Roman" panose="02020603050405020304" pitchFamily="18" charset="0"/>
+                <a:cs typeface="Times New Roman" panose="02020603050405020304" pitchFamily="18" charset="0"/>
+              </a:rPr>
+              <a:t>atributo</a:t>
+            </a:r>
+            <a:r>
+              <a:rPr lang="pt-BR" sz="2000" dirty="0">
+                <a:latin typeface="Times New Roman" panose="02020603050405020304" pitchFamily="18" charset="0"/>
+                <a:cs typeface="Times New Roman" panose="02020603050405020304" pitchFamily="18" charset="0"/>
+              </a:rPr>
+              <a:t> é considerado de </a:t>
+            </a:r>
+            <a:r>
+              <a:rPr lang="pt-BR" sz="2000" b="1" dirty="0">
+                <a:latin typeface="Times New Roman" panose="02020603050405020304" pitchFamily="18" charset="0"/>
+                <a:cs typeface="Times New Roman" panose="02020603050405020304" pitchFamily="18" charset="0"/>
+              </a:rPr>
+              <a:t>acessibilidade</a:t>
+            </a:r>
+            <a:r>
+              <a:rPr lang="pt-BR" sz="2000" dirty="0">
+                <a:latin typeface="Times New Roman" panose="02020603050405020304" pitchFamily="18" charset="0"/>
+                <a:cs typeface="Times New Roman" panose="02020603050405020304" pitchFamily="18" charset="0"/>
+              </a:rPr>
+              <a:t>, já que é importantíssimo para </a:t>
+            </a:r>
+            <a:r>
+              <a:rPr lang="pt-BR" sz="2000" b="1" dirty="0">
+                <a:solidFill>
+                  <a:srgbClr val="FF0000"/>
+                </a:solidFill>
+                <a:latin typeface="Times New Roman" panose="02020603050405020304" pitchFamily="18" charset="0"/>
+                <a:cs typeface="Times New Roman" panose="02020603050405020304" pitchFamily="18" charset="0"/>
+              </a:rPr>
+              <a:t>deficientes visuais</a:t>
+            </a:r>
+            <a:r>
+              <a:rPr lang="pt-BR" sz="2000" dirty="0">
+                <a:latin typeface="Times New Roman" panose="02020603050405020304" pitchFamily="18" charset="0"/>
+                <a:cs typeface="Times New Roman" panose="02020603050405020304" pitchFamily="18" charset="0"/>
+              </a:rPr>
+              <a:t>, uma vez que os programas desenvolvidos para eles leem as imagens.</a:t>
             </a:r>
           </a:p>
           <a:p>
@@ -23324,12 +24517,21 @@
             <a:pPr marL="0" indent="0" algn="just">
               <a:buNone/>
             </a:pPr>
+            <a:endParaRPr lang="pt-BR" sz="2400" b="1" dirty="0">
+              <a:latin typeface="Times New Roman" panose="02020603050405020304" pitchFamily="18" charset="0"/>
+              <a:cs typeface="Times New Roman" panose="02020603050405020304" pitchFamily="18" charset="0"/>
+            </a:endParaRPr>
+          </a:p>
+          <a:p>
+            <a:pPr marL="0" indent="0" algn="just">
+              <a:buNone/>
+            </a:pPr>
             <a:r>
               <a:rPr lang="pt-BR" sz="2000" dirty="0">
                 <a:latin typeface="Times New Roman" panose="02020603050405020304" pitchFamily="18" charset="0"/>
                 <a:cs typeface="Times New Roman" panose="02020603050405020304" pitchFamily="18" charset="0"/>
               </a:rPr>
-              <a:t>&lt;</a:t>
+              <a:t>	&lt;</a:t>
             </a:r>
             <a:r>
               <a:rPr lang="pt-BR" sz="2000" dirty="0" err="1">
@@ -23427,8 +24629,36 @@
                 <a:latin typeface="Times New Roman" panose="02020603050405020304" pitchFamily="18" charset="0"/>
                 <a:cs typeface="Times New Roman" panose="02020603050405020304" pitchFamily="18" charset="0"/>
               </a:rPr>
-              <a:t>: Site para testar imagens, URL https://fakeimg.pl/,</a:t>
-            </a:r>
+              <a:t>: Site para </a:t>
+            </a:r>
+            <a:r>
+              <a:rPr lang="pt-BR" sz="2000" b="1" dirty="0">
+                <a:latin typeface="Times New Roman" panose="02020603050405020304" pitchFamily="18" charset="0"/>
+                <a:cs typeface="Times New Roman" panose="02020603050405020304" pitchFamily="18" charset="0"/>
+              </a:rPr>
+              <a:t>testar imagens</a:t>
+            </a:r>
+            <a:r>
+              <a:rPr lang="pt-BR" sz="2000" dirty="0">
+                <a:latin typeface="Times New Roman" panose="02020603050405020304" pitchFamily="18" charset="0"/>
+                <a:cs typeface="Times New Roman" panose="02020603050405020304" pitchFamily="18" charset="0"/>
+              </a:rPr>
+              <a:t>, </a:t>
+            </a:r>
+            <a:r>
+              <a:rPr lang="pt-BR" sz="2000" b="1" dirty="0">
+                <a:solidFill>
+                  <a:srgbClr val="FF0000"/>
+                </a:solidFill>
+                <a:latin typeface="Times New Roman" panose="02020603050405020304" pitchFamily="18" charset="0"/>
+                <a:cs typeface="Times New Roman" panose="02020603050405020304" pitchFamily="18" charset="0"/>
+              </a:rPr>
+              <a:t>URL https://fakeimg.pl/.</a:t>
+            </a:r>
+            <a:endParaRPr lang="pt-BR" sz="2000" dirty="0">
+              <a:latin typeface="Times New Roman" panose="02020603050405020304" pitchFamily="18" charset="0"/>
+              <a:cs typeface="Times New Roman" panose="02020603050405020304" pitchFamily="18" charset="0"/>
+            </a:endParaRPr>
           </a:p>
           <a:p>
             <a:pPr marL="0" indent="0" algn="just">
@@ -23534,11 +24764,18 @@
               <a:buNone/>
             </a:pPr>
             <a:r>
-              <a:rPr lang="pt-BR" sz="2400" dirty="0">
-                <a:latin typeface="Times New Roman" panose="02020603050405020304" pitchFamily="18" charset="0"/>
-                <a:cs typeface="Times New Roman" panose="02020603050405020304" pitchFamily="18" charset="0"/>
-              </a:rPr>
-              <a:t>Links são conexões pelas quais conecta páginas que podem ser do mesmo website, externas ou ainda conectar páginas a outros documentos.</a:t>
+              <a:rPr lang="pt-BR" sz="2400" b="1" dirty="0">
+                <a:latin typeface="Times New Roman" panose="02020603050405020304" pitchFamily="18" charset="0"/>
+                <a:cs typeface="Times New Roman" panose="02020603050405020304" pitchFamily="18" charset="0"/>
+              </a:rPr>
+              <a:t>Links</a:t>
+            </a:r>
+            <a:r>
+              <a:rPr lang="pt-BR" sz="2400" dirty="0">
+                <a:latin typeface="Times New Roman" panose="02020603050405020304" pitchFamily="18" charset="0"/>
+                <a:cs typeface="Times New Roman" panose="02020603050405020304" pitchFamily="18" charset="0"/>
+              </a:rPr>
+              <a:t> são conexões pelas quais conecta páginas que podem ser do mesmo website, externas ou ainda conectar páginas a outros documentos.</a:t>
             </a:r>
           </a:p>
           <a:p>
@@ -23559,7 +24796,21 @@
                 <a:latin typeface="Times New Roman" panose="02020603050405020304" pitchFamily="18" charset="0"/>
                 <a:cs typeface="Times New Roman" panose="02020603050405020304" pitchFamily="18" charset="0"/>
               </a:rPr>
-              <a:t>Os links podem ser criados no texto e também em outros elementos do website, como imagens ou itens de um menu.</a:t>
+              <a:t>Os </a:t>
+            </a:r>
+            <a:r>
+              <a:rPr lang="pt-BR" sz="2400" b="1" dirty="0">
+                <a:latin typeface="Times New Roman" panose="02020603050405020304" pitchFamily="18" charset="0"/>
+                <a:cs typeface="Times New Roman" panose="02020603050405020304" pitchFamily="18" charset="0"/>
+              </a:rPr>
+              <a:t>links</a:t>
+            </a:r>
+            <a:r>
+              <a:rPr lang="pt-BR" sz="2400" dirty="0">
+                <a:latin typeface="Times New Roman" panose="02020603050405020304" pitchFamily="18" charset="0"/>
+                <a:cs typeface="Times New Roman" panose="02020603050405020304" pitchFamily="18" charset="0"/>
+              </a:rPr>
+              <a:t> podem ser criados no texto e também em outros elementos do website, como imagens ou itens de um menu.</a:t>
             </a:r>
           </a:p>
         </p:txBody>
@@ -23661,7 +24912,7 @@
               <a:t>A </a:t>
             </a:r>
             <a:r>
-              <a:rPr lang="pt-BR" sz="2400" dirty="0" err="1">
+              <a:rPr lang="pt-BR" sz="2400" b="1" dirty="0" err="1">
                 <a:latin typeface="Times New Roman" panose="02020603050405020304" pitchFamily="18" charset="0"/>
                 <a:cs typeface="Times New Roman" panose="02020603050405020304" pitchFamily="18" charset="0"/>
               </a:rPr>
@@ -23725,10 +24976,27 @@
                 <a:latin typeface="Times New Roman" panose="02020603050405020304" pitchFamily="18" charset="0"/>
                 <a:cs typeface="Times New Roman" panose="02020603050405020304" pitchFamily="18" charset="0"/>
               </a:rPr>
-              <a:t>	&lt;a </a:t>
-            </a:r>
-            <a:r>
-              <a:rPr lang="pt-BR" sz="2400" dirty="0" err="1">
+              <a:t>	&lt;</a:t>
+            </a:r>
+            <a:r>
+              <a:rPr lang="pt-BR" sz="2400" b="1" dirty="0">
+                <a:latin typeface="Times New Roman" panose="02020603050405020304" pitchFamily="18" charset="0"/>
+                <a:cs typeface="Times New Roman" panose="02020603050405020304" pitchFamily="18" charset="0"/>
+              </a:rPr>
+              <a:t>a</a:t>
+            </a:r>
+            <a:r>
+              <a:rPr lang="pt-BR" sz="2400" dirty="0">
+                <a:latin typeface="Times New Roman" panose="02020603050405020304" pitchFamily="18" charset="0"/>
+                <a:cs typeface="Times New Roman" panose="02020603050405020304" pitchFamily="18" charset="0"/>
+              </a:rPr>
+              <a:t> </a:t>
+            </a:r>
+            <a:r>
+              <a:rPr lang="pt-BR" sz="2400" b="1" dirty="0" err="1">
+                <a:solidFill>
+                  <a:srgbClr val="0070C0"/>
+                </a:solidFill>
                 <a:latin typeface="Times New Roman" panose="02020603050405020304" pitchFamily="18" charset="0"/>
                 <a:cs typeface="Times New Roman" panose="02020603050405020304" pitchFamily="18" charset="0"/>
               </a:rPr>
@@ -23977,7 +25245,52 @@
                 <a:latin typeface="Times New Roman" panose="02020603050405020304" pitchFamily="18" charset="0"/>
                 <a:cs typeface="Times New Roman" panose="02020603050405020304" pitchFamily="18" charset="0"/>
               </a:rPr>
-              <a:t>Ao especificar uma URL apropriada para um serviço internet, também é possível linkar ou interligar sua página web a esse serviço. Por exemplo, é possível criar um link entre sua página e o seu e-mail. </a:t>
+              <a:t>Ao especificar uma </a:t>
+            </a:r>
+            <a:r>
+              <a:rPr lang="pt-BR" sz="2400" b="1" dirty="0">
+                <a:latin typeface="Times New Roman" panose="02020603050405020304" pitchFamily="18" charset="0"/>
+                <a:cs typeface="Times New Roman" panose="02020603050405020304" pitchFamily="18" charset="0"/>
+              </a:rPr>
+              <a:t>URL</a:t>
+            </a:r>
+            <a:r>
+              <a:rPr lang="pt-BR" sz="2400" dirty="0">
+                <a:latin typeface="Times New Roman" panose="02020603050405020304" pitchFamily="18" charset="0"/>
+                <a:cs typeface="Times New Roman" panose="02020603050405020304" pitchFamily="18" charset="0"/>
+              </a:rPr>
+              <a:t> apropriada para um serviço internet, também é possível </a:t>
+            </a:r>
+            <a:r>
+              <a:rPr lang="pt-BR" sz="2400" b="1" dirty="0">
+                <a:solidFill>
+                  <a:srgbClr val="FF0000"/>
+                </a:solidFill>
+                <a:latin typeface="Times New Roman" panose="02020603050405020304" pitchFamily="18" charset="0"/>
+                <a:cs typeface="Times New Roman" panose="02020603050405020304" pitchFamily="18" charset="0"/>
+              </a:rPr>
+              <a:t>linkar ou interligar </a:t>
+            </a:r>
+            <a:r>
+              <a:rPr lang="pt-BR" sz="2400" dirty="0">
+                <a:latin typeface="Times New Roman" panose="02020603050405020304" pitchFamily="18" charset="0"/>
+                <a:cs typeface="Times New Roman" panose="02020603050405020304" pitchFamily="18" charset="0"/>
+              </a:rPr>
+              <a:t>sua página web a esse serviço. Por exemplo, é possível criar um </a:t>
+            </a:r>
+            <a:r>
+              <a:rPr lang="pt-BR" sz="2400" b="1" dirty="0">
+                <a:latin typeface="Times New Roman" panose="02020603050405020304" pitchFamily="18" charset="0"/>
+                <a:cs typeface="Times New Roman" panose="02020603050405020304" pitchFamily="18" charset="0"/>
+              </a:rPr>
+              <a:t>link entre sua página e o seu e-mail</a:t>
+            </a:r>
+            <a:r>
+              <a:rPr lang="pt-BR" sz="2400" dirty="0">
+                <a:latin typeface="Times New Roman" panose="02020603050405020304" pitchFamily="18" charset="0"/>
+                <a:cs typeface="Times New Roman" panose="02020603050405020304" pitchFamily="18" charset="0"/>
+              </a:rPr>
+              <a:t>. </a:t>
             </a:r>
           </a:p>
           <a:p>
@@ -23998,10 +25311,27 @@
                 <a:latin typeface="Times New Roman" panose="02020603050405020304" pitchFamily="18" charset="0"/>
                 <a:cs typeface="Times New Roman" panose="02020603050405020304" pitchFamily="18" charset="0"/>
               </a:rPr>
-              <a:t>&lt;a </a:t>
-            </a:r>
-            <a:r>
-              <a:rPr lang="pt-BR" sz="2400" dirty="0" err="1">
+              <a:t>&lt;</a:t>
+            </a:r>
+            <a:r>
+              <a:rPr lang="pt-BR" sz="2400" b="1" dirty="0">
+                <a:latin typeface="Times New Roman" panose="02020603050405020304" pitchFamily="18" charset="0"/>
+                <a:cs typeface="Times New Roman" panose="02020603050405020304" pitchFamily="18" charset="0"/>
+              </a:rPr>
+              <a:t>a</a:t>
+            </a:r>
+            <a:r>
+              <a:rPr lang="pt-BR" sz="2400" dirty="0">
+                <a:latin typeface="Times New Roman" panose="02020603050405020304" pitchFamily="18" charset="0"/>
+                <a:cs typeface="Times New Roman" panose="02020603050405020304" pitchFamily="18" charset="0"/>
+              </a:rPr>
+              <a:t> </a:t>
+            </a:r>
+            <a:r>
+              <a:rPr lang="pt-BR" sz="2400" b="1" dirty="0" err="1">
+                <a:solidFill>
+                  <a:srgbClr val="0070C0"/>
+                </a:solidFill>
                 <a:latin typeface="Times New Roman" panose="02020603050405020304" pitchFamily="18" charset="0"/>
                 <a:cs typeface="Times New Roman" panose="02020603050405020304" pitchFamily="18" charset="0"/>
               </a:rPr>
@@ -24048,7 +25378,21 @@
                 <a:latin typeface="Times New Roman" panose="02020603050405020304" pitchFamily="18" charset="0"/>
                 <a:cs typeface="Times New Roman" panose="02020603050405020304" pitchFamily="18" charset="0"/>
               </a:rPr>
-              <a:t>Nota: Normalmente a conta de e-mail do Microsoft Outlook.</a:t>
+              <a:t>Nota: Normalmente a conta de e-mail do </a:t>
+            </a:r>
+            <a:r>
+              <a:rPr lang="pt-BR" sz="2400" b="1" dirty="0">
+                <a:latin typeface="Times New Roman" panose="02020603050405020304" pitchFamily="18" charset="0"/>
+                <a:cs typeface="Times New Roman" panose="02020603050405020304" pitchFamily="18" charset="0"/>
+              </a:rPr>
+              <a:t>Microsoft Outlook</a:t>
+            </a:r>
+            <a:r>
+              <a:rPr lang="pt-BR" sz="2400" dirty="0">
+                <a:latin typeface="Times New Roman" panose="02020603050405020304" pitchFamily="18" charset="0"/>
+                <a:cs typeface="Times New Roman" panose="02020603050405020304" pitchFamily="18" charset="0"/>
+              </a:rPr>
+              <a:t>.</a:t>
             </a:r>
           </a:p>
         </p:txBody>
@@ -24438,11 +25782,18 @@
               <a:buNone/>
             </a:pPr>
             <a:r>
-              <a:rPr lang="pt-BR" sz="2400" dirty="0">
-                <a:latin typeface="Times New Roman" panose="02020603050405020304" pitchFamily="18" charset="0"/>
-                <a:cs typeface="Times New Roman" panose="02020603050405020304" pitchFamily="18" charset="0"/>
-              </a:rPr>
-              <a:t>Exemplo, site do Wikipédia,</a:t>
+              <a:rPr lang="pt-BR" sz="2400" b="1" dirty="0">
+                <a:latin typeface="Times New Roman" panose="02020603050405020304" pitchFamily="18" charset="0"/>
+                <a:cs typeface="Times New Roman" panose="02020603050405020304" pitchFamily="18" charset="0"/>
+              </a:rPr>
+              <a:t>Exemplo</a:t>
+            </a:r>
+            <a:r>
+              <a:rPr lang="pt-BR" sz="2400" dirty="0">
+                <a:latin typeface="Times New Roman" panose="02020603050405020304" pitchFamily="18" charset="0"/>
+                <a:cs typeface="Times New Roman" panose="02020603050405020304" pitchFamily="18" charset="0"/>
+              </a:rPr>
+              <a:t>, site do Wikipédia,</a:t>
             </a:r>
           </a:p>
           <a:p>
@@ -24586,7 +25937,7 @@
               <a:t>A </a:t>
             </a:r>
             <a:r>
-              <a:rPr lang="pt-BR" sz="2000" dirty="0" err="1">
+              <a:rPr lang="pt-BR" sz="2000" b="1" dirty="0" err="1">
                 <a:latin typeface="Times New Roman" panose="02020603050405020304" pitchFamily="18" charset="0"/>
                 <a:cs typeface="Times New Roman" panose="02020603050405020304" pitchFamily="18" charset="0"/>
               </a:rPr>
@@ -24597,7 +25948,21 @@
                 <a:latin typeface="Times New Roman" panose="02020603050405020304" pitchFamily="18" charset="0"/>
                 <a:cs typeface="Times New Roman" panose="02020603050405020304" pitchFamily="18" charset="0"/>
               </a:rPr>
-              <a:t> &lt;a&gt; também é utilizada para criar links de seção.</a:t>
+              <a:t> &lt;</a:t>
+            </a:r>
+            <a:r>
+              <a:rPr lang="pt-BR" sz="2000" b="1" dirty="0">
+                <a:latin typeface="Times New Roman" panose="02020603050405020304" pitchFamily="18" charset="0"/>
+                <a:cs typeface="Times New Roman" panose="02020603050405020304" pitchFamily="18" charset="0"/>
+              </a:rPr>
+              <a:t>a</a:t>
+            </a:r>
+            <a:r>
+              <a:rPr lang="pt-BR" sz="2000" dirty="0">
+                <a:latin typeface="Times New Roman" panose="02020603050405020304" pitchFamily="18" charset="0"/>
+                <a:cs typeface="Times New Roman" panose="02020603050405020304" pitchFamily="18" charset="0"/>
+              </a:rPr>
+              <a:t>&gt; também é utilizada para criar links de seção.</a:t>
             </a:r>
           </a:p>
           <a:p>
@@ -24618,7 +25983,59 @@
                 <a:latin typeface="Times New Roman" panose="02020603050405020304" pitchFamily="18" charset="0"/>
                 <a:cs typeface="Times New Roman" panose="02020603050405020304" pitchFamily="18" charset="0"/>
               </a:rPr>
-              <a:t>É especificado  a URL do documento que deseja interligar, com o nome da seção precedido pelo símbolo #.</a:t>
+              <a:t>É especificado  a </a:t>
+            </a:r>
+            <a:r>
+              <a:rPr lang="pt-BR" sz="2000" b="1" dirty="0">
+                <a:latin typeface="Times New Roman" panose="02020603050405020304" pitchFamily="18" charset="0"/>
+                <a:cs typeface="Times New Roman" panose="02020603050405020304" pitchFamily="18" charset="0"/>
+              </a:rPr>
+              <a:t>URL</a:t>
+            </a:r>
+            <a:r>
+              <a:rPr lang="pt-BR" sz="2000" dirty="0">
+                <a:latin typeface="Times New Roman" panose="02020603050405020304" pitchFamily="18" charset="0"/>
+                <a:cs typeface="Times New Roman" panose="02020603050405020304" pitchFamily="18" charset="0"/>
+              </a:rPr>
+              <a:t> do documento que deseja </a:t>
+            </a:r>
+            <a:r>
+              <a:rPr lang="pt-BR" sz="2000" b="1" dirty="0">
+                <a:latin typeface="Times New Roman" panose="02020603050405020304" pitchFamily="18" charset="0"/>
+                <a:cs typeface="Times New Roman" panose="02020603050405020304" pitchFamily="18" charset="0"/>
+              </a:rPr>
+              <a:t>interligar</a:t>
+            </a:r>
+            <a:r>
+              <a:rPr lang="pt-BR" sz="2000" dirty="0">
+                <a:latin typeface="Times New Roman" panose="02020603050405020304" pitchFamily="18" charset="0"/>
+                <a:cs typeface="Times New Roman" panose="02020603050405020304" pitchFamily="18" charset="0"/>
+              </a:rPr>
+              <a:t>, com o nome da </a:t>
+            </a:r>
+            <a:r>
+              <a:rPr lang="pt-BR" sz="2000" b="1" dirty="0">
+                <a:latin typeface="Times New Roman" panose="02020603050405020304" pitchFamily="18" charset="0"/>
+                <a:cs typeface="Times New Roman" panose="02020603050405020304" pitchFamily="18" charset="0"/>
+              </a:rPr>
+              <a:t>seção</a:t>
+            </a:r>
+            <a:r>
+              <a:rPr lang="pt-BR" sz="2000" dirty="0">
+                <a:latin typeface="Times New Roman" panose="02020603050405020304" pitchFamily="18" charset="0"/>
+                <a:cs typeface="Times New Roman" panose="02020603050405020304" pitchFamily="18" charset="0"/>
+              </a:rPr>
+              <a:t> precedido pelo </a:t>
+            </a:r>
+            <a:r>
+              <a:rPr lang="pt-BR" sz="2000" b="1" dirty="0">
+                <a:solidFill>
+                  <a:srgbClr val="FF0000"/>
+                </a:solidFill>
+                <a:latin typeface="Times New Roman" panose="02020603050405020304" pitchFamily="18" charset="0"/>
+                <a:cs typeface="Times New Roman" panose="02020603050405020304" pitchFamily="18" charset="0"/>
+              </a:rPr>
+              <a:t>símbolo #.</a:t>
             </a:r>
           </a:p>
           <a:p>
@@ -24639,10 +26056,27 @@
                 <a:latin typeface="Times New Roman" panose="02020603050405020304" pitchFamily="18" charset="0"/>
                 <a:cs typeface="Times New Roman" panose="02020603050405020304" pitchFamily="18" charset="0"/>
               </a:rPr>
-              <a:t>No entanto, será preciso utilizar o atributo </a:t>
+              <a:t>No entanto, será preciso utilizar o </a:t>
+            </a:r>
+            <a:r>
+              <a:rPr lang="pt-BR" sz="2000" b="1" dirty="0">
+                <a:latin typeface="Times New Roman" panose="02020603050405020304" pitchFamily="18" charset="0"/>
+                <a:cs typeface="Times New Roman" panose="02020603050405020304" pitchFamily="18" charset="0"/>
+              </a:rPr>
+              <a:t>atributo</a:t>
+            </a:r>
+            <a:r>
+              <a:rPr lang="pt-BR" sz="2000" dirty="0">
+                <a:latin typeface="Times New Roman" panose="02020603050405020304" pitchFamily="18" charset="0"/>
+                <a:cs typeface="Times New Roman" panose="02020603050405020304" pitchFamily="18" charset="0"/>
+              </a:rPr>
+              <a:t> </a:t>
             </a:r>
             <a:r>
               <a:rPr lang="pt-BR" sz="2000" b="1" dirty="0" err="1">
+                <a:solidFill>
+                  <a:srgbClr val="0070C0"/>
+                </a:solidFill>
                 <a:latin typeface="Times New Roman" panose="02020603050405020304" pitchFamily="18" charset="0"/>
                 <a:cs typeface="Times New Roman" panose="02020603050405020304" pitchFamily="18" charset="0"/>
               </a:rPr>
@@ -24810,10 +26244,27 @@
                 <a:latin typeface="Times New Roman" panose="02020603050405020304" pitchFamily="18" charset="0"/>
                 <a:cs typeface="Times New Roman" panose="02020603050405020304" pitchFamily="18" charset="0"/>
               </a:rPr>
-              <a:t>&lt;a </a:t>
-            </a:r>
-            <a:r>
-              <a:rPr lang="pt-BR" sz="2400" dirty="0" err="1">
+              <a:t>&lt;</a:t>
+            </a:r>
+            <a:r>
+              <a:rPr lang="pt-BR" sz="2400" b="1" dirty="0">
+                <a:latin typeface="Times New Roman" panose="02020603050405020304" pitchFamily="18" charset="0"/>
+                <a:cs typeface="Times New Roman" panose="02020603050405020304" pitchFamily="18" charset="0"/>
+              </a:rPr>
+              <a:t>a</a:t>
+            </a:r>
+            <a:r>
+              <a:rPr lang="pt-BR" sz="2400" dirty="0">
+                <a:latin typeface="Times New Roman" panose="02020603050405020304" pitchFamily="18" charset="0"/>
+                <a:cs typeface="Times New Roman" panose="02020603050405020304" pitchFamily="18" charset="0"/>
+              </a:rPr>
+              <a:t> </a:t>
+            </a:r>
+            <a:r>
+              <a:rPr lang="pt-BR" sz="2400" b="1" dirty="0" err="1">
+                <a:solidFill>
+                  <a:srgbClr val="0070C0"/>
+                </a:solidFill>
                 <a:latin typeface="Times New Roman" panose="02020603050405020304" pitchFamily="18" charset="0"/>
                 <a:cs typeface="Times New Roman" panose="02020603050405020304" pitchFamily="18" charset="0"/>
               </a:rPr>
@@ -24859,27 +26310,44 @@
                 <a:latin typeface="Times New Roman" panose="02020603050405020304" pitchFamily="18" charset="0"/>
                 <a:cs typeface="Times New Roman" panose="02020603050405020304" pitchFamily="18" charset="0"/>
               </a:rPr>
-              <a:t>&lt;a </a:t>
+              <a:t>&lt;</a:t>
+            </a:r>
+            <a:r>
+              <a:rPr lang="pt-BR" sz="2400" b="1" dirty="0">
+                <a:latin typeface="Times New Roman" panose="02020603050405020304" pitchFamily="18" charset="0"/>
+                <a:cs typeface="Times New Roman" panose="02020603050405020304" pitchFamily="18" charset="0"/>
+              </a:rPr>
+              <a:t>a</a:t>
+            </a:r>
+            <a:r>
+              <a:rPr lang="pt-BR" sz="2400" dirty="0">
+                <a:latin typeface="Times New Roman" panose="02020603050405020304" pitchFamily="18" charset="0"/>
+                <a:cs typeface="Times New Roman" panose="02020603050405020304" pitchFamily="18" charset="0"/>
+              </a:rPr>
+              <a:t> </a:t>
+            </a:r>
+            <a:r>
+              <a:rPr lang="pt-BR" sz="2400" b="1" dirty="0" err="1">
+                <a:solidFill>
+                  <a:srgbClr val="0070C0"/>
+                </a:solidFill>
+                <a:latin typeface="Times New Roman" panose="02020603050405020304" pitchFamily="18" charset="0"/>
+                <a:cs typeface="Times New Roman" panose="02020603050405020304" pitchFamily="18" charset="0"/>
+              </a:rPr>
+              <a:t>name</a:t>
+            </a:r>
+            <a:r>
+              <a:rPr lang="pt-BR" sz="2400" dirty="0">
+                <a:latin typeface="Times New Roman" panose="02020603050405020304" pitchFamily="18" charset="0"/>
+                <a:cs typeface="Times New Roman" panose="02020603050405020304" pitchFamily="18" charset="0"/>
+              </a:rPr>
+              <a:t>=“</a:t>
             </a:r>
             <a:r>
               <a:rPr lang="pt-BR" sz="2400" dirty="0" err="1">
                 <a:latin typeface="Times New Roman" panose="02020603050405020304" pitchFamily="18" charset="0"/>
                 <a:cs typeface="Times New Roman" panose="02020603050405020304" pitchFamily="18" charset="0"/>
               </a:rPr>
-              <a:t>name</a:t>
-            </a:r>
-            <a:r>
-              <a:rPr lang="pt-BR" sz="2400" dirty="0">
-                <a:latin typeface="Times New Roman" panose="02020603050405020304" pitchFamily="18" charset="0"/>
-                <a:cs typeface="Times New Roman" panose="02020603050405020304" pitchFamily="18" charset="0"/>
-              </a:rPr>
-              <a:t>=“</a:t>
-            </a:r>
-            <a:r>
-              <a:rPr lang="pt-BR" sz="2400" dirty="0" err="1">
-                <a:latin typeface="Times New Roman" panose="02020603050405020304" pitchFamily="18" charset="0"/>
-                <a:cs typeface="Times New Roman" panose="02020603050405020304" pitchFamily="18" charset="0"/>
-              </a:rPr>
               <a:t>JavaScript</a:t>
             </a:r>
             <a:r>
@@ -24894,12 +26362,35 @@
             <a:pPr marL="0" indent="0" algn="just">
               <a:buNone/>
             </a:pPr>
-            <a:r>
-              <a:rPr lang="pt-BR" sz="2400" dirty="0">
-                <a:latin typeface="Times New Roman" panose="02020603050405020304" pitchFamily="18" charset="0"/>
-                <a:cs typeface="Times New Roman" panose="02020603050405020304" pitchFamily="18" charset="0"/>
-              </a:rPr>
-              <a:t>&lt;p&gt;Java </a:t>
+            <a:endParaRPr lang="pt-BR" sz="2400" dirty="0">
+              <a:latin typeface="Times New Roman" panose="02020603050405020304" pitchFamily="18" charset="0"/>
+              <a:cs typeface="Times New Roman" panose="02020603050405020304" pitchFamily="18" charset="0"/>
+            </a:endParaRPr>
+          </a:p>
+          <a:p>
+            <a:pPr marL="0" indent="0" algn="just">
+              <a:buNone/>
+            </a:pPr>
+            <a:r>
+              <a:rPr lang="pt-BR" sz="2400" dirty="0">
+                <a:latin typeface="Times New Roman" panose="02020603050405020304" pitchFamily="18" charset="0"/>
+                <a:cs typeface="Times New Roman" panose="02020603050405020304" pitchFamily="18" charset="0"/>
+              </a:rPr>
+              <a:t>&lt;</a:t>
+            </a:r>
+            <a:r>
+              <a:rPr lang="pt-BR" sz="2400" b="1" dirty="0">
+                <a:latin typeface="Times New Roman" panose="02020603050405020304" pitchFamily="18" charset="0"/>
+                <a:cs typeface="Times New Roman" panose="02020603050405020304" pitchFamily="18" charset="0"/>
+              </a:rPr>
+              <a:t>p</a:t>
+            </a:r>
+            <a:r>
+              <a:rPr lang="pt-BR" sz="2400" dirty="0">
+                <a:latin typeface="Times New Roman" panose="02020603050405020304" pitchFamily="18" charset="0"/>
+                <a:cs typeface="Times New Roman" panose="02020603050405020304" pitchFamily="18" charset="0"/>
+              </a:rPr>
+              <a:t>&gt;Java </a:t>
             </a:r>
             <a:r>
               <a:rPr lang="pt-BR" sz="2400" dirty="0" err="1">
@@ -25012,7 +26503,21 @@
                 <a:latin typeface="Times New Roman" panose="02020603050405020304" pitchFamily="18" charset="0"/>
                 <a:cs typeface="Times New Roman" panose="02020603050405020304" pitchFamily="18" charset="0"/>
               </a:rPr>
-              <a:t>Para criar links em imagens, que podem servir para acessar outras imagens, páginas web ou documentos.</a:t>
+              <a:t>Para criar </a:t>
+            </a:r>
+            <a:r>
+              <a:rPr lang="pt-BR" sz="2400" b="1" dirty="0">
+                <a:latin typeface="Times New Roman" panose="02020603050405020304" pitchFamily="18" charset="0"/>
+                <a:cs typeface="Times New Roman" panose="02020603050405020304" pitchFamily="18" charset="0"/>
+              </a:rPr>
+              <a:t>links em imagens</a:t>
+            </a:r>
+            <a:r>
+              <a:rPr lang="pt-BR" sz="2400" dirty="0">
+                <a:latin typeface="Times New Roman" panose="02020603050405020304" pitchFamily="18" charset="0"/>
+                <a:cs typeface="Times New Roman" panose="02020603050405020304" pitchFamily="18" charset="0"/>
+              </a:rPr>
+              <a:t>, que podem servir para acessar outras imagens, páginas web ou documentos.</a:t>
             </a:r>
           </a:p>
           <a:p>
@@ -25186,7 +26691,7 @@
     </p:spTree>
     <p:extLst>
       <p:ext uri="{BB962C8B-B14F-4D97-AF65-F5344CB8AC3E}">
-        <p14:creationId xmlns:p14="http://schemas.microsoft.com/office/powerpoint/2010/main" val="2689261782"/>
+        <p14:creationId xmlns:p14="http://schemas.microsoft.com/office/powerpoint/2010/main" val="2589645282"/>
       </p:ext>
     </p:extLst>
   </p:cSld>
@@ -25277,7 +26782,38 @@
                 <a:latin typeface="Times New Roman" panose="02020603050405020304" pitchFamily="18" charset="0"/>
                 <a:cs typeface="Times New Roman" panose="02020603050405020304" pitchFamily="18" charset="0"/>
               </a:rPr>
-              <a:t>Para criar links em imagens, que podem servir para acessar outras imagens, páginas web ou documentos.</a:t>
+              <a:t>Também é possível </a:t>
+            </a:r>
+            <a:r>
+              <a:rPr lang="pt-BR" sz="2400" b="1" dirty="0">
+                <a:latin typeface="Times New Roman" panose="02020603050405020304" pitchFamily="18" charset="0"/>
+                <a:cs typeface="Times New Roman" panose="02020603050405020304" pitchFamily="18" charset="0"/>
+              </a:rPr>
+              <a:t>personalizar</a:t>
+            </a:r>
+            <a:r>
+              <a:rPr lang="pt-BR" sz="2400" dirty="0">
+                <a:latin typeface="Times New Roman" panose="02020603050405020304" pitchFamily="18" charset="0"/>
+                <a:cs typeface="Times New Roman" panose="02020603050405020304" pitchFamily="18" charset="0"/>
+              </a:rPr>
+              <a:t> as </a:t>
+            </a:r>
+            <a:r>
+              <a:rPr lang="pt-BR" sz="2400" b="1" dirty="0">
+                <a:solidFill>
+                  <a:srgbClr val="FF0000"/>
+                </a:solidFill>
+                <a:latin typeface="Times New Roman" panose="02020603050405020304" pitchFamily="18" charset="0"/>
+                <a:cs typeface="Times New Roman" panose="02020603050405020304" pitchFamily="18" charset="0"/>
+              </a:rPr>
+              <a:t>cores dos links</a:t>
+            </a:r>
+            <a:r>
+              <a:rPr lang="pt-BR" sz="2400" dirty="0">
+                <a:latin typeface="Times New Roman" panose="02020603050405020304" pitchFamily="18" charset="0"/>
+                <a:cs typeface="Times New Roman" panose="02020603050405020304" pitchFamily="18" charset="0"/>
+              </a:rPr>
+              <a:t>.</a:t>
             </a:r>
           </a:p>
           <a:p>
@@ -25298,63 +26834,35 @@
                 <a:latin typeface="Times New Roman" panose="02020603050405020304" pitchFamily="18" charset="0"/>
                 <a:cs typeface="Times New Roman" panose="02020603050405020304" pitchFamily="18" charset="0"/>
               </a:rPr>
-              <a:t>Utilizamos a combinação da </a:t>
-            </a:r>
-            <a:r>
-              <a:rPr lang="pt-BR" sz="2400" dirty="0" err="1">
-                <a:latin typeface="Times New Roman" panose="02020603050405020304" pitchFamily="18" charset="0"/>
-                <a:cs typeface="Times New Roman" panose="02020603050405020304" pitchFamily="18" charset="0"/>
-              </a:rPr>
-              <a:t>tag</a:t>
-            </a:r>
-            <a:r>
-              <a:rPr lang="pt-BR" sz="2400" dirty="0">
-                <a:latin typeface="Times New Roman" panose="02020603050405020304" pitchFamily="18" charset="0"/>
-                <a:cs typeface="Times New Roman" panose="02020603050405020304" pitchFamily="18" charset="0"/>
-              </a:rPr>
-              <a:t> &lt;</a:t>
+              <a:t>Dependendo da </a:t>
             </a:r>
             <a:r>
               <a:rPr lang="pt-BR" sz="2400" b="1" dirty="0">
                 <a:latin typeface="Times New Roman" panose="02020603050405020304" pitchFamily="18" charset="0"/>
                 <a:cs typeface="Times New Roman" panose="02020603050405020304" pitchFamily="18" charset="0"/>
               </a:rPr>
-              <a:t>a</a:t>
-            </a:r>
-            <a:r>
-              <a:rPr lang="pt-BR" sz="2400" dirty="0">
-                <a:latin typeface="Times New Roman" panose="02020603050405020304" pitchFamily="18" charset="0"/>
-                <a:cs typeface="Times New Roman" panose="02020603050405020304" pitchFamily="18" charset="0"/>
-              </a:rPr>
-              <a:t>&gt; com a </a:t>
-            </a:r>
-            <a:r>
-              <a:rPr lang="pt-BR" sz="2400" dirty="0" err="1">
-                <a:latin typeface="Times New Roman" panose="02020603050405020304" pitchFamily="18" charset="0"/>
-                <a:cs typeface="Times New Roman" panose="02020603050405020304" pitchFamily="18" charset="0"/>
-              </a:rPr>
-              <a:t>tag</a:t>
-            </a:r>
-            <a:r>
-              <a:rPr lang="pt-BR" sz="2400" dirty="0">
-                <a:latin typeface="Times New Roman" panose="02020603050405020304" pitchFamily="18" charset="0"/>
-                <a:cs typeface="Times New Roman" panose="02020603050405020304" pitchFamily="18" charset="0"/>
-              </a:rPr>
-              <a:t> &lt;</a:t>
-            </a:r>
-            <a:r>
-              <a:rPr lang="pt-BR" sz="2400" b="1" dirty="0" err="1">
-                <a:latin typeface="Times New Roman" panose="02020603050405020304" pitchFamily="18" charset="0"/>
-                <a:cs typeface="Times New Roman" panose="02020603050405020304" pitchFamily="18" charset="0"/>
-              </a:rPr>
-              <a:t>img</a:t>
-            </a:r>
-            <a:r>
-              <a:rPr lang="pt-BR" sz="2400" dirty="0">
-                <a:latin typeface="Times New Roman" panose="02020603050405020304" pitchFamily="18" charset="0"/>
-                <a:cs typeface="Times New Roman" panose="02020603050405020304" pitchFamily="18" charset="0"/>
-              </a:rPr>
-              <a:t>&gt; para criar links numa imagem.</a:t>
+              <a:t>cor de fundo </a:t>
+            </a:r>
+            <a:r>
+              <a:rPr lang="pt-BR" sz="2400" dirty="0">
+                <a:latin typeface="Times New Roman" panose="02020603050405020304" pitchFamily="18" charset="0"/>
+                <a:cs typeface="Times New Roman" panose="02020603050405020304" pitchFamily="18" charset="0"/>
+              </a:rPr>
+              <a:t>e a opção feita pela </a:t>
+            </a:r>
+            <a:r>
+              <a:rPr lang="pt-BR" sz="2400" b="1" dirty="0">
+                <a:latin typeface="Times New Roman" panose="02020603050405020304" pitchFamily="18" charset="0"/>
+                <a:cs typeface="Times New Roman" panose="02020603050405020304" pitchFamily="18" charset="0"/>
+              </a:rPr>
+              <a:t>cor do texto, a cor do link</a:t>
+            </a:r>
+            <a:r>
+              <a:rPr lang="pt-BR" sz="2400" dirty="0">
+                <a:latin typeface="Times New Roman" panose="02020603050405020304" pitchFamily="18" charset="0"/>
+                <a:cs typeface="Times New Roman" panose="02020603050405020304" pitchFamily="18" charset="0"/>
+              </a:rPr>
+              <a:t> pode ficar comprometida visualmente em sua página.</a:t>
             </a:r>
           </a:p>
           <a:p>
@@ -25371,79 +26879,25 @@
               <a:buNone/>
             </a:pPr>
             <a:r>
+              <a:rPr lang="pt-BR" sz="2400" dirty="0">
+                <a:latin typeface="Times New Roman" panose="02020603050405020304" pitchFamily="18" charset="0"/>
+                <a:cs typeface="Times New Roman" panose="02020603050405020304" pitchFamily="18" charset="0"/>
+              </a:rPr>
+              <a:t>Para resolver, podemos utilizar </a:t>
+            </a:r>
+            <a:r>
               <a:rPr lang="pt-BR" sz="2400" b="1" dirty="0">
                 <a:latin typeface="Times New Roman" panose="02020603050405020304" pitchFamily="18" charset="0"/>
                 <a:cs typeface="Times New Roman" panose="02020603050405020304" pitchFamily="18" charset="0"/>
               </a:rPr>
-              <a:t>Exemplo:</a:t>
-            </a:r>
-          </a:p>
-          <a:p>
-            <a:pPr marL="0" indent="0" algn="just">
-              <a:buNone/>
-            </a:pPr>
-            <a:r>
-              <a:rPr lang="pt-BR" sz="2400" dirty="0">
-                <a:latin typeface="Times New Roman" panose="02020603050405020304" pitchFamily="18" charset="0"/>
-                <a:cs typeface="Times New Roman" panose="02020603050405020304" pitchFamily="18" charset="0"/>
-              </a:rPr>
-              <a:t>&lt;a </a:t>
-            </a:r>
-            <a:r>
-              <a:rPr lang="pt-BR" sz="2400" dirty="0" err="1">
-                <a:latin typeface="Times New Roman" panose="02020603050405020304" pitchFamily="18" charset="0"/>
-                <a:cs typeface="Times New Roman" panose="02020603050405020304" pitchFamily="18" charset="0"/>
-              </a:rPr>
-              <a:t>href</a:t>
-            </a:r>
-            <a:r>
-              <a:rPr lang="pt-BR" sz="2400" dirty="0">
-                <a:latin typeface="Times New Roman" panose="02020603050405020304" pitchFamily="18" charset="0"/>
-                <a:cs typeface="Times New Roman" panose="02020603050405020304" pitchFamily="18" charset="0"/>
-              </a:rPr>
-              <a:t>=“URL”&gt;&lt;</a:t>
-            </a:r>
-            <a:r>
-              <a:rPr lang="pt-BR" sz="2400" dirty="0" err="1">
-                <a:latin typeface="Times New Roman" panose="02020603050405020304" pitchFamily="18" charset="0"/>
-                <a:cs typeface="Times New Roman" panose="02020603050405020304" pitchFamily="18" charset="0"/>
-              </a:rPr>
-              <a:t>img</a:t>
-            </a:r>
-            <a:r>
-              <a:rPr lang="pt-BR" sz="2400" dirty="0">
-                <a:latin typeface="Times New Roman" panose="02020603050405020304" pitchFamily="18" charset="0"/>
-                <a:cs typeface="Times New Roman" panose="02020603050405020304" pitchFamily="18" charset="0"/>
-              </a:rPr>
-              <a:t> </a:t>
-            </a:r>
-            <a:r>
-              <a:rPr lang="pt-BR" sz="2400" dirty="0" err="1">
-                <a:latin typeface="Times New Roman" panose="02020603050405020304" pitchFamily="18" charset="0"/>
-                <a:cs typeface="Times New Roman" panose="02020603050405020304" pitchFamily="18" charset="0"/>
-              </a:rPr>
-              <a:t>scr</a:t>
-            </a:r>
-            <a:r>
-              <a:rPr lang="pt-BR" sz="2400" dirty="0">
-                <a:latin typeface="Times New Roman" panose="02020603050405020304" pitchFamily="18" charset="0"/>
-                <a:cs typeface="Times New Roman" panose="02020603050405020304" pitchFamily="18" charset="0"/>
-              </a:rPr>
-              <a:t>=“</a:t>
-            </a:r>
-            <a:r>
-              <a:rPr lang="pt-BR" sz="2400" dirty="0" err="1">
-                <a:latin typeface="Times New Roman" panose="02020603050405020304" pitchFamily="18" charset="0"/>
-                <a:cs typeface="Times New Roman" panose="02020603050405020304" pitchFamily="18" charset="0"/>
-              </a:rPr>
-              <a:t>img_url</a:t>
-            </a:r>
-            <a:r>
-              <a:rPr lang="pt-BR" sz="2400" dirty="0">
-                <a:latin typeface="Times New Roman" panose="02020603050405020304" pitchFamily="18" charset="0"/>
-                <a:cs typeface="Times New Roman" panose="02020603050405020304" pitchFamily="18" charset="0"/>
-              </a:rPr>
-              <a:t>”&gt;&lt;/a&gt;</a:t>
+              <a:t>três atributos</a:t>
+            </a:r>
+            <a:r>
+              <a:rPr lang="pt-BR" sz="2400" dirty="0">
+                <a:latin typeface="Times New Roman" panose="02020603050405020304" pitchFamily="18" charset="0"/>
+                <a:cs typeface="Times New Roman" panose="02020603050405020304" pitchFamily="18" charset="0"/>
+              </a:rPr>
+              <a:t> que modificam a apresentação dos links. </a:t>
             </a:r>
           </a:p>
         </p:txBody>
@@ -25451,7 +26905,7 @@
     </p:spTree>
     <p:extLst>
       <p:ext uri="{BB962C8B-B14F-4D97-AF65-F5344CB8AC3E}">
-        <p14:creationId xmlns:p14="http://schemas.microsoft.com/office/powerpoint/2010/main" val="2589645282"/>
+        <p14:creationId xmlns:p14="http://schemas.microsoft.com/office/powerpoint/2010/main" val="3501269686"/>
       </p:ext>
     </p:extLst>
   </p:cSld>
@@ -25538,11 +26992,11 @@
               <a:buNone/>
             </a:pPr>
             <a:r>
-              <a:rPr lang="pt-BR" sz="2400" dirty="0">
-                <a:latin typeface="Times New Roman" panose="02020603050405020304" pitchFamily="18" charset="0"/>
-                <a:cs typeface="Times New Roman" panose="02020603050405020304" pitchFamily="18" charset="0"/>
-              </a:rPr>
-              <a:t>Também é possível personalizar as cores dos links.</a:t>
+              <a:rPr lang="pt-BR" sz="2400" b="1" dirty="0">
+                <a:latin typeface="Times New Roman" panose="02020603050405020304" pitchFamily="18" charset="0"/>
+                <a:cs typeface="Times New Roman" panose="02020603050405020304" pitchFamily="18" charset="0"/>
+              </a:rPr>
+              <a:t>Exemplo:</a:t>
             </a:r>
           </a:p>
           <a:p>
@@ -25563,7 +27017,93 @@
                 <a:latin typeface="Times New Roman" panose="02020603050405020304" pitchFamily="18" charset="0"/>
                 <a:cs typeface="Times New Roman" panose="02020603050405020304" pitchFamily="18" charset="0"/>
               </a:rPr>
-              <a:t>Dependendo da cor de fundo e a opção feita pela cor do texto, a cor do link pode ficar comprometida visualmente em sua página.</a:t>
+              <a:t>&lt; </a:t>
+            </a:r>
+            <a:r>
+              <a:rPr lang="pt-BR" sz="2400" b="1" dirty="0">
+                <a:latin typeface="Times New Roman" panose="02020603050405020304" pitchFamily="18" charset="0"/>
+                <a:cs typeface="Times New Roman" panose="02020603050405020304" pitchFamily="18" charset="0"/>
+              </a:rPr>
+              <a:t>body </a:t>
+            </a:r>
+            <a:r>
+              <a:rPr lang="pt-BR" sz="2400" b="1" dirty="0">
+                <a:solidFill>
+                  <a:srgbClr val="0070C0"/>
+                </a:solidFill>
+                <a:latin typeface="Times New Roman" panose="02020603050405020304" pitchFamily="18" charset="0"/>
+                <a:cs typeface="Times New Roman" panose="02020603050405020304" pitchFamily="18" charset="0"/>
+              </a:rPr>
+              <a:t>link</a:t>
+            </a:r>
+            <a:r>
+              <a:rPr lang="pt-BR" sz="2400" dirty="0">
+                <a:latin typeface="Times New Roman" panose="02020603050405020304" pitchFamily="18" charset="0"/>
+                <a:cs typeface="Times New Roman" panose="02020603050405020304" pitchFamily="18" charset="0"/>
+              </a:rPr>
+              <a:t>=“</a:t>
+            </a:r>
+            <a:r>
+              <a:rPr lang="pt-BR" sz="2400" dirty="0" err="1">
+                <a:latin typeface="Times New Roman" panose="02020603050405020304" pitchFamily="18" charset="0"/>
+                <a:cs typeface="Times New Roman" panose="02020603050405020304" pitchFamily="18" charset="0"/>
+              </a:rPr>
+              <a:t>red</a:t>
+            </a:r>
+            <a:r>
+              <a:rPr lang="pt-BR" sz="2400" dirty="0">
+                <a:latin typeface="Times New Roman" panose="02020603050405020304" pitchFamily="18" charset="0"/>
+                <a:cs typeface="Times New Roman" panose="02020603050405020304" pitchFamily="18" charset="0"/>
+              </a:rPr>
+              <a:t>” </a:t>
+            </a:r>
+            <a:r>
+              <a:rPr lang="pt-BR" sz="2400" b="1" dirty="0" err="1">
+                <a:solidFill>
+                  <a:srgbClr val="0070C0"/>
+                </a:solidFill>
+                <a:latin typeface="Times New Roman" panose="02020603050405020304" pitchFamily="18" charset="0"/>
+                <a:cs typeface="Times New Roman" panose="02020603050405020304" pitchFamily="18" charset="0"/>
+              </a:rPr>
+              <a:t>vlink</a:t>
+            </a:r>
+            <a:r>
+              <a:rPr lang="pt-BR" sz="2400" dirty="0">
+                <a:latin typeface="Times New Roman" panose="02020603050405020304" pitchFamily="18" charset="0"/>
+                <a:cs typeface="Times New Roman" panose="02020603050405020304" pitchFamily="18" charset="0"/>
+              </a:rPr>
+              <a:t>=“#blue” </a:t>
+            </a:r>
+            <a:r>
+              <a:rPr lang="pt-BR" sz="2400" b="1" dirty="0" err="1">
+                <a:solidFill>
+                  <a:srgbClr val="0070C0"/>
+                </a:solidFill>
+                <a:latin typeface="Times New Roman" panose="02020603050405020304" pitchFamily="18" charset="0"/>
+                <a:cs typeface="Times New Roman" panose="02020603050405020304" pitchFamily="18" charset="0"/>
+              </a:rPr>
+              <a:t>alink</a:t>
+            </a:r>
+            <a:r>
+              <a:rPr lang="pt-BR" sz="2400" dirty="0">
+                <a:latin typeface="Times New Roman" panose="02020603050405020304" pitchFamily="18" charset="0"/>
+                <a:cs typeface="Times New Roman" panose="02020603050405020304" pitchFamily="18" charset="0"/>
+              </a:rPr>
+              <a:t>=“</a:t>
+            </a:r>
+            <a:r>
+              <a:rPr lang="pt-BR" sz="2400" dirty="0" err="1">
+                <a:latin typeface="Times New Roman" panose="02020603050405020304" pitchFamily="18" charset="0"/>
+                <a:cs typeface="Times New Roman" panose="02020603050405020304" pitchFamily="18" charset="0"/>
+              </a:rPr>
+              <a:t>green</a:t>
+            </a:r>
+            <a:r>
+              <a:rPr lang="pt-BR" sz="2400" dirty="0">
+                <a:latin typeface="Times New Roman" panose="02020603050405020304" pitchFamily="18" charset="0"/>
+                <a:cs typeface="Times New Roman" panose="02020603050405020304" pitchFamily="18" charset="0"/>
+              </a:rPr>
+              <a:t>”&gt;</a:t>
             </a:r>
           </a:p>
           <a:p>
@@ -25580,25 +27120,65 @@
               <a:buNone/>
             </a:pPr>
             <a:r>
-              <a:rPr lang="pt-BR" sz="2400" dirty="0">
-                <a:latin typeface="Times New Roman" panose="02020603050405020304" pitchFamily="18" charset="0"/>
-                <a:cs typeface="Times New Roman" panose="02020603050405020304" pitchFamily="18" charset="0"/>
-              </a:rPr>
-              <a:t>Para resolver, podemos utilizar </a:t>
-            </a:r>
-            <a:r>
               <a:rPr lang="pt-BR" sz="2400" b="1" dirty="0">
-                <a:latin typeface="Times New Roman" panose="02020603050405020304" pitchFamily="18" charset="0"/>
-                <a:cs typeface="Times New Roman" panose="02020603050405020304" pitchFamily="18" charset="0"/>
-              </a:rPr>
-              <a:t>três atributos</a:t>
-            </a:r>
-            <a:r>
-              <a:rPr lang="pt-BR" sz="2400" dirty="0">
-                <a:latin typeface="Times New Roman" panose="02020603050405020304" pitchFamily="18" charset="0"/>
-                <a:cs typeface="Times New Roman" panose="02020603050405020304" pitchFamily="18" charset="0"/>
-              </a:rPr>
-              <a:t> que modificam a apresentação dos links. </a:t>
+                <a:solidFill>
+                  <a:srgbClr val="FF0000"/>
+                </a:solidFill>
+                <a:latin typeface="Times New Roman" panose="02020603050405020304" pitchFamily="18" charset="0"/>
+                <a:cs typeface="Times New Roman" panose="02020603050405020304" pitchFamily="18" charset="0"/>
+              </a:rPr>
+              <a:t>Link</a:t>
+            </a:r>
+            <a:r>
+              <a:rPr lang="pt-BR" sz="2400" dirty="0">
+                <a:latin typeface="Times New Roman" panose="02020603050405020304" pitchFamily="18" charset="0"/>
+                <a:cs typeface="Times New Roman" panose="02020603050405020304" pitchFamily="18" charset="0"/>
+              </a:rPr>
+              <a:t> = específica a cor dos links não acessados da página web.</a:t>
+            </a:r>
+          </a:p>
+          <a:p>
+            <a:pPr marL="0" indent="0" algn="just">
+              <a:buNone/>
+            </a:pPr>
+            <a:r>
+              <a:rPr lang="pt-BR" sz="2400" b="1" dirty="0" err="1">
+                <a:solidFill>
+                  <a:srgbClr val="FF0000"/>
+                </a:solidFill>
+                <a:latin typeface="Times New Roman" panose="02020603050405020304" pitchFamily="18" charset="0"/>
+                <a:cs typeface="Times New Roman" panose="02020603050405020304" pitchFamily="18" charset="0"/>
+              </a:rPr>
+              <a:t>Vlink</a:t>
+            </a:r>
+            <a:r>
+              <a:rPr lang="pt-BR" sz="2400" dirty="0">
+                <a:latin typeface="Times New Roman" panose="02020603050405020304" pitchFamily="18" charset="0"/>
+                <a:cs typeface="Times New Roman" panose="02020603050405020304" pitchFamily="18" charset="0"/>
+              </a:rPr>
+              <a:t> = após acessado, o link apresentará cor especificada por este atributo.</a:t>
+            </a:r>
+          </a:p>
+          <a:p>
+            <a:pPr marL="0" indent="0" algn="just">
+              <a:buNone/>
+            </a:pPr>
+            <a:r>
+              <a:rPr lang="pt-BR" sz="2400" b="1" dirty="0" err="1">
+                <a:solidFill>
+                  <a:srgbClr val="FF0000"/>
+                </a:solidFill>
+                <a:latin typeface="Times New Roman" panose="02020603050405020304" pitchFamily="18" charset="0"/>
+                <a:cs typeface="Times New Roman" panose="02020603050405020304" pitchFamily="18" charset="0"/>
+              </a:rPr>
+              <a:t>Alink</a:t>
+            </a:r>
+            <a:r>
+              <a:rPr lang="pt-BR" sz="2400" dirty="0">
+                <a:latin typeface="Times New Roman" panose="02020603050405020304" pitchFamily="18" charset="0"/>
+                <a:cs typeface="Times New Roman" panose="02020603050405020304" pitchFamily="18" charset="0"/>
+              </a:rPr>
+              <a:t> = específica a cor que o link deverá apresentar quando o mouse estiver sobre ele. </a:t>
             </a:r>
           </a:p>
         </p:txBody>
@@ -25606,7 +27186,7 @@
     </p:spTree>
     <p:extLst>
       <p:ext uri="{BB962C8B-B14F-4D97-AF65-F5344CB8AC3E}">
-        <p14:creationId xmlns:p14="http://schemas.microsoft.com/office/powerpoint/2010/main" val="3501269686"/>
+        <p14:creationId xmlns:p14="http://schemas.microsoft.com/office/powerpoint/2010/main" val="719084459"/>
       </p:ext>
     </p:extLst>
   </p:cSld>
@@ -25693,11 +27273,83 @@
               <a:buNone/>
             </a:pPr>
             <a:r>
+              <a:rPr lang="pt-BR" sz="2400" dirty="0">
+                <a:latin typeface="Times New Roman" panose="02020603050405020304" pitchFamily="18" charset="0"/>
+                <a:cs typeface="Times New Roman" panose="02020603050405020304" pitchFamily="18" charset="0"/>
+              </a:rPr>
+              <a:t>Um </a:t>
+            </a:r>
+            <a:r>
               <a:rPr lang="pt-BR" sz="2400" b="1" dirty="0">
                 <a:latin typeface="Times New Roman" panose="02020603050405020304" pitchFamily="18" charset="0"/>
                 <a:cs typeface="Times New Roman" panose="02020603050405020304" pitchFamily="18" charset="0"/>
               </a:rPr>
-              <a:t>Exemplo:</a:t>
+              <a:t>recurso</a:t>
+            </a:r>
+            <a:r>
+              <a:rPr lang="pt-BR" sz="2400" dirty="0">
+                <a:latin typeface="Times New Roman" panose="02020603050405020304" pitchFamily="18" charset="0"/>
+                <a:cs typeface="Times New Roman" panose="02020603050405020304" pitchFamily="18" charset="0"/>
+              </a:rPr>
+              <a:t> comum na internet é a </a:t>
+            </a:r>
+            <a:r>
+              <a:rPr lang="pt-BR" sz="2400" b="1" dirty="0">
+                <a:solidFill>
+                  <a:srgbClr val="FF0000"/>
+                </a:solidFill>
+                <a:latin typeface="Times New Roman" panose="02020603050405020304" pitchFamily="18" charset="0"/>
+                <a:cs typeface="Times New Roman" panose="02020603050405020304" pitchFamily="18" charset="0"/>
+              </a:rPr>
+              <a:t>utilização de </a:t>
+            </a:r>
+            <a:r>
+              <a:rPr lang="pt-BR" sz="2400" b="1" dirty="0" err="1">
+                <a:solidFill>
+                  <a:srgbClr val="FF0000"/>
+                </a:solidFill>
+                <a:latin typeface="Times New Roman" panose="02020603050405020304" pitchFamily="18" charset="0"/>
+                <a:cs typeface="Times New Roman" panose="02020603050405020304" pitchFamily="18" charset="0"/>
+              </a:rPr>
+              <a:t>thumbnails</a:t>
+            </a:r>
+            <a:r>
+              <a:rPr lang="pt-BR" sz="2400" dirty="0">
+                <a:latin typeface="Times New Roman" panose="02020603050405020304" pitchFamily="18" charset="0"/>
+                <a:cs typeface="Times New Roman" panose="02020603050405020304" pitchFamily="18" charset="0"/>
+              </a:rPr>
+              <a:t>, que são </a:t>
+            </a:r>
+            <a:r>
+              <a:rPr lang="pt-BR" sz="2400" b="1" dirty="0">
+                <a:latin typeface="Times New Roman" panose="02020603050405020304" pitchFamily="18" charset="0"/>
+                <a:cs typeface="Times New Roman" panose="02020603050405020304" pitchFamily="18" charset="0"/>
+              </a:rPr>
+              <a:t>imagens em tamanhos reduzidos</a:t>
+            </a:r>
+            <a:r>
+              <a:rPr lang="pt-BR" sz="2400" dirty="0">
+                <a:latin typeface="Times New Roman" panose="02020603050405020304" pitchFamily="18" charset="0"/>
+                <a:cs typeface="Times New Roman" panose="02020603050405020304" pitchFamily="18" charset="0"/>
+              </a:rPr>
+              <a:t> e </a:t>
+            </a:r>
+            <a:r>
+              <a:rPr lang="pt-BR" sz="2400" b="1" dirty="0">
+                <a:solidFill>
+                  <a:srgbClr val="FF0000"/>
+                </a:solidFill>
+                <a:latin typeface="Times New Roman" panose="02020603050405020304" pitchFamily="18" charset="0"/>
+                <a:cs typeface="Times New Roman" panose="02020603050405020304" pitchFamily="18" charset="0"/>
+              </a:rPr>
+              <a:t>criar links de funcionalidades para estas imagens</a:t>
+            </a:r>
+            <a:r>
+              <a:rPr lang="pt-BR" sz="2400" dirty="0">
+                <a:latin typeface="Times New Roman" panose="02020603050405020304" pitchFamily="18" charset="0"/>
+                <a:cs typeface="Times New Roman" panose="02020603050405020304" pitchFamily="18" charset="0"/>
+              </a:rPr>
+              <a:t>.</a:t>
             </a:r>
           </a:p>
           <a:p>
@@ -25718,145 +27370,150 @@
                 <a:latin typeface="Times New Roman" panose="02020603050405020304" pitchFamily="18" charset="0"/>
                 <a:cs typeface="Times New Roman" panose="02020603050405020304" pitchFamily="18" charset="0"/>
               </a:rPr>
-              <a:t>&lt; link=“</a:t>
-            </a:r>
-            <a:r>
-              <a:rPr lang="pt-BR" sz="2400" dirty="0" err="1">
-                <a:latin typeface="Times New Roman" panose="02020603050405020304" pitchFamily="18" charset="0"/>
-                <a:cs typeface="Times New Roman" panose="02020603050405020304" pitchFamily="18" charset="0"/>
-              </a:rPr>
-              <a:t>red</a:t>
-            </a:r>
-            <a:r>
-              <a:rPr lang="pt-BR" sz="2400" dirty="0">
-                <a:latin typeface="Times New Roman" panose="02020603050405020304" pitchFamily="18" charset="0"/>
-                <a:cs typeface="Times New Roman" panose="02020603050405020304" pitchFamily="18" charset="0"/>
-              </a:rPr>
-              <a:t>” </a:t>
-            </a:r>
-            <a:r>
-              <a:rPr lang="pt-BR" sz="2400" dirty="0" err="1">
-                <a:latin typeface="Times New Roman" panose="02020603050405020304" pitchFamily="18" charset="0"/>
-                <a:cs typeface="Times New Roman" panose="02020603050405020304" pitchFamily="18" charset="0"/>
-              </a:rPr>
-              <a:t>vlink</a:t>
-            </a:r>
-            <a:r>
-              <a:rPr lang="pt-BR" sz="2400" dirty="0">
-                <a:latin typeface="Times New Roman" panose="02020603050405020304" pitchFamily="18" charset="0"/>
-                <a:cs typeface="Times New Roman" panose="02020603050405020304" pitchFamily="18" charset="0"/>
-              </a:rPr>
-              <a:t>=“#blue” </a:t>
-            </a:r>
-            <a:r>
-              <a:rPr lang="pt-BR" sz="2400" dirty="0" err="1">
-                <a:latin typeface="Times New Roman" panose="02020603050405020304" pitchFamily="18" charset="0"/>
-                <a:cs typeface="Times New Roman" panose="02020603050405020304" pitchFamily="18" charset="0"/>
-              </a:rPr>
-              <a:t>alink</a:t>
-            </a:r>
-            <a:r>
-              <a:rPr lang="pt-BR" sz="2400" dirty="0">
-                <a:latin typeface="Times New Roman" panose="02020603050405020304" pitchFamily="18" charset="0"/>
-                <a:cs typeface="Times New Roman" panose="02020603050405020304" pitchFamily="18" charset="0"/>
-              </a:rPr>
-              <a:t>=“</a:t>
-            </a:r>
-            <a:r>
-              <a:rPr lang="pt-BR" sz="2400" dirty="0" err="1">
-                <a:latin typeface="Times New Roman" panose="02020603050405020304" pitchFamily="18" charset="0"/>
-                <a:cs typeface="Times New Roman" panose="02020603050405020304" pitchFamily="18" charset="0"/>
-              </a:rPr>
-              <a:t>green</a:t>
-            </a:r>
-            <a:r>
-              <a:rPr lang="pt-BR" sz="2400" dirty="0">
-                <a:latin typeface="Times New Roman" panose="02020603050405020304" pitchFamily="18" charset="0"/>
-                <a:cs typeface="Times New Roman" panose="02020603050405020304" pitchFamily="18" charset="0"/>
-              </a:rPr>
-              <a:t>”&gt;</a:t>
-            </a:r>
-          </a:p>
-          <a:p>
-            <a:pPr marL="0" indent="0" algn="just">
-              <a:buNone/>
-            </a:pPr>
+              <a:t>Embora o </a:t>
+            </a:r>
             <a:r>
               <a:rPr lang="pt-BR" sz="2400" b="1" dirty="0">
                 <a:latin typeface="Times New Roman" panose="02020603050405020304" pitchFamily="18" charset="0"/>
                 <a:cs typeface="Times New Roman" panose="02020603050405020304" pitchFamily="18" charset="0"/>
               </a:rPr>
-              <a:t>body</a:t>
-            </a:r>
-            <a:endParaRPr lang="pt-BR" sz="2400" dirty="0">
-              <a:latin typeface="Times New Roman" panose="02020603050405020304" pitchFamily="18" charset="0"/>
-              <a:cs typeface="Times New Roman" panose="02020603050405020304" pitchFamily="18" charset="0"/>
-            </a:endParaRPr>
-          </a:p>
-          <a:p>
-            <a:pPr marL="0" indent="0" algn="just">
-              <a:buNone/>
-            </a:pPr>
+              <a:t>HTML</a:t>
+            </a:r>
+            <a:r>
+              <a:rPr lang="pt-BR" sz="2400" dirty="0">
+                <a:latin typeface="Times New Roman" panose="02020603050405020304" pitchFamily="18" charset="0"/>
+                <a:cs typeface="Times New Roman" panose="02020603050405020304" pitchFamily="18" charset="0"/>
+              </a:rPr>
+              <a:t>, permita o uso das </a:t>
+            </a:r>
+            <a:r>
+              <a:rPr lang="pt-BR" sz="2400" b="1" dirty="0" err="1">
+                <a:latin typeface="Times New Roman" panose="02020603050405020304" pitchFamily="18" charset="0"/>
+                <a:cs typeface="Times New Roman" panose="02020603050405020304" pitchFamily="18" charset="0"/>
+              </a:rPr>
+              <a:t>tags</a:t>
+            </a:r>
             <a:r>
               <a:rPr lang="pt-BR" sz="2400" b="1" dirty="0">
+                <a:latin typeface="Times New Roman" panose="02020603050405020304" pitchFamily="18" charset="0"/>
+                <a:cs typeface="Times New Roman" panose="02020603050405020304" pitchFamily="18" charset="0"/>
+              </a:rPr>
+              <a:t> </a:t>
+            </a:r>
+            <a:r>
+              <a:rPr lang="pt-BR" sz="2400" b="1" dirty="0" err="1">
+                <a:latin typeface="Times New Roman" panose="02020603050405020304" pitchFamily="18" charset="0"/>
+                <a:cs typeface="Times New Roman" panose="02020603050405020304" pitchFamily="18" charset="0"/>
+              </a:rPr>
+              <a:t>height</a:t>
+            </a:r>
+            <a:r>
+              <a:rPr lang="pt-BR" sz="2400" b="1" dirty="0">
+                <a:latin typeface="Times New Roman" panose="02020603050405020304" pitchFamily="18" charset="0"/>
+                <a:cs typeface="Times New Roman" panose="02020603050405020304" pitchFamily="18" charset="0"/>
+              </a:rPr>
+              <a:t> e </a:t>
+            </a:r>
+            <a:r>
+              <a:rPr lang="pt-BR" sz="2400" b="1" dirty="0" err="1">
+                <a:latin typeface="Times New Roman" panose="02020603050405020304" pitchFamily="18" charset="0"/>
+                <a:cs typeface="Times New Roman" panose="02020603050405020304" pitchFamily="18" charset="0"/>
+              </a:rPr>
+              <a:t>width</a:t>
+            </a:r>
+            <a:r>
+              <a:rPr lang="pt-BR" sz="2400" dirty="0">
+                <a:latin typeface="Times New Roman" panose="02020603050405020304" pitchFamily="18" charset="0"/>
+                <a:cs typeface="Times New Roman" panose="02020603050405020304" pitchFamily="18" charset="0"/>
+              </a:rPr>
+              <a:t> para especificar a </a:t>
+            </a:r>
+            <a:r>
+              <a:rPr lang="pt-BR" sz="2400" b="1" dirty="0">
+                <a:latin typeface="Times New Roman" panose="02020603050405020304" pitchFamily="18" charset="0"/>
+                <a:cs typeface="Times New Roman" panose="02020603050405020304" pitchFamily="18" charset="0"/>
+              </a:rPr>
+              <a:t>altura e tamanho de uma imagem</a:t>
+            </a:r>
+            <a:r>
+              <a:rPr lang="pt-BR" sz="2400" dirty="0">
+                <a:latin typeface="Times New Roman" panose="02020603050405020304" pitchFamily="18" charset="0"/>
+                <a:cs typeface="Times New Roman" panose="02020603050405020304" pitchFamily="18" charset="0"/>
+              </a:rPr>
+              <a:t>, este recurso não é o mais indicado, já que, mesmo </a:t>
+            </a:r>
+            <a:r>
+              <a:rPr lang="pt-BR" sz="2400" b="1" dirty="0">
+                <a:latin typeface="Times New Roman" panose="02020603050405020304" pitchFamily="18" charset="0"/>
+                <a:cs typeface="Times New Roman" panose="02020603050405020304" pitchFamily="18" charset="0"/>
+              </a:rPr>
+              <a:t>reduzindo</a:t>
+            </a:r>
+            <a:r>
+              <a:rPr lang="pt-BR" sz="2400" dirty="0">
+                <a:latin typeface="Times New Roman" panose="02020603050405020304" pitchFamily="18" charset="0"/>
+                <a:cs typeface="Times New Roman" panose="02020603050405020304" pitchFamily="18" charset="0"/>
+              </a:rPr>
+              <a:t> as dimensões da </a:t>
+            </a:r>
+            <a:r>
+              <a:rPr lang="pt-BR" sz="2400" b="1" dirty="0">
+                <a:latin typeface="Times New Roman" panose="02020603050405020304" pitchFamily="18" charset="0"/>
+                <a:cs typeface="Times New Roman" panose="02020603050405020304" pitchFamily="18" charset="0"/>
+              </a:rPr>
+              <a:t>imagem</a:t>
+            </a:r>
+            <a:r>
+              <a:rPr lang="pt-BR" sz="2400" dirty="0">
+                <a:latin typeface="Times New Roman" panose="02020603050405020304" pitchFamily="18" charset="0"/>
+                <a:cs typeface="Times New Roman" panose="02020603050405020304" pitchFamily="18" charset="0"/>
+              </a:rPr>
+              <a:t> na tela, o </a:t>
+            </a:r>
+            <a:r>
+              <a:rPr lang="pt-BR" sz="2400" b="1" dirty="0">
                 <a:solidFill>
                   <a:srgbClr val="FF0000"/>
                 </a:solidFill>
                 <a:latin typeface="Times New Roman" panose="02020603050405020304" pitchFamily="18" charset="0"/>
                 <a:cs typeface="Times New Roman" panose="02020603050405020304" pitchFamily="18" charset="0"/>
               </a:rPr>
-              <a:t>Link</a:t>
-            </a:r>
-            <a:r>
-              <a:rPr lang="pt-BR" sz="2400" dirty="0">
-                <a:latin typeface="Times New Roman" panose="02020603050405020304" pitchFamily="18" charset="0"/>
-                <a:cs typeface="Times New Roman" panose="02020603050405020304" pitchFamily="18" charset="0"/>
-              </a:rPr>
-              <a:t> = específica a cor dos links não acessados da página web.</a:t>
-            </a:r>
-          </a:p>
-          <a:p>
-            <a:pPr marL="0" indent="0" algn="just">
-              <a:buNone/>
-            </a:pPr>
-            <a:r>
-              <a:rPr lang="pt-BR" sz="2400" b="1" dirty="0" err="1">
-                <a:solidFill>
-                  <a:srgbClr val="FF0000"/>
-                </a:solidFill>
-                <a:latin typeface="Times New Roman" panose="02020603050405020304" pitchFamily="18" charset="0"/>
-                <a:cs typeface="Times New Roman" panose="02020603050405020304" pitchFamily="18" charset="0"/>
-              </a:rPr>
-              <a:t>Vlink</a:t>
-            </a:r>
-            <a:r>
-              <a:rPr lang="pt-BR" sz="2400" dirty="0">
-                <a:latin typeface="Times New Roman" panose="02020603050405020304" pitchFamily="18" charset="0"/>
-                <a:cs typeface="Times New Roman" panose="02020603050405020304" pitchFamily="18" charset="0"/>
-              </a:rPr>
-              <a:t> = após acessado, o link apresentará cor especificada por este atributo.</a:t>
-            </a:r>
-          </a:p>
-          <a:p>
-            <a:pPr marL="0" indent="0" algn="just">
-              <a:buNone/>
-            </a:pPr>
-            <a:r>
-              <a:rPr lang="pt-BR" sz="2400" b="1" dirty="0" err="1">
-                <a:solidFill>
-                  <a:srgbClr val="FF0000"/>
-                </a:solidFill>
-                <a:latin typeface="Times New Roman" panose="02020603050405020304" pitchFamily="18" charset="0"/>
-                <a:cs typeface="Times New Roman" panose="02020603050405020304" pitchFamily="18" charset="0"/>
-              </a:rPr>
-              <a:t>Alink</a:t>
-            </a:r>
-            <a:r>
-              <a:rPr lang="pt-BR" sz="2400" dirty="0">
-                <a:latin typeface="Times New Roman" panose="02020603050405020304" pitchFamily="18" charset="0"/>
-                <a:cs typeface="Times New Roman" panose="02020603050405020304" pitchFamily="18" charset="0"/>
-              </a:rPr>
-              <a:t> = específica a cor que o link deverá apresentar quando o mouse estiver sobre ele. </a:t>
+              <a:t>tamanho do arquivo continua o mesmo</a:t>
+            </a:r>
+            <a:r>
+              <a:rPr lang="pt-BR" sz="2400" dirty="0">
+                <a:latin typeface="Times New Roman" panose="02020603050405020304" pitchFamily="18" charset="0"/>
+                <a:cs typeface="Times New Roman" panose="02020603050405020304" pitchFamily="18" charset="0"/>
+              </a:rPr>
+              <a:t>. O procedimento correto é utilizar um </a:t>
+            </a:r>
+            <a:r>
+              <a:rPr lang="pt-BR" sz="2400" b="1" dirty="0">
+                <a:latin typeface="Times New Roman" panose="02020603050405020304" pitchFamily="18" charset="0"/>
+                <a:cs typeface="Times New Roman" panose="02020603050405020304" pitchFamily="18" charset="0"/>
+              </a:rPr>
+              <a:t>editor de imagens</a:t>
+            </a:r>
+            <a:r>
+              <a:rPr lang="pt-BR" sz="2400" dirty="0">
+                <a:latin typeface="Times New Roman" panose="02020603050405020304" pitchFamily="18" charset="0"/>
+                <a:cs typeface="Times New Roman" panose="02020603050405020304" pitchFamily="18" charset="0"/>
+              </a:rPr>
+              <a:t>, e produzir a imagem no </a:t>
+            </a:r>
+            <a:r>
+              <a:rPr lang="pt-BR" sz="2400" b="1" dirty="0">
+                <a:latin typeface="Times New Roman" panose="02020603050405020304" pitchFamily="18" charset="0"/>
+                <a:cs typeface="Times New Roman" panose="02020603050405020304" pitchFamily="18" charset="0"/>
+              </a:rPr>
+              <a:t>tamanho requerido</a:t>
+            </a:r>
+            <a:r>
+              <a:rPr lang="pt-BR" sz="2400" dirty="0">
+                <a:latin typeface="Times New Roman" panose="02020603050405020304" pitchFamily="18" charset="0"/>
+                <a:cs typeface="Times New Roman" panose="02020603050405020304" pitchFamily="18" charset="0"/>
+              </a:rPr>
+              <a:t>.</a:t>
             </a:r>
           </a:p>
         </p:txBody>
@@ -25864,7 +27521,7 @@
     </p:spTree>
     <p:extLst>
       <p:ext uri="{BB962C8B-B14F-4D97-AF65-F5344CB8AC3E}">
-        <p14:creationId xmlns:p14="http://schemas.microsoft.com/office/powerpoint/2010/main" val="719084459"/>
+        <p14:creationId xmlns:p14="http://schemas.microsoft.com/office/powerpoint/2010/main" val="2689718342"/>
       </p:ext>
     </p:extLst>
   </p:cSld>
@@ -25920,8 +27577,21 @@
                   <a:srgbClr val="0070C0"/>
                 </a:solidFill>
               </a:rPr>
-              <a:t>HTML – Links</a:t>
-            </a:r>
+              <a:t>HTML – Imagens </a:t>
+            </a:r>
+            <a:r>
+              <a:rPr lang="en-US" b="1" dirty="0" err="1">
+                <a:solidFill>
+                  <a:srgbClr val="0070C0"/>
+                </a:solidFill>
+              </a:rPr>
+              <a:t>Mapeadas</a:t>
+            </a:r>
+            <a:endParaRPr lang="en-US" b="1" dirty="0">
+              <a:solidFill>
+                <a:srgbClr val="0070C0"/>
+              </a:solidFill>
+            </a:endParaRPr>
           </a:p>
         </p:txBody>
       </p:sp>
@@ -25937,8 +27607,8 @@
         </p:nvSpPr>
         <p:spPr>
           <a:xfrm>
-            <a:off x="142865" y="1024786"/>
-            <a:ext cx="8865056" cy="3900208"/>
+            <a:off x="142865" y="1012259"/>
+            <a:ext cx="8865056" cy="4023203"/>
           </a:xfrm>
         </p:spPr>
         <p:txBody>
@@ -25955,21 +27625,45 @@
                 <a:latin typeface="Times New Roman" panose="02020603050405020304" pitchFamily="18" charset="0"/>
                 <a:cs typeface="Times New Roman" panose="02020603050405020304" pitchFamily="18" charset="0"/>
               </a:rPr>
-              <a:t>Um recurso comum na internet é a utilização de </a:t>
-            </a:r>
-            <a:r>
-              <a:rPr lang="pt-BR" sz="2400" dirty="0" err="1">
-                <a:latin typeface="Times New Roman" panose="02020603050405020304" pitchFamily="18" charset="0"/>
-                <a:cs typeface="Times New Roman" panose="02020603050405020304" pitchFamily="18" charset="0"/>
-              </a:rPr>
-              <a:t>thumbnails</a:t>
-            </a:r>
-            <a:r>
-              <a:rPr lang="pt-BR" sz="2400" dirty="0">
-                <a:latin typeface="Times New Roman" panose="02020603050405020304" pitchFamily="18" charset="0"/>
-                <a:cs typeface="Times New Roman" panose="02020603050405020304" pitchFamily="18" charset="0"/>
-              </a:rPr>
-              <a:t>, que são imagens em tamanhos reduzidos e criar links de funcionalidades para estas imagens.</a:t>
+              <a:t>Uma </a:t>
+            </a:r>
+            <a:r>
+              <a:rPr lang="pt-BR" sz="2400" b="1" dirty="0">
+                <a:latin typeface="Times New Roman" panose="02020603050405020304" pitchFamily="18" charset="0"/>
+                <a:cs typeface="Times New Roman" panose="02020603050405020304" pitchFamily="18" charset="0"/>
+              </a:rPr>
+              <a:t>imagem mapeada </a:t>
+            </a:r>
+            <a:r>
+              <a:rPr lang="pt-BR" sz="2400" dirty="0">
+                <a:latin typeface="Times New Roman" panose="02020603050405020304" pitchFamily="18" charset="0"/>
+                <a:cs typeface="Times New Roman" panose="02020603050405020304" pitchFamily="18" charset="0"/>
+              </a:rPr>
+              <a:t>é uma imagem dividida em diferentes áreas e cada área é interligada a um documento. Uma </a:t>
+            </a:r>
+            <a:r>
+              <a:rPr lang="pt-BR" sz="2400" b="1" dirty="0">
+                <a:latin typeface="Times New Roman" panose="02020603050405020304" pitchFamily="18" charset="0"/>
+                <a:cs typeface="Times New Roman" panose="02020603050405020304" pitchFamily="18" charset="0"/>
+              </a:rPr>
+              <a:t>imagem mapeada </a:t>
+            </a:r>
+            <a:r>
+              <a:rPr lang="pt-BR" sz="2400" dirty="0">
+                <a:latin typeface="Times New Roman" panose="02020603050405020304" pitchFamily="18" charset="0"/>
+                <a:cs typeface="Times New Roman" panose="02020603050405020304" pitchFamily="18" charset="0"/>
+              </a:rPr>
+              <a:t>é </a:t>
+            </a:r>
+            <a:r>
+              <a:rPr lang="pt-BR" sz="2400" b="1" dirty="0">
+                <a:solidFill>
+                  <a:srgbClr val="FF0000"/>
+                </a:solidFill>
+                <a:latin typeface="Times New Roman" panose="02020603050405020304" pitchFamily="18" charset="0"/>
+                <a:cs typeface="Times New Roman" panose="02020603050405020304" pitchFamily="18" charset="0"/>
+              </a:rPr>
+              <a:t>diferente de um link numa imagem.</a:t>
             </a:r>
           </a:p>
           <a:p>
@@ -25990,49 +27684,42 @@
                 <a:latin typeface="Times New Roman" panose="02020603050405020304" pitchFamily="18" charset="0"/>
                 <a:cs typeface="Times New Roman" panose="02020603050405020304" pitchFamily="18" charset="0"/>
               </a:rPr>
-              <a:t>Embora o HTML, permita o uso das </a:t>
-            </a:r>
-            <a:r>
-              <a:rPr lang="pt-BR" sz="2400" dirty="0" err="1">
-                <a:latin typeface="Times New Roman" panose="02020603050405020304" pitchFamily="18" charset="0"/>
-                <a:cs typeface="Times New Roman" panose="02020603050405020304" pitchFamily="18" charset="0"/>
-              </a:rPr>
-              <a:t>tags</a:t>
-            </a:r>
-            <a:r>
-              <a:rPr lang="pt-BR" sz="2400" dirty="0">
-                <a:latin typeface="Times New Roman" panose="02020603050405020304" pitchFamily="18" charset="0"/>
-                <a:cs typeface="Times New Roman" panose="02020603050405020304" pitchFamily="18" charset="0"/>
-              </a:rPr>
-              <a:t> </a:t>
-            </a:r>
-            <a:r>
-              <a:rPr lang="pt-BR" sz="2400" dirty="0" err="1">
-                <a:latin typeface="Times New Roman" panose="02020603050405020304" pitchFamily="18" charset="0"/>
-                <a:cs typeface="Times New Roman" panose="02020603050405020304" pitchFamily="18" charset="0"/>
-              </a:rPr>
-              <a:t>height</a:t>
-            </a:r>
-            <a:r>
-              <a:rPr lang="pt-BR" sz="2400" dirty="0">
-                <a:latin typeface="Times New Roman" panose="02020603050405020304" pitchFamily="18" charset="0"/>
-                <a:cs typeface="Times New Roman" panose="02020603050405020304" pitchFamily="18" charset="0"/>
-              </a:rPr>
-              <a:t> e </a:t>
-            </a:r>
-            <a:r>
-              <a:rPr lang="pt-BR" sz="2400" dirty="0" err="1">
-                <a:latin typeface="Times New Roman" panose="02020603050405020304" pitchFamily="18" charset="0"/>
-                <a:cs typeface="Times New Roman" panose="02020603050405020304" pitchFamily="18" charset="0"/>
-              </a:rPr>
-              <a:t>width</a:t>
-            </a:r>
-            <a:r>
-              <a:rPr lang="pt-BR" sz="2400" dirty="0">
-                <a:latin typeface="Times New Roman" panose="02020603050405020304" pitchFamily="18" charset="0"/>
-                <a:cs typeface="Times New Roman" panose="02020603050405020304" pitchFamily="18" charset="0"/>
-              </a:rPr>
-              <a:t> para especificar a altura e tamanho de uma imagem, este recurso não é o mais indicado, já que, mesmo reduzindo as dimensões da imagem na tela, o tamanho do arquivo continua o mesmo. O procedimento correto é utilizar um editor de imagens, e produzir a imagem no tamanho requerido.</a:t>
+              <a:t>No caso da </a:t>
+            </a:r>
+            <a:r>
+              <a:rPr lang="pt-BR" sz="2400" b="1" dirty="0">
+                <a:latin typeface="Times New Roman" panose="02020603050405020304" pitchFamily="18" charset="0"/>
+                <a:cs typeface="Times New Roman" panose="02020603050405020304" pitchFamily="18" charset="0"/>
+              </a:rPr>
+              <a:t>imagem mapeada</a:t>
+            </a:r>
+            <a:r>
+              <a:rPr lang="pt-BR" sz="2400" dirty="0">
+                <a:latin typeface="Times New Roman" panose="02020603050405020304" pitchFamily="18" charset="0"/>
+                <a:cs typeface="Times New Roman" panose="02020603050405020304" pitchFamily="18" charset="0"/>
+              </a:rPr>
+              <a:t>, o browser, identifica a área da imagem selecionada e então a URL do documento vinculado a esta área.</a:t>
+            </a:r>
+          </a:p>
+          <a:p>
+            <a:pPr marL="0" indent="0" algn="just">
+              <a:buNone/>
+            </a:pPr>
+            <a:endParaRPr lang="pt-BR" sz="2400" dirty="0">
+              <a:latin typeface="Times New Roman" panose="02020603050405020304" pitchFamily="18" charset="0"/>
+              <a:cs typeface="Times New Roman" panose="02020603050405020304" pitchFamily="18" charset="0"/>
+            </a:endParaRPr>
+          </a:p>
+          <a:p>
+            <a:pPr marL="0" indent="0" algn="just">
+              <a:buNone/>
+            </a:pPr>
+            <a:r>
+              <a:rPr lang="pt-BR" sz="2400" dirty="0">
+                <a:latin typeface="Times New Roman" panose="02020603050405020304" pitchFamily="18" charset="0"/>
+                <a:cs typeface="Times New Roman" panose="02020603050405020304" pitchFamily="18" charset="0"/>
+              </a:rPr>
+              <a:t>O exemplo comum de uso é quando existe a necessidade de uma mesma imagem direcionar o usuário para duas ou mais páginas web diferentes, como um menu, um mapa.</a:t>
             </a:r>
           </a:p>
         </p:txBody>
@@ -26040,7 +27727,7 @@
     </p:spTree>
     <p:extLst>
       <p:ext uri="{BB962C8B-B14F-4D97-AF65-F5344CB8AC3E}">
-        <p14:creationId xmlns:p14="http://schemas.microsoft.com/office/powerpoint/2010/main" val="2689718342"/>
+        <p14:creationId xmlns:p14="http://schemas.microsoft.com/office/powerpoint/2010/main" val="76884790"/>
       </p:ext>
     </p:extLst>
   </p:cSld>
@@ -26144,7 +27831,21 @@
                 <a:latin typeface="Times New Roman" panose="02020603050405020304" pitchFamily="18" charset="0"/>
                 <a:cs typeface="Times New Roman" panose="02020603050405020304" pitchFamily="18" charset="0"/>
               </a:rPr>
-              <a:t>Uma imagem mapeada é uma imagem dividida em diferentes áreas e cada área é interligada a um documento. Uma imagem mapeada é diferente de um link numa imagem.</a:t>
+              <a:t>Neste caso, delimitam-se </a:t>
+            </a:r>
+            <a:r>
+              <a:rPr lang="pt-BR" sz="2400" b="1" dirty="0">
+                <a:latin typeface="Times New Roman" panose="02020603050405020304" pitchFamily="18" charset="0"/>
+                <a:cs typeface="Times New Roman" panose="02020603050405020304" pitchFamily="18" charset="0"/>
+              </a:rPr>
+              <a:t>áreas da imagem </a:t>
+            </a:r>
+            <a:r>
+              <a:rPr lang="pt-BR" sz="2400" dirty="0">
+                <a:latin typeface="Times New Roman" panose="02020603050405020304" pitchFamily="18" charset="0"/>
+                <a:cs typeface="Times New Roman" panose="02020603050405020304" pitchFamily="18" charset="0"/>
+              </a:rPr>
+              <a:t>que remetem a um lugar e outras áreas para outras páginas ou documentos.</a:t>
             </a:r>
           </a:p>
           <a:p>
@@ -26165,7 +27866,47 @@
                 <a:latin typeface="Times New Roman" panose="02020603050405020304" pitchFamily="18" charset="0"/>
                 <a:cs typeface="Times New Roman" panose="02020603050405020304" pitchFamily="18" charset="0"/>
               </a:rPr>
-              <a:t>No caso da imagem mapeada, o browser, identifica a área da imagem selecionada e então a URL do documento vinculado a esta área.</a:t>
+              <a:t>Pode ser criada no servidor, </a:t>
+            </a:r>
+            <a:r>
+              <a:rPr lang="pt-BR" dirty="0"/>
+              <a:t>server-</a:t>
+            </a:r>
+            <a:r>
+              <a:rPr lang="pt-BR" dirty="0" err="1"/>
+              <a:t>side</a:t>
+            </a:r>
+            <a:r>
+              <a:rPr lang="pt-BR" dirty="0"/>
+              <a:t>, </a:t>
+            </a:r>
+            <a:r>
+              <a:rPr lang="pt-BR" sz="2400" dirty="0">
+                <a:latin typeface="Times New Roman" panose="02020603050405020304" pitchFamily="18" charset="0"/>
+                <a:cs typeface="Times New Roman" panose="02020603050405020304" pitchFamily="18" charset="0"/>
+              </a:rPr>
+              <a:t>ou no cliente, </a:t>
+            </a:r>
+            <a:r>
+              <a:rPr lang="pt-BR" sz="2400" b="1" dirty="0">
+                <a:latin typeface="Times New Roman" panose="02020603050405020304" pitchFamily="18" charset="0"/>
+                <a:cs typeface="Times New Roman" panose="02020603050405020304" pitchFamily="18" charset="0"/>
+              </a:rPr>
+              <a:t>cliente-</a:t>
+            </a:r>
+            <a:r>
+              <a:rPr lang="pt-BR" sz="2400" b="1" dirty="0" err="1">
+                <a:latin typeface="Times New Roman" panose="02020603050405020304" pitchFamily="18" charset="0"/>
+                <a:cs typeface="Times New Roman" panose="02020603050405020304" pitchFamily="18" charset="0"/>
+              </a:rPr>
+              <a:t>side</a:t>
+            </a:r>
+            <a:r>
+              <a:rPr lang="pt-BR" sz="2400" b="1" dirty="0">
+                <a:latin typeface="Times New Roman" panose="02020603050405020304" pitchFamily="18" charset="0"/>
+                <a:cs typeface="Times New Roman" panose="02020603050405020304" pitchFamily="18" charset="0"/>
+              </a:rPr>
+              <a:t>.</a:t>
             </a:r>
           </a:p>
           <a:p>
@@ -26182,19 +27923,112 @@
               <a:buNone/>
             </a:pPr>
             <a:r>
-              <a:rPr lang="pt-BR" sz="2400" dirty="0">
-                <a:latin typeface="Times New Roman" panose="02020603050405020304" pitchFamily="18" charset="0"/>
-                <a:cs typeface="Times New Roman" panose="02020603050405020304" pitchFamily="18" charset="0"/>
-              </a:rPr>
-              <a:t>O exemplo comum de uso é quando existe a necessidade de uma mesma imagem direcionar o usuário para duas ou mais páginas web diferentes, como um menu, um mapa.</a:t>
-            </a:r>
+              <a:rPr lang="pt-BR" sz="2400" b="1" dirty="0">
+                <a:latin typeface="Times New Roman" panose="02020603050405020304" pitchFamily="18" charset="0"/>
+                <a:cs typeface="Times New Roman" panose="02020603050405020304" pitchFamily="18" charset="0"/>
+              </a:rPr>
+              <a:t>Exemplo</a:t>
+            </a:r>
+            <a:r>
+              <a:rPr lang="pt-BR" sz="2400" dirty="0">
+                <a:latin typeface="Times New Roman" panose="02020603050405020304" pitchFamily="18" charset="0"/>
+                <a:cs typeface="Times New Roman" panose="02020603050405020304" pitchFamily="18" charset="0"/>
+              </a:rPr>
+              <a:t>:</a:t>
+            </a:r>
+          </a:p>
+          <a:p>
+            <a:pPr marL="0" indent="0" algn="just">
+              <a:buNone/>
+            </a:pPr>
+            <a:r>
+              <a:rPr lang="pt-BR" sz="2400" dirty="0">
+                <a:latin typeface="Times New Roman" panose="02020603050405020304" pitchFamily="18" charset="0"/>
+                <a:cs typeface="Times New Roman" panose="02020603050405020304" pitchFamily="18" charset="0"/>
+              </a:rPr>
+              <a:t>	&lt;</a:t>
+            </a:r>
+            <a:r>
+              <a:rPr lang="pt-BR" sz="2400" b="1" dirty="0" err="1">
+                <a:latin typeface="Times New Roman" panose="02020603050405020304" pitchFamily="18" charset="0"/>
+                <a:cs typeface="Times New Roman" panose="02020603050405020304" pitchFamily="18" charset="0"/>
+              </a:rPr>
+              <a:t>img</a:t>
+            </a:r>
+            <a:r>
+              <a:rPr lang="pt-BR" sz="2400" dirty="0">
+                <a:latin typeface="Times New Roman" panose="02020603050405020304" pitchFamily="18" charset="0"/>
+                <a:cs typeface="Times New Roman" panose="02020603050405020304" pitchFamily="18" charset="0"/>
+              </a:rPr>
+              <a:t> </a:t>
+            </a:r>
+            <a:r>
+              <a:rPr lang="pt-BR" sz="2400" b="1" dirty="0" err="1">
+                <a:solidFill>
+                  <a:srgbClr val="0070C0"/>
+                </a:solidFill>
+                <a:latin typeface="Times New Roman" panose="02020603050405020304" pitchFamily="18" charset="0"/>
+                <a:cs typeface="Times New Roman" panose="02020603050405020304" pitchFamily="18" charset="0"/>
+              </a:rPr>
+              <a:t>scr</a:t>
+            </a:r>
+            <a:r>
+              <a:rPr lang="pt-BR" sz="2400" dirty="0">
+                <a:latin typeface="Times New Roman" panose="02020603050405020304" pitchFamily="18" charset="0"/>
+                <a:cs typeface="Times New Roman" panose="02020603050405020304" pitchFamily="18" charset="0"/>
+              </a:rPr>
+              <a:t>=“mapa.png” </a:t>
+            </a:r>
+            <a:r>
+              <a:rPr lang="pt-BR" sz="2400" b="1" dirty="0" err="1">
+                <a:solidFill>
+                  <a:srgbClr val="0070C0"/>
+                </a:solidFill>
+                <a:latin typeface="Times New Roman" panose="02020603050405020304" pitchFamily="18" charset="0"/>
+                <a:cs typeface="Times New Roman" panose="02020603050405020304" pitchFamily="18" charset="0"/>
+              </a:rPr>
+              <a:t>alt</a:t>
+            </a:r>
+            <a:r>
+              <a:rPr lang="pt-BR" sz="2400" dirty="0">
+                <a:latin typeface="Times New Roman" panose="02020603050405020304" pitchFamily="18" charset="0"/>
+                <a:cs typeface="Times New Roman" panose="02020603050405020304" pitchFamily="18" charset="0"/>
+              </a:rPr>
+              <a:t>=“mapa da Brasil” </a:t>
+            </a:r>
+            <a:r>
+              <a:rPr lang="pt-BR" sz="2400" b="1" dirty="0" err="1">
+                <a:solidFill>
+                  <a:srgbClr val="0070C0"/>
+                </a:solidFill>
+                <a:latin typeface="Times New Roman" panose="02020603050405020304" pitchFamily="18" charset="0"/>
+                <a:cs typeface="Times New Roman" panose="02020603050405020304" pitchFamily="18" charset="0"/>
+              </a:rPr>
+              <a:t>usemap</a:t>
+            </a:r>
+            <a:r>
+              <a:rPr lang="pt-BR" sz="2400" dirty="0">
+                <a:latin typeface="Times New Roman" panose="02020603050405020304" pitchFamily="18" charset="0"/>
+                <a:cs typeface="Times New Roman" panose="02020603050405020304" pitchFamily="18" charset="0"/>
+              </a:rPr>
+              <a:t>=“#mapa”&gt; </a:t>
+            </a:r>
+          </a:p>
+          <a:p>
+            <a:pPr marL="0" indent="0" algn="just">
+              <a:buNone/>
+            </a:pPr>
+            <a:endParaRPr lang="pt-BR" sz="2400" dirty="0">
+              <a:latin typeface="Times New Roman" panose="02020603050405020304" pitchFamily="18" charset="0"/>
+              <a:cs typeface="Times New Roman" panose="02020603050405020304" pitchFamily="18" charset="0"/>
+            </a:endParaRPr>
           </a:p>
         </p:txBody>
       </p:sp>
     </p:spTree>
     <p:extLst>
       <p:ext uri="{BB962C8B-B14F-4D97-AF65-F5344CB8AC3E}">
-        <p14:creationId xmlns:p14="http://schemas.microsoft.com/office/powerpoint/2010/main" val="76884790"/>
+        <p14:creationId xmlns:p14="http://schemas.microsoft.com/office/powerpoint/2010/main" val="2589205532"/>
       </p:ext>
     </p:extLst>
   </p:cSld>
@@ -26298,127 +28132,106 @@
                 <a:latin typeface="Times New Roman" panose="02020603050405020304" pitchFamily="18" charset="0"/>
                 <a:cs typeface="Times New Roman" panose="02020603050405020304" pitchFamily="18" charset="0"/>
               </a:rPr>
-              <a:t>Neste caso, delimitam-se áreas da imagem que remetem a um lugar e outras áreas para outras páginas ou documentos.</a:t>
-            </a:r>
-          </a:p>
-          <a:p>
-            <a:pPr marL="0" indent="0" algn="just">
-              <a:buNone/>
-            </a:pPr>
-            <a:endParaRPr lang="pt-BR" sz="2400" dirty="0">
-              <a:latin typeface="Times New Roman" panose="02020603050405020304" pitchFamily="18" charset="0"/>
-              <a:cs typeface="Times New Roman" panose="02020603050405020304" pitchFamily="18" charset="0"/>
-            </a:endParaRPr>
-          </a:p>
-          <a:p>
-            <a:pPr marL="0" indent="0" algn="just">
-              <a:buNone/>
-            </a:pPr>
-            <a:r>
-              <a:rPr lang="pt-BR" sz="2400" dirty="0">
-                <a:latin typeface="Times New Roman" panose="02020603050405020304" pitchFamily="18" charset="0"/>
-                <a:cs typeface="Times New Roman" panose="02020603050405020304" pitchFamily="18" charset="0"/>
-              </a:rPr>
-              <a:t>Pode ser criada no servidor, server-</a:t>
+              <a:t>A </a:t>
             </a:r>
             <a:r>
               <a:rPr lang="pt-BR" sz="2400" dirty="0" err="1">
                 <a:latin typeface="Times New Roman" panose="02020603050405020304" pitchFamily="18" charset="0"/>
                 <a:cs typeface="Times New Roman" panose="02020603050405020304" pitchFamily="18" charset="0"/>
               </a:rPr>
-              <a:t>side</a:t>
-            </a:r>
-            <a:r>
-              <a:rPr lang="pt-BR" sz="2400" dirty="0">
-                <a:latin typeface="Times New Roman" panose="02020603050405020304" pitchFamily="18" charset="0"/>
-                <a:cs typeface="Times New Roman" panose="02020603050405020304" pitchFamily="18" charset="0"/>
-              </a:rPr>
-              <a:t>, ou no cliente, cliente-</a:t>
-            </a:r>
-            <a:r>
-              <a:rPr lang="pt-BR" sz="2400" dirty="0" err="1">
-                <a:latin typeface="Times New Roman" panose="02020603050405020304" pitchFamily="18" charset="0"/>
-                <a:cs typeface="Times New Roman" panose="02020603050405020304" pitchFamily="18" charset="0"/>
-              </a:rPr>
-              <a:t>side</a:t>
-            </a:r>
-            <a:r>
-              <a:rPr lang="pt-BR" sz="2400" dirty="0">
-                <a:latin typeface="Times New Roman" panose="02020603050405020304" pitchFamily="18" charset="0"/>
-                <a:cs typeface="Times New Roman" panose="02020603050405020304" pitchFamily="18" charset="0"/>
-              </a:rPr>
-              <a:t>.</a:t>
-            </a:r>
-          </a:p>
-          <a:p>
-            <a:pPr marL="0" indent="0" algn="just">
-              <a:buNone/>
-            </a:pPr>
-            <a:endParaRPr lang="pt-BR" sz="2400" dirty="0">
-              <a:latin typeface="Times New Roman" panose="02020603050405020304" pitchFamily="18" charset="0"/>
-              <a:cs typeface="Times New Roman" panose="02020603050405020304" pitchFamily="18" charset="0"/>
-            </a:endParaRPr>
-          </a:p>
-          <a:p>
-            <a:pPr marL="0" indent="0" algn="just">
-              <a:buNone/>
-            </a:pPr>
+              <a:t>tag</a:t>
+            </a:r>
+            <a:r>
+              <a:rPr lang="pt-BR" sz="2400" dirty="0">
+                <a:latin typeface="Times New Roman" panose="02020603050405020304" pitchFamily="18" charset="0"/>
+                <a:cs typeface="Times New Roman" panose="02020603050405020304" pitchFamily="18" charset="0"/>
+              </a:rPr>
+              <a:t> &lt;</a:t>
+            </a:r>
+            <a:r>
+              <a:rPr lang="pt-BR" sz="2400" b="1" dirty="0" err="1">
+                <a:latin typeface="Times New Roman" panose="02020603050405020304" pitchFamily="18" charset="0"/>
+                <a:cs typeface="Times New Roman" panose="02020603050405020304" pitchFamily="18" charset="0"/>
+              </a:rPr>
+              <a:t>map</a:t>
+            </a:r>
+            <a:r>
+              <a:rPr lang="pt-BR" sz="2400" dirty="0">
+                <a:latin typeface="Times New Roman" panose="02020603050405020304" pitchFamily="18" charset="0"/>
+                <a:cs typeface="Times New Roman" panose="02020603050405020304" pitchFamily="18" charset="0"/>
+              </a:rPr>
+              <a:t>&gt;&lt;</a:t>
+            </a:r>
+            <a:r>
+              <a:rPr lang="pt-BR" sz="2400" b="1" dirty="0" err="1">
+                <a:latin typeface="Times New Roman" panose="02020603050405020304" pitchFamily="18" charset="0"/>
+                <a:cs typeface="Times New Roman" panose="02020603050405020304" pitchFamily="18" charset="0"/>
+              </a:rPr>
+              <a:t>area</a:t>
+            </a:r>
             <a:r>
               <a:rPr lang="pt-BR" sz="2400" b="1" dirty="0">
                 <a:latin typeface="Times New Roman" panose="02020603050405020304" pitchFamily="18" charset="0"/>
                 <a:cs typeface="Times New Roman" panose="02020603050405020304" pitchFamily="18" charset="0"/>
               </a:rPr>
-              <a:t>Exemplo</a:t>
-            </a:r>
-            <a:r>
-              <a:rPr lang="pt-BR" sz="2400" dirty="0">
-                <a:latin typeface="Times New Roman" panose="02020603050405020304" pitchFamily="18" charset="0"/>
-                <a:cs typeface="Times New Roman" panose="02020603050405020304" pitchFamily="18" charset="0"/>
-              </a:rPr>
-              <a:t>:</a:t>
-            </a:r>
-          </a:p>
-          <a:p>
-            <a:pPr marL="0" indent="0" algn="just">
-              <a:buNone/>
-            </a:pPr>
-            <a:r>
-              <a:rPr lang="pt-BR" sz="2400" dirty="0">
-                <a:latin typeface="Times New Roman" panose="02020603050405020304" pitchFamily="18" charset="0"/>
-                <a:cs typeface="Times New Roman" panose="02020603050405020304" pitchFamily="18" charset="0"/>
-              </a:rPr>
-              <a:t>&lt;</a:t>
-            </a:r>
-            <a:r>
-              <a:rPr lang="pt-BR" sz="2400" dirty="0" err="1">
-                <a:latin typeface="Times New Roman" panose="02020603050405020304" pitchFamily="18" charset="0"/>
-                <a:cs typeface="Times New Roman" panose="02020603050405020304" pitchFamily="18" charset="0"/>
-              </a:rPr>
-              <a:t>img</a:t>
-            </a:r>
-            <a:r>
-              <a:rPr lang="pt-BR" sz="2400" dirty="0">
-                <a:latin typeface="Times New Roman" panose="02020603050405020304" pitchFamily="18" charset="0"/>
-                <a:cs typeface="Times New Roman" panose="02020603050405020304" pitchFamily="18" charset="0"/>
-              </a:rPr>
               <a:t> </a:t>
             </a:r>
             <a:r>
-              <a:rPr lang="pt-BR" sz="2400" dirty="0" err="1">
-                <a:latin typeface="Times New Roman" panose="02020603050405020304" pitchFamily="18" charset="0"/>
-                <a:cs typeface="Times New Roman" panose="02020603050405020304" pitchFamily="18" charset="0"/>
-              </a:rPr>
-              <a:t>scr</a:t>
-            </a:r>
-            <a:r>
-              <a:rPr lang="pt-BR" sz="2400" dirty="0">
-                <a:latin typeface="Times New Roman" panose="02020603050405020304" pitchFamily="18" charset="0"/>
-                <a:cs typeface="Times New Roman" panose="02020603050405020304" pitchFamily="18" charset="0"/>
-              </a:rPr>
-              <a:t>=“mapa.png” </a:t>
-            </a:r>
-            <a:r>
-              <a:rPr lang="pt-BR" sz="2400" dirty="0" err="1">
+              <a:rPr lang="pt-BR" sz="2400" b="1" dirty="0">
+                <a:solidFill>
+                  <a:srgbClr val="0070C0"/>
+                </a:solidFill>
+                <a:latin typeface="Times New Roman" panose="02020603050405020304" pitchFamily="18" charset="0"/>
+                <a:cs typeface="Times New Roman" panose="02020603050405020304" pitchFamily="18" charset="0"/>
+              </a:rPr>
+              <a:t>shape</a:t>
+            </a:r>
+            <a:r>
+              <a:rPr lang="pt-BR" sz="2400" dirty="0">
+                <a:latin typeface="Times New Roman" panose="02020603050405020304" pitchFamily="18" charset="0"/>
+                <a:cs typeface="Times New Roman" panose="02020603050405020304" pitchFamily="18" charset="0"/>
+              </a:rPr>
+              <a:t>=“forma” </a:t>
+            </a:r>
+            <a:r>
+              <a:rPr lang="pt-BR" sz="2400" b="1" dirty="0" err="1">
+                <a:solidFill>
+                  <a:srgbClr val="0070C0"/>
+                </a:solidFill>
+                <a:latin typeface="Times New Roman" panose="02020603050405020304" pitchFamily="18" charset="0"/>
+                <a:cs typeface="Times New Roman" panose="02020603050405020304" pitchFamily="18" charset="0"/>
+              </a:rPr>
+              <a:t>coords</a:t>
+            </a:r>
+            <a:r>
+              <a:rPr lang="pt-BR" sz="2400" dirty="0">
+                <a:latin typeface="Times New Roman" panose="02020603050405020304" pitchFamily="18" charset="0"/>
+                <a:cs typeface="Times New Roman" panose="02020603050405020304" pitchFamily="18" charset="0"/>
+              </a:rPr>
+              <a:t>=“coordenadas” </a:t>
+            </a:r>
+            <a:r>
+              <a:rPr lang="pt-BR" sz="2400" b="1" dirty="0" err="1">
+                <a:solidFill>
+                  <a:srgbClr val="0070C0"/>
+                </a:solidFill>
+                <a:latin typeface="Times New Roman" panose="02020603050405020304" pitchFamily="18" charset="0"/>
+                <a:cs typeface="Times New Roman" panose="02020603050405020304" pitchFamily="18" charset="0"/>
+              </a:rPr>
+              <a:t>href</a:t>
+            </a:r>
+            <a:r>
+              <a:rPr lang="pt-BR" sz="2400" dirty="0">
+                <a:latin typeface="Times New Roman" panose="02020603050405020304" pitchFamily="18" charset="0"/>
+                <a:cs typeface="Times New Roman" panose="02020603050405020304" pitchFamily="18" charset="0"/>
+              </a:rPr>
+              <a:t>=“URL” </a:t>
+            </a:r>
+            <a:r>
+              <a:rPr lang="pt-BR" sz="2400" b="1" dirty="0" err="1">
+                <a:solidFill>
+                  <a:srgbClr val="0070C0"/>
+                </a:solidFill>
                 <a:latin typeface="Times New Roman" panose="02020603050405020304" pitchFamily="18" charset="0"/>
                 <a:cs typeface="Times New Roman" panose="02020603050405020304" pitchFamily="18" charset="0"/>
               </a:rPr>
@@ -26429,21 +28242,21 @@
                 <a:latin typeface="Times New Roman" panose="02020603050405020304" pitchFamily="18" charset="0"/>
                 <a:cs typeface="Times New Roman" panose="02020603050405020304" pitchFamily="18" charset="0"/>
               </a:rPr>
-              <a:t>=“mapa da Brasil” </a:t>
-            </a:r>
-            <a:r>
-              <a:rPr lang="pt-BR" sz="2400" dirty="0" err="1">
-                <a:latin typeface="Times New Roman" panose="02020603050405020304" pitchFamily="18" charset="0"/>
-                <a:cs typeface="Times New Roman" panose="02020603050405020304" pitchFamily="18" charset="0"/>
-              </a:rPr>
-              <a:t>usemap</a:t>
-            </a:r>
-            <a:r>
-              <a:rPr lang="pt-BR" sz="2400" dirty="0">
-                <a:latin typeface="Times New Roman" panose="02020603050405020304" pitchFamily="18" charset="0"/>
-                <a:cs typeface="Times New Roman" panose="02020603050405020304" pitchFamily="18" charset="0"/>
-              </a:rPr>
-              <a:t>=“#mapa”&gt; </a:t>
+              <a:t>=“texto”&gt;&lt;/</a:t>
+            </a:r>
+            <a:r>
+              <a:rPr lang="pt-BR" sz="2400" b="1" dirty="0" err="1">
+                <a:latin typeface="Times New Roman" panose="02020603050405020304" pitchFamily="18" charset="0"/>
+                <a:cs typeface="Times New Roman" panose="02020603050405020304" pitchFamily="18" charset="0"/>
+              </a:rPr>
+              <a:t>map</a:t>
+            </a:r>
+            <a:r>
+              <a:rPr lang="pt-BR" sz="2400" dirty="0">
+                <a:latin typeface="Times New Roman" panose="02020603050405020304" pitchFamily="18" charset="0"/>
+                <a:cs typeface="Times New Roman" panose="02020603050405020304" pitchFamily="18" charset="0"/>
+              </a:rPr>
+              <a:t>&gt; possui acessa as coordenadas da imagem mapeada, aonde cada área colorida representa um link com uma página externa ou interna.</a:t>
             </a:r>
           </a:p>
           <a:p>
@@ -26460,7 +28273,7 @@
     </p:spTree>
     <p:extLst>
       <p:ext uri="{BB962C8B-B14F-4D97-AF65-F5344CB8AC3E}">
-        <p14:creationId xmlns:p14="http://schemas.microsoft.com/office/powerpoint/2010/main" val="2589205532"/>
+        <p14:creationId xmlns:p14="http://schemas.microsoft.com/office/powerpoint/2010/main" val="2981318025"/>
       </p:ext>
     </p:extLst>
   </p:cSld>
@@ -26682,14 +28495,14 @@
               <a:t> (Executar </a:t>
             </a:r>
             <a:r>
-              <a:rPr lang="pt-BR" sz="3200" b="1" dirty="0">
+              <a:rPr lang="pt-BR" sz="3200" b="1" dirty="0" err="1">
                 <a:solidFill>
                   <a:srgbClr val="FF0000"/>
                 </a:solidFill>
                 <a:latin typeface="Times New Roman" panose="02020603050405020304" pitchFamily="18" charset="0"/>
                 <a:cs typeface="Times New Roman" panose="02020603050405020304" pitchFamily="18" charset="0"/>
               </a:rPr>
-              <a:t>CMDER</a:t>
+              <a:t>Cmder</a:t>
             </a:r>
             <a:r>
               <a:rPr lang="pt-BR" sz="3200" dirty="0">
@@ -26843,28 +28656,301 @@
               <a:buNone/>
             </a:pPr>
             <a:r>
-              <a:rPr lang="pt-BR" sz="2400" dirty="0">
-                <a:latin typeface="Times New Roman" panose="02020603050405020304" pitchFamily="18" charset="0"/>
-                <a:cs typeface="Times New Roman" panose="02020603050405020304" pitchFamily="18" charset="0"/>
-              </a:rPr>
-              <a:t>A </a:t>
+              <a:rPr lang="pt-BR" sz="2400" b="1" dirty="0">
+                <a:latin typeface="Times New Roman" panose="02020603050405020304" pitchFamily="18" charset="0"/>
+                <a:cs typeface="Times New Roman" panose="02020603050405020304" pitchFamily="18" charset="0"/>
+              </a:rPr>
+              <a:t>Exemplo</a:t>
+            </a:r>
+            <a:r>
+              <a:rPr lang="pt-BR" sz="2400" dirty="0">
+                <a:latin typeface="Times New Roman" panose="02020603050405020304" pitchFamily="18" charset="0"/>
+                <a:cs typeface="Times New Roman" panose="02020603050405020304" pitchFamily="18" charset="0"/>
+              </a:rPr>
+              <a:t>:</a:t>
+            </a:r>
+          </a:p>
+          <a:p>
+            <a:pPr marL="0" indent="0" algn="just">
+              <a:buNone/>
+            </a:pPr>
+            <a:endParaRPr lang="pt-BR" sz="2400" dirty="0">
+              <a:latin typeface="Times New Roman" panose="02020603050405020304" pitchFamily="18" charset="0"/>
+              <a:cs typeface="Times New Roman" panose="02020603050405020304" pitchFamily="18" charset="0"/>
+            </a:endParaRPr>
+          </a:p>
+          <a:p>
+            <a:pPr marL="0" indent="0" algn="just">
+              <a:buNone/>
+            </a:pPr>
+            <a:r>
+              <a:rPr lang="pt-BR" sz="2400" dirty="0">
+                <a:latin typeface="Times New Roman" panose="02020603050405020304" pitchFamily="18" charset="0"/>
+                <a:cs typeface="Times New Roman" panose="02020603050405020304" pitchFamily="18" charset="0"/>
+              </a:rPr>
+              <a:t>&lt;</a:t>
+            </a:r>
+            <a:r>
+              <a:rPr lang="pt-BR" sz="2400" b="1" dirty="0" err="1">
+                <a:latin typeface="Times New Roman" panose="02020603050405020304" pitchFamily="18" charset="0"/>
+                <a:cs typeface="Times New Roman" panose="02020603050405020304" pitchFamily="18" charset="0"/>
+              </a:rPr>
+              <a:t>map</a:t>
+            </a:r>
+            <a:r>
+              <a:rPr lang="pt-BR" sz="2400" dirty="0">
+                <a:latin typeface="Times New Roman" panose="02020603050405020304" pitchFamily="18" charset="0"/>
+                <a:cs typeface="Times New Roman" panose="02020603050405020304" pitchFamily="18" charset="0"/>
+              </a:rPr>
+              <a:t> </a:t>
+            </a:r>
+            <a:r>
+              <a:rPr lang="pt-BR" sz="2400" b="1" dirty="0" err="1">
+                <a:solidFill>
+                  <a:srgbClr val="0070C0"/>
+                </a:solidFill>
+                <a:latin typeface="Times New Roman" panose="02020603050405020304" pitchFamily="18" charset="0"/>
+                <a:cs typeface="Times New Roman" panose="02020603050405020304" pitchFamily="18" charset="0"/>
+              </a:rPr>
+              <a:t>name</a:t>
+            </a:r>
+            <a:r>
+              <a:rPr lang="pt-BR" sz="2400" dirty="0">
+                <a:latin typeface="Times New Roman" panose="02020603050405020304" pitchFamily="18" charset="0"/>
+                <a:cs typeface="Times New Roman" panose="02020603050405020304" pitchFamily="18" charset="0"/>
+              </a:rPr>
+              <a:t>=“mapa”&gt;</a:t>
+            </a:r>
+          </a:p>
+          <a:p>
+            <a:pPr marL="0" indent="0" algn="just">
+              <a:buNone/>
+            </a:pPr>
+            <a:r>
+              <a:rPr lang="pt-BR" sz="2400" dirty="0">
+                <a:latin typeface="Times New Roman" panose="02020603050405020304" pitchFamily="18" charset="0"/>
+                <a:cs typeface="Times New Roman" panose="02020603050405020304" pitchFamily="18" charset="0"/>
+              </a:rPr>
+              <a:t>	&lt;</a:t>
+            </a:r>
+            <a:r>
+              <a:rPr lang="pt-BR" sz="2400" b="1" dirty="0" err="1">
+                <a:latin typeface="Times New Roman" panose="02020603050405020304" pitchFamily="18" charset="0"/>
+                <a:cs typeface="Times New Roman" panose="02020603050405020304" pitchFamily="18" charset="0"/>
+              </a:rPr>
+              <a:t>area</a:t>
+            </a:r>
+            <a:r>
+              <a:rPr lang="pt-BR" sz="2400" b="1" dirty="0">
+                <a:latin typeface="Times New Roman" panose="02020603050405020304" pitchFamily="18" charset="0"/>
+                <a:cs typeface="Times New Roman" panose="02020603050405020304" pitchFamily="18" charset="0"/>
+              </a:rPr>
+              <a:t> </a:t>
+            </a:r>
+            <a:r>
+              <a:rPr lang="pt-BR" sz="2400" b="1" dirty="0">
+                <a:solidFill>
+                  <a:srgbClr val="0070C0"/>
+                </a:solidFill>
+                <a:latin typeface="Times New Roman" panose="02020603050405020304" pitchFamily="18" charset="0"/>
+                <a:cs typeface="Times New Roman" panose="02020603050405020304" pitchFamily="18" charset="0"/>
+              </a:rPr>
+              <a:t>shape</a:t>
+            </a:r>
+            <a:r>
+              <a:rPr lang="pt-BR" sz="2400" dirty="0">
+                <a:latin typeface="Times New Roman" panose="02020603050405020304" pitchFamily="18" charset="0"/>
+                <a:cs typeface="Times New Roman" panose="02020603050405020304" pitchFamily="18" charset="0"/>
+              </a:rPr>
+              <a:t>=“</a:t>
             </a:r>
             <a:r>
               <a:rPr lang="pt-BR" sz="2400" dirty="0" err="1">
                 <a:latin typeface="Times New Roman" panose="02020603050405020304" pitchFamily="18" charset="0"/>
                 <a:cs typeface="Times New Roman" panose="02020603050405020304" pitchFamily="18" charset="0"/>
               </a:rPr>
-              <a:t>tag</a:t>
-            </a:r>
-            <a:r>
-              <a:rPr lang="pt-BR" sz="2400" dirty="0">
-                <a:latin typeface="Times New Roman" panose="02020603050405020304" pitchFamily="18" charset="0"/>
-                <a:cs typeface="Times New Roman" panose="02020603050405020304" pitchFamily="18" charset="0"/>
-              </a:rPr>
-              <a:t> &lt;</a:t>
+              <a:t>rect</a:t>
+            </a:r>
+            <a:r>
+              <a:rPr lang="pt-BR" sz="2400" dirty="0">
+                <a:latin typeface="Times New Roman" panose="02020603050405020304" pitchFamily="18" charset="0"/>
+                <a:cs typeface="Times New Roman" panose="02020603050405020304" pitchFamily="18" charset="0"/>
+              </a:rPr>
+              <a:t>” </a:t>
             </a:r>
             <a:r>
               <a:rPr lang="pt-BR" sz="2400" b="1" dirty="0" err="1">
+                <a:solidFill>
+                  <a:srgbClr val="0070C0"/>
+                </a:solidFill>
+                <a:latin typeface="Times New Roman" panose="02020603050405020304" pitchFamily="18" charset="0"/>
+                <a:cs typeface="Times New Roman" panose="02020603050405020304" pitchFamily="18" charset="0"/>
+              </a:rPr>
+              <a:t>coords</a:t>
+            </a:r>
+            <a:r>
+              <a:rPr lang="pt-BR" sz="2400" dirty="0">
+                <a:latin typeface="Times New Roman" panose="02020603050405020304" pitchFamily="18" charset="0"/>
+                <a:cs typeface="Times New Roman" panose="02020603050405020304" pitchFamily="18" charset="0"/>
+              </a:rPr>
+              <a:t>=“8, 15, 110, 45” </a:t>
+            </a:r>
+            <a:r>
+              <a:rPr lang="pt-BR" sz="2400" b="1" dirty="0" err="1">
+                <a:solidFill>
+                  <a:srgbClr val="0070C0"/>
+                </a:solidFill>
+                <a:latin typeface="Times New Roman" panose="02020603050405020304" pitchFamily="18" charset="0"/>
+                <a:cs typeface="Times New Roman" panose="02020603050405020304" pitchFamily="18" charset="0"/>
+              </a:rPr>
+              <a:t>href</a:t>
+            </a:r>
+            <a:r>
+              <a:rPr lang="pt-BR" sz="2400" dirty="0">
+                <a:latin typeface="Times New Roman" panose="02020603050405020304" pitchFamily="18" charset="0"/>
+                <a:cs typeface="Times New Roman" panose="02020603050405020304" pitchFamily="18" charset="0"/>
+              </a:rPr>
+              <a:t>=“URL 1” </a:t>
+            </a:r>
+            <a:r>
+              <a:rPr lang="pt-BR" sz="2400" b="1" dirty="0" err="1">
+                <a:solidFill>
+                  <a:srgbClr val="0070C0"/>
+                </a:solidFill>
+                <a:latin typeface="Times New Roman" panose="02020603050405020304" pitchFamily="18" charset="0"/>
+                <a:cs typeface="Times New Roman" panose="02020603050405020304" pitchFamily="18" charset="0"/>
+              </a:rPr>
+              <a:t>alt</a:t>
+            </a:r>
+            <a:r>
+              <a:rPr lang="pt-BR" sz="2400" dirty="0">
+                <a:latin typeface="Times New Roman" panose="02020603050405020304" pitchFamily="18" charset="0"/>
+                <a:cs typeface="Times New Roman" panose="02020603050405020304" pitchFamily="18" charset="0"/>
+              </a:rPr>
+              <a:t>=“texto”&gt; </a:t>
+            </a:r>
+          </a:p>
+          <a:p>
+            <a:pPr marL="0" indent="0" algn="just">
+              <a:buNone/>
+            </a:pPr>
+            <a:r>
+              <a:rPr lang="pt-BR" sz="2400" dirty="0">
+                <a:latin typeface="Times New Roman" panose="02020603050405020304" pitchFamily="18" charset="0"/>
+                <a:cs typeface="Times New Roman" panose="02020603050405020304" pitchFamily="18" charset="0"/>
+              </a:rPr>
+              <a:t>	&lt;</a:t>
+            </a:r>
+            <a:r>
+              <a:rPr lang="pt-BR" sz="2400" b="1" dirty="0" err="1">
+                <a:latin typeface="Times New Roman" panose="02020603050405020304" pitchFamily="18" charset="0"/>
+                <a:cs typeface="Times New Roman" panose="02020603050405020304" pitchFamily="18" charset="0"/>
+              </a:rPr>
+              <a:t>area</a:t>
+            </a:r>
+            <a:r>
+              <a:rPr lang="pt-BR" sz="2400" b="1" dirty="0">
+                <a:latin typeface="Times New Roman" panose="02020603050405020304" pitchFamily="18" charset="0"/>
+                <a:cs typeface="Times New Roman" panose="02020603050405020304" pitchFamily="18" charset="0"/>
+              </a:rPr>
+              <a:t> </a:t>
+            </a:r>
+            <a:r>
+              <a:rPr lang="pt-BR" sz="2400" b="1" dirty="0">
+                <a:solidFill>
+                  <a:srgbClr val="0070C0"/>
+                </a:solidFill>
+                <a:latin typeface="Times New Roman" panose="02020603050405020304" pitchFamily="18" charset="0"/>
+                <a:cs typeface="Times New Roman" panose="02020603050405020304" pitchFamily="18" charset="0"/>
+              </a:rPr>
+              <a:t>shape</a:t>
+            </a:r>
+            <a:r>
+              <a:rPr lang="pt-BR" sz="2400" dirty="0">
+                <a:latin typeface="Times New Roman" panose="02020603050405020304" pitchFamily="18" charset="0"/>
+                <a:cs typeface="Times New Roman" panose="02020603050405020304" pitchFamily="18" charset="0"/>
+              </a:rPr>
+              <a:t>=“</a:t>
+            </a:r>
+            <a:r>
+              <a:rPr lang="pt-BR" sz="2400" dirty="0" err="1">
+                <a:latin typeface="Times New Roman" panose="02020603050405020304" pitchFamily="18" charset="0"/>
+                <a:cs typeface="Times New Roman" panose="02020603050405020304" pitchFamily="18" charset="0"/>
+              </a:rPr>
+              <a:t>rect</a:t>
+            </a:r>
+            <a:r>
+              <a:rPr lang="pt-BR" sz="2400" dirty="0">
+                <a:latin typeface="Times New Roman" panose="02020603050405020304" pitchFamily="18" charset="0"/>
+                <a:cs typeface="Times New Roman" panose="02020603050405020304" pitchFamily="18" charset="0"/>
+              </a:rPr>
+              <a:t>” </a:t>
+            </a:r>
+            <a:r>
+              <a:rPr lang="pt-BR" sz="2400" b="1" dirty="0" err="1">
+                <a:solidFill>
+                  <a:srgbClr val="0070C0"/>
+                </a:solidFill>
+                <a:latin typeface="Times New Roman" panose="02020603050405020304" pitchFamily="18" charset="0"/>
+                <a:cs typeface="Times New Roman" panose="02020603050405020304" pitchFamily="18" charset="0"/>
+              </a:rPr>
+              <a:t>coords</a:t>
+            </a:r>
+            <a:r>
+              <a:rPr lang="pt-BR" sz="2400" dirty="0">
+                <a:latin typeface="Times New Roman" panose="02020603050405020304" pitchFamily="18" charset="0"/>
+                <a:cs typeface="Times New Roman" panose="02020603050405020304" pitchFamily="18" charset="0"/>
+              </a:rPr>
+              <a:t>=“7, 13, 105, 53” </a:t>
+            </a:r>
+            <a:r>
+              <a:rPr lang="pt-BR" sz="2400" b="1" dirty="0" err="1">
+                <a:solidFill>
+                  <a:srgbClr val="0070C0"/>
+                </a:solidFill>
+                <a:latin typeface="Times New Roman" panose="02020603050405020304" pitchFamily="18" charset="0"/>
+                <a:cs typeface="Times New Roman" panose="02020603050405020304" pitchFamily="18" charset="0"/>
+              </a:rPr>
+              <a:t>href</a:t>
+            </a:r>
+            <a:r>
+              <a:rPr lang="pt-BR" sz="2400" dirty="0">
+                <a:latin typeface="Times New Roman" panose="02020603050405020304" pitchFamily="18" charset="0"/>
+                <a:cs typeface="Times New Roman" panose="02020603050405020304" pitchFamily="18" charset="0"/>
+              </a:rPr>
+              <a:t>=“URL 2” </a:t>
+            </a:r>
+            <a:r>
+              <a:rPr lang="pt-BR" sz="2400" b="1" dirty="0" err="1">
+                <a:solidFill>
+                  <a:srgbClr val="0070C0"/>
+                </a:solidFill>
+                <a:latin typeface="Times New Roman" panose="02020603050405020304" pitchFamily="18" charset="0"/>
+                <a:cs typeface="Times New Roman" panose="02020603050405020304" pitchFamily="18" charset="0"/>
+              </a:rPr>
+              <a:t>alt</a:t>
+            </a:r>
+            <a:r>
+              <a:rPr lang="pt-BR" sz="2400" dirty="0">
+                <a:latin typeface="Times New Roman" panose="02020603050405020304" pitchFamily="18" charset="0"/>
+                <a:cs typeface="Times New Roman" panose="02020603050405020304" pitchFamily="18" charset="0"/>
+              </a:rPr>
+              <a:t>=“texto”&gt; </a:t>
+            </a:r>
+          </a:p>
+          <a:p>
+            <a:pPr marL="0" indent="0" algn="just">
+              <a:buNone/>
+            </a:pPr>
+            <a:r>
+              <a:rPr lang="pt-BR" sz="2400" dirty="0">
+                <a:latin typeface="Times New Roman" panose="02020603050405020304" pitchFamily="18" charset="0"/>
+                <a:cs typeface="Times New Roman" panose="02020603050405020304" pitchFamily="18" charset="0"/>
+              </a:rPr>
+              <a:t>&lt;/</a:t>
+            </a:r>
+            <a:r>
+              <a:rPr lang="pt-BR" sz="2400" b="1" dirty="0" err="1">
                 <a:latin typeface="Times New Roman" panose="02020603050405020304" pitchFamily="18" charset="0"/>
                 <a:cs typeface="Times New Roman" panose="02020603050405020304" pitchFamily="18" charset="0"/>
               </a:rPr>
@@ -26875,94 +28961,7 @@
                 <a:latin typeface="Times New Roman" panose="02020603050405020304" pitchFamily="18" charset="0"/>
                 <a:cs typeface="Times New Roman" panose="02020603050405020304" pitchFamily="18" charset="0"/>
               </a:rPr>
-              <a:t>&gt;&lt;</a:t>
-            </a:r>
-            <a:r>
-              <a:rPr lang="pt-BR" sz="2400" b="1" dirty="0" err="1">
-                <a:latin typeface="Times New Roman" panose="02020603050405020304" pitchFamily="18" charset="0"/>
-                <a:cs typeface="Times New Roman" panose="02020603050405020304" pitchFamily="18" charset="0"/>
-              </a:rPr>
-              <a:t>area</a:t>
-            </a:r>
-            <a:r>
-              <a:rPr lang="pt-BR" sz="2400" b="1" dirty="0">
-                <a:latin typeface="Times New Roman" panose="02020603050405020304" pitchFamily="18" charset="0"/>
-                <a:cs typeface="Times New Roman" panose="02020603050405020304" pitchFamily="18" charset="0"/>
-              </a:rPr>
-              <a:t> </a:t>
-            </a:r>
-            <a:r>
-              <a:rPr lang="pt-BR" sz="2400" b="1" dirty="0">
-                <a:solidFill>
-                  <a:srgbClr val="FF0000"/>
-                </a:solidFill>
-                <a:latin typeface="Times New Roman" panose="02020603050405020304" pitchFamily="18" charset="0"/>
-                <a:cs typeface="Times New Roman" panose="02020603050405020304" pitchFamily="18" charset="0"/>
-              </a:rPr>
-              <a:t>shape</a:t>
-            </a:r>
-            <a:r>
-              <a:rPr lang="pt-BR" sz="2400" dirty="0">
-                <a:latin typeface="Times New Roman" panose="02020603050405020304" pitchFamily="18" charset="0"/>
-                <a:cs typeface="Times New Roman" panose="02020603050405020304" pitchFamily="18" charset="0"/>
-              </a:rPr>
-              <a:t>=“forma” </a:t>
-            </a:r>
-            <a:r>
-              <a:rPr lang="pt-BR" sz="2400" dirty="0" err="1">
-                <a:latin typeface="Times New Roman" panose="02020603050405020304" pitchFamily="18" charset="0"/>
-                <a:cs typeface="Times New Roman" panose="02020603050405020304" pitchFamily="18" charset="0"/>
-              </a:rPr>
-              <a:t>coords</a:t>
-            </a:r>
-            <a:r>
-              <a:rPr lang="pt-BR" sz="2400" dirty="0">
-                <a:latin typeface="Times New Roman" panose="02020603050405020304" pitchFamily="18" charset="0"/>
-                <a:cs typeface="Times New Roman" panose="02020603050405020304" pitchFamily="18" charset="0"/>
-              </a:rPr>
-              <a:t>=“coordenadas” </a:t>
-            </a:r>
-            <a:r>
-              <a:rPr lang="pt-BR" sz="2400" dirty="0" err="1">
-                <a:latin typeface="Times New Roman" panose="02020603050405020304" pitchFamily="18" charset="0"/>
-                <a:cs typeface="Times New Roman" panose="02020603050405020304" pitchFamily="18" charset="0"/>
-              </a:rPr>
-              <a:t>href</a:t>
-            </a:r>
-            <a:r>
-              <a:rPr lang="pt-BR" sz="2400" dirty="0">
-                <a:latin typeface="Times New Roman" panose="02020603050405020304" pitchFamily="18" charset="0"/>
-                <a:cs typeface="Times New Roman" panose="02020603050405020304" pitchFamily="18" charset="0"/>
-              </a:rPr>
-              <a:t>=“URL” </a:t>
-            </a:r>
-            <a:r>
-              <a:rPr lang="pt-BR" sz="2400" dirty="0" err="1">
-                <a:latin typeface="Times New Roman" panose="02020603050405020304" pitchFamily="18" charset="0"/>
-                <a:cs typeface="Times New Roman" panose="02020603050405020304" pitchFamily="18" charset="0"/>
-              </a:rPr>
-              <a:t>alt</a:t>
-            </a:r>
-            <a:r>
-              <a:rPr lang="pt-BR" sz="2400" dirty="0">
-                <a:latin typeface="Times New Roman" panose="02020603050405020304" pitchFamily="18" charset="0"/>
-                <a:cs typeface="Times New Roman" panose="02020603050405020304" pitchFamily="18" charset="0"/>
-              </a:rPr>
-              <a:t>=“texto”&gt;&lt;/</a:t>
-            </a:r>
-            <a:r>
-              <a:rPr lang="pt-BR" sz="2400" dirty="0" err="1">
-                <a:latin typeface="Times New Roman" panose="02020603050405020304" pitchFamily="18" charset="0"/>
-                <a:cs typeface="Times New Roman" panose="02020603050405020304" pitchFamily="18" charset="0"/>
-              </a:rPr>
-              <a:t>map</a:t>
-            </a:r>
-            <a:r>
-              <a:rPr lang="pt-BR" sz="2400" dirty="0">
-                <a:latin typeface="Times New Roman" panose="02020603050405020304" pitchFamily="18" charset="0"/>
-                <a:cs typeface="Times New Roman" panose="02020603050405020304" pitchFamily="18" charset="0"/>
-              </a:rPr>
-              <a:t>&gt; possui acessa as coordenadas da imagem mapeada, aonde cada área colorida representa um link com uma página externa ou interna.</a:t>
+              <a:t>&gt;</a:t>
             </a:r>
           </a:p>
           <a:p>
@@ -26979,7 +28978,7 @@
     </p:spTree>
     <p:extLst>
       <p:ext uri="{BB962C8B-B14F-4D97-AF65-F5344CB8AC3E}">
-        <p14:creationId xmlns:p14="http://schemas.microsoft.com/office/powerpoint/2010/main" val="2981318025"/>
+        <p14:creationId xmlns:p14="http://schemas.microsoft.com/office/powerpoint/2010/main" val="1545438535"/>
       </p:ext>
     </p:extLst>
   </p:cSld>
@@ -27035,21 +29034,8 @@
                   <a:srgbClr val="0070C0"/>
                 </a:solidFill>
               </a:rPr>
-              <a:t>HTML – Imagens </a:t>
-            </a:r>
-            <a:r>
-              <a:rPr lang="en-US" b="1" dirty="0" err="1">
-                <a:solidFill>
-                  <a:srgbClr val="0070C0"/>
-                </a:solidFill>
-              </a:rPr>
-              <a:t>Mapeadas</a:t>
-            </a:r>
-            <a:endParaRPr lang="en-US" b="1" dirty="0">
-              <a:solidFill>
-                <a:srgbClr val="0070C0"/>
-              </a:solidFill>
-            </a:endParaRPr>
+              <a:t>HTML – Table</a:t>
+            </a:r>
           </a:p>
         </p:txBody>
       </p:sp>
@@ -27079,25 +29065,46 @@
               <a:buNone/>
             </a:pPr>
             <a:r>
-              <a:rPr lang="pt-BR" sz="2400" b="1" dirty="0">
-                <a:latin typeface="Times New Roman" panose="02020603050405020304" pitchFamily="18" charset="0"/>
-                <a:cs typeface="Times New Roman" panose="02020603050405020304" pitchFamily="18" charset="0"/>
-              </a:rPr>
-              <a:t>Exemplo</a:t>
-            </a:r>
-            <a:r>
-              <a:rPr lang="pt-BR" sz="2400" dirty="0">
-                <a:latin typeface="Times New Roman" panose="02020603050405020304" pitchFamily="18" charset="0"/>
-                <a:cs typeface="Times New Roman" panose="02020603050405020304" pitchFamily="18" charset="0"/>
-              </a:rPr>
-              <a:t>:</a:t>
-            </a:r>
-          </a:p>
-          <a:p>
-            <a:pPr marL="0" indent="0" algn="just">
-              <a:buNone/>
-            </a:pPr>
-            <a:endParaRPr lang="pt-BR" sz="2400" dirty="0">
+              <a:rPr lang="pt-BR" sz="2000" dirty="0">
+                <a:latin typeface="Times New Roman" panose="02020603050405020304" pitchFamily="18" charset="0"/>
+                <a:cs typeface="Times New Roman" panose="02020603050405020304" pitchFamily="18" charset="0"/>
+              </a:rPr>
+              <a:t>A </a:t>
+            </a:r>
+            <a:r>
+              <a:rPr lang="pt-BR" sz="2000" dirty="0" err="1">
+                <a:latin typeface="Times New Roman" panose="02020603050405020304" pitchFamily="18" charset="0"/>
+                <a:cs typeface="Times New Roman" panose="02020603050405020304" pitchFamily="18" charset="0"/>
+              </a:rPr>
+              <a:t>tag</a:t>
+            </a:r>
+            <a:r>
+              <a:rPr lang="pt-BR" sz="2000" dirty="0">
+                <a:latin typeface="Times New Roman" panose="02020603050405020304" pitchFamily="18" charset="0"/>
+                <a:cs typeface="Times New Roman" panose="02020603050405020304" pitchFamily="18" charset="0"/>
+              </a:rPr>
+              <a:t> &lt;</a:t>
+            </a:r>
+            <a:r>
+              <a:rPr lang="pt-BR" sz="2000" b="1" dirty="0" err="1">
+                <a:latin typeface="Times New Roman" panose="02020603050405020304" pitchFamily="18" charset="0"/>
+                <a:cs typeface="Times New Roman" panose="02020603050405020304" pitchFamily="18" charset="0"/>
+              </a:rPr>
+              <a:t>table</a:t>
+            </a:r>
+            <a:r>
+              <a:rPr lang="pt-BR" sz="2000" dirty="0">
+                <a:latin typeface="Times New Roman" panose="02020603050405020304" pitchFamily="18" charset="0"/>
+                <a:cs typeface="Times New Roman" panose="02020603050405020304" pitchFamily="18" charset="0"/>
+              </a:rPr>
+              <a:t>&gt; define uma tabela HTML.</a:t>
+            </a:r>
+          </a:p>
+          <a:p>
+            <a:pPr marL="0" indent="0" algn="just">
+              <a:buNone/>
+            </a:pPr>
+            <a:endParaRPr lang="pt-BR" sz="2000" dirty="0">
               <a:latin typeface="Times New Roman" panose="02020603050405020304" pitchFamily="18" charset="0"/>
               <a:cs typeface="Times New Roman" panose="02020603050405020304" pitchFamily="18" charset="0"/>
             </a:endParaRPr>
@@ -27107,283 +29114,257 @@
               <a:buNone/>
             </a:pPr>
             <a:r>
-              <a:rPr lang="pt-BR" sz="2400" dirty="0">
-                <a:latin typeface="Times New Roman" panose="02020603050405020304" pitchFamily="18" charset="0"/>
-                <a:cs typeface="Times New Roman" panose="02020603050405020304" pitchFamily="18" charset="0"/>
-              </a:rPr>
-              <a:t>&lt;</a:t>
-            </a:r>
-            <a:r>
-              <a:rPr lang="pt-BR" sz="2400" b="1" dirty="0" err="1">
-                <a:latin typeface="Times New Roman" panose="02020603050405020304" pitchFamily="18" charset="0"/>
-                <a:cs typeface="Times New Roman" panose="02020603050405020304" pitchFamily="18" charset="0"/>
-              </a:rPr>
-              <a:t>map</a:t>
-            </a:r>
-            <a:r>
-              <a:rPr lang="pt-BR" sz="2400" dirty="0">
-                <a:latin typeface="Times New Roman" panose="02020603050405020304" pitchFamily="18" charset="0"/>
-                <a:cs typeface="Times New Roman" panose="02020603050405020304" pitchFamily="18" charset="0"/>
-              </a:rPr>
-              <a:t> </a:t>
-            </a:r>
-            <a:r>
-              <a:rPr lang="pt-BR" sz="2400" b="1" dirty="0" err="1">
-                <a:solidFill>
-                  <a:srgbClr val="FF0000"/>
-                </a:solidFill>
-                <a:latin typeface="Times New Roman" panose="02020603050405020304" pitchFamily="18" charset="0"/>
-                <a:cs typeface="Times New Roman" panose="02020603050405020304" pitchFamily="18" charset="0"/>
-              </a:rPr>
-              <a:t>name</a:t>
-            </a:r>
-            <a:r>
-              <a:rPr lang="pt-BR" sz="2400" dirty="0">
-                <a:latin typeface="Times New Roman" panose="02020603050405020304" pitchFamily="18" charset="0"/>
-                <a:cs typeface="Times New Roman" panose="02020603050405020304" pitchFamily="18" charset="0"/>
-              </a:rPr>
-              <a:t>=“mapa”&gt;</a:t>
-            </a:r>
-          </a:p>
-          <a:p>
-            <a:pPr marL="0" indent="0" algn="just">
-              <a:buNone/>
-            </a:pPr>
-            <a:r>
-              <a:rPr lang="pt-BR" sz="2400" dirty="0">
-                <a:latin typeface="Times New Roman" panose="02020603050405020304" pitchFamily="18" charset="0"/>
-                <a:cs typeface="Times New Roman" panose="02020603050405020304" pitchFamily="18" charset="0"/>
-              </a:rPr>
-              <a:t>	&lt;</a:t>
-            </a:r>
-            <a:r>
-              <a:rPr lang="pt-BR" sz="2400" b="1" dirty="0" err="1">
-                <a:latin typeface="Times New Roman" panose="02020603050405020304" pitchFamily="18" charset="0"/>
-                <a:cs typeface="Times New Roman" panose="02020603050405020304" pitchFamily="18" charset="0"/>
-              </a:rPr>
-              <a:t>area</a:t>
-            </a:r>
-            <a:r>
-              <a:rPr lang="pt-BR" sz="2400" b="1" dirty="0">
-                <a:latin typeface="Times New Roman" panose="02020603050405020304" pitchFamily="18" charset="0"/>
-                <a:cs typeface="Times New Roman" panose="02020603050405020304" pitchFamily="18" charset="0"/>
-              </a:rPr>
-              <a:t> </a:t>
-            </a:r>
-            <a:r>
-              <a:rPr lang="pt-BR" sz="2400" b="1" dirty="0">
-                <a:solidFill>
-                  <a:srgbClr val="FF0000"/>
-                </a:solidFill>
-                <a:latin typeface="Times New Roman" panose="02020603050405020304" pitchFamily="18" charset="0"/>
-                <a:cs typeface="Times New Roman" panose="02020603050405020304" pitchFamily="18" charset="0"/>
-              </a:rPr>
-              <a:t>shape</a:t>
-            </a:r>
-            <a:r>
-              <a:rPr lang="pt-BR" sz="2400" dirty="0">
-                <a:latin typeface="Times New Roman" panose="02020603050405020304" pitchFamily="18" charset="0"/>
-                <a:cs typeface="Times New Roman" panose="02020603050405020304" pitchFamily="18" charset="0"/>
-              </a:rPr>
-              <a:t>=“</a:t>
-            </a:r>
-            <a:r>
-              <a:rPr lang="pt-BR" sz="2400" dirty="0" err="1">
-                <a:latin typeface="Times New Roman" panose="02020603050405020304" pitchFamily="18" charset="0"/>
-                <a:cs typeface="Times New Roman" panose="02020603050405020304" pitchFamily="18" charset="0"/>
-              </a:rPr>
-              <a:t>rect</a:t>
-            </a:r>
-            <a:r>
-              <a:rPr lang="pt-BR" sz="2400" dirty="0">
-                <a:latin typeface="Times New Roman" panose="02020603050405020304" pitchFamily="18" charset="0"/>
-                <a:cs typeface="Times New Roman" panose="02020603050405020304" pitchFamily="18" charset="0"/>
-              </a:rPr>
-              <a:t>” </a:t>
-            </a:r>
-            <a:r>
-              <a:rPr lang="pt-BR" sz="2400" dirty="0" err="1">
-                <a:latin typeface="Times New Roman" panose="02020603050405020304" pitchFamily="18" charset="0"/>
-                <a:cs typeface="Times New Roman" panose="02020603050405020304" pitchFamily="18" charset="0"/>
-              </a:rPr>
-              <a:t>coords</a:t>
-            </a:r>
-            <a:r>
-              <a:rPr lang="pt-BR" sz="2400" dirty="0">
-                <a:latin typeface="Times New Roman" panose="02020603050405020304" pitchFamily="18" charset="0"/>
-                <a:cs typeface="Times New Roman" panose="02020603050405020304" pitchFamily="18" charset="0"/>
-              </a:rPr>
-              <a:t>=“8, 15, 110, 45” </a:t>
-            </a:r>
-            <a:r>
-              <a:rPr lang="pt-BR" sz="2400" dirty="0" err="1">
-                <a:latin typeface="Times New Roman" panose="02020603050405020304" pitchFamily="18" charset="0"/>
-                <a:cs typeface="Times New Roman" panose="02020603050405020304" pitchFamily="18" charset="0"/>
-              </a:rPr>
-              <a:t>href</a:t>
-            </a:r>
-            <a:r>
-              <a:rPr lang="pt-BR" sz="2400" dirty="0">
-                <a:latin typeface="Times New Roman" panose="02020603050405020304" pitchFamily="18" charset="0"/>
-                <a:cs typeface="Times New Roman" panose="02020603050405020304" pitchFamily="18" charset="0"/>
-              </a:rPr>
-              <a:t>=“URL 1” </a:t>
-            </a:r>
-            <a:r>
-              <a:rPr lang="pt-BR" sz="2400" dirty="0" err="1">
-                <a:latin typeface="Times New Roman" panose="02020603050405020304" pitchFamily="18" charset="0"/>
-                <a:cs typeface="Times New Roman" panose="02020603050405020304" pitchFamily="18" charset="0"/>
-              </a:rPr>
-              <a:t>alt</a:t>
-            </a:r>
-            <a:r>
-              <a:rPr lang="pt-BR" sz="2400" dirty="0">
-                <a:latin typeface="Times New Roman" panose="02020603050405020304" pitchFamily="18" charset="0"/>
-                <a:cs typeface="Times New Roman" panose="02020603050405020304" pitchFamily="18" charset="0"/>
-              </a:rPr>
-              <a:t>=“texto”&gt; </a:t>
-            </a:r>
-          </a:p>
-          <a:p>
-            <a:pPr marL="0" indent="0" algn="just">
-              <a:buNone/>
-            </a:pPr>
-            <a:r>
-              <a:rPr lang="pt-BR" sz="2400" dirty="0">
-                <a:latin typeface="Times New Roman" panose="02020603050405020304" pitchFamily="18" charset="0"/>
-                <a:cs typeface="Times New Roman" panose="02020603050405020304" pitchFamily="18" charset="0"/>
-              </a:rPr>
-              <a:t>	&lt;</a:t>
-            </a:r>
-            <a:r>
-              <a:rPr lang="pt-BR" sz="2400" b="1" dirty="0" err="1">
-                <a:latin typeface="Times New Roman" panose="02020603050405020304" pitchFamily="18" charset="0"/>
-                <a:cs typeface="Times New Roman" panose="02020603050405020304" pitchFamily="18" charset="0"/>
-              </a:rPr>
-              <a:t>area</a:t>
-            </a:r>
-            <a:r>
-              <a:rPr lang="pt-BR" sz="2400" b="1" dirty="0">
-                <a:latin typeface="Times New Roman" panose="02020603050405020304" pitchFamily="18" charset="0"/>
-                <a:cs typeface="Times New Roman" panose="02020603050405020304" pitchFamily="18" charset="0"/>
-              </a:rPr>
-              <a:t> </a:t>
-            </a:r>
-            <a:r>
-              <a:rPr lang="pt-BR" sz="2400" b="1" dirty="0">
-                <a:solidFill>
-                  <a:srgbClr val="FF0000"/>
-                </a:solidFill>
-                <a:latin typeface="Times New Roman" panose="02020603050405020304" pitchFamily="18" charset="0"/>
-                <a:cs typeface="Times New Roman" panose="02020603050405020304" pitchFamily="18" charset="0"/>
-              </a:rPr>
-              <a:t>shape</a:t>
-            </a:r>
-            <a:r>
-              <a:rPr lang="pt-BR" sz="2400" dirty="0">
-                <a:latin typeface="Times New Roman" panose="02020603050405020304" pitchFamily="18" charset="0"/>
-                <a:cs typeface="Times New Roman" panose="02020603050405020304" pitchFamily="18" charset="0"/>
-              </a:rPr>
-              <a:t>=“</a:t>
-            </a:r>
-            <a:r>
-              <a:rPr lang="pt-BR" sz="2400" dirty="0" err="1">
-                <a:latin typeface="Times New Roman" panose="02020603050405020304" pitchFamily="18" charset="0"/>
-                <a:cs typeface="Times New Roman" panose="02020603050405020304" pitchFamily="18" charset="0"/>
-              </a:rPr>
-              <a:t>rect</a:t>
-            </a:r>
-            <a:r>
-              <a:rPr lang="pt-BR" sz="2400" dirty="0">
-                <a:latin typeface="Times New Roman" panose="02020603050405020304" pitchFamily="18" charset="0"/>
-                <a:cs typeface="Times New Roman" panose="02020603050405020304" pitchFamily="18" charset="0"/>
-              </a:rPr>
-              <a:t>” </a:t>
-            </a:r>
-            <a:r>
-              <a:rPr lang="pt-BR" sz="2400" dirty="0" err="1">
-                <a:latin typeface="Times New Roman" panose="02020603050405020304" pitchFamily="18" charset="0"/>
-                <a:cs typeface="Times New Roman" panose="02020603050405020304" pitchFamily="18" charset="0"/>
-              </a:rPr>
-              <a:t>coords</a:t>
-            </a:r>
-            <a:r>
-              <a:rPr lang="pt-BR" sz="2400" dirty="0">
-                <a:latin typeface="Times New Roman" panose="02020603050405020304" pitchFamily="18" charset="0"/>
-                <a:cs typeface="Times New Roman" panose="02020603050405020304" pitchFamily="18" charset="0"/>
-              </a:rPr>
-              <a:t>=“7, 13, 105, 53” </a:t>
-            </a:r>
-            <a:r>
-              <a:rPr lang="pt-BR" sz="2400" dirty="0" err="1">
-                <a:latin typeface="Times New Roman" panose="02020603050405020304" pitchFamily="18" charset="0"/>
-                <a:cs typeface="Times New Roman" panose="02020603050405020304" pitchFamily="18" charset="0"/>
-              </a:rPr>
-              <a:t>href</a:t>
-            </a:r>
-            <a:r>
-              <a:rPr lang="pt-BR" sz="2400" dirty="0">
-                <a:latin typeface="Times New Roman" panose="02020603050405020304" pitchFamily="18" charset="0"/>
-                <a:cs typeface="Times New Roman" panose="02020603050405020304" pitchFamily="18" charset="0"/>
-              </a:rPr>
-              <a:t>=“URL 2” </a:t>
-            </a:r>
-            <a:r>
-              <a:rPr lang="pt-BR" sz="2400" dirty="0" err="1">
-                <a:latin typeface="Times New Roman" panose="02020603050405020304" pitchFamily="18" charset="0"/>
-                <a:cs typeface="Times New Roman" panose="02020603050405020304" pitchFamily="18" charset="0"/>
-              </a:rPr>
-              <a:t>alt</a:t>
-            </a:r>
-            <a:r>
-              <a:rPr lang="pt-BR" sz="2400" dirty="0">
-                <a:latin typeface="Times New Roman" panose="02020603050405020304" pitchFamily="18" charset="0"/>
-                <a:cs typeface="Times New Roman" panose="02020603050405020304" pitchFamily="18" charset="0"/>
-              </a:rPr>
-              <a:t>=“texto”&gt; </a:t>
-            </a:r>
-          </a:p>
-          <a:p>
-            <a:pPr marL="0" indent="0" algn="just">
-              <a:buNone/>
-            </a:pPr>
-            <a:r>
-              <a:rPr lang="pt-BR" sz="2400" dirty="0">
-                <a:latin typeface="Times New Roman" panose="02020603050405020304" pitchFamily="18" charset="0"/>
-                <a:cs typeface="Times New Roman" panose="02020603050405020304" pitchFamily="18" charset="0"/>
-              </a:rPr>
-              <a:t>&lt;/</a:t>
-            </a:r>
-            <a:r>
-              <a:rPr lang="pt-BR" sz="2400" dirty="0" err="1">
-                <a:latin typeface="Times New Roman" panose="02020603050405020304" pitchFamily="18" charset="0"/>
-                <a:cs typeface="Times New Roman" panose="02020603050405020304" pitchFamily="18" charset="0"/>
-              </a:rPr>
-              <a:t>map</a:t>
-            </a:r>
-            <a:r>
-              <a:rPr lang="pt-BR" sz="2400" dirty="0">
-                <a:latin typeface="Times New Roman" panose="02020603050405020304" pitchFamily="18" charset="0"/>
-                <a:cs typeface="Times New Roman" panose="02020603050405020304" pitchFamily="18" charset="0"/>
-              </a:rPr>
-              <a:t>&gt;</a:t>
-            </a:r>
-          </a:p>
-          <a:p>
-            <a:pPr marL="0" indent="0" algn="just">
-              <a:buNone/>
-            </a:pPr>
-            <a:endParaRPr lang="pt-BR" sz="2400" dirty="0">
+              <a:rPr lang="pt-BR" sz="2000" dirty="0">
+                <a:latin typeface="Times New Roman" panose="02020603050405020304" pitchFamily="18" charset="0"/>
+                <a:cs typeface="Times New Roman" panose="02020603050405020304" pitchFamily="18" charset="0"/>
+              </a:rPr>
+              <a:t>Uma </a:t>
+            </a:r>
+            <a:r>
+              <a:rPr lang="pt-BR" sz="2000" b="1" dirty="0">
+                <a:latin typeface="Times New Roman" panose="02020603050405020304" pitchFamily="18" charset="0"/>
+                <a:cs typeface="Times New Roman" panose="02020603050405020304" pitchFamily="18" charset="0"/>
+              </a:rPr>
+              <a:t>tabela HTML </a:t>
+            </a:r>
+            <a:r>
+              <a:rPr lang="pt-BR" sz="2000" dirty="0">
+                <a:latin typeface="Times New Roman" panose="02020603050405020304" pitchFamily="18" charset="0"/>
+                <a:cs typeface="Times New Roman" panose="02020603050405020304" pitchFamily="18" charset="0"/>
+              </a:rPr>
+              <a:t>consiste em um elemento &lt;</a:t>
+            </a:r>
+            <a:r>
+              <a:rPr lang="pt-BR" sz="2000" b="1" dirty="0" err="1">
+                <a:latin typeface="Times New Roman" panose="02020603050405020304" pitchFamily="18" charset="0"/>
+                <a:cs typeface="Times New Roman" panose="02020603050405020304" pitchFamily="18" charset="0"/>
+              </a:rPr>
+              <a:t>table</a:t>
+            </a:r>
+            <a:r>
+              <a:rPr lang="pt-BR" sz="2000" dirty="0">
+                <a:latin typeface="Times New Roman" panose="02020603050405020304" pitchFamily="18" charset="0"/>
+                <a:cs typeface="Times New Roman" panose="02020603050405020304" pitchFamily="18" charset="0"/>
+              </a:rPr>
+              <a:t>&gt; e um ou mais elementos &lt;</a:t>
+            </a:r>
+            <a:r>
+              <a:rPr lang="pt-BR" sz="2000" b="1" dirty="0" err="1">
+                <a:latin typeface="Times New Roman" panose="02020603050405020304" pitchFamily="18" charset="0"/>
+                <a:cs typeface="Times New Roman" panose="02020603050405020304" pitchFamily="18" charset="0"/>
+              </a:rPr>
+              <a:t>tr</a:t>
+            </a:r>
+            <a:r>
+              <a:rPr lang="pt-BR" sz="2000" dirty="0">
+                <a:latin typeface="Times New Roman" panose="02020603050405020304" pitchFamily="18" charset="0"/>
+                <a:cs typeface="Times New Roman" panose="02020603050405020304" pitchFamily="18" charset="0"/>
+              </a:rPr>
+              <a:t>&gt;, &lt;</a:t>
+            </a:r>
+            <a:r>
+              <a:rPr lang="pt-BR" sz="2000" b="1" dirty="0" err="1">
+                <a:latin typeface="Times New Roman" panose="02020603050405020304" pitchFamily="18" charset="0"/>
+                <a:cs typeface="Times New Roman" panose="02020603050405020304" pitchFamily="18" charset="0"/>
+              </a:rPr>
+              <a:t>th</a:t>
+            </a:r>
+            <a:r>
+              <a:rPr lang="pt-BR" sz="2000" dirty="0">
+                <a:latin typeface="Times New Roman" panose="02020603050405020304" pitchFamily="18" charset="0"/>
+                <a:cs typeface="Times New Roman" panose="02020603050405020304" pitchFamily="18" charset="0"/>
+              </a:rPr>
+              <a:t>&gt; e &lt;</a:t>
+            </a:r>
+            <a:r>
+              <a:rPr lang="pt-BR" sz="2000" b="1" dirty="0" err="1">
+                <a:latin typeface="Times New Roman" panose="02020603050405020304" pitchFamily="18" charset="0"/>
+                <a:cs typeface="Times New Roman" panose="02020603050405020304" pitchFamily="18" charset="0"/>
+              </a:rPr>
+              <a:t>td</a:t>
+            </a:r>
+            <a:r>
+              <a:rPr lang="pt-BR" sz="2000" dirty="0">
+                <a:latin typeface="Times New Roman" panose="02020603050405020304" pitchFamily="18" charset="0"/>
+                <a:cs typeface="Times New Roman" panose="02020603050405020304" pitchFamily="18" charset="0"/>
+              </a:rPr>
+              <a:t>&gt;.</a:t>
+            </a:r>
+          </a:p>
+          <a:p>
+            <a:pPr marL="0" indent="0" algn="just">
+              <a:buNone/>
+            </a:pPr>
+            <a:endParaRPr lang="pt-BR" sz="2000" dirty="0">
               <a:latin typeface="Times New Roman" panose="02020603050405020304" pitchFamily="18" charset="0"/>
               <a:cs typeface="Times New Roman" panose="02020603050405020304" pitchFamily="18" charset="0"/>
             </a:endParaRPr>
+          </a:p>
+          <a:p>
+            <a:pPr marL="0" indent="0" algn="just">
+              <a:buNone/>
+            </a:pPr>
+            <a:r>
+              <a:rPr lang="pt-BR" sz="2000" dirty="0">
+                <a:latin typeface="Times New Roman" panose="02020603050405020304" pitchFamily="18" charset="0"/>
+                <a:cs typeface="Times New Roman" panose="02020603050405020304" pitchFamily="18" charset="0"/>
+              </a:rPr>
+              <a:t>O elemento &lt;</a:t>
+            </a:r>
+            <a:r>
+              <a:rPr lang="pt-BR" sz="2000" b="1" dirty="0" err="1">
+                <a:latin typeface="Times New Roman" panose="02020603050405020304" pitchFamily="18" charset="0"/>
+                <a:cs typeface="Times New Roman" panose="02020603050405020304" pitchFamily="18" charset="0"/>
+              </a:rPr>
+              <a:t>tr</a:t>
+            </a:r>
+            <a:r>
+              <a:rPr lang="pt-BR" sz="2000" dirty="0">
+                <a:latin typeface="Times New Roman" panose="02020603050405020304" pitchFamily="18" charset="0"/>
+                <a:cs typeface="Times New Roman" panose="02020603050405020304" pitchFamily="18" charset="0"/>
+              </a:rPr>
+              <a:t>&gt; define uma linha de tabela, o elemento &lt;</a:t>
+            </a:r>
+            <a:r>
+              <a:rPr lang="pt-BR" sz="2000" b="1" dirty="0" err="1">
+                <a:latin typeface="Times New Roman" panose="02020603050405020304" pitchFamily="18" charset="0"/>
+                <a:cs typeface="Times New Roman" panose="02020603050405020304" pitchFamily="18" charset="0"/>
+              </a:rPr>
+              <a:t>th</a:t>
+            </a:r>
+            <a:r>
+              <a:rPr lang="pt-BR" sz="2000" dirty="0">
+                <a:latin typeface="Times New Roman" panose="02020603050405020304" pitchFamily="18" charset="0"/>
+                <a:cs typeface="Times New Roman" panose="02020603050405020304" pitchFamily="18" charset="0"/>
+              </a:rPr>
+              <a:t>&gt; define um cabeçalho de tabela e o elemento &lt;</a:t>
+            </a:r>
+            <a:r>
+              <a:rPr lang="pt-BR" sz="2000" dirty="0" err="1">
+                <a:latin typeface="Times New Roman" panose="02020603050405020304" pitchFamily="18" charset="0"/>
+                <a:cs typeface="Times New Roman" panose="02020603050405020304" pitchFamily="18" charset="0"/>
+              </a:rPr>
+              <a:t>td</a:t>
+            </a:r>
+            <a:r>
+              <a:rPr lang="pt-BR" sz="2000" dirty="0">
+                <a:latin typeface="Times New Roman" panose="02020603050405020304" pitchFamily="18" charset="0"/>
+                <a:cs typeface="Times New Roman" panose="02020603050405020304" pitchFamily="18" charset="0"/>
+              </a:rPr>
+              <a:t>&gt; define uma célula de tabela.</a:t>
+            </a:r>
+          </a:p>
+          <a:p>
+            <a:pPr marL="0" indent="0" algn="just">
+              <a:buNone/>
+            </a:pPr>
+            <a:endParaRPr lang="pt-BR" sz="2000" dirty="0">
+              <a:latin typeface="Times New Roman" panose="02020603050405020304" pitchFamily="18" charset="0"/>
+              <a:cs typeface="Times New Roman" panose="02020603050405020304" pitchFamily="18" charset="0"/>
+            </a:endParaRPr>
+          </a:p>
+          <a:p>
+            <a:pPr marL="0" indent="0" algn="just">
+              <a:buNone/>
+            </a:pPr>
+            <a:r>
+              <a:rPr lang="pt-BR" sz="2000" dirty="0">
+                <a:latin typeface="Times New Roman" panose="02020603050405020304" pitchFamily="18" charset="0"/>
+                <a:cs typeface="Times New Roman" panose="02020603050405020304" pitchFamily="18" charset="0"/>
+              </a:rPr>
+              <a:t>Uma </a:t>
+            </a:r>
+            <a:r>
+              <a:rPr lang="pt-BR" sz="2000" b="1" dirty="0">
+                <a:latin typeface="Times New Roman" panose="02020603050405020304" pitchFamily="18" charset="0"/>
+                <a:cs typeface="Times New Roman" panose="02020603050405020304" pitchFamily="18" charset="0"/>
+              </a:rPr>
+              <a:t>tabela HTML </a:t>
+            </a:r>
+            <a:r>
+              <a:rPr lang="pt-BR" sz="2000" dirty="0">
+                <a:latin typeface="Times New Roman" panose="02020603050405020304" pitchFamily="18" charset="0"/>
+                <a:cs typeface="Times New Roman" panose="02020603050405020304" pitchFamily="18" charset="0"/>
+              </a:rPr>
+              <a:t>também pode incluir elementos &lt;</a:t>
+            </a:r>
+            <a:r>
+              <a:rPr lang="pt-BR" sz="2000" b="1" dirty="0" err="1">
+                <a:latin typeface="Times New Roman" panose="02020603050405020304" pitchFamily="18" charset="0"/>
+                <a:cs typeface="Times New Roman" panose="02020603050405020304" pitchFamily="18" charset="0"/>
+              </a:rPr>
+              <a:t>caption</a:t>
+            </a:r>
+            <a:r>
+              <a:rPr lang="pt-BR" sz="2000" dirty="0">
+                <a:latin typeface="Times New Roman" panose="02020603050405020304" pitchFamily="18" charset="0"/>
+                <a:cs typeface="Times New Roman" panose="02020603050405020304" pitchFamily="18" charset="0"/>
+              </a:rPr>
+              <a:t>&gt;, &lt;</a:t>
+            </a:r>
+            <a:r>
+              <a:rPr lang="pt-BR" sz="2000" b="1" dirty="0" err="1">
+                <a:latin typeface="Times New Roman" panose="02020603050405020304" pitchFamily="18" charset="0"/>
+                <a:cs typeface="Times New Roman" panose="02020603050405020304" pitchFamily="18" charset="0"/>
+              </a:rPr>
+              <a:t>colgroup</a:t>
+            </a:r>
+            <a:r>
+              <a:rPr lang="pt-BR" sz="2000" dirty="0">
+                <a:latin typeface="Times New Roman" panose="02020603050405020304" pitchFamily="18" charset="0"/>
+                <a:cs typeface="Times New Roman" panose="02020603050405020304" pitchFamily="18" charset="0"/>
+              </a:rPr>
+              <a:t>&gt;, &lt;</a:t>
+            </a:r>
+            <a:r>
+              <a:rPr lang="pt-BR" sz="2000" b="1" dirty="0" err="1">
+                <a:latin typeface="Times New Roman" panose="02020603050405020304" pitchFamily="18" charset="0"/>
+                <a:cs typeface="Times New Roman" panose="02020603050405020304" pitchFamily="18" charset="0"/>
+              </a:rPr>
+              <a:t>thead</a:t>
+            </a:r>
+            <a:r>
+              <a:rPr lang="pt-BR" sz="2000" dirty="0">
+                <a:latin typeface="Times New Roman" panose="02020603050405020304" pitchFamily="18" charset="0"/>
+                <a:cs typeface="Times New Roman" panose="02020603050405020304" pitchFamily="18" charset="0"/>
+              </a:rPr>
+              <a:t>&gt;, &lt;</a:t>
+            </a:r>
+            <a:r>
+              <a:rPr lang="pt-BR" sz="2000" b="1" dirty="0" err="1">
+                <a:latin typeface="Times New Roman" panose="02020603050405020304" pitchFamily="18" charset="0"/>
+                <a:cs typeface="Times New Roman" panose="02020603050405020304" pitchFamily="18" charset="0"/>
+              </a:rPr>
+              <a:t>tfoot</a:t>
+            </a:r>
+            <a:r>
+              <a:rPr lang="pt-BR" sz="2000" dirty="0">
+                <a:latin typeface="Times New Roman" panose="02020603050405020304" pitchFamily="18" charset="0"/>
+                <a:cs typeface="Times New Roman" panose="02020603050405020304" pitchFamily="18" charset="0"/>
+              </a:rPr>
+              <a:t>&gt; e &lt;</a:t>
+            </a:r>
+            <a:r>
+              <a:rPr lang="pt-BR" sz="2000" b="1" dirty="0" err="1">
+                <a:latin typeface="Times New Roman" panose="02020603050405020304" pitchFamily="18" charset="0"/>
+                <a:cs typeface="Times New Roman" panose="02020603050405020304" pitchFamily="18" charset="0"/>
+              </a:rPr>
+              <a:t>tbody</a:t>
+            </a:r>
+            <a:r>
+              <a:rPr lang="pt-BR" sz="2000" dirty="0">
+                <a:latin typeface="Times New Roman" panose="02020603050405020304" pitchFamily="18" charset="0"/>
+                <a:cs typeface="Times New Roman" panose="02020603050405020304" pitchFamily="18" charset="0"/>
+              </a:rPr>
+              <a:t>&gt;.</a:t>
+            </a:r>
           </a:p>
         </p:txBody>
       </p:sp>
     </p:spTree>
     <p:extLst>
       <p:ext uri="{BB962C8B-B14F-4D97-AF65-F5344CB8AC3E}">
-        <p14:creationId xmlns:p14="http://schemas.microsoft.com/office/powerpoint/2010/main" val="1545438535"/>
+        <p14:creationId xmlns:p14="http://schemas.microsoft.com/office/powerpoint/2010/main" val="2657806634"/>
       </p:ext>
     </p:extLst>
   </p:cSld>
@@ -27470,31 +29451,628 @@
               <a:buNone/>
             </a:pPr>
             <a:r>
+              <a:rPr lang="pt-BR" sz="1800" b="1" dirty="0">
+                <a:latin typeface="Times New Roman" panose="02020603050405020304" pitchFamily="18" charset="0"/>
+                <a:cs typeface="Times New Roman" panose="02020603050405020304" pitchFamily="18" charset="0"/>
+              </a:rPr>
+              <a:t>Exemplo:</a:t>
+            </a:r>
+          </a:p>
+        </p:txBody>
+      </p:sp>
+      <p:sp>
+        <p:nvSpPr>
+          <p:cNvPr id="2" name="CaixaDeTexto 1">
+            <a:extLst>
+              <a:ext uri="{FF2B5EF4-FFF2-40B4-BE49-F238E27FC236}">
+                <a16:creationId xmlns:a16="http://schemas.microsoft.com/office/drawing/2014/main" id="{019C0F3D-11C2-4EBF-A573-E77D8BEAA37F}"/>
+              </a:ext>
+            </a:extLst>
+          </p:cNvPr>
+          <p:cNvSpPr txBox="1"/>
+          <p:nvPr/>
+        </p:nvSpPr>
+        <p:spPr>
+          <a:xfrm>
+            <a:off x="695195" y="1597731"/>
+            <a:ext cx="2561572" cy="3170095"/>
+          </a:xfrm>
+          <a:prstGeom prst="rect">
+            <a:avLst/>
+          </a:prstGeom>
+          <a:noFill/>
+          <a:ln w="12700" cap="flat">
+            <a:noFill/>
+            <a:miter lim="400000"/>
+          </a:ln>
+        </p:spPr>
+        <p:style>
+          <a:lnRef idx="0">
+            <a:scrgbClr r="0" g="0" b="0"/>
+          </a:lnRef>
+          <a:fillRef idx="0">
+            <a:scrgbClr r="0" g="0" b="0"/>
+          </a:fillRef>
+          <a:effectRef idx="0">
+            <a:scrgbClr r="0" g="0" b="0"/>
+          </a:effectRef>
+          <a:fontRef idx="none"/>
+        </p:style>
+        <p:txBody>
+          <a:bodyPr rot="0" spcFirstLastPara="1" vertOverflow="overflow" horzOverflow="overflow" vert="horz" wrap="square" lIns="45718" tIns="45718" rIns="45718" bIns="45718" numCol="1" spcCol="38100" rtlCol="0" anchor="t">
+            <a:spAutoFit/>
+          </a:bodyPr>
+          <a:lstStyle/>
+          <a:p>
+            <a:pPr marL="0" indent="0" algn="just">
+              <a:buNone/>
+            </a:pPr>
+            <a:r>
               <a:rPr lang="pt-BR" sz="2000" dirty="0">
                 <a:latin typeface="Times New Roman" panose="02020603050405020304" pitchFamily="18" charset="0"/>
                 <a:cs typeface="Times New Roman" panose="02020603050405020304" pitchFamily="18" charset="0"/>
               </a:rPr>
-              <a:t>A </a:t>
+              <a:t>&lt;</a:t>
+            </a:r>
+            <a:r>
+              <a:rPr lang="pt-BR" sz="2000" b="1" dirty="0" err="1">
+                <a:latin typeface="Times New Roman" panose="02020603050405020304" pitchFamily="18" charset="0"/>
+                <a:cs typeface="Times New Roman" panose="02020603050405020304" pitchFamily="18" charset="0"/>
+              </a:rPr>
+              <a:t>table</a:t>
+            </a:r>
+            <a:r>
+              <a:rPr lang="pt-BR" sz="2000" dirty="0">
+                <a:latin typeface="Times New Roman" panose="02020603050405020304" pitchFamily="18" charset="0"/>
+                <a:cs typeface="Times New Roman" panose="02020603050405020304" pitchFamily="18" charset="0"/>
+              </a:rPr>
+              <a:t>&gt;</a:t>
+            </a:r>
+          </a:p>
+          <a:p>
+            <a:pPr marL="0" indent="0" algn="just">
+              <a:buNone/>
+            </a:pPr>
+            <a:r>
+              <a:rPr lang="pt-BR" sz="2000" dirty="0">
+                <a:latin typeface="Times New Roman" panose="02020603050405020304" pitchFamily="18" charset="0"/>
+                <a:cs typeface="Times New Roman" panose="02020603050405020304" pitchFamily="18" charset="0"/>
+              </a:rPr>
+              <a:t>  &lt;</a:t>
+            </a:r>
+            <a:r>
+              <a:rPr lang="pt-BR" sz="2000" b="1" dirty="0" err="1">
+                <a:latin typeface="Times New Roman" panose="02020603050405020304" pitchFamily="18" charset="0"/>
+                <a:cs typeface="Times New Roman" panose="02020603050405020304" pitchFamily="18" charset="0"/>
+              </a:rPr>
+              <a:t>tr</a:t>
+            </a:r>
+            <a:r>
+              <a:rPr lang="pt-BR" sz="2000" dirty="0">
+                <a:latin typeface="Times New Roman" panose="02020603050405020304" pitchFamily="18" charset="0"/>
+                <a:cs typeface="Times New Roman" panose="02020603050405020304" pitchFamily="18" charset="0"/>
+              </a:rPr>
+              <a:t>&gt;</a:t>
+            </a:r>
+          </a:p>
+          <a:p>
+            <a:pPr marL="0" indent="0" algn="just">
+              <a:buNone/>
+            </a:pPr>
+            <a:r>
+              <a:rPr lang="pt-BR" sz="2000" dirty="0">
+                <a:latin typeface="Times New Roman" panose="02020603050405020304" pitchFamily="18" charset="0"/>
+                <a:cs typeface="Times New Roman" panose="02020603050405020304" pitchFamily="18" charset="0"/>
+              </a:rPr>
+              <a:t>    &lt;</a:t>
+            </a:r>
+            <a:r>
+              <a:rPr lang="pt-BR" sz="2000" b="1" dirty="0" err="1">
+                <a:latin typeface="Times New Roman" panose="02020603050405020304" pitchFamily="18" charset="0"/>
+                <a:cs typeface="Times New Roman" panose="02020603050405020304" pitchFamily="18" charset="0"/>
+              </a:rPr>
+              <a:t>th</a:t>
+            </a:r>
+            <a:r>
+              <a:rPr lang="pt-BR" sz="2000" dirty="0">
+                <a:latin typeface="Times New Roman" panose="02020603050405020304" pitchFamily="18" charset="0"/>
+                <a:cs typeface="Times New Roman" panose="02020603050405020304" pitchFamily="18" charset="0"/>
+              </a:rPr>
+              <a:t>&gt;</a:t>
             </a:r>
             <a:r>
               <a:rPr lang="pt-BR" sz="2000" dirty="0" err="1">
                 <a:latin typeface="Times New Roman" panose="02020603050405020304" pitchFamily="18" charset="0"/>
                 <a:cs typeface="Times New Roman" panose="02020603050405020304" pitchFamily="18" charset="0"/>
               </a:rPr>
-              <a:t>tag</a:t>
+              <a:t>Month</a:t>
             </a:r>
             <a:r>
               <a:rPr lang="pt-BR" sz="2000" dirty="0">
                 <a:latin typeface="Times New Roman" panose="02020603050405020304" pitchFamily="18" charset="0"/>
                 <a:cs typeface="Times New Roman" panose="02020603050405020304" pitchFamily="18" charset="0"/>
               </a:rPr>
-              <a:t> &lt;</a:t>
+              <a:t>&lt;/</a:t>
+            </a:r>
+            <a:r>
+              <a:rPr lang="pt-BR" sz="2000" dirty="0" err="1">
+                <a:latin typeface="Times New Roman" panose="02020603050405020304" pitchFamily="18" charset="0"/>
+                <a:cs typeface="Times New Roman" panose="02020603050405020304" pitchFamily="18" charset="0"/>
+              </a:rPr>
+              <a:t>th</a:t>
+            </a:r>
+            <a:r>
+              <a:rPr lang="pt-BR" sz="2000" dirty="0">
+                <a:latin typeface="Times New Roman" panose="02020603050405020304" pitchFamily="18" charset="0"/>
+                <a:cs typeface="Times New Roman" panose="02020603050405020304" pitchFamily="18" charset="0"/>
+              </a:rPr>
+              <a:t>&gt;</a:t>
+            </a:r>
+          </a:p>
+          <a:p>
+            <a:pPr marL="0" indent="0" algn="just">
+              <a:buNone/>
+            </a:pPr>
+            <a:r>
+              <a:rPr lang="pt-BR" sz="2000" dirty="0">
+                <a:latin typeface="Times New Roman" panose="02020603050405020304" pitchFamily="18" charset="0"/>
+                <a:cs typeface="Times New Roman" panose="02020603050405020304" pitchFamily="18" charset="0"/>
+              </a:rPr>
+              <a:t>    &lt;</a:t>
             </a:r>
             <a:r>
               <a:rPr lang="pt-BR" sz="2000" b="1" dirty="0" err="1">
                 <a:latin typeface="Times New Roman" panose="02020603050405020304" pitchFamily="18" charset="0"/>
                 <a:cs typeface="Times New Roman" panose="02020603050405020304" pitchFamily="18" charset="0"/>
               </a:rPr>
+              <a:t>th</a:t>
+            </a:r>
+            <a:r>
+              <a:rPr lang="pt-BR" sz="2000" dirty="0">
+                <a:latin typeface="Times New Roman" panose="02020603050405020304" pitchFamily="18" charset="0"/>
+                <a:cs typeface="Times New Roman" panose="02020603050405020304" pitchFamily="18" charset="0"/>
+              </a:rPr>
+              <a:t>&gt;</a:t>
+            </a:r>
+            <a:r>
+              <a:rPr lang="pt-BR" sz="2000" dirty="0" err="1">
+                <a:latin typeface="Times New Roman" panose="02020603050405020304" pitchFamily="18" charset="0"/>
+                <a:cs typeface="Times New Roman" panose="02020603050405020304" pitchFamily="18" charset="0"/>
+              </a:rPr>
+              <a:t>Savings</a:t>
+            </a:r>
+            <a:r>
+              <a:rPr lang="pt-BR" sz="2000" dirty="0">
+                <a:latin typeface="Times New Roman" panose="02020603050405020304" pitchFamily="18" charset="0"/>
+                <a:cs typeface="Times New Roman" panose="02020603050405020304" pitchFamily="18" charset="0"/>
+              </a:rPr>
+              <a:t>&lt;/</a:t>
+            </a:r>
+            <a:r>
+              <a:rPr lang="pt-BR" sz="2000" dirty="0" err="1">
+                <a:latin typeface="Times New Roman" panose="02020603050405020304" pitchFamily="18" charset="0"/>
+                <a:cs typeface="Times New Roman" panose="02020603050405020304" pitchFamily="18" charset="0"/>
+              </a:rPr>
+              <a:t>th</a:t>
+            </a:r>
+            <a:r>
+              <a:rPr lang="pt-BR" sz="2000" dirty="0">
+                <a:latin typeface="Times New Roman" panose="02020603050405020304" pitchFamily="18" charset="0"/>
+                <a:cs typeface="Times New Roman" panose="02020603050405020304" pitchFamily="18" charset="0"/>
+              </a:rPr>
+              <a:t>&gt;</a:t>
+            </a:r>
+          </a:p>
+          <a:p>
+            <a:pPr marL="0" indent="0" algn="just">
+              <a:buNone/>
+            </a:pPr>
+            <a:r>
+              <a:rPr lang="pt-BR" sz="2000" dirty="0">
+                <a:latin typeface="Times New Roman" panose="02020603050405020304" pitchFamily="18" charset="0"/>
+                <a:cs typeface="Times New Roman" panose="02020603050405020304" pitchFamily="18" charset="0"/>
+              </a:rPr>
+              <a:t>  &lt;/</a:t>
+            </a:r>
+            <a:r>
+              <a:rPr lang="pt-BR" sz="2000" dirty="0" err="1">
+                <a:latin typeface="Times New Roman" panose="02020603050405020304" pitchFamily="18" charset="0"/>
+                <a:cs typeface="Times New Roman" panose="02020603050405020304" pitchFamily="18" charset="0"/>
+              </a:rPr>
+              <a:t>tr</a:t>
+            </a:r>
+            <a:r>
+              <a:rPr lang="pt-BR" sz="2000" dirty="0">
+                <a:latin typeface="Times New Roman" panose="02020603050405020304" pitchFamily="18" charset="0"/>
+                <a:cs typeface="Times New Roman" panose="02020603050405020304" pitchFamily="18" charset="0"/>
+              </a:rPr>
+              <a:t>&gt;</a:t>
+            </a:r>
+          </a:p>
+          <a:p>
+            <a:pPr marL="0" indent="0" algn="just">
+              <a:buNone/>
+            </a:pPr>
+            <a:r>
+              <a:rPr lang="pt-BR" sz="2000" dirty="0">
+                <a:latin typeface="Times New Roman" panose="02020603050405020304" pitchFamily="18" charset="0"/>
+                <a:cs typeface="Times New Roman" panose="02020603050405020304" pitchFamily="18" charset="0"/>
+              </a:rPr>
+              <a:t>  &lt;</a:t>
+            </a:r>
+            <a:r>
+              <a:rPr lang="pt-BR" sz="2000" b="1" dirty="0" err="1">
+                <a:latin typeface="Times New Roman" panose="02020603050405020304" pitchFamily="18" charset="0"/>
+                <a:cs typeface="Times New Roman" panose="02020603050405020304" pitchFamily="18" charset="0"/>
+              </a:rPr>
+              <a:t>tr</a:t>
+            </a:r>
+            <a:r>
+              <a:rPr lang="pt-BR" sz="2000" dirty="0">
+                <a:latin typeface="Times New Roman" panose="02020603050405020304" pitchFamily="18" charset="0"/>
+                <a:cs typeface="Times New Roman" panose="02020603050405020304" pitchFamily="18" charset="0"/>
+              </a:rPr>
+              <a:t>&gt;</a:t>
+            </a:r>
+          </a:p>
+          <a:p>
+            <a:pPr marL="0" indent="0" algn="just">
+              <a:buNone/>
+            </a:pPr>
+            <a:r>
+              <a:rPr lang="pt-BR" sz="2000" dirty="0">
+                <a:latin typeface="Times New Roman" panose="02020603050405020304" pitchFamily="18" charset="0"/>
+                <a:cs typeface="Times New Roman" panose="02020603050405020304" pitchFamily="18" charset="0"/>
+              </a:rPr>
+              <a:t>    &lt;</a:t>
+            </a:r>
+            <a:r>
+              <a:rPr lang="pt-BR" sz="2000" b="1" dirty="0" err="1">
+                <a:latin typeface="Times New Roman" panose="02020603050405020304" pitchFamily="18" charset="0"/>
+                <a:cs typeface="Times New Roman" panose="02020603050405020304" pitchFamily="18" charset="0"/>
+              </a:rPr>
+              <a:t>td</a:t>
+            </a:r>
+            <a:r>
+              <a:rPr lang="pt-BR" sz="2000" dirty="0">
+                <a:latin typeface="Times New Roman" panose="02020603050405020304" pitchFamily="18" charset="0"/>
+                <a:cs typeface="Times New Roman" panose="02020603050405020304" pitchFamily="18" charset="0"/>
+              </a:rPr>
+              <a:t>&gt;</a:t>
+            </a:r>
+            <a:r>
+              <a:rPr lang="pt-BR" sz="2000" dirty="0" err="1">
+                <a:latin typeface="Times New Roman" panose="02020603050405020304" pitchFamily="18" charset="0"/>
+                <a:cs typeface="Times New Roman" panose="02020603050405020304" pitchFamily="18" charset="0"/>
+              </a:rPr>
+              <a:t>January</a:t>
+            </a:r>
+            <a:r>
+              <a:rPr lang="pt-BR" sz="2000" dirty="0">
+                <a:latin typeface="Times New Roman" panose="02020603050405020304" pitchFamily="18" charset="0"/>
+                <a:cs typeface="Times New Roman" panose="02020603050405020304" pitchFamily="18" charset="0"/>
+              </a:rPr>
+              <a:t>&lt;/</a:t>
+            </a:r>
+            <a:r>
+              <a:rPr lang="pt-BR" sz="2000" dirty="0" err="1">
+                <a:latin typeface="Times New Roman" panose="02020603050405020304" pitchFamily="18" charset="0"/>
+                <a:cs typeface="Times New Roman" panose="02020603050405020304" pitchFamily="18" charset="0"/>
+              </a:rPr>
+              <a:t>td</a:t>
+            </a:r>
+            <a:r>
+              <a:rPr lang="pt-BR" sz="2000" dirty="0">
+                <a:latin typeface="Times New Roman" panose="02020603050405020304" pitchFamily="18" charset="0"/>
+                <a:cs typeface="Times New Roman" panose="02020603050405020304" pitchFamily="18" charset="0"/>
+              </a:rPr>
+              <a:t>&gt;</a:t>
+            </a:r>
+          </a:p>
+          <a:p>
+            <a:pPr marL="0" indent="0" algn="just">
+              <a:buNone/>
+            </a:pPr>
+            <a:r>
+              <a:rPr lang="pt-BR" sz="2000" dirty="0">
+                <a:latin typeface="Times New Roman" panose="02020603050405020304" pitchFamily="18" charset="0"/>
+                <a:cs typeface="Times New Roman" panose="02020603050405020304" pitchFamily="18" charset="0"/>
+              </a:rPr>
+              <a:t>    &lt;</a:t>
+            </a:r>
+            <a:r>
+              <a:rPr lang="pt-BR" sz="2000" b="1" dirty="0" err="1">
+                <a:latin typeface="Times New Roman" panose="02020603050405020304" pitchFamily="18" charset="0"/>
+                <a:cs typeface="Times New Roman" panose="02020603050405020304" pitchFamily="18" charset="0"/>
+              </a:rPr>
+              <a:t>td</a:t>
+            </a:r>
+            <a:r>
+              <a:rPr lang="pt-BR" sz="2000" dirty="0">
+                <a:latin typeface="Times New Roman" panose="02020603050405020304" pitchFamily="18" charset="0"/>
+                <a:cs typeface="Times New Roman" panose="02020603050405020304" pitchFamily="18" charset="0"/>
+              </a:rPr>
+              <a:t>&gt;$100&lt;/</a:t>
+            </a:r>
+            <a:r>
+              <a:rPr lang="pt-BR" sz="2000" dirty="0" err="1">
+                <a:latin typeface="Times New Roman" panose="02020603050405020304" pitchFamily="18" charset="0"/>
+                <a:cs typeface="Times New Roman" panose="02020603050405020304" pitchFamily="18" charset="0"/>
+              </a:rPr>
+              <a:t>td</a:t>
+            </a:r>
+            <a:r>
+              <a:rPr lang="pt-BR" sz="2000" dirty="0">
+                <a:latin typeface="Times New Roman" panose="02020603050405020304" pitchFamily="18" charset="0"/>
+                <a:cs typeface="Times New Roman" panose="02020603050405020304" pitchFamily="18" charset="0"/>
+              </a:rPr>
+              <a:t>&gt;</a:t>
+            </a:r>
+          </a:p>
+          <a:p>
+            <a:pPr marL="0" indent="0" algn="just">
+              <a:buNone/>
+            </a:pPr>
+            <a:r>
+              <a:rPr lang="pt-BR" sz="2000" dirty="0">
+                <a:latin typeface="Times New Roman" panose="02020603050405020304" pitchFamily="18" charset="0"/>
+                <a:cs typeface="Times New Roman" panose="02020603050405020304" pitchFamily="18" charset="0"/>
+              </a:rPr>
+              <a:t>  &lt;/</a:t>
+            </a:r>
+            <a:r>
+              <a:rPr lang="pt-BR" sz="2000" dirty="0" err="1">
+                <a:latin typeface="Times New Roman" panose="02020603050405020304" pitchFamily="18" charset="0"/>
+                <a:cs typeface="Times New Roman" panose="02020603050405020304" pitchFamily="18" charset="0"/>
+              </a:rPr>
+              <a:t>tr</a:t>
+            </a:r>
+            <a:r>
+              <a:rPr lang="pt-BR" sz="2000" dirty="0">
+                <a:latin typeface="Times New Roman" panose="02020603050405020304" pitchFamily="18" charset="0"/>
+                <a:cs typeface="Times New Roman" panose="02020603050405020304" pitchFamily="18" charset="0"/>
+              </a:rPr>
+              <a:t>&gt;</a:t>
+            </a:r>
+          </a:p>
+          <a:p>
+            <a:pPr marL="0" marR="0" indent="0" algn="l" defTabSz="457200" rtl="0" fontAlgn="auto" latinLnBrk="0" hangingPunct="0">
+              <a:lnSpc>
+                <a:spcPct val="100000"/>
+              </a:lnSpc>
+              <a:spcBef>
+                <a:spcPts val="0"/>
+              </a:spcBef>
+              <a:spcAft>
+                <a:spcPts val="0"/>
+              </a:spcAft>
+              <a:buClrTx/>
+              <a:buSzTx/>
+              <a:buFontTx/>
+              <a:buNone/>
+            </a:pPr>
+            <a:endParaRPr kumimoji="0" lang="pt-BR" sz="2000" b="0" i="0" u="none" strike="noStrike" cap="none" spc="0" normalizeH="0" baseline="0" dirty="0">
+              <a:ln>
+                <a:noFill/>
+              </a:ln>
+              <a:solidFill>
+                <a:srgbClr val="000000"/>
+              </a:solidFill>
+              <a:effectLst/>
+              <a:uFillTx/>
+              <a:latin typeface="+mj-lt"/>
+              <a:ea typeface="+mj-ea"/>
+              <a:cs typeface="+mj-cs"/>
+              <a:sym typeface="Calibri"/>
+            </a:endParaRPr>
+          </a:p>
+        </p:txBody>
+      </p:sp>
+      <p:sp>
+        <p:nvSpPr>
+          <p:cNvPr id="5" name="CaixaDeTexto 4">
+            <a:extLst>
+              <a:ext uri="{FF2B5EF4-FFF2-40B4-BE49-F238E27FC236}">
+                <a16:creationId xmlns:a16="http://schemas.microsoft.com/office/drawing/2014/main" id="{2330055D-9DE0-483D-96A7-A62CFFB9006C}"/>
+              </a:ext>
+            </a:extLst>
+          </p:cNvPr>
+          <p:cNvSpPr txBox="1"/>
+          <p:nvPr/>
+        </p:nvSpPr>
+        <p:spPr>
+          <a:xfrm>
+            <a:off x="4052171" y="1597731"/>
+            <a:ext cx="2561572" cy="1938988"/>
+          </a:xfrm>
+          <a:prstGeom prst="rect">
+            <a:avLst/>
+          </a:prstGeom>
+          <a:noFill/>
+          <a:ln w="12700" cap="flat">
+            <a:noFill/>
+            <a:miter lim="400000"/>
+          </a:ln>
+        </p:spPr>
+        <p:style>
+          <a:lnRef idx="0">
+            <a:scrgbClr r="0" g="0" b="0"/>
+          </a:lnRef>
+          <a:fillRef idx="0">
+            <a:scrgbClr r="0" g="0" b="0"/>
+          </a:fillRef>
+          <a:effectRef idx="0">
+            <a:scrgbClr r="0" g="0" b="0"/>
+          </a:effectRef>
+          <a:fontRef idx="none"/>
+        </p:style>
+        <p:txBody>
+          <a:bodyPr rot="0" spcFirstLastPara="1" vertOverflow="overflow" horzOverflow="overflow" vert="horz" wrap="square" lIns="45718" tIns="45718" rIns="45718" bIns="45718" numCol="1" spcCol="38100" rtlCol="0" anchor="t">
+            <a:spAutoFit/>
+          </a:bodyPr>
+          <a:lstStyle/>
+          <a:p>
+            <a:pPr marL="0" indent="0" algn="just">
+              <a:buNone/>
+            </a:pPr>
+            <a:r>
+              <a:rPr lang="pt-BR" sz="2000" dirty="0">
+                <a:latin typeface="Times New Roman" panose="02020603050405020304" pitchFamily="18" charset="0"/>
+                <a:cs typeface="Times New Roman" panose="02020603050405020304" pitchFamily="18" charset="0"/>
+              </a:rPr>
+              <a:t>&lt;</a:t>
+            </a:r>
+            <a:r>
+              <a:rPr lang="pt-BR" sz="2000" b="1" dirty="0" err="1">
+                <a:latin typeface="Times New Roman" panose="02020603050405020304" pitchFamily="18" charset="0"/>
+                <a:cs typeface="Times New Roman" panose="02020603050405020304" pitchFamily="18" charset="0"/>
+              </a:rPr>
+              <a:t>tr</a:t>
+            </a:r>
+            <a:r>
+              <a:rPr lang="pt-BR" sz="2000" dirty="0">
+                <a:latin typeface="Times New Roman" panose="02020603050405020304" pitchFamily="18" charset="0"/>
+                <a:cs typeface="Times New Roman" panose="02020603050405020304" pitchFamily="18" charset="0"/>
+              </a:rPr>
+              <a:t>&gt;</a:t>
+            </a:r>
+          </a:p>
+          <a:p>
+            <a:pPr marL="0" indent="0" algn="just">
+              <a:buNone/>
+            </a:pPr>
+            <a:r>
+              <a:rPr lang="pt-BR" sz="2000" dirty="0">
+                <a:latin typeface="Times New Roman" panose="02020603050405020304" pitchFamily="18" charset="0"/>
+                <a:cs typeface="Times New Roman" panose="02020603050405020304" pitchFamily="18" charset="0"/>
+              </a:rPr>
+              <a:t>    &lt;</a:t>
+            </a:r>
+            <a:r>
+              <a:rPr lang="pt-BR" sz="2000" b="1" dirty="0" err="1">
+                <a:latin typeface="Times New Roman" panose="02020603050405020304" pitchFamily="18" charset="0"/>
+                <a:cs typeface="Times New Roman" panose="02020603050405020304" pitchFamily="18" charset="0"/>
+              </a:rPr>
+              <a:t>td</a:t>
+            </a:r>
+            <a:r>
+              <a:rPr lang="pt-BR" sz="2000" dirty="0">
+                <a:latin typeface="Times New Roman" panose="02020603050405020304" pitchFamily="18" charset="0"/>
+                <a:cs typeface="Times New Roman" panose="02020603050405020304" pitchFamily="18" charset="0"/>
+              </a:rPr>
+              <a:t>&gt;</a:t>
+            </a:r>
+            <a:r>
+              <a:rPr lang="pt-BR" sz="2000" dirty="0" err="1">
+                <a:latin typeface="Times New Roman" panose="02020603050405020304" pitchFamily="18" charset="0"/>
+                <a:cs typeface="Times New Roman" panose="02020603050405020304" pitchFamily="18" charset="0"/>
+              </a:rPr>
+              <a:t>February</a:t>
+            </a:r>
+            <a:r>
+              <a:rPr lang="pt-BR" sz="2000" dirty="0">
+                <a:latin typeface="Times New Roman" panose="02020603050405020304" pitchFamily="18" charset="0"/>
+                <a:cs typeface="Times New Roman" panose="02020603050405020304" pitchFamily="18" charset="0"/>
+              </a:rPr>
+              <a:t>&lt;/</a:t>
+            </a:r>
+            <a:r>
+              <a:rPr lang="pt-BR" sz="2000" dirty="0" err="1">
+                <a:latin typeface="Times New Roman" panose="02020603050405020304" pitchFamily="18" charset="0"/>
+                <a:cs typeface="Times New Roman" panose="02020603050405020304" pitchFamily="18" charset="0"/>
+              </a:rPr>
+              <a:t>td</a:t>
+            </a:r>
+            <a:r>
+              <a:rPr lang="pt-BR" sz="2000" dirty="0">
+                <a:latin typeface="Times New Roman" panose="02020603050405020304" pitchFamily="18" charset="0"/>
+                <a:cs typeface="Times New Roman" panose="02020603050405020304" pitchFamily="18" charset="0"/>
+              </a:rPr>
+              <a:t>&gt;</a:t>
+            </a:r>
+          </a:p>
+          <a:p>
+            <a:pPr marL="0" indent="0" algn="just">
+              <a:buNone/>
+            </a:pPr>
+            <a:r>
+              <a:rPr lang="pt-BR" sz="2000" dirty="0">
+                <a:latin typeface="Times New Roman" panose="02020603050405020304" pitchFamily="18" charset="0"/>
+                <a:cs typeface="Times New Roman" panose="02020603050405020304" pitchFamily="18" charset="0"/>
+              </a:rPr>
+              <a:t>    &lt;</a:t>
+            </a:r>
+            <a:r>
+              <a:rPr lang="pt-BR" sz="2000" b="1" dirty="0" err="1">
+                <a:latin typeface="Times New Roman" panose="02020603050405020304" pitchFamily="18" charset="0"/>
+                <a:cs typeface="Times New Roman" panose="02020603050405020304" pitchFamily="18" charset="0"/>
+              </a:rPr>
+              <a:t>td</a:t>
+            </a:r>
+            <a:r>
+              <a:rPr lang="pt-BR" sz="2000" dirty="0">
+                <a:latin typeface="Times New Roman" panose="02020603050405020304" pitchFamily="18" charset="0"/>
+                <a:cs typeface="Times New Roman" panose="02020603050405020304" pitchFamily="18" charset="0"/>
+              </a:rPr>
+              <a:t>&gt;$80&lt;/</a:t>
+            </a:r>
+            <a:r>
+              <a:rPr lang="pt-BR" sz="2000" dirty="0" err="1">
+                <a:latin typeface="Times New Roman" panose="02020603050405020304" pitchFamily="18" charset="0"/>
+                <a:cs typeface="Times New Roman" panose="02020603050405020304" pitchFamily="18" charset="0"/>
+              </a:rPr>
+              <a:t>td</a:t>
+            </a:r>
+            <a:r>
+              <a:rPr lang="pt-BR" sz="2000" dirty="0">
+                <a:latin typeface="Times New Roman" panose="02020603050405020304" pitchFamily="18" charset="0"/>
+                <a:cs typeface="Times New Roman" panose="02020603050405020304" pitchFamily="18" charset="0"/>
+              </a:rPr>
+              <a:t>&gt;</a:t>
+            </a:r>
+          </a:p>
+          <a:p>
+            <a:pPr marL="0" indent="0" algn="just">
+              <a:buNone/>
+            </a:pPr>
+            <a:r>
+              <a:rPr lang="pt-BR" sz="2000" dirty="0">
+                <a:latin typeface="Times New Roman" panose="02020603050405020304" pitchFamily="18" charset="0"/>
+                <a:cs typeface="Times New Roman" panose="02020603050405020304" pitchFamily="18" charset="0"/>
+              </a:rPr>
+              <a:t>  &lt;/</a:t>
+            </a:r>
+            <a:r>
+              <a:rPr lang="pt-BR" sz="2000" dirty="0" err="1">
+                <a:latin typeface="Times New Roman" panose="02020603050405020304" pitchFamily="18" charset="0"/>
+                <a:cs typeface="Times New Roman" panose="02020603050405020304" pitchFamily="18" charset="0"/>
+              </a:rPr>
+              <a:t>tr</a:t>
+            </a:r>
+            <a:r>
+              <a:rPr lang="pt-BR" sz="2000" dirty="0">
+                <a:latin typeface="Times New Roman" panose="02020603050405020304" pitchFamily="18" charset="0"/>
+                <a:cs typeface="Times New Roman" panose="02020603050405020304" pitchFamily="18" charset="0"/>
+              </a:rPr>
+              <a:t>&gt;</a:t>
+            </a:r>
+          </a:p>
+          <a:p>
+            <a:pPr marL="0" indent="0" algn="just">
+              <a:buNone/>
+            </a:pPr>
+            <a:r>
+              <a:rPr lang="pt-BR" sz="2000" dirty="0">
+                <a:latin typeface="Times New Roman" panose="02020603050405020304" pitchFamily="18" charset="0"/>
+                <a:cs typeface="Times New Roman" panose="02020603050405020304" pitchFamily="18" charset="0"/>
+              </a:rPr>
+              <a:t>&lt;/</a:t>
+            </a:r>
+            <a:r>
+              <a:rPr lang="pt-BR" sz="2000" b="1" dirty="0" err="1">
+                <a:latin typeface="Times New Roman" panose="02020603050405020304" pitchFamily="18" charset="0"/>
+                <a:cs typeface="Times New Roman" panose="02020603050405020304" pitchFamily="18" charset="0"/>
+              </a:rPr>
               <a:t>table</a:t>
             </a:r>
             <a:r>
@@ -27502,246 +30080,46 @@
                 <a:latin typeface="Times New Roman" panose="02020603050405020304" pitchFamily="18" charset="0"/>
                 <a:cs typeface="Times New Roman" panose="02020603050405020304" pitchFamily="18" charset="0"/>
               </a:rPr>
-              <a:t>&gt; define uma tabela HTML.</a:t>
-            </a:r>
-          </a:p>
-          <a:p>
-            <a:pPr marL="0" indent="0" algn="just">
-              <a:buNone/>
-            </a:pPr>
-            <a:endParaRPr lang="pt-BR" sz="2000" dirty="0">
-              <a:latin typeface="Times New Roman" panose="02020603050405020304" pitchFamily="18" charset="0"/>
-              <a:cs typeface="Times New Roman" panose="02020603050405020304" pitchFamily="18" charset="0"/>
+              <a:t>&gt;</a:t>
+            </a:r>
+          </a:p>
+          <a:p>
+            <a:pPr marL="0" marR="0" indent="0" algn="l" defTabSz="457200" rtl="0" fontAlgn="auto" latinLnBrk="0" hangingPunct="0">
+              <a:lnSpc>
+                <a:spcPct val="100000"/>
+              </a:lnSpc>
+              <a:spcBef>
+                <a:spcPts val="0"/>
+              </a:spcBef>
+              <a:spcAft>
+                <a:spcPts val="0"/>
+              </a:spcAft>
+              <a:buClrTx/>
+              <a:buSzTx/>
+              <a:buFontTx/>
+              <a:buNone/>
+            </a:pPr>
+            <a:endParaRPr kumimoji="0" lang="pt-BR" sz="2000" b="0" i="0" u="none" strike="noStrike" cap="none" spc="0" normalizeH="0" baseline="0" dirty="0">
+              <a:ln>
+                <a:noFill/>
+              </a:ln>
+              <a:solidFill>
+                <a:srgbClr val="000000"/>
+              </a:solidFill>
+              <a:effectLst/>
+              <a:uFillTx/>
+              <a:latin typeface="+mj-lt"/>
+              <a:ea typeface="+mj-ea"/>
+              <a:cs typeface="+mj-cs"/>
+              <a:sym typeface="Calibri"/>
             </a:endParaRPr>
-          </a:p>
-          <a:p>
-            <a:pPr marL="0" indent="0" algn="just">
-              <a:buNone/>
-            </a:pPr>
-            <a:r>
-              <a:rPr lang="pt-BR" sz="2000" dirty="0">
-                <a:latin typeface="Times New Roman" panose="02020603050405020304" pitchFamily="18" charset="0"/>
-                <a:cs typeface="Times New Roman" panose="02020603050405020304" pitchFamily="18" charset="0"/>
-              </a:rPr>
-              <a:t>Uma tabela HTML consiste em um elemento &lt;</a:t>
-            </a:r>
-            <a:r>
-              <a:rPr lang="pt-BR" sz="2000" dirty="0" err="1">
-                <a:latin typeface="Times New Roman" panose="02020603050405020304" pitchFamily="18" charset="0"/>
-                <a:cs typeface="Times New Roman" panose="02020603050405020304" pitchFamily="18" charset="0"/>
-              </a:rPr>
-              <a:t>table</a:t>
-            </a:r>
-            <a:r>
-              <a:rPr lang="pt-BR" sz="2000" dirty="0">
-                <a:latin typeface="Times New Roman" panose="02020603050405020304" pitchFamily="18" charset="0"/>
-                <a:cs typeface="Times New Roman" panose="02020603050405020304" pitchFamily="18" charset="0"/>
-              </a:rPr>
-              <a:t>&gt; e um ou mais elementos &lt;</a:t>
-            </a:r>
-            <a:r>
-              <a:rPr lang="pt-BR" sz="2000" dirty="0" err="1">
-                <a:latin typeface="Times New Roman" panose="02020603050405020304" pitchFamily="18" charset="0"/>
-                <a:cs typeface="Times New Roman" panose="02020603050405020304" pitchFamily="18" charset="0"/>
-              </a:rPr>
-              <a:t>tr</a:t>
-            </a:r>
-            <a:r>
-              <a:rPr lang="pt-BR" sz="2000" dirty="0">
-                <a:latin typeface="Times New Roman" panose="02020603050405020304" pitchFamily="18" charset="0"/>
-                <a:cs typeface="Times New Roman" panose="02020603050405020304" pitchFamily="18" charset="0"/>
-              </a:rPr>
-              <a:t>&gt;, &lt;</a:t>
-            </a:r>
-            <a:r>
-              <a:rPr lang="pt-BR" sz="2000" dirty="0" err="1">
-                <a:latin typeface="Times New Roman" panose="02020603050405020304" pitchFamily="18" charset="0"/>
-                <a:cs typeface="Times New Roman" panose="02020603050405020304" pitchFamily="18" charset="0"/>
-              </a:rPr>
-              <a:t>th</a:t>
-            </a:r>
-            <a:r>
-              <a:rPr lang="pt-BR" sz="2000" dirty="0">
-                <a:latin typeface="Times New Roman" panose="02020603050405020304" pitchFamily="18" charset="0"/>
-                <a:cs typeface="Times New Roman" panose="02020603050405020304" pitchFamily="18" charset="0"/>
-              </a:rPr>
-              <a:t>&gt; e &lt;</a:t>
-            </a:r>
-            <a:r>
-              <a:rPr lang="pt-BR" sz="2000" dirty="0" err="1">
-                <a:latin typeface="Times New Roman" panose="02020603050405020304" pitchFamily="18" charset="0"/>
-                <a:cs typeface="Times New Roman" panose="02020603050405020304" pitchFamily="18" charset="0"/>
-              </a:rPr>
-              <a:t>td</a:t>
-            </a:r>
-            <a:r>
-              <a:rPr lang="pt-BR" sz="2000" dirty="0">
-                <a:latin typeface="Times New Roman" panose="02020603050405020304" pitchFamily="18" charset="0"/>
-                <a:cs typeface="Times New Roman" panose="02020603050405020304" pitchFamily="18" charset="0"/>
-              </a:rPr>
-              <a:t>&gt;.</a:t>
-            </a:r>
-          </a:p>
-          <a:p>
-            <a:pPr marL="0" indent="0" algn="just">
-              <a:buNone/>
-            </a:pPr>
-            <a:endParaRPr lang="pt-BR" sz="2000" dirty="0">
-              <a:latin typeface="Times New Roman" panose="02020603050405020304" pitchFamily="18" charset="0"/>
-              <a:cs typeface="Times New Roman" panose="02020603050405020304" pitchFamily="18" charset="0"/>
-            </a:endParaRPr>
-          </a:p>
-          <a:p>
-            <a:pPr marL="0" indent="0" algn="just">
-              <a:buNone/>
-            </a:pPr>
-            <a:r>
-              <a:rPr lang="pt-BR" sz="2000" dirty="0">
-                <a:latin typeface="Times New Roman" panose="02020603050405020304" pitchFamily="18" charset="0"/>
-                <a:cs typeface="Times New Roman" panose="02020603050405020304" pitchFamily="18" charset="0"/>
-              </a:rPr>
-              <a:t>O elemento &lt;</a:t>
-            </a:r>
-            <a:r>
-              <a:rPr lang="pt-BR" sz="2000" dirty="0" err="1">
-                <a:latin typeface="Times New Roman" panose="02020603050405020304" pitchFamily="18" charset="0"/>
-                <a:cs typeface="Times New Roman" panose="02020603050405020304" pitchFamily="18" charset="0"/>
-              </a:rPr>
-              <a:t>tr</a:t>
-            </a:r>
-            <a:r>
-              <a:rPr lang="pt-BR" sz="2000" dirty="0">
-                <a:latin typeface="Times New Roman" panose="02020603050405020304" pitchFamily="18" charset="0"/>
-                <a:cs typeface="Times New Roman" panose="02020603050405020304" pitchFamily="18" charset="0"/>
-              </a:rPr>
-              <a:t>&gt; define uma linha de tabela, o elemento &lt;</a:t>
-            </a:r>
-            <a:r>
-              <a:rPr lang="pt-BR" sz="2000" dirty="0" err="1">
-                <a:latin typeface="Times New Roman" panose="02020603050405020304" pitchFamily="18" charset="0"/>
-                <a:cs typeface="Times New Roman" panose="02020603050405020304" pitchFamily="18" charset="0"/>
-              </a:rPr>
-              <a:t>th</a:t>
-            </a:r>
-            <a:r>
-              <a:rPr lang="pt-BR" sz="2000" dirty="0">
-                <a:latin typeface="Times New Roman" panose="02020603050405020304" pitchFamily="18" charset="0"/>
-                <a:cs typeface="Times New Roman" panose="02020603050405020304" pitchFamily="18" charset="0"/>
-              </a:rPr>
-              <a:t>&gt; define um cabeçalho de tabela e o elemento &lt;</a:t>
-            </a:r>
-            <a:r>
-              <a:rPr lang="pt-BR" sz="2000" dirty="0" err="1">
-                <a:latin typeface="Times New Roman" panose="02020603050405020304" pitchFamily="18" charset="0"/>
-                <a:cs typeface="Times New Roman" panose="02020603050405020304" pitchFamily="18" charset="0"/>
-              </a:rPr>
-              <a:t>td</a:t>
-            </a:r>
-            <a:r>
-              <a:rPr lang="pt-BR" sz="2000" dirty="0">
-                <a:latin typeface="Times New Roman" panose="02020603050405020304" pitchFamily="18" charset="0"/>
-                <a:cs typeface="Times New Roman" panose="02020603050405020304" pitchFamily="18" charset="0"/>
-              </a:rPr>
-              <a:t>&gt; define uma célula de tabela.</a:t>
-            </a:r>
-          </a:p>
-          <a:p>
-            <a:pPr marL="0" indent="0" algn="just">
-              <a:buNone/>
-            </a:pPr>
-            <a:endParaRPr lang="pt-BR" sz="2000" dirty="0">
-              <a:latin typeface="Times New Roman" panose="02020603050405020304" pitchFamily="18" charset="0"/>
-              <a:cs typeface="Times New Roman" panose="02020603050405020304" pitchFamily="18" charset="0"/>
-            </a:endParaRPr>
-          </a:p>
-          <a:p>
-            <a:pPr marL="0" indent="0" algn="just">
-              <a:buNone/>
-            </a:pPr>
-            <a:r>
-              <a:rPr lang="pt-BR" sz="2000" dirty="0">
-                <a:latin typeface="Times New Roman" panose="02020603050405020304" pitchFamily="18" charset="0"/>
-                <a:cs typeface="Times New Roman" panose="02020603050405020304" pitchFamily="18" charset="0"/>
-              </a:rPr>
-              <a:t>Uma tabela HTML também pode incluir elementos &lt;</a:t>
-            </a:r>
-            <a:r>
-              <a:rPr lang="pt-BR" sz="2000" dirty="0" err="1">
-                <a:latin typeface="Times New Roman" panose="02020603050405020304" pitchFamily="18" charset="0"/>
-                <a:cs typeface="Times New Roman" panose="02020603050405020304" pitchFamily="18" charset="0"/>
-              </a:rPr>
-              <a:t>caption</a:t>
-            </a:r>
-            <a:r>
-              <a:rPr lang="pt-BR" sz="2000" dirty="0">
-                <a:latin typeface="Times New Roman" panose="02020603050405020304" pitchFamily="18" charset="0"/>
-                <a:cs typeface="Times New Roman" panose="02020603050405020304" pitchFamily="18" charset="0"/>
-              </a:rPr>
-              <a:t>&gt;, &lt;</a:t>
-            </a:r>
-            <a:r>
-              <a:rPr lang="pt-BR" sz="2000" dirty="0" err="1">
-                <a:latin typeface="Times New Roman" panose="02020603050405020304" pitchFamily="18" charset="0"/>
-                <a:cs typeface="Times New Roman" panose="02020603050405020304" pitchFamily="18" charset="0"/>
-              </a:rPr>
-              <a:t>colgroup</a:t>
-            </a:r>
-            <a:r>
-              <a:rPr lang="pt-BR" sz="2000" dirty="0">
-                <a:latin typeface="Times New Roman" panose="02020603050405020304" pitchFamily="18" charset="0"/>
-                <a:cs typeface="Times New Roman" panose="02020603050405020304" pitchFamily="18" charset="0"/>
-              </a:rPr>
-              <a:t>&gt;, &lt;</a:t>
-            </a:r>
-            <a:r>
-              <a:rPr lang="pt-BR" sz="2000" dirty="0" err="1">
-                <a:latin typeface="Times New Roman" panose="02020603050405020304" pitchFamily="18" charset="0"/>
-                <a:cs typeface="Times New Roman" panose="02020603050405020304" pitchFamily="18" charset="0"/>
-              </a:rPr>
-              <a:t>thead</a:t>
-            </a:r>
-            <a:r>
-              <a:rPr lang="pt-BR" sz="2000" dirty="0">
-                <a:latin typeface="Times New Roman" panose="02020603050405020304" pitchFamily="18" charset="0"/>
-                <a:cs typeface="Times New Roman" panose="02020603050405020304" pitchFamily="18" charset="0"/>
-              </a:rPr>
-              <a:t>&gt;, &lt;</a:t>
-            </a:r>
-            <a:r>
-              <a:rPr lang="pt-BR" sz="2000" dirty="0" err="1">
-                <a:latin typeface="Times New Roman" panose="02020603050405020304" pitchFamily="18" charset="0"/>
-                <a:cs typeface="Times New Roman" panose="02020603050405020304" pitchFamily="18" charset="0"/>
-              </a:rPr>
-              <a:t>tfoot</a:t>
-            </a:r>
-            <a:r>
-              <a:rPr lang="pt-BR" sz="2000" dirty="0">
-                <a:latin typeface="Times New Roman" panose="02020603050405020304" pitchFamily="18" charset="0"/>
-                <a:cs typeface="Times New Roman" panose="02020603050405020304" pitchFamily="18" charset="0"/>
-              </a:rPr>
-              <a:t>&gt; e &lt;</a:t>
-            </a:r>
-            <a:r>
-              <a:rPr lang="pt-BR" sz="2000" dirty="0" err="1">
-                <a:latin typeface="Times New Roman" panose="02020603050405020304" pitchFamily="18" charset="0"/>
-                <a:cs typeface="Times New Roman" panose="02020603050405020304" pitchFamily="18" charset="0"/>
-              </a:rPr>
-              <a:t>tbody</a:t>
-            </a:r>
-            <a:r>
-              <a:rPr lang="pt-BR" sz="2000" dirty="0">
-                <a:latin typeface="Times New Roman" panose="02020603050405020304" pitchFamily="18" charset="0"/>
-                <a:cs typeface="Times New Roman" panose="02020603050405020304" pitchFamily="18" charset="0"/>
-              </a:rPr>
-              <a:t>&gt;.</a:t>
-            </a:r>
           </a:p>
         </p:txBody>
       </p:sp>
     </p:spTree>
     <p:extLst>
       <p:ext uri="{BB962C8B-B14F-4D97-AF65-F5344CB8AC3E}">
-        <p14:creationId xmlns:p14="http://schemas.microsoft.com/office/powerpoint/2010/main" val="2657806634"/>
+        <p14:creationId xmlns:p14="http://schemas.microsoft.com/office/powerpoint/2010/main" val="2983590829"/>
       </p:ext>
     </p:extLst>
   </p:cSld>
@@ -27792,13 +30170,34 @@
           <a:lstStyle/>
           <a:p>
             <a:r>
+              <a:rPr lang="en-US" b="1" dirty="0" err="1">
+                <a:solidFill>
+                  <a:srgbClr val="0070C0"/>
+                </a:solidFill>
+              </a:rPr>
+              <a:t>Leitura</a:t>
+            </a:r>
+            <a:r>
               <a:rPr lang="en-US" b="1" dirty="0">
                 <a:solidFill>
                   <a:srgbClr val="0070C0"/>
                 </a:solidFill>
               </a:rPr>
-              <a:t>HTML – Table</a:t>
-            </a:r>
+              <a:t> </a:t>
+            </a:r>
+            <a:r>
+              <a:rPr lang="en-US" b="1" dirty="0" err="1">
+                <a:solidFill>
+                  <a:srgbClr val="0070C0"/>
+                </a:solidFill>
+              </a:rPr>
+              <a:t>Específica</a:t>
+            </a:r>
+            <a:endParaRPr lang="en-US" b="1" dirty="0">
+              <a:solidFill>
+                <a:srgbClr val="0070C0"/>
+              </a:solidFill>
+            </a:endParaRPr>
           </a:p>
         </p:txBody>
       </p:sp>
@@ -27814,8 +30213,8 @@
         </p:nvSpPr>
         <p:spPr>
           <a:xfrm>
-            <a:off x="142865" y="1024786"/>
-            <a:ext cx="8865056" cy="3900208"/>
+            <a:off x="142865" y="1012261"/>
+            <a:ext cx="8865056" cy="3394472"/>
           </a:xfrm>
         </p:spPr>
         <p:txBody>
@@ -27828,667 +30227,159 @@
               <a:buNone/>
             </a:pPr>
             <a:r>
+              <a:rPr lang="pt-BR" sz="1800" dirty="0">
+                <a:latin typeface="Times New Roman" panose="02020603050405020304" pitchFamily="18" charset="0"/>
+                <a:cs typeface="Times New Roman" panose="02020603050405020304" pitchFamily="18" charset="0"/>
+              </a:rPr>
+              <a:t>[1] </a:t>
+            </a:r>
+            <a:r>
               <a:rPr lang="pt-BR" sz="1800" b="1" dirty="0">
                 <a:latin typeface="Times New Roman" panose="02020603050405020304" pitchFamily="18" charset="0"/>
                 <a:cs typeface="Times New Roman" panose="02020603050405020304" pitchFamily="18" charset="0"/>
               </a:rPr>
-              <a:t>Exemplo:</a:t>
-            </a:r>
-          </a:p>
-        </p:txBody>
-      </p:sp>
-      <p:sp>
-        <p:nvSpPr>
-          <p:cNvPr id="2" name="CaixaDeTexto 1">
-            <a:extLst>
-              <a:ext uri="{FF2B5EF4-FFF2-40B4-BE49-F238E27FC236}">
-                <a16:creationId xmlns:a16="http://schemas.microsoft.com/office/drawing/2014/main" id="{019C0F3D-11C2-4EBF-A573-E77D8BEAA37F}"/>
-              </a:ext>
-            </a:extLst>
-          </p:cNvPr>
-          <p:cNvSpPr txBox="1"/>
-          <p:nvPr/>
-        </p:nvSpPr>
-        <p:spPr>
-          <a:xfrm>
-            <a:off x="294362" y="1557020"/>
-            <a:ext cx="2561572" cy="3170095"/>
-          </a:xfrm>
-          <a:prstGeom prst="rect">
-            <a:avLst/>
-          </a:prstGeom>
-          <a:noFill/>
-          <a:ln w="12700" cap="flat">
-            <a:noFill/>
-            <a:miter lim="400000"/>
-          </a:ln>
-        </p:spPr>
-        <p:style>
-          <a:lnRef idx="0">
-            <a:scrgbClr r="0" g="0" b="0"/>
-          </a:lnRef>
-          <a:fillRef idx="0">
-            <a:scrgbClr r="0" g="0" b="0"/>
-          </a:fillRef>
-          <a:effectRef idx="0">
-            <a:scrgbClr r="0" g="0" b="0"/>
-          </a:effectRef>
-          <a:fontRef idx="none"/>
-        </p:style>
-        <p:txBody>
-          <a:bodyPr rot="0" spcFirstLastPara="1" vertOverflow="overflow" horzOverflow="overflow" vert="horz" wrap="square" lIns="45718" tIns="45718" rIns="45718" bIns="45718" numCol="1" spcCol="38100" rtlCol="0" anchor="t">
-            <a:spAutoFit/>
-          </a:bodyPr>
-          <a:lstStyle/>
-          <a:p>
-            <a:pPr marL="0" indent="0" algn="just">
-              <a:buNone/>
-            </a:pPr>
-            <a:r>
-              <a:rPr lang="pt-BR" sz="2000" dirty="0">
-                <a:latin typeface="Times New Roman" panose="02020603050405020304" pitchFamily="18" charset="0"/>
-                <a:cs typeface="Times New Roman" panose="02020603050405020304" pitchFamily="18" charset="0"/>
-              </a:rPr>
-              <a:t>&lt;</a:t>
-            </a:r>
-            <a:r>
-              <a:rPr lang="pt-BR" sz="2000" dirty="0" err="1">
-                <a:latin typeface="Times New Roman" panose="02020603050405020304" pitchFamily="18" charset="0"/>
-                <a:cs typeface="Times New Roman" panose="02020603050405020304" pitchFamily="18" charset="0"/>
-              </a:rPr>
-              <a:t>table</a:t>
-            </a:r>
-            <a:r>
-              <a:rPr lang="pt-BR" sz="2000" dirty="0">
-                <a:latin typeface="Times New Roman" panose="02020603050405020304" pitchFamily="18" charset="0"/>
-                <a:cs typeface="Times New Roman" panose="02020603050405020304" pitchFamily="18" charset="0"/>
-              </a:rPr>
-              <a:t>&gt;</a:t>
-            </a:r>
-          </a:p>
-          <a:p>
-            <a:pPr marL="0" indent="0" algn="just">
-              <a:buNone/>
-            </a:pPr>
-            <a:r>
-              <a:rPr lang="pt-BR" sz="2000" dirty="0">
-                <a:latin typeface="Times New Roman" panose="02020603050405020304" pitchFamily="18" charset="0"/>
-                <a:cs typeface="Times New Roman" panose="02020603050405020304" pitchFamily="18" charset="0"/>
-              </a:rPr>
-              <a:t>  &lt;</a:t>
-            </a:r>
-            <a:r>
-              <a:rPr lang="pt-BR" sz="2000" dirty="0" err="1">
-                <a:latin typeface="Times New Roman" panose="02020603050405020304" pitchFamily="18" charset="0"/>
-                <a:cs typeface="Times New Roman" panose="02020603050405020304" pitchFamily="18" charset="0"/>
-              </a:rPr>
-              <a:t>tr</a:t>
-            </a:r>
-            <a:r>
-              <a:rPr lang="pt-BR" sz="2000" dirty="0">
-                <a:latin typeface="Times New Roman" panose="02020603050405020304" pitchFamily="18" charset="0"/>
-                <a:cs typeface="Times New Roman" panose="02020603050405020304" pitchFamily="18" charset="0"/>
-              </a:rPr>
-              <a:t>&gt;</a:t>
-            </a:r>
-          </a:p>
-          <a:p>
-            <a:pPr marL="0" indent="0" algn="just">
-              <a:buNone/>
-            </a:pPr>
-            <a:r>
-              <a:rPr lang="pt-BR" sz="2000" dirty="0">
-                <a:latin typeface="Times New Roman" panose="02020603050405020304" pitchFamily="18" charset="0"/>
-                <a:cs typeface="Times New Roman" panose="02020603050405020304" pitchFamily="18" charset="0"/>
-              </a:rPr>
-              <a:t>    &lt;</a:t>
-            </a:r>
-            <a:r>
-              <a:rPr lang="pt-BR" sz="2000" dirty="0" err="1">
-                <a:latin typeface="Times New Roman" panose="02020603050405020304" pitchFamily="18" charset="0"/>
-                <a:cs typeface="Times New Roman" panose="02020603050405020304" pitchFamily="18" charset="0"/>
-              </a:rPr>
-              <a:t>th</a:t>
-            </a:r>
-            <a:r>
-              <a:rPr lang="pt-BR" sz="2000" dirty="0">
-                <a:latin typeface="Times New Roman" panose="02020603050405020304" pitchFamily="18" charset="0"/>
-                <a:cs typeface="Times New Roman" panose="02020603050405020304" pitchFamily="18" charset="0"/>
-              </a:rPr>
-              <a:t>&gt;</a:t>
-            </a:r>
-            <a:r>
-              <a:rPr lang="pt-BR" sz="2000" dirty="0" err="1">
-                <a:latin typeface="Times New Roman" panose="02020603050405020304" pitchFamily="18" charset="0"/>
-                <a:cs typeface="Times New Roman" panose="02020603050405020304" pitchFamily="18" charset="0"/>
-              </a:rPr>
-              <a:t>Month</a:t>
-            </a:r>
-            <a:r>
-              <a:rPr lang="pt-BR" sz="2000" dirty="0">
-                <a:latin typeface="Times New Roman" panose="02020603050405020304" pitchFamily="18" charset="0"/>
-                <a:cs typeface="Times New Roman" panose="02020603050405020304" pitchFamily="18" charset="0"/>
-              </a:rPr>
-              <a:t>&lt;/</a:t>
-            </a:r>
-            <a:r>
-              <a:rPr lang="pt-BR" sz="2000" dirty="0" err="1">
-                <a:latin typeface="Times New Roman" panose="02020603050405020304" pitchFamily="18" charset="0"/>
-                <a:cs typeface="Times New Roman" panose="02020603050405020304" pitchFamily="18" charset="0"/>
-              </a:rPr>
-              <a:t>th</a:t>
-            </a:r>
-            <a:r>
-              <a:rPr lang="pt-BR" sz="2000" dirty="0">
-                <a:latin typeface="Times New Roman" panose="02020603050405020304" pitchFamily="18" charset="0"/>
-                <a:cs typeface="Times New Roman" panose="02020603050405020304" pitchFamily="18" charset="0"/>
-              </a:rPr>
-              <a:t>&gt;</a:t>
-            </a:r>
-          </a:p>
-          <a:p>
-            <a:pPr marL="0" indent="0" algn="just">
-              <a:buNone/>
-            </a:pPr>
-            <a:r>
-              <a:rPr lang="pt-BR" sz="2000" dirty="0">
-                <a:latin typeface="Times New Roman" panose="02020603050405020304" pitchFamily="18" charset="0"/>
-                <a:cs typeface="Times New Roman" panose="02020603050405020304" pitchFamily="18" charset="0"/>
-              </a:rPr>
-              <a:t>    &lt;</a:t>
-            </a:r>
-            <a:r>
-              <a:rPr lang="pt-BR" sz="2000" dirty="0" err="1">
-                <a:latin typeface="Times New Roman" panose="02020603050405020304" pitchFamily="18" charset="0"/>
-                <a:cs typeface="Times New Roman" panose="02020603050405020304" pitchFamily="18" charset="0"/>
-              </a:rPr>
-              <a:t>th</a:t>
-            </a:r>
-            <a:r>
-              <a:rPr lang="pt-BR" sz="2000" dirty="0">
-                <a:latin typeface="Times New Roman" panose="02020603050405020304" pitchFamily="18" charset="0"/>
-                <a:cs typeface="Times New Roman" panose="02020603050405020304" pitchFamily="18" charset="0"/>
-              </a:rPr>
-              <a:t>&gt;</a:t>
-            </a:r>
-            <a:r>
-              <a:rPr lang="pt-BR" sz="2000" dirty="0" err="1">
-                <a:latin typeface="Times New Roman" panose="02020603050405020304" pitchFamily="18" charset="0"/>
-                <a:cs typeface="Times New Roman" panose="02020603050405020304" pitchFamily="18" charset="0"/>
-              </a:rPr>
-              <a:t>Savings</a:t>
-            </a:r>
-            <a:r>
-              <a:rPr lang="pt-BR" sz="2000" dirty="0">
-                <a:latin typeface="Times New Roman" panose="02020603050405020304" pitchFamily="18" charset="0"/>
-                <a:cs typeface="Times New Roman" panose="02020603050405020304" pitchFamily="18" charset="0"/>
-              </a:rPr>
-              <a:t>&lt;/</a:t>
-            </a:r>
-            <a:r>
-              <a:rPr lang="pt-BR" sz="2000" dirty="0" err="1">
-                <a:latin typeface="Times New Roman" panose="02020603050405020304" pitchFamily="18" charset="0"/>
-                <a:cs typeface="Times New Roman" panose="02020603050405020304" pitchFamily="18" charset="0"/>
-              </a:rPr>
-              <a:t>th</a:t>
-            </a:r>
-            <a:r>
-              <a:rPr lang="pt-BR" sz="2000" dirty="0">
-                <a:latin typeface="Times New Roman" panose="02020603050405020304" pitchFamily="18" charset="0"/>
-                <a:cs typeface="Times New Roman" panose="02020603050405020304" pitchFamily="18" charset="0"/>
-              </a:rPr>
-              <a:t>&gt;</a:t>
-            </a:r>
-          </a:p>
-          <a:p>
-            <a:pPr marL="0" indent="0" algn="just">
-              <a:buNone/>
-            </a:pPr>
-            <a:r>
-              <a:rPr lang="pt-BR" sz="2000" dirty="0">
-                <a:latin typeface="Times New Roman" panose="02020603050405020304" pitchFamily="18" charset="0"/>
-                <a:cs typeface="Times New Roman" panose="02020603050405020304" pitchFamily="18" charset="0"/>
-              </a:rPr>
-              <a:t>  &lt;/</a:t>
-            </a:r>
-            <a:r>
-              <a:rPr lang="pt-BR" sz="2000" dirty="0" err="1">
-                <a:latin typeface="Times New Roman" panose="02020603050405020304" pitchFamily="18" charset="0"/>
-                <a:cs typeface="Times New Roman" panose="02020603050405020304" pitchFamily="18" charset="0"/>
-              </a:rPr>
-              <a:t>tr</a:t>
-            </a:r>
-            <a:r>
-              <a:rPr lang="pt-BR" sz="2000" dirty="0">
-                <a:latin typeface="Times New Roman" panose="02020603050405020304" pitchFamily="18" charset="0"/>
-                <a:cs typeface="Times New Roman" panose="02020603050405020304" pitchFamily="18" charset="0"/>
-              </a:rPr>
-              <a:t>&gt;</a:t>
-            </a:r>
-          </a:p>
-          <a:p>
-            <a:pPr marL="0" indent="0" algn="just">
-              <a:buNone/>
-            </a:pPr>
-            <a:r>
-              <a:rPr lang="pt-BR" sz="2000" dirty="0">
-                <a:latin typeface="Times New Roman" panose="02020603050405020304" pitchFamily="18" charset="0"/>
-                <a:cs typeface="Times New Roman" panose="02020603050405020304" pitchFamily="18" charset="0"/>
-              </a:rPr>
-              <a:t>  &lt;</a:t>
-            </a:r>
-            <a:r>
-              <a:rPr lang="pt-BR" sz="2000" dirty="0" err="1">
-                <a:latin typeface="Times New Roman" panose="02020603050405020304" pitchFamily="18" charset="0"/>
-                <a:cs typeface="Times New Roman" panose="02020603050405020304" pitchFamily="18" charset="0"/>
-              </a:rPr>
-              <a:t>tr</a:t>
-            </a:r>
-            <a:r>
-              <a:rPr lang="pt-BR" sz="2000" dirty="0">
-                <a:latin typeface="Times New Roman" panose="02020603050405020304" pitchFamily="18" charset="0"/>
-                <a:cs typeface="Times New Roman" panose="02020603050405020304" pitchFamily="18" charset="0"/>
-              </a:rPr>
-              <a:t>&gt;</a:t>
-            </a:r>
-          </a:p>
-          <a:p>
-            <a:pPr marL="0" indent="0" algn="just">
-              <a:buNone/>
-            </a:pPr>
-            <a:r>
-              <a:rPr lang="pt-BR" sz="2000" dirty="0">
-                <a:latin typeface="Times New Roman" panose="02020603050405020304" pitchFamily="18" charset="0"/>
-                <a:cs typeface="Times New Roman" panose="02020603050405020304" pitchFamily="18" charset="0"/>
-              </a:rPr>
-              <a:t>    &lt;</a:t>
-            </a:r>
-            <a:r>
-              <a:rPr lang="pt-BR" sz="2000" dirty="0" err="1">
-                <a:latin typeface="Times New Roman" panose="02020603050405020304" pitchFamily="18" charset="0"/>
-                <a:cs typeface="Times New Roman" panose="02020603050405020304" pitchFamily="18" charset="0"/>
-              </a:rPr>
-              <a:t>td</a:t>
-            </a:r>
-            <a:r>
-              <a:rPr lang="pt-BR" sz="2000" dirty="0">
-                <a:latin typeface="Times New Roman" panose="02020603050405020304" pitchFamily="18" charset="0"/>
-                <a:cs typeface="Times New Roman" panose="02020603050405020304" pitchFamily="18" charset="0"/>
-              </a:rPr>
-              <a:t>&gt;</a:t>
-            </a:r>
-            <a:r>
-              <a:rPr lang="pt-BR" sz="2000" dirty="0" err="1">
-                <a:latin typeface="Times New Roman" panose="02020603050405020304" pitchFamily="18" charset="0"/>
-                <a:cs typeface="Times New Roman" panose="02020603050405020304" pitchFamily="18" charset="0"/>
-              </a:rPr>
-              <a:t>January</a:t>
-            </a:r>
-            <a:r>
-              <a:rPr lang="pt-BR" sz="2000" dirty="0">
-                <a:latin typeface="Times New Roman" panose="02020603050405020304" pitchFamily="18" charset="0"/>
-                <a:cs typeface="Times New Roman" panose="02020603050405020304" pitchFamily="18" charset="0"/>
-              </a:rPr>
-              <a:t>&lt;/</a:t>
-            </a:r>
-            <a:r>
-              <a:rPr lang="pt-BR" sz="2000" dirty="0" err="1">
-                <a:latin typeface="Times New Roman" panose="02020603050405020304" pitchFamily="18" charset="0"/>
-                <a:cs typeface="Times New Roman" panose="02020603050405020304" pitchFamily="18" charset="0"/>
-              </a:rPr>
-              <a:t>td</a:t>
-            </a:r>
-            <a:r>
-              <a:rPr lang="pt-BR" sz="2000" dirty="0">
-                <a:latin typeface="Times New Roman" panose="02020603050405020304" pitchFamily="18" charset="0"/>
-                <a:cs typeface="Times New Roman" panose="02020603050405020304" pitchFamily="18" charset="0"/>
-              </a:rPr>
-              <a:t>&gt;</a:t>
-            </a:r>
-          </a:p>
-          <a:p>
-            <a:pPr marL="0" indent="0" algn="just">
-              <a:buNone/>
-            </a:pPr>
-            <a:r>
-              <a:rPr lang="pt-BR" sz="2000" dirty="0">
-                <a:latin typeface="Times New Roman" panose="02020603050405020304" pitchFamily="18" charset="0"/>
-                <a:cs typeface="Times New Roman" panose="02020603050405020304" pitchFamily="18" charset="0"/>
-              </a:rPr>
-              <a:t>    &lt;</a:t>
-            </a:r>
-            <a:r>
-              <a:rPr lang="pt-BR" sz="2000" dirty="0" err="1">
-                <a:latin typeface="Times New Roman" panose="02020603050405020304" pitchFamily="18" charset="0"/>
-                <a:cs typeface="Times New Roman" panose="02020603050405020304" pitchFamily="18" charset="0"/>
-              </a:rPr>
-              <a:t>td</a:t>
-            </a:r>
-            <a:r>
-              <a:rPr lang="pt-BR" sz="2000" dirty="0">
-                <a:latin typeface="Times New Roman" panose="02020603050405020304" pitchFamily="18" charset="0"/>
-                <a:cs typeface="Times New Roman" panose="02020603050405020304" pitchFamily="18" charset="0"/>
-              </a:rPr>
-              <a:t>&gt;$100&lt;/</a:t>
-            </a:r>
-            <a:r>
-              <a:rPr lang="pt-BR" sz="2000" dirty="0" err="1">
-                <a:latin typeface="Times New Roman" panose="02020603050405020304" pitchFamily="18" charset="0"/>
-                <a:cs typeface="Times New Roman" panose="02020603050405020304" pitchFamily="18" charset="0"/>
-              </a:rPr>
-              <a:t>td</a:t>
-            </a:r>
-            <a:r>
-              <a:rPr lang="pt-BR" sz="2000" dirty="0">
-                <a:latin typeface="Times New Roman" panose="02020603050405020304" pitchFamily="18" charset="0"/>
-                <a:cs typeface="Times New Roman" panose="02020603050405020304" pitchFamily="18" charset="0"/>
-              </a:rPr>
-              <a:t>&gt;</a:t>
-            </a:r>
-          </a:p>
-          <a:p>
-            <a:pPr marL="0" indent="0" algn="just">
-              <a:buNone/>
-            </a:pPr>
-            <a:r>
-              <a:rPr lang="pt-BR" sz="2000" dirty="0">
-                <a:latin typeface="Times New Roman" panose="02020603050405020304" pitchFamily="18" charset="0"/>
-                <a:cs typeface="Times New Roman" panose="02020603050405020304" pitchFamily="18" charset="0"/>
-              </a:rPr>
-              <a:t>  &lt;/</a:t>
-            </a:r>
-            <a:r>
-              <a:rPr lang="pt-BR" sz="2000" dirty="0" err="1">
-                <a:latin typeface="Times New Roman" panose="02020603050405020304" pitchFamily="18" charset="0"/>
-                <a:cs typeface="Times New Roman" panose="02020603050405020304" pitchFamily="18" charset="0"/>
-              </a:rPr>
-              <a:t>tr</a:t>
-            </a:r>
-            <a:r>
-              <a:rPr lang="pt-BR" sz="2000" dirty="0">
-                <a:latin typeface="Times New Roman" panose="02020603050405020304" pitchFamily="18" charset="0"/>
-                <a:cs typeface="Times New Roman" panose="02020603050405020304" pitchFamily="18" charset="0"/>
-              </a:rPr>
-              <a:t>&gt;</a:t>
-            </a:r>
-          </a:p>
-          <a:p>
-            <a:pPr marL="0" marR="0" indent="0" algn="l" defTabSz="457200" rtl="0" fontAlgn="auto" latinLnBrk="0" hangingPunct="0">
-              <a:lnSpc>
-                <a:spcPct val="100000"/>
-              </a:lnSpc>
-              <a:spcBef>
-                <a:spcPts val="0"/>
-              </a:spcBef>
-              <a:spcAft>
-                <a:spcPts val="0"/>
-              </a:spcAft>
-              <a:buClrTx/>
-              <a:buSzTx/>
-              <a:buFontTx/>
-              <a:buNone/>
-            </a:pPr>
-            <a:endParaRPr kumimoji="0" lang="pt-BR" sz="2000" b="0" i="0" u="none" strike="noStrike" cap="none" spc="0" normalizeH="0" baseline="0" dirty="0">
-              <a:ln>
-                <a:noFill/>
-              </a:ln>
-              <a:solidFill>
-                <a:srgbClr val="000000"/>
-              </a:solidFill>
-              <a:effectLst/>
-              <a:uFillTx/>
-              <a:latin typeface="+mj-lt"/>
-              <a:ea typeface="+mj-ea"/>
-              <a:cs typeface="+mj-cs"/>
-              <a:sym typeface="Calibri"/>
+              <a:t>IKENO</a:t>
+            </a:r>
+            <a:r>
+              <a:rPr lang="pt-BR" sz="1800" dirty="0">
+                <a:latin typeface="Times New Roman" panose="02020603050405020304" pitchFamily="18" charset="0"/>
+                <a:cs typeface="Times New Roman" panose="02020603050405020304" pitchFamily="18" charset="0"/>
+              </a:rPr>
+              <a:t>, Sergio N.; DA COSTA MARCHI¹, </a:t>
+            </a:r>
+            <a:r>
+              <a:rPr lang="pt-BR" sz="1800" dirty="0" err="1">
+                <a:latin typeface="Times New Roman" panose="02020603050405020304" pitchFamily="18" charset="0"/>
+                <a:cs typeface="Times New Roman" panose="02020603050405020304" pitchFamily="18" charset="0"/>
+              </a:rPr>
+              <a:t>Késsia</a:t>
+            </a:r>
+            <a:r>
+              <a:rPr lang="pt-BR" sz="1800" dirty="0">
+                <a:latin typeface="Times New Roman" panose="02020603050405020304" pitchFamily="18" charset="0"/>
+                <a:cs typeface="Times New Roman" panose="02020603050405020304" pitchFamily="18" charset="0"/>
+              </a:rPr>
+              <a:t> Rita. Análise da Nova Linguagem HTML5 para o Desenvolvimento Web.</a:t>
+            </a:r>
+          </a:p>
+          <a:p>
+            <a:pPr marL="0" indent="0" algn="just">
+              <a:buNone/>
+            </a:pPr>
+            <a:r>
+              <a:rPr lang="pt-BR" sz="1800" dirty="0">
+                <a:latin typeface="Times New Roman" panose="02020603050405020304" pitchFamily="18" charset="0"/>
+                <a:cs typeface="Times New Roman" panose="02020603050405020304" pitchFamily="18" charset="0"/>
+              </a:rPr>
+              <a:t>	</a:t>
+            </a:r>
+            <a:r>
+              <a:rPr lang="pt-BR" sz="1800" b="1" dirty="0">
+                <a:latin typeface="Times New Roman" panose="02020603050405020304" pitchFamily="18" charset="0"/>
+                <a:cs typeface="Times New Roman" panose="02020603050405020304" pitchFamily="18" charset="0"/>
+              </a:rPr>
+              <a:t>Disponível em</a:t>
+            </a:r>
+            <a:r>
+              <a:rPr lang="pt-BR" sz="1800" dirty="0">
+                <a:latin typeface="Times New Roman" panose="02020603050405020304" pitchFamily="18" charset="0"/>
+                <a:cs typeface="Times New Roman" panose="02020603050405020304" pitchFamily="18" charset="0"/>
+              </a:rPr>
+              <a:t>: </a:t>
+            </a:r>
+            <a:r>
+              <a:rPr lang="pt-BR" sz="1800" dirty="0">
+                <a:latin typeface="Times New Roman" panose="02020603050405020304" pitchFamily="18" charset="0"/>
+                <a:cs typeface="Times New Roman" panose="02020603050405020304" pitchFamily="18" charset="0"/>
+                <a:hlinkClick r:id="rId3"/>
+              </a:rPr>
+              <a:t>http://siteunidavi.s3.amazonaws.com/revistaCaminhos/ano3.pdf#page=25</a:t>
+            </a:r>
+            <a:endParaRPr lang="pt-BR" sz="1800" dirty="0">
+              <a:latin typeface="Times New Roman" panose="02020603050405020304" pitchFamily="18" charset="0"/>
+              <a:cs typeface="Times New Roman" panose="02020603050405020304" pitchFamily="18" charset="0"/>
             </a:endParaRPr>
           </a:p>
-        </p:txBody>
-      </p:sp>
-      <p:sp>
-        <p:nvSpPr>
-          <p:cNvPr id="5" name="CaixaDeTexto 4">
-            <a:extLst>
-              <a:ext uri="{FF2B5EF4-FFF2-40B4-BE49-F238E27FC236}">
-                <a16:creationId xmlns:a16="http://schemas.microsoft.com/office/drawing/2014/main" id="{2330055D-9DE0-483D-96A7-A62CFFB9006C}"/>
-              </a:ext>
-            </a:extLst>
-          </p:cNvPr>
-          <p:cNvSpPr txBox="1"/>
-          <p:nvPr/>
-        </p:nvSpPr>
-        <p:spPr>
-          <a:xfrm>
-            <a:off x="4052171" y="1597731"/>
-            <a:ext cx="2561572" cy="1938988"/>
-          </a:xfrm>
-          <a:prstGeom prst="rect">
-            <a:avLst/>
-          </a:prstGeom>
-          <a:noFill/>
-          <a:ln w="12700" cap="flat">
-            <a:noFill/>
-            <a:miter lim="400000"/>
-          </a:ln>
-        </p:spPr>
-        <p:style>
-          <a:lnRef idx="0">
-            <a:scrgbClr r="0" g="0" b="0"/>
-          </a:lnRef>
-          <a:fillRef idx="0">
-            <a:scrgbClr r="0" g="0" b="0"/>
-          </a:fillRef>
-          <a:effectRef idx="0">
-            <a:scrgbClr r="0" g="0" b="0"/>
-          </a:effectRef>
-          <a:fontRef idx="none"/>
-        </p:style>
-        <p:txBody>
-          <a:bodyPr rot="0" spcFirstLastPara="1" vertOverflow="overflow" horzOverflow="overflow" vert="horz" wrap="square" lIns="45718" tIns="45718" rIns="45718" bIns="45718" numCol="1" spcCol="38100" rtlCol="0" anchor="t">
-            <a:spAutoFit/>
-          </a:bodyPr>
-          <a:lstStyle/>
-          <a:p>
-            <a:pPr marL="0" indent="0" algn="just">
-              <a:buNone/>
-            </a:pPr>
-            <a:r>
-              <a:rPr lang="pt-BR" sz="2000" dirty="0">
-                <a:latin typeface="Times New Roman" panose="02020603050405020304" pitchFamily="18" charset="0"/>
-                <a:cs typeface="Times New Roman" panose="02020603050405020304" pitchFamily="18" charset="0"/>
-              </a:rPr>
-              <a:t>&lt;</a:t>
-            </a:r>
-            <a:r>
-              <a:rPr lang="pt-BR" sz="2000" dirty="0" err="1">
-                <a:latin typeface="Times New Roman" panose="02020603050405020304" pitchFamily="18" charset="0"/>
-                <a:cs typeface="Times New Roman" panose="02020603050405020304" pitchFamily="18" charset="0"/>
-              </a:rPr>
-              <a:t>tr</a:t>
-            </a:r>
-            <a:r>
-              <a:rPr lang="pt-BR" sz="2000" dirty="0">
-                <a:latin typeface="Times New Roman" panose="02020603050405020304" pitchFamily="18" charset="0"/>
-                <a:cs typeface="Times New Roman" panose="02020603050405020304" pitchFamily="18" charset="0"/>
-              </a:rPr>
-              <a:t>&gt;</a:t>
-            </a:r>
-          </a:p>
-          <a:p>
-            <a:pPr marL="0" indent="0" algn="just">
-              <a:buNone/>
-            </a:pPr>
-            <a:r>
-              <a:rPr lang="pt-BR" sz="2000" dirty="0">
-                <a:latin typeface="Times New Roman" panose="02020603050405020304" pitchFamily="18" charset="0"/>
-                <a:cs typeface="Times New Roman" panose="02020603050405020304" pitchFamily="18" charset="0"/>
-              </a:rPr>
-              <a:t>    &lt;</a:t>
-            </a:r>
-            <a:r>
-              <a:rPr lang="pt-BR" sz="2000" dirty="0" err="1">
-                <a:latin typeface="Times New Roman" panose="02020603050405020304" pitchFamily="18" charset="0"/>
-                <a:cs typeface="Times New Roman" panose="02020603050405020304" pitchFamily="18" charset="0"/>
-              </a:rPr>
-              <a:t>td</a:t>
-            </a:r>
-            <a:r>
-              <a:rPr lang="pt-BR" sz="2000" dirty="0">
-                <a:latin typeface="Times New Roman" panose="02020603050405020304" pitchFamily="18" charset="0"/>
-                <a:cs typeface="Times New Roman" panose="02020603050405020304" pitchFamily="18" charset="0"/>
-              </a:rPr>
-              <a:t>&gt;</a:t>
-            </a:r>
-            <a:r>
-              <a:rPr lang="pt-BR" sz="2000" dirty="0" err="1">
-                <a:latin typeface="Times New Roman" panose="02020603050405020304" pitchFamily="18" charset="0"/>
-                <a:cs typeface="Times New Roman" panose="02020603050405020304" pitchFamily="18" charset="0"/>
-              </a:rPr>
-              <a:t>February</a:t>
-            </a:r>
-            <a:r>
-              <a:rPr lang="pt-BR" sz="2000" dirty="0">
-                <a:latin typeface="Times New Roman" panose="02020603050405020304" pitchFamily="18" charset="0"/>
-                <a:cs typeface="Times New Roman" panose="02020603050405020304" pitchFamily="18" charset="0"/>
-              </a:rPr>
-              <a:t>&lt;/</a:t>
-            </a:r>
-            <a:r>
-              <a:rPr lang="pt-BR" sz="2000" dirty="0" err="1">
-                <a:latin typeface="Times New Roman" panose="02020603050405020304" pitchFamily="18" charset="0"/>
-                <a:cs typeface="Times New Roman" panose="02020603050405020304" pitchFamily="18" charset="0"/>
-              </a:rPr>
-              <a:t>td</a:t>
-            </a:r>
-            <a:r>
-              <a:rPr lang="pt-BR" sz="2000" dirty="0">
-                <a:latin typeface="Times New Roman" panose="02020603050405020304" pitchFamily="18" charset="0"/>
-                <a:cs typeface="Times New Roman" panose="02020603050405020304" pitchFamily="18" charset="0"/>
-              </a:rPr>
-              <a:t>&gt;</a:t>
-            </a:r>
-          </a:p>
-          <a:p>
-            <a:pPr marL="0" indent="0" algn="just">
-              <a:buNone/>
-            </a:pPr>
-            <a:r>
-              <a:rPr lang="pt-BR" sz="2000" dirty="0">
-                <a:latin typeface="Times New Roman" panose="02020603050405020304" pitchFamily="18" charset="0"/>
-                <a:cs typeface="Times New Roman" panose="02020603050405020304" pitchFamily="18" charset="0"/>
-              </a:rPr>
-              <a:t>    &lt;</a:t>
-            </a:r>
-            <a:r>
-              <a:rPr lang="pt-BR" sz="2000" dirty="0" err="1">
-                <a:latin typeface="Times New Roman" panose="02020603050405020304" pitchFamily="18" charset="0"/>
-                <a:cs typeface="Times New Roman" panose="02020603050405020304" pitchFamily="18" charset="0"/>
-              </a:rPr>
-              <a:t>td</a:t>
-            </a:r>
-            <a:r>
-              <a:rPr lang="pt-BR" sz="2000" dirty="0">
-                <a:latin typeface="Times New Roman" panose="02020603050405020304" pitchFamily="18" charset="0"/>
-                <a:cs typeface="Times New Roman" panose="02020603050405020304" pitchFamily="18" charset="0"/>
-              </a:rPr>
-              <a:t>&gt;$80&lt;/</a:t>
-            </a:r>
-            <a:r>
-              <a:rPr lang="pt-BR" sz="2000" dirty="0" err="1">
-                <a:latin typeface="Times New Roman" panose="02020603050405020304" pitchFamily="18" charset="0"/>
-                <a:cs typeface="Times New Roman" panose="02020603050405020304" pitchFamily="18" charset="0"/>
-              </a:rPr>
-              <a:t>td</a:t>
-            </a:r>
-            <a:r>
-              <a:rPr lang="pt-BR" sz="2000" dirty="0">
-                <a:latin typeface="Times New Roman" panose="02020603050405020304" pitchFamily="18" charset="0"/>
-                <a:cs typeface="Times New Roman" panose="02020603050405020304" pitchFamily="18" charset="0"/>
-              </a:rPr>
-              <a:t>&gt;</a:t>
-            </a:r>
-          </a:p>
-          <a:p>
-            <a:pPr marL="0" indent="0" algn="just">
-              <a:buNone/>
-            </a:pPr>
-            <a:r>
-              <a:rPr lang="pt-BR" sz="2000" dirty="0">
-                <a:latin typeface="Times New Roman" panose="02020603050405020304" pitchFamily="18" charset="0"/>
-                <a:cs typeface="Times New Roman" panose="02020603050405020304" pitchFamily="18" charset="0"/>
-              </a:rPr>
-              <a:t>  &lt;/</a:t>
-            </a:r>
-            <a:r>
-              <a:rPr lang="pt-BR" sz="2000" dirty="0" err="1">
-                <a:latin typeface="Times New Roman" panose="02020603050405020304" pitchFamily="18" charset="0"/>
-                <a:cs typeface="Times New Roman" panose="02020603050405020304" pitchFamily="18" charset="0"/>
-              </a:rPr>
-              <a:t>tr</a:t>
-            </a:r>
-            <a:r>
-              <a:rPr lang="pt-BR" sz="2000" dirty="0">
-                <a:latin typeface="Times New Roman" panose="02020603050405020304" pitchFamily="18" charset="0"/>
-                <a:cs typeface="Times New Roman" panose="02020603050405020304" pitchFamily="18" charset="0"/>
-              </a:rPr>
-              <a:t>&gt;</a:t>
-            </a:r>
-          </a:p>
-          <a:p>
-            <a:pPr marL="0" indent="0" algn="just">
-              <a:buNone/>
-            </a:pPr>
-            <a:r>
-              <a:rPr lang="pt-BR" sz="2000" dirty="0">
-                <a:latin typeface="Times New Roman" panose="02020603050405020304" pitchFamily="18" charset="0"/>
-                <a:cs typeface="Times New Roman" panose="02020603050405020304" pitchFamily="18" charset="0"/>
-              </a:rPr>
-              <a:t>&lt;/</a:t>
-            </a:r>
-            <a:r>
-              <a:rPr lang="pt-BR" sz="2000" dirty="0" err="1">
-                <a:latin typeface="Times New Roman" panose="02020603050405020304" pitchFamily="18" charset="0"/>
-                <a:cs typeface="Times New Roman" panose="02020603050405020304" pitchFamily="18" charset="0"/>
-              </a:rPr>
-              <a:t>table</a:t>
-            </a:r>
-            <a:r>
-              <a:rPr lang="pt-BR" sz="2000" dirty="0">
-                <a:latin typeface="Times New Roman" panose="02020603050405020304" pitchFamily="18" charset="0"/>
-                <a:cs typeface="Times New Roman" panose="02020603050405020304" pitchFamily="18" charset="0"/>
-              </a:rPr>
-              <a:t>&gt;</a:t>
-            </a:r>
-          </a:p>
-          <a:p>
-            <a:pPr marL="0" marR="0" indent="0" algn="l" defTabSz="457200" rtl="0" fontAlgn="auto" latinLnBrk="0" hangingPunct="0">
-              <a:lnSpc>
-                <a:spcPct val="100000"/>
-              </a:lnSpc>
-              <a:spcBef>
-                <a:spcPts val="0"/>
-              </a:spcBef>
-              <a:spcAft>
-                <a:spcPts val="0"/>
-              </a:spcAft>
-              <a:buClrTx/>
-              <a:buSzTx/>
-              <a:buFontTx/>
-              <a:buNone/>
-            </a:pPr>
-            <a:endParaRPr kumimoji="0" lang="pt-BR" sz="2000" b="0" i="0" u="none" strike="noStrike" cap="none" spc="0" normalizeH="0" baseline="0" dirty="0">
-              <a:ln>
-                <a:noFill/>
-              </a:ln>
-              <a:solidFill>
-                <a:srgbClr val="000000"/>
-              </a:solidFill>
-              <a:effectLst/>
-              <a:uFillTx/>
-              <a:latin typeface="+mj-lt"/>
-              <a:ea typeface="+mj-ea"/>
-              <a:cs typeface="+mj-cs"/>
-              <a:sym typeface="Calibri"/>
+          <a:p>
+            <a:pPr marL="0" indent="0" algn="just">
+              <a:buNone/>
+            </a:pPr>
+            <a:endParaRPr lang="pt-BR" sz="1800" dirty="0">
+              <a:latin typeface="Times New Roman" panose="02020603050405020304" pitchFamily="18" charset="0"/>
+              <a:cs typeface="Times New Roman" panose="02020603050405020304" pitchFamily="18" charset="0"/>
+            </a:endParaRPr>
+          </a:p>
+          <a:p>
+            <a:pPr marL="0" indent="0" algn="just">
+              <a:buNone/>
+            </a:pPr>
+            <a:r>
+              <a:rPr lang="pt-BR" sz="1800" dirty="0">
+                <a:latin typeface="Times New Roman" panose="02020603050405020304" pitchFamily="18" charset="0"/>
+                <a:cs typeface="Times New Roman" panose="02020603050405020304" pitchFamily="18" charset="0"/>
+              </a:rPr>
+              <a:t>[2] </a:t>
+            </a:r>
+            <a:r>
+              <a:rPr lang="pt-BR" sz="1800" b="1" dirty="0">
+                <a:latin typeface="Times New Roman" panose="02020603050405020304" pitchFamily="18" charset="0"/>
+                <a:cs typeface="Times New Roman" panose="02020603050405020304" pitchFamily="18" charset="0"/>
+              </a:rPr>
+              <a:t>BATISTA</a:t>
+            </a:r>
+            <a:r>
+              <a:rPr lang="pt-BR" sz="1800" dirty="0">
+                <a:latin typeface="Times New Roman" panose="02020603050405020304" pitchFamily="18" charset="0"/>
+                <a:cs typeface="Times New Roman" panose="02020603050405020304" pitchFamily="18" charset="0"/>
+              </a:rPr>
+              <a:t>, Rafael NUNES et al. HTML5–O futuro da internet. ETIC-ENCONTRO DE INICIAÇÃO CIENTÍFICA-ISSN 21-76-8498, v. 7, n. 7, 2011.</a:t>
+            </a:r>
+          </a:p>
+          <a:p>
+            <a:pPr marL="0" indent="0" algn="just">
+              <a:buNone/>
+            </a:pPr>
+            <a:r>
+              <a:rPr lang="pt-BR" sz="1800" dirty="0">
+                <a:latin typeface="Times New Roman" panose="02020603050405020304" pitchFamily="18" charset="0"/>
+                <a:cs typeface="Times New Roman" panose="02020603050405020304" pitchFamily="18" charset="0"/>
+              </a:rPr>
+              <a:t>	</a:t>
+            </a:r>
+            <a:r>
+              <a:rPr lang="pt-BR" sz="1800" b="1" dirty="0">
+                <a:latin typeface="Times New Roman" panose="02020603050405020304" pitchFamily="18" charset="0"/>
+                <a:cs typeface="Times New Roman" panose="02020603050405020304" pitchFamily="18" charset="0"/>
+              </a:rPr>
+              <a:t>Disponível em</a:t>
+            </a:r>
+            <a:r>
+              <a:rPr lang="pt-BR" sz="1800" dirty="0">
+                <a:latin typeface="Times New Roman" panose="02020603050405020304" pitchFamily="18" charset="0"/>
+                <a:cs typeface="Times New Roman" panose="02020603050405020304" pitchFamily="18" charset="0"/>
+              </a:rPr>
+              <a:t>: </a:t>
+            </a:r>
+            <a:r>
+              <a:rPr lang="pt-BR" sz="1800" dirty="0">
+                <a:latin typeface="Times New Roman" panose="02020603050405020304" pitchFamily="18" charset="0"/>
+                <a:cs typeface="Times New Roman" panose="02020603050405020304" pitchFamily="18" charset="0"/>
+                <a:hlinkClick r:id="rId4"/>
+              </a:rPr>
+              <a:t>http://intertemas.toledoprudente.edu.br/index.php/ETIC/article/view/3960</a:t>
+            </a:r>
+            <a:endParaRPr lang="pt-BR" sz="1800" dirty="0">
+              <a:latin typeface="Times New Roman" panose="02020603050405020304" pitchFamily="18" charset="0"/>
+              <a:cs typeface="Times New Roman" panose="02020603050405020304" pitchFamily="18" charset="0"/>
+            </a:endParaRPr>
+          </a:p>
+          <a:p>
+            <a:pPr marL="0" indent="0" algn="just">
+              <a:buNone/>
+            </a:pPr>
+            <a:endParaRPr lang="pt-BR" sz="1800" dirty="0">
+              <a:latin typeface="Times New Roman" panose="02020603050405020304" pitchFamily="18" charset="0"/>
+              <a:cs typeface="Times New Roman" panose="02020603050405020304" pitchFamily="18" charset="0"/>
             </a:endParaRPr>
           </a:p>
         </p:txBody>
@@ -28496,7 +30387,7 @@
     </p:spTree>
     <p:extLst>
       <p:ext uri="{BB962C8B-B14F-4D97-AF65-F5344CB8AC3E}">
-        <p14:creationId xmlns:p14="http://schemas.microsoft.com/office/powerpoint/2010/main" val="2983590829"/>
+        <p14:creationId xmlns:p14="http://schemas.microsoft.com/office/powerpoint/2010/main" val="3680270425"/>
       </p:ext>
     </p:extLst>
   </p:cSld>
@@ -28552,7 +30443,7 @@
                   <a:srgbClr val="0070C0"/>
                 </a:solidFill>
               </a:rPr>
-              <a:t>Leitura</a:t>
+              <a:t>Aprenda</a:t>
             </a:r>
             <a:r>
               <a:rPr lang="en-US" b="1" dirty="0">
@@ -28560,21 +30451,8 @@
                   <a:srgbClr val="0070C0"/>
                 </a:solidFill>
               </a:rPr>
-              <a:t> </a:t>
-            </a:r>
-            <a:r>
-              <a:rPr lang="en-US" b="1" dirty="0" err="1">
-                <a:solidFill>
-                  <a:srgbClr val="0070C0"/>
-                </a:solidFill>
-              </a:rPr>
-              <a:t>Específica</a:t>
-            </a:r>
-            <a:endParaRPr lang="en-US" b="1" dirty="0">
-              <a:solidFill>
-                <a:srgbClr val="0070C0"/>
-              </a:solidFill>
-            </a:endParaRPr>
+              <a:t>+</a:t>
+            </a:r>
           </a:p>
         </p:txBody>
       </p:sp>
@@ -28590,7 +30468,7 @@
         </p:nvSpPr>
         <p:spPr>
           <a:xfrm>
-            <a:off x="142865" y="1012261"/>
+            <a:off x="142865" y="1200151"/>
             <a:ext cx="8865056" cy="3394472"/>
           </a:xfrm>
         </p:spPr>
@@ -28603,76 +30481,7 @@
             <a:pPr marL="0" indent="0" algn="just">
               <a:buNone/>
             </a:pPr>
-            <a:r>
-              <a:rPr lang="pt-BR" sz="1800" dirty="0">
-                <a:latin typeface="Times New Roman" panose="02020603050405020304" pitchFamily="18" charset="0"/>
-                <a:cs typeface="Times New Roman" panose="02020603050405020304" pitchFamily="18" charset="0"/>
-              </a:rPr>
-              <a:t>[1] </a:t>
-            </a:r>
-            <a:r>
-              <a:rPr lang="pt-BR" sz="1800" b="1" dirty="0">
-                <a:latin typeface="Times New Roman" panose="02020603050405020304" pitchFamily="18" charset="0"/>
-                <a:cs typeface="Times New Roman" panose="02020603050405020304" pitchFamily="18" charset="0"/>
-              </a:rPr>
-              <a:t>IKENO</a:t>
-            </a:r>
-            <a:r>
-              <a:rPr lang="pt-BR" sz="1800" dirty="0">
-                <a:latin typeface="Times New Roman" panose="02020603050405020304" pitchFamily="18" charset="0"/>
-                <a:cs typeface="Times New Roman" panose="02020603050405020304" pitchFamily="18" charset="0"/>
-              </a:rPr>
-              <a:t>, Sergio N.; DA COSTA MARCHI¹, </a:t>
-            </a:r>
-            <a:r>
-              <a:rPr lang="pt-BR" sz="1800" dirty="0" err="1">
-                <a:latin typeface="Times New Roman" panose="02020603050405020304" pitchFamily="18" charset="0"/>
-                <a:cs typeface="Times New Roman" panose="02020603050405020304" pitchFamily="18" charset="0"/>
-              </a:rPr>
-              <a:t>Késsia</a:t>
-            </a:r>
-            <a:r>
-              <a:rPr lang="pt-BR" sz="1800" dirty="0">
-                <a:latin typeface="Times New Roman" panose="02020603050405020304" pitchFamily="18" charset="0"/>
-                <a:cs typeface="Times New Roman" panose="02020603050405020304" pitchFamily="18" charset="0"/>
-              </a:rPr>
-              <a:t> Rita. Análise da Nova Linguagem HTML5 para o Desenvolvimento Web.</a:t>
-            </a:r>
-          </a:p>
-          <a:p>
-            <a:pPr marL="0" indent="0" algn="just">
-              <a:buNone/>
-            </a:pPr>
-            <a:r>
-              <a:rPr lang="pt-BR" sz="1800" dirty="0">
-                <a:latin typeface="Times New Roman" panose="02020603050405020304" pitchFamily="18" charset="0"/>
-                <a:cs typeface="Times New Roman" panose="02020603050405020304" pitchFamily="18" charset="0"/>
-              </a:rPr>
-              <a:t>	</a:t>
-            </a:r>
-            <a:r>
-              <a:rPr lang="pt-BR" sz="1800" b="1" dirty="0">
-                <a:latin typeface="Times New Roman" panose="02020603050405020304" pitchFamily="18" charset="0"/>
-                <a:cs typeface="Times New Roman" panose="02020603050405020304" pitchFamily="18" charset="0"/>
-              </a:rPr>
-              <a:t>Disponível em</a:t>
-            </a:r>
-            <a:r>
-              <a:rPr lang="pt-BR" sz="1800" dirty="0">
-                <a:latin typeface="Times New Roman" panose="02020603050405020304" pitchFamily="18" charset="0"/>
-                <a:cs typeface="Times New Roman" panose="02020603050405020304" pitchFamily="18" charset="0"/>
-              </a:rPr>
-              <a:t>: </a:t>
-            </a:r>
-            <a:r>
-              <a:rPr lang="pt-BR" sz="1800" dirty="0">
-                <a:latin typeface="Times New Roman" panose="02020603050405020304" pitchFamily="18" charset="0"/>
-                <a:cs typeface="Times New Roman" panose="02020603050405020304" pitchFamily="18" charset="0"/>
-                <a:hlinkClick r:id="rId3"/>
-              </a:rPr>
-              <a:t>http://siteunidavi.s3.amazonaws.com/revistaCaminhos/ano3.pdf#page=25</a:t>
-            </a:r>
-            <a:endParaRPr lang="pt-BR" sz="1800" dirty="0">
+            <a:endParaRPr lang="pt-BR" sz="2400" dirty="0">
               <a:latin typeface="Times New Roman" panose="02020603050405020304" pitchFamily="18" charset="0"/>
               <a:cs typeface="Times New Roman" panose="02020603050405020304" pitchFamily="18" charset="0"/>
             </a:endParaRPr>
@@ -28681,7 +30490,34 @@
             <a:pPr marL="0" indent="0" algn="just">
               <a:buNone/>
             </a:pPr>
-            <a:endParaRPr lang="pt-BR" sz="1800" dirty="0">
+            <a:r>
+              <a:rPr lang="pt-BR" sz="2400" dirty="0">
+                <a:latin typeface="Times New Roman" panose="02020603050405020304" pitchFamily="18" charset="0"/>
+                <a:cs typeface="Times New Roman" panose="02020603050405020304" pitchFamily="18" charset="0"/>
+              </a:rPr>
+              <a:t>[1] </a:t>
+            </a:r>
+            <a:r>
+              <a:rPr lang="pt-BR" sz="2400" dirty="0">
+                <a:latin typeface="Times New Roman" panose="02020603050405020304" pitchFamily="18" charset="0"/>
+                <a:cs typeface="Times New Roman" panose="02020603050405020304" pitchFamily="18" charset="0"/>
+                <a:hlinkClick r:id="rId3"/>
+              </a:rPr>
+              <a:t>https://www.youtube.com/watch?v=hu-q2zYwEYs</a:t>
+            </a:r>
+            <a:r>
+              <a:rPr lang="pt-BR" sz="2400" dirty="0">
+                <a:latin typeface="Times New Roman" panose="02020603050405020304" pitchFamily="18" charset="0"/>
+                <a:cs typeface="Times New Roman" panose="02020603050405020304" pitchFamily="18" charset="0"/>
+              </a:rPr>
+              <a:t> (HTML)</a:t>
+            </a:r>
+          </a:p>
+          <a:p>
+            <a:pPr marL="0" indent="0" algn="just">
+              <a:buNone/>
+            </a:pPr>
+            <a:endParaRPr lang="pt-BR" sz="2400" dirty="0">
               <a:latin typeface="Times New Roman" panose="02020603050405020304" pitchFamily="18" charset="0"/>
               <a:cs typeface="Times New Roman" panose="02020603050405020304" pitchFamily="18" charset="0"/>
             </a:endParaRPr>
@@ -28690,62 +30526,7 @@
             <a:pPr marL="0" indent="0" algn="just">
               <a:buNone/>
             </a:pPr>
-            <a:r>
-              <a:rPr lang="pt-BR" sz="1800" dirty="0">
-                <a:latin typeface="Times New Roman" panose="02020603050405020304" pitchFamily="18" charset="0"/>
-                <a:cs typeface="Times New Roman" panose="02020603050405020304" pitchFamily="18" charset="0"/>
-              </a:rPr>
-              <a:t>[2] </a:t>
-            </a:r>
-            <a:r>
-              <a:rPr lang="pt-BR" sz="1800" b="1" dirty="0">
-                <a:latin typeface="Times New Roman" panose="02020603050405020304" pitchFamily="18" charset="0"/>
-                <a:cs typeface="Times New Roman" panose="02020603050405020304" pitchFamily="18" charset="0"/>
-              </a:rPr>
-              <a:t>BATISTA</a:t>
-            </a:r>
-            <a:r>
-              <a:rPr lang="pt-BR" sz="1800" dirty="0">
-                <a:latin typeface="Times New Roman" panose="02020603050405020304" pitchFamily="18" charset="0"/>
-                <a:cs typeface="Times New Roman" panose="02020603050405020304" pitchFamily="18" charset="0"/>
-              </a:rPr>
-              <a:t>, Rafael NUNES et al. HTML5–O futuro da internet. ETIC-ENCONTRO DE INICIAÇÃO CIENTÍFICA-ISSN 21-76-8498, v. 7, n. 7, 2011.</a:t>
-            </a:r>
-          </a:p>
-          <a:p>
-            <a:pPr marL="0" indent="0" algn="just">
-              <a:buNone/>
-            </a:pPr>
-            <a:r>
-              <a:rPr lang="pt-BR" sz="1800" dirty="0">
-                <a:latin typeface="Times New Roman" panose="02020603050405020304" pitchFamily="18" charset="0"/>
-                <a:cs typeface="Times New Roman" panose="02020603050405020304" pitchFamily="18" charset="0"/>
-              </a:rPr>
-              <a:t>	</a:t>
-            </a:r>
-            <a:r>
-              <a:rPr lang="pt-BR" sz="1800" b="1" dirty="0">
-                <a:latin typeface="Times New Roman" panose="02020603050405020304" pitchFamily="18" charset="0"/>
-                <a:cs typeface="Times New Roman" panose="02020603050405020304" pitchFamily="18" charset="0"/>
-              </a:rPr>
-              <a:t>Disponível em</a:t>
-            </a:r>
-            <a:r>
-              <a:rPr lang="pt-BR" sz="1800" dirty="0">
-                <a:latin typeface="Times New Roman" panose="02020603050405020304" pitchFamily="18" charset="0"/>
-                <a:cs typeface="Times New Roman" panose="02020603050405020304" pitchFamily="18" charset="0"/>
-              </a:rPr>
-              <a:t>: </a:t>
-            </a:r>
-            <a:r>
-              <a:rPr lang="pt-BR" sz="1800" dirty="0">
-                <a:latin typeface="Times New Roman" panose="02020603050405020304" pitchFamily="18" charset="0"/>
-                <a:cs typeface="Times New Roman" panose="02020603050405020304" pitchFamily="18" charset="0"/>
-                <a:hlinkClick r:id="rId4"/>
-              </a:rPr>
-              <a:t>http://intertemas.toledoprudente.edu.br/index.php/ETIC/article/view/3960</a:t>
-            </a:r>
-            <a:endParaRPr lang="pt-BR" sz="1800" dirty="0">
+            <a:endParaRPr lang="pt-BR" sz="2400" dirty="0">
               <a:latin typeface="Times New Roman" panose="02020603050405020304" pitchFamily="18" charset="0"/>
               <a:cs typeface="Times New Roman" panose="02020603050405020304" pitchFamily="18" charset="0"/>
             </a:endParaRPr>
@@ -28754,7 +30535,31 @@
             <a:pPr marL="0" indent="0" algn="just">
               <a:buNone/>
             </a:pPr>
-            <a:endParaRPr lang="pt-BR" sz="1800" dirty="0">
+            <a:r>
+              <a:rPr lang="pt-BR" sz="2400" dirty="0">
+                <a:latin typeface="Times New Roman" panose="02020603050405020304" pitchFamily="18" charset="0"/>
+                <a:cs typeface="Times New Roman" panose="02020603050405020304" pitchFamily="18" charset="0"/>
+              </a:rPr>
+              <a:t>[2]  </a:t>
+            </a:r>
+            <a:r>
+              <a:rPr lang="pt-BR" sz="2400" dirty="0">
+                <a:latin typeface="Times New Roman" panose="02020603050405020304" pitchFamily="18" charset="0"/>
+                <a:cs typeface="Times New Roman" panose="02020603050405020304" pitchFamily="18" charset="0"/>
+                <a:hlinkClick r:id="rId4"/>
+              </a:rPr>
+              <a:t>https://www.youtube.com/watch?v=UB1O30fR-EE</a:t>
+            </a:r>
+            <a:endParaRPr lang="pt-BR" sz="2400" dirty="0">
+              <a:latin typeface="Times New Roman" panose="02020603050405020304" pitchFamily="18" charset="0"/>
+              <a:cs typeface="Times New Roman" panose="02020603050405020304" pitchFamily="18" charset="0"/>
+            </a:endParaRPr>
+          </a:p>
+          <a:p>
+            <a:pPr marL="0" indent="0" algn="just">
+              <a:buNone/>
+            </a:pPr>
+            <a:endParaRPr lang="pt-BR" sz="2400" dirty="0">
               <a:latin typeface="Times New Roman" panose="02020603050405020304" pitchFamily="18" charset="0"/>
               <a:cs typeface="Times New Roman" panose="02020603050405020304" pitchFamily="18" charset="0"/>
             </a:endParaRPr>
@@ -28764,7 +30569,7 @@
     </p:spTree>
     <p:extLst>
       <p:ext uri="{BB962C8B-B14F-4D97-AF65-F5344CB8AC3E}">
-        <p14:creationId xmlns:p14="http://schemas.microsoft.com/office/powerpoint/2010/main" val="3680270425"/>
+        <p14:creationId xmlns:p14="http://schemas.microsoft.com/office/powerpoint/2010/main" val="2747596967"/>
       </p:ext>
     </p:extLst>
   </p:cSld>
@@ -28820,7 +30625,7 @@
                   <a:srgbClr val="0070C0"/>
                 </a:solidFill>
               </a:rPr>
-              <a:t>Aprenda</a:t>
+              <a:t>Dinâmica</a:t>
             </a:r>
             <a:r>
               <a:rPr lang="en-US" b="1" dirty="0">
@@ -28828,8 +30633,21 @@
                   <a:srgbClr val="0070C0"/>
                 </a:solidFill>
               </a:rPr>
-              <a:t>+</a:t>
-            </a:r>
+              <a:t>/</a:t>
+            </a:r>
+            <a:r>
+              <a:rPr lang="en-US" b="1" dirty="0" err="1">
+                <a:solidFill>
+                  <a:srgbClr val="0070C0"/>
+                </a:solidFill>
+              </a:rPr>
+              <a:t>Atividades</a:t>
+            </a:r>
+            <a:endParaRPr lang="en-US" b="1" dirty="0">
+              <a:solidFill>
+                <a:srgbClr val="0070C0"/>
+              </a:solidFill>
+            </a:endParaRPr>
           </a:p>
         </p:txBody>
       </p:sp>
@@ -28845,8 +30663,8 @@
         </p:nvSpPr>
         <p:spPr>
           <a:xfrm>
-            <a:off x="142865" y="1200151"/>
-            <a:ext cx="8865056" cy="3394472"/>
+            <a:off x="139472" y="1063230"/>
+            <a:ext cx="8865056" cy="3606305"/>
           </a:xfrm>
         </p:spPr>
         <p:txBody>
@@ -28855,90 +30673,129 @@
           </a:bodyPr>
           <a:lstStyle/>
           <a:p>
-            <a:pPr marL="0" indent="0" algn="just">
-              <a:buNone/>
-            </a:pPr>
-            <a:endParaRPr lang="pt-BR" sz="2400" dirty="0">
+            <a:pPr algn="just">
+              <a:buFontTx/>
+              <a:buChar char="-"/>
+            </a:pPr>
+            <a:r>
+              <a:rPr lang="pt-BR" sz="3200" dirty="0">
+                <a:latin typeface="Times New Roman" panose="02020603050405020304" pitchFamily="18" charset="0"/>
+                <a:cs typeface="Times New Roman" panose="02020603050405020304" pitchFamily="18" charset="0"/>
+              </a:rPr>
+              <a:t>Exercícios de Fixação </a:t>
+            </a:r>
+            <a:r>
+              <a:rPr lang="pt-BR" sz="3200" b="1" dirty="0">
+                <a:latin typeface="Times New Roman" panose="02020603050405020304" pitchFamily="18" charset="0"/>
+                <a:cs typeface="Times New Roman" panose="02020603050405020304" pitchFamily="18" charset="0"/>
+              </a:rPr>
+              <a:t>HTML</a:t>
+            </a:r>
+          </a:p>
+          <a:p>
+            <a:pPr marL="0" indent="0" algn="just">
+              <a:buNone/>
+            </a:pPr>
+            <a:r>
+              <a:rPr lang="pt-BR" sz="3200" dirty="0">
+                <a:latin typeface="Times New Roman" panose="02020603050405020304" pitchFamily="18" charset="0"/>
+                <a:cs typeface="Times New Roman" panose="02020603050405020304" pitchFamily="18" charset="0"/>
+              </a:rPr>
+              <a:t>	</a:t>
+            </a:r>
+            <a:r>
+              <a:rPr lang="pt-BR" sz="3200" b="1" dirty="0">
+                <a:solidFill>
+                  <a:srgbClr val="FF0000"/>
+                </a:solidFill>
+                <a:latin typeface="Times New Roman" panose="02020603050405020304" pitchFamily="18" charset="0"/>
+                <a:cs typeface="Times New Roman" panose="02020603050405020304" pitchFamily="18" charset="0"/>
+              </a:rPr>
+              <a:t>Desafios em Sala de Aula</a:t>
+            </a:r>
+            <a:r>
+              <a:rPr lang="pt-BR" sz="3200" dirty="0">
+                <a:latin typeface="Times New Roman" panose="02020603050405020304" pitchFamily="18" charset="0"/>
+                <a:cs typeface="Times New Roman" panose="02020603050405020304" pitchFamily="18" charset="0"/>
+              </a:rPr>
+              <a:t>.</a:t>
+            </a:r>
+          </a:p>
+          <a:p>
+            <a:pPr marL="0" indent="0" algn="just">
+              <a:buNone/>
+            </a:pPr>
+            <a:r>
+              <a:rPr lang="pt-BR" sz="3200" dirty="0">
+                <a:latin typeface="Times New Roman" panose="02020603050405020304" pitchFamily="18" charset="0"/>
+                <a:cs typeface="Times New Roman" panose="02020603050405020304" pitchFamily="18" charset="0"/>
+              </a:rPr>
+              <a:t>	</a:t>
+            </a:r>
+          </a:p>
+          <a:p>
+            <a:pPr marL="0" indent="0" algn="just">
+              <a:buNone/>
+            </a:pPr>
+            <a:r>
+              <a:rPr lang="pt-BR" sz="3200" dirty="0">
+                <a:latin typeface="Times New Roman" panose="02020603050405020304" pitchFamily="18" charset="0"/>
+                <a:cs typeface="Times New Roman" panose="02020603050405020304" pitchFamily="18" charset="0"/>
+              </a:rPr>
+              <a:t>	Resolver </a:t>
+            </a:r>
+            <a:r>
+              <a:rPr lang="pt-BR" sz="3200" b="1" dirty="0">
+                <a:latin typeface="Times New Roman" panose="02020603050405020304" pitchFamily="18" charset="0"/>
+                <a:cs typeface="Times New Roman" panose="02020603050405020304" pitchFamily="18" charset="0"/>
+              </a:rPr>
+              <a:t>exercícios propostos em HTML</a:t>
+            </a:r>
+            <a:r>
+              <a:rPr lang="pt-BR" sz="3200" dirty="0">
+                <a:latin typeface="Times New Roman" panose="02020603050405020304" pitchFamily="18" charset="0"/>
+                <a:cs typeface="Times New Roman" panose="02020603050405020304" pitchFamily="18" charset="0"/>
+              </a:rPr>
+              <a:t> na pasta exercícios, </a:t>
+            </a:r>
+            <a:r>
+              <a:rPr lang="pt-BR" sz="3200" b="1" dirty="0">
+                <a:solidFill>
+                  <a:srgbClr val="FF0000"/>
+                </a:solidFill>
+                <a:latin typeface="Times New Roman" panose="02020603050405020304" pitchFamily="18" charset="0"/>
+                <a:cs typeface="Times New Roman" panose="02020603050405020304" pitchFamily="18" charset="0"/>
+              </a:rPr>
+              <a:t>10 arquivos em word</a:t>
+            </a:r>
+            <a:r>
+              <a:rPr lang="pt-BR" sz="3200" dirty="0">
+                <a:latin typeface="Times New Roman" panose="02020603050405020304" pitchFamily="18" charset="0"/>
+                <a:cs typeface="Times New Roman" panose="02020603050405020304" pitchFamily="18" charset="0"/>
+              </a:rPr>
+              <a:t>.</a:t>
+            </a:r>
+          </a:p>
+          <a:p>
+            <a:pPr marL="0" indent="0" algn="just">
+              <a:buNone/>
+            </a:pPr>
+            <a:endParaRPr lang="pt-BR" sz="3200" dirty="0">
               <a:latin typeface="Times New Roman" panose="02020603050405020304" pitchFamily="18" charset="0"/>
               <a:cs typeface="Times New Roman" panose="02020603050405020304" pitchFamily="18" charset="0"/>
             </a:endParaRPr>
           </a:p>
           <a:p>
-            <a:pPr marL="0" indent="0" algn="just">
-              <a:buNone/>
-            </a:pPr>
-            <a:r>
-              <a:rPr lang="pt-BR" sz="2400" dirty="0">
-                <a:latin typeface="Times New Roman" panose="02020603050405020304" pitchFamily="18" charset="0"/>
-                <a:cs typeface="Times New Roman" panose="02020603050405020304" pitchFamily="18" charset="0"/>
-              </a:rPr>
-              <a:t>[1] </a:t>
-            </a:r>
-            <a:r>
-              <a:rPr lang="pt-BR" sz="2400" dirty="0">
-                <a:latin typeface="Times New Roman" panose="02020603050405020304" pitchFamily="18" charset="0"/>
-                <a:cs typeface="Times New Roman" panose="02020603050405020304" pitchFamily="18" charset="0"/>
-                <a:hlinkClick r:id="rId3"/>
-              </a:rPr>
-              <a:t>https://www.youtube.com/watch?v=hu-q2zYwEYs</a:t>
-            </a:r>
-            <a:r>
-              <a:rPr lang="pt-BR" sz="2400" dirty="0">
-                <a:latin typeface="Times New Roman" panose="02020603050405020304" pitchFamily="18" charset="0"/>
-                <a:cs typeface="Times New Roman" panose="02020603050405020304" pitchFamily="18" charset="0"/>
-              </a:rPr>
-              <a:t> (HTML)</a:t>
-            </a:r>
-          </a:p>
-          <a:p>
-            <a:pPr marL="0" indent="0" algn="just">
-              <a:buNone/>
-            </a:pPr>
-            <a:endParaRPr lang="pt-BR" sz="2400" dirty="0">
+            <a:pPr algn="just"/>
+            <a:endParaRPr lang="pt-BR" sz="3200" dirty="0">
               <a:latin typeface="Times New Roman" panose="02020603050405020304" pitchFamily="18" charset="0"/>
               <a:cs typeface="Times New Roman" panose="02020603050405020304" pitchFamily="18" charset="0"/>
             </a:endParaRPr>
           </a:p>
           <a:p>
-            <a:pPr marL="0" indent="0" algn="just">
-              <a:buNone/>
-            </a:pPr>
-            <a:endParaRPr lang="pt-BR" sz="2400" dirty="0">
-              <a:latin typeface="Times New Roman" panose="02020603050405020304" pitchFamily="18" charset="0"/>
-              <a:cs typeface="Times New Roman" panose="02020603050405020304" pitchFamily="18" charset="0"/>
-            </a:endParaRPr>
-          </a:p>
-          <a:p>
-            <a:pPr marL="0" indent="0" algn="just">
-              <a:buNone/>
-            </a:pPr>
-            <a:r>
-              <a:rPr lang="pt-BR" sz="2400" dirty="0">
-                <a:latin typeface="Times New Roman" panose="02020603050405020304" pitchFamily="18" charset="0"/>
-                <a:cs typeface="Times New Roman" panose="02020603050405020304" pitchFamily="18" charset="0"/>
-              </a:rPr>
-              <a:t>[2]  </a:t>
-            </a:r>
-            <a:r>
-              <a:rPr lang="pt-BR" sz="2400" dirty="0">
-                <a:latin typeface="Times New Roman" panose="02020603050405020304" pitchFamily="18" charset="0"/>
-                <a:cs typeface="Times New Roman" panose="02020603050405020304" pitchFamily="18" charset="0"/>
-                <a:hlinkClick r:id="rId4"/>
-              </a:rPr>
-              <a:t>https://www.youtube.com/watch?v=UB1O30fR-EE</a:t>
-            </a:r>
-            <a:endParaRPr lang="pt-BR" sz="2400" dirty="0">
-              <a:latin typeface="Times New Roman" panose="02020603050405020304" pitchFamily="18" charset="0"/>
-              <a:cs typeface="Times New Roman" panose="02020603050405020304" pitchFamily="18" charset="0"/>
-            </a:endParaRPr>
-          </a:p>
-          <a:p>
-            <a:pPr marL="0" indent="0" algn="just">
-              <a:buNone/>
-            </a:pPr>
-            <a:endParaRPr lang="pt-BR" sz="2400" dirty="0">
-              <a:latin typeface="Times New Roman" panose="02020603050405020304" pitchFamily="18" charset="0"/>
-              <a:cs typeface="Times New Roman" panose="02020603050405020304" pitchFamily="18" charset="0"/>
+            <a:pPr algn="just"/>
+            <a:endParaRPr lang="pt-BR" sz="3200" dirty="0">
+              <a:latin typeface="Calibri" panose="020F0502020204030204" pitchFamily="34" charset="0"/>
             </a:endParaRPr>
           </a:p>
         </p:txBody>
@@ -28946,7 +30803,7 @@
     </p:spTree>
     <p:extLst>
       <p:ext uri="{BB962C8B-B14F-4D97-AF65-F5344CB8AC3E}">
-        <p14:creationId xmlns:p14="http://schemas.microsoft.com/office/powerpoint/2010/main" val="2747596967"/>
+        <p14:creationId xmlns:p14="http://schemas.microsoft.com/office/powerpoint/2010/main" val="2470652989"/>
       </p:ext>
     </p:extLst>
   </p:cSld>
@@ -29002,178 +30859,6 @@
                   <a:srgbClr val="0070C0"/>
                 </a:solidFill>
               </a:rPr>
-              <a:t>Dinâmica</a:t>
-            </a:r>
-            <a:r>
-              <a:rPr lang="en-US" b="1" dirty="0">
-                <a:solidFill>
-                  <a:srgbClr val="0070C0"/>
-                </a:solidFill>
-              </a:rPr>
-              <a:t>/</a:t>
-            </a:r>
-            <a:r>
-              <a:rPr lang="en-US" b="1" dirty="0" err="1">
-                <a:solidFill>
-                  <a:srgbClr val="0070C0"/>
-                </a:solidFill>
-              </a:rPr>
-              <a:t>Atividades</a:t>
-            </a:r>
-            <a:endParaRPr lang="en-US" b="1" dirty="0">
-              <a:solidFill>
-                <a:srgbClr val="0070C0"/>
-              </a:solidFill>
-            </a:endParaRPr>
-          </a:p>
-        </p:txBody>
-      </p:sp>
-      <p:sp>
-        <p:nvSpPr>
-          <p:cNvPr id="8" name="Text Placeholder 2"/>
-          <p:cNvSpPr>
-            <a:spLocks noGrp="1"/>
-          </p:cNvSpPr>
-          <p:nvPr>
-            <p:ph type="body" sz="half" idx="1"/>
-          </p:nvPr>
-        </p:nvSpPr>
-        <p:spPr>
-          <a:xfrm>
-            <a:off x="139472" y="1063230"/>
-            <a:ext cx="8865056" cy="3606305"/>
-          </a:xfrm>
-        </p:spPr>
-        <p:txBody>
-          <a:bodyPr>
-            <a:noAutofit/>
-          </a:bodyPr>
-          <a:lstStyle/>
-          <a:p>
-            <a:pPr algn="just">
-              <a:buFontTx/>
-              <a:buChar char="-"/>
-            </a:pPr>
-            <a:r>
-              <a:rPr lang="pt-BR" sz="3200" dirty="0">
-                <a:latin typeface="Times New Roman" panose="02020603050405020304" pitchFamily="18" charset="0"/>
-                <a:cs typeface="Times New Roman" panose="02020603050405020304" pitchFamily="18" charset="0"/>
-              </a:rPr>
-              <a:t>Exercícios de Fixação HTML</a:t>
-            </a:r>
-          </a:p>
-          <a:p>
-            <a:pPr marL="0" indent="0" algn="just">
-              <a:buNone/>
-            </a:pPr>
-            <a:r>
-              <a:rPr lang="pt-BR" sz="3200" dirty="0">
-                <a:latin typeface="Times New Roman" panose="02020603050405020304" pitchFamily="18" charset="0"/>
-                <a:cs typeface="Times New Roman" panose="02020603050405020304" pitchFamily="18" charset="0"/>
-              </a:rPr>
-              <a:t>	</a:t>
-            </a:r>
-            <a:r>
-              <a:rPr lang="pt-BR" sz="3200" b="1" dirty="0">
-                <a:solidFill>
-                  <a:srgbClr val="FF0000"/>
-                </a:solidFill>
-                <a:latin typeface="Times New Roman" panose="02020603050405020304" pitchFamily="18" charset="0"/>
-                <a:cs typeface="Times New Roman" panose="02020603050405020304" pitchFamily="18" charset="0"/>
-              </a:rPr>
-              <a:t>Desafios em Sala de Aula</a:t>
-            </a:r>
-            <a:r>
-              <a:rPr lang="pt-BR" sz="3200" dirty="0">
-                <a:latin typeface="Times New Roman" panose="02020603050405020304" pitchFamily="18" charset="0"/>
-                <a:cs typeface="Times New Roman" panose="02020603050405020304" pitchFamily="18" charset="0"/>
-              </a:rPr>
-              <a:t>.</a:t>
-            </a:r>
-          </a:p>
-          <a:p>
-            <a:pPr marL="0" indent="0" algn="just">
-              <a:buNone/>
-            </a:pPr>
-            <a:endParaRPr lang="pt-BR" sz="3200" dirty="0">
-              <a:latin typeface="Times New Roman" panose="02020603050405020304" pitchFamily="18" charset="0"/>
-              <a:cs typeface="Times New Roman" panose="02020603050405020304" pitchFamily="18" charset="0"/>
-            </a:endParaRPr>
-          </a:p>
-          <a:p>
-            <a:pPr algn="just"/>
-            <a:endParaRPr lang="pt-BR" sz="3200" dirty="0">
-              <a:latin typeface="Times New Roman" panose="02020603050405020304" pitchFamily="18" charset="0"/>
-              <a:cs typeface="Times New Roman" panose="02020603050405020304" pitchFamily="18" charset="0"/>
-            </a:endParaRPr>
-          </a:p>
-          <a:p>
-            <a:pPr algn="just"/>
-            <a:endParaRPr lang="pt-BR" sz="3200" dirty="0">
-              <a:latin typeface="Calibri" panose="020F0502020204030204" pitchFamily="34" charset="0"/>
-            </a:endParaRPr>
-          </a:p>
-        </p:txBody>
-      </p:sp>
-    </p:spTree>
-    <p:extLst>
-      <p:ext uri="{BB962C8B-B14F-4D97-AF65-F5344CB8AC3E}">
-        <p14:creationId xmlns:p14="http://schemas.microsoft.com/office/powerpoint/2010/main" val="2470652989"/>
-      </p:ext>
-    </p:extLst>
-  </p:cSld>
-  <p:clrMapOvr>
-    <a:masterClrMapping/>
-  </p:clrMapOvr>
-  <p:transition spd="med"/>
-</p:sld>
-</file>
-
-<file path=ppt/slides/slide77.xml><?xml version="1.0" encoding="utf-8"?>
-<p:sld xmlns:a="http://schemas.openxmlformats.org/drawingml/2006/main" xmlns:r="http://schemas.openxmlformats.org/officeDocument/2006/relationships" xmlns:p="http://schemas.openxmlformats.org/presentationml/2006/main">
-  <p:cSld>
-    <p:spTree>
-      <p:nvGrpSpPr>
-        <p:cNvPr id="1" name=""/>
-        <p:cNvGrpSpPr/>
-        <p:nvPr/>
-      </p:nvGrpSpPr>
-      <p:grpSpPr>
-        <a:xfrm>
-          <a:off x="0" y="0"/>
-          <a:ext cx="0" cy="0"/>
-          <a:chOff x="0" y="0"/>
-          <a:chExt cx="0" cy="0"/>
-        </a:xfrm>
-      </p:grpSpPr>
-      <p:sp>
-        <p:nvSpPr>
-          <p:cNvPr id="6" name="Title 1"/>
-          <p:cNvSpPr>
-            <a:spLocks noGrp="1"/>
-          </p:cNvSpPr>
-          <p:nvPr>
-            <p:ph type="title"/>
-          </p:nvPr>
-        </p:nvSpPr>
-        <p:spPr>
-          <a:xfrm>
-            <a:off x="457200" y="205980"/>
-            <a:ext cx="8229600" cy="857251"/>
-          </a:xfrm>
-        </p:spPr>
-        <p:txBody>
-          <a:bodyPr>
-            <a:normAutofit/>
-          </a:bodyPr>
-          <a:lstStyle/>
-          <a:p>
-            <a:r>
-              <a:rPr lang="en-US" b="1" dirty="0" err="1">
-                <a:solidFill>
-                  <a:srgbClr val="0070C0"/>
-                </a:solidFill>
-              </a:rPr>
               <a:t>Referências</a:t>
             </a:r>
             <a:r>
@@ -29343,7 +31028,7 @@
 </p:sld>
 </file>
 
-<file path=ppt/slides/slide78.xml><?xml version="1.0" encoding="utf-8"?>
+<file path=ppt/slides/slide77.xml><?xml version="1.0" encoding="utf-8"?>
 <p:sld xmlns:a="http://schemas.openxmlformats.org/drawingml/2006/main" xmlns:r="http://schemas.openxmlformats.org/officeDocument/2006/relationships" xmlns:p="http://schemas.openxmlformats.org/presentationml/2006/main">
   <p:cSld>
     <p:spTree>
@@ -29908,7 +31593,24 @@
                 <a:latin typeface="Times New Roman" panose="02020603050405020304" pitchFamily="18" charset="0"/>
                 <a:cs typeface="Times New Roman" panose="02020603050405020304" pitchFamily="18" charset="0"/>
               </a:rPr>
-              <a:t>Criei um exemplo de projeto PROJETOWBE no github.com</a:t>
+              <a:t>Criei um exemplo de projeto, </a:t>
+            </a:r>
+            <a:r>
+              <a:rPr lang="pt-BR" sz="2000" b="1" dirty="0">
+                <a:solidFill>
+                  <a:srgbClr val="FF0000"/>
+                </a:solidFill>
+                <a:latin typeface="Times New Roman" panose="02020603050405020304" pitchFamily="18" charset="0"/>
+                <a:cs typeface="Times New Roman" panose="02020603050405020304" pitchFamily="18" charset="0"/>
+              </a:rPr>
+              <a:t>PROJETOWEB,</a:t>
+            </a:r>
+            <a:r>
+              <a:rPr lang="pt-BR" sz="2000" b="1" dirty="0">
+                <a:latin typeface="Times New Roman" panose="02020603050405020304" pitchFamily="18" charset="0"/>
+                <a:cs typeface="Times New Roman" panose="02020603050405020304" pitchFamily="18" charset="0"/>
+              </a:rPr>
+              <a:t> no github.com</a:t>
             </a:r>
           </a:p>
           <a:p>
@@ -29966,7 +31668,7 @@
                 <a:latin typeface="Times New Roman" panose="02020603050405020304" pitchFamily="18" charset="0"/>
                 <a:cs typeface="Times New Roman" panose="02020603050405020304" pitchFamily="18" charset="0"/>
               </a:rPr>
-              <a:t> "# TESTEPYTHON" &gt;&gt; README.md</a:t>
+              <a:t> "# PROJETO WEB" &gt;&gt; README.md</a:t>
             </a:r>
           </a:p>
           <a:p>
@@ -30121,7 +31823,7 @@
                 <a:latin typeface="Times New Roman" panose="02020603050405020304" pitchFamily="18" charset="0"/>
                 <a:cs typeface="Times New Roman" panose="02020603050405020304" pitchFamily="18" charset="0"/>
               </a:rPr>
-              <a:t> https://github.com/CloudEducationBrazil/TESTEPYTHON.git</a:t>
+              <a:t> https://github.com/CloudEducationBrazil/PROJETOWEB.git</a:t>
             </a:r>
           </a:p>
           <a:p>
@@ -30441,21 +32143,7 @@
                 <a:latin typeface="Times New Roman" panose="02020603050405020304" pitchFamily="18" charset="0"/>
                 <a:cs typeface="Times New Roman" panose="02020603050405020304" pitchFamily="18" charset="0"/>
               </a:rPr>
-              <a:t> "# </a:t>
-            </a:r>
-            <a:r>
-              <a:rPr lang="pt-BR" sz="3200" b="1" dirty="0" err="1">
-                <a:latin typeface="Times New Roman" panose="02020603050405020304" pitchFamily="18" charset="0"/>
-                <a:cs typeface="Times New Roman" panose="02020603050405020304" pitchFamily="18" charset="0"/>
-              </a:rPr>
-              <a:t>testePython</a:t>
-            </a:r>
-            <a:r>
-              <a:rPr lang="pt-BR" sz="3200" b="1" dirty="0">
-                <a:latin typeface="Times New Roman" panose="02020603050405020304" pitchFamily="18" charset="0"/>
-                <a:cs typeface="Times New Roman" panose="02020603050405020304" pitchFamily="18" charset="0"/>
-              </a:rPr>
-              <a:t>" &gt;&gt; README.md</a:t>
+              <a:t> "# Projeto Web" &gt;&gt; README.md</a:t>
             </a:r>
           </a:p>
           <a:p>
@@ -30577,21 +32265,7 @@
                 <a:latin typeface="Times New Roman" panose="02020603050405020304" pitchFamily="18" charset="0"/>
                 <a:cs typeface="Times New Roman" panose="02020603050405020304" pitchFamily="18" charset="0"/>
               </a:rPr>
-              <a:t> -m “</a:t>
-            </a:r>
-            <a:r>
-              <a:rPr lang="pt-BR" sz="3200" b="1" dirty="0" err="1">
-                <a:latin typeface="Times New Roman" panose="02020603050405020304" pitchFamily="18" charset="0"/>
-                <a:cs typeface="Times New Roman" panose="02020603050405020304" pitchFamily="18" charset="0"/>
-              </a:rPr>
-              <a:t>ProjetoWeb</a:t>
-            </a:r>
-            <a:r>
-              <a:rPr lang="pt-BR" sz="3200" b="1" dirty="0">
-                <a:latin typeface="Times New Roman" panose="02020603050405020304" pitchFamily="18" charset="0"/>
-                <a:cs typeface="Times New Roman" panose="02020603050405020304" pitchFamily="18" charset="0"/>
-              </a:rPr>
-              <a:t> HTML"</a:t>
+              <a:t> -m “Projeto Web em PHP"</a:t>
             </a:r>
           </a:p>
         </p:txBody>

--- a/01 Classes/Aula 02, 03, 04 Desenvolvimento Web Caracterização - HTML.pptx
+++ b/01 Classes/Aula 02, 03, 04 Desenvolvimento Web Caracterização - HTML.pptx
@@ -15691,6 +15691,14 @@
                 </a:solidFill>
               </a:rPr>
               <a:t>Fechamento</a:t>
+            </a:r>
+            <a:r>
+              <a:rPr lang="en-US" b="1">
+                <a:solidFill>
+                  <a:srgbClr val="0070C0"/>
+                </a:solidFill>
+              </a:rPr>
+              <a:t> *</a:t>
             </a:r>
             <a:endParaRPr lang="en-US" b="1" dirty="0">
               <a:solidFill>

--- a/01 Classes/Aula 02, 03, 04 Desenvolvimento Web Caracterização - HTML.pptx
+++ b/01 Classes/Aula 02, 03, 04 Desenvolvimento Web Caracterização - HTML.pptx
@@ -8686,63 +8686,63 @@
               <a:buNone/>
             </a:pPr>
             <a:r>
-              <a:rPr lang="pt-BR" sz="3200" dirty="0">
-                <a:latin typeface="Times New Roman" panose="02020603050405020304" pitchFamily="18" charset="0"/>
-                <a:cs typeface="Times New Roman" panose="02020603050405020304" pitchFamily="18" charset="0"/>
-              </a:rPr>
-              <a:t>11. </a:t>
-            </a:r>
-            <a:r>
-              <a:rPr lang="pt-BR" sz="3200" b="1" dirty="0" err="1">
+              <a:rPr lang="pt-BR" sz="2400" dirty="0">
+                <a:latin typeface="Times New Roman" panose="02020603050405020304" pitchFamily="18" charset="0"/>
+                <a:cs typeface="Times New Roman" panose="02020603050405020304" pitchFamily="18" charset="0"/>
+              </a:rPr>
+              <a:t>15. </a:t>
+            </a:r>
+            <a:r>
+              <a:rPr lang="pt-BR" sz="2400" b="1" dirty="0" err="1">
                 <a:latin typeface="Times New Roman" panose="02020603050405020304" pitchFamily="18" charset="0"/>
                 <a:cs typeface="Times New Roman" panose="02020603050405020304" pitchFamily="18" charset="0"/>
               </a:rPr>
               <a:t>git</a:t>
             </a:r>
             <a:r>
-              <a:rPr lang="pt-BR" sz="3200" b="1" dirty="0">
+              <a:rPr lang="pt-BR" sz="2400" b="1" dirty="0">
                 <a:latin typeface="Times New Roman" panose="02020603050405020304" pitchFamily="18" charset="0"/>
                 <a:cs typeface="Times New Roman" panose="02020603050405020304" pitchFamily="18" charset="0"/>
               </a:rPr>
               <a:t> </a:t>
             </a:r>
             <a:r>
-              <a:rPr lang="pt-BR" sz="3200" b="1" dirty="0" err="1">
+              <a:rPr lang="pt-BR" sz="2400" b="1" dirty="0" err="1">
                 <a:latin typeface="Times New Roman" panose="02020603050405020304" pitchFamily="18" charset="0"/>
                 <a:cs typeface="Times New Roman" panose="02020603050405020304" pitchFamily="18" charset="0"/>
               </a:rPr>
               <a:t>remote</a:t>
             </a:r>
             <a:r>
-              <a:rPr lang="pt-BR" sz="3200" b="1" dirty="0">
+              <a:rPr lang="pt-BR" sz="2400" b="1" dirty="0">
                 <a:latin typeface="Times New Roman" panose="02020603050405020304" pitchFamily="18" charset="0"/>
                 <a:cs typeface="Times New Roman" panose="02020603050405020304" pitchFamily="18" charset="0"/>
               </a:rPr>
               <a:t> </a:t>
             </a:r>
             <a:r>
-              <a:rPr lang="pt-BR" sz="3200" b="1" dirty="0" err="1">
+              <a:rPr lang="pt-BR" sz="2400" b="1" dirty="0" err="1">
                 <a:latin typeface="Times New Roman" panose="02020603050405020304" pitchFamily="18" charset="0"/>
                 <a:cs typeface="Times New Roman" panose="02020603050405020304" pitchFamily="18" charset="0"/>
               </a:rPr>
               <a:t>add</a:t>
             </a:r>
             <a:r>
-              <a:rPr lang="pt-BR" sz="3200" b="1" dirty="0">
+              <a:rPr lang="pt-BR" sz="2400" b="1" dirty="0">
                 <a:latin typeface="Times New Roman" panose="02020603050405020304" pitchFamily="18" charset="0"/>
                 <a:cs typeface="Times New Roman" panose="02020603050405020304" pitchFamily="18" charset="0"/>
               </a:rPr>
               <a:t> </a:t>
             </a:r>
             <a:r>
-              <a:rPr lang="pt-BR" sz="3200" b="1" dirty="0" err="1">
+              <a:rPr lang="pt-BR" sz="2400" b="1" dirty="0" err="1">
                 <a:latin typeface="Times New Roman" panose="02020603050405020304" pitchFamily="18" charset="0"/>
                 <a:cs typeface="Times New Roman" panose="02020603050405020304" pitchFamily="18" charset="0"/>
               </a:rPr>
               <a:t>origin</a:t>
             </a:r>
             <a:r>
-              <a:rPr lang="pt-BR" sz="3200" b="1" dirty="0">
+              <a:rPr lang="pt-BR" sz="2400" b="1" dirty="0">
                 <a:latin typeface="Times New Roman" panose="02020603050405020304" pitchFamily="18" charset="0"/>
                 <a:cs typeface="Times New Roman" panose="02020603050405020304" pitchFamily="18" charset="0"/>
               </a:rPr>
@@ -8754,14 +8754,14 @@
               <a:buNone/>
             </a:pPr>
             <a:r>
-              <a:rPr lang="pt-BR" sz="3200" b="1" dirty="0">
+              <a:rPr lang="pt-BR" sz="2400" b="1" dirty="0">
                 <a:latin typeface="Times New Roman" panose="02020603050405020304" pitchFamily="18" charset="0"/>
                 <a:cs typeface="Times New Roman" panose="02020603050405020304" pitchFamily="18" charset="0"/>
               </a:rPr>
               <a:t>https://github.com/CloudEducationBrazil/PROJETOWEB.git</a:t>
             </a:r>
             <a:r>
-              <a:rPr lang="pt-BR" sz="3200" dirty="0">
+              <a:rPr lang="pt-BR" sz="2400" dirty="0">
                 <a:latin typeface="Times New Roman" panose="02020603050405020304" pitchFamily="18" charset="0"/>
                 <a:cs typeface="Times New Roman" panose="02020603050405020304" pitchFamily="18" charset="0"/>
               </a:rPr>
@@ -8772,7 +8772,7 @@
             <a:pPr marL="0" indent="0" algn="just">
               <a:buNone/>
             </a:pPr>
-            <a:endParaRPr lang="pt-BR" sz="3200" dirty="0">
+            <a:endParaRPr lang="pt-BR" sz="2400" dirty="0">
               <a:latin typeface="Times New Roman" panose="02020603050405020304" pitchFamily="18" charset="0"/>
               <a:cs typeface="Times New Roman" panose="02020603050405020304" pitchFamily="18" charset="0"/>
             </a:endParaRPr>
@@ -8782,14 +8782,14 @@
               <a:buNone/>
             </a:pPr>
             <a:r>
-              <a:rPr lang="pt-BR" sz="3200" dirty="0">
-                <a:latin typeface="Times New Roman" panose="02020603050405020304" pitchFamily="18" charset="0"/>
-                <a:cs typeface="Times New Roman" panose="02020603050405020304" pitchFamily="18" charset="0"/>
-              </a:rPr>
-              <a:t>12. </a:t>
-            </a:r>
-            <a:r>
-              <a:rPr lang="pt-BR" sz="3200" b="1" dirty="0" err="1">
+              <a:rPr lang="pt-BR" sz="2400" dirty="0">
+                <a:latin typeface="Times New Roman" panose="02020603050405020304" pitchFamily="18" charset="0"/>
+                <a:cs typeface="Times New Roman" panose="02020603050405020304" pitchFamily="18" charset="0"/>
+              </a:rPr>
+              <a:t>16. </a:t>
+            </a:r>
+            <a:r>
+              <a:rPr lang="pt-BR" sz="2400" b="1" dirty="0" err="1">
                 <a:solidFill>
                   <a:srgbClr val="FF0000"/>
                 </a:solidFill>
@@ -8799,7 +8799,7 @@
               <a:t>git</a:t>
             </a:r>
             <a:r>
-              <a:rPr lang="pt-BR" sz="3200" b="1" dirty="0">
+              <a:rPr lang="pt-BR" sz="2400" b="1" dirty="0">
                 <a:solidFill>
                   <a:srgbClr val="FF0000"/>
                 </a:solidFill>
@@ -8809,7 +8809,7 @@
               <a:t> </a:t>
             </a:r>
             <a:r>
-              <a:rPr lang="pt-BR" sz="3200" b="1" dirty="0" err="1">
+              <a:rPr lang="pt-BR" sz="2400" b="1" dirty="0" err="1">
                 <a:solidFill>
                   <a:srgbClr val="FF0000"/>
                 </a:solidFill>
@@ -8819,7 +8819,7 @@
               <a:t>push</a:t>
             </a:r>
             <a:r>
-              <a:rPr lang="pt-BR" sz="3200" b="1" dirty="0">
+              <a:rPr lang="pt-BR" sz="2400" b="1" dirty="0">
                 <a:solidFill>
                   <a:srgbClr val="FF0000"/>
                 </a:solidFill>
@@ -8829,7 +8829,7 @@
               <a:t> -u </a:t>
             </a:r>
             <a:r>
-              <a:rPr lang="pt-BR" sz="3200" b="1" dirty="0" err="1">
+              <a:rPr lang="pt-BR" sz="2400" b="1" dirty="0" err="1">
                 <a:solidFill>
                   <a:srgbClr val="FF0000"/>
                 </a:solidFill>
@@ -8839,7 +8839,7 @@
               <a:t>origin</a:t>
             </a:r>
             <a:r>
-              <a:rPr lang="pt-BR" sz="3200" b="1" dirty="0">
+              <a:rPr lang="pt-BR" sz="2400" b="1" dirty="0">
                 <a:solidFill>
                   <a:srgbClr val="FF0000"/>
                 </a:solidFill>
@@ -8853,7 +8853,7 @@
             <a:pPr marL="0" indent="0" algn="just">
               <a:buNone/>
             </a:pPr>
-            <a:endParaRPr lang="pt-BR" sz="3200" b="1" dirty="0">
+            <a:endParaRPr lang="pt-BR" sz="2400" b="1" dirty="0">
               <a:solidFill>
                 <a:srgbClr val="FF0000"/>
               </a:solidFill>
@@ -8866,27 +8866,61 @@
               <a:buNone/>
             </a:pPr>
             <a:r>
-              <a:rPr lang="pt-BR" sz="1600" b="1" dirty="0">
+              <a:rPr lang="pt-BR" sz="2000" b="1" dirty="0">
                 <a:solidFill>
                   <a:srgbClr val="FF0000"/>
                 </a:solidFill>
                 <a:latin typeface="Times New Roman" panose="02020603050405020304" pitchFamily="18" charset="0"/>
                 <a:cs typeface="Times New Roman" panose="02020603050405020304" pitchFamily="18" charset="0"/>
               </a:rPr>
-              <a:t>Nota: </a:t>
-            </a:r>
-            <a:r>
-              <a:rPr lang="pt-BR" sz="1600" b="1" dirty="0">
-                <a:solidFill>
-                  <a:schemeClr val="tx1"/>
-                </a:solidFill>
-                <a:latin typeface="Times New Roman" panose="02020603050405020304" pitchFamily="18" charset="0"/>
-                <a:cs typeface="Times New Roman" panose="02020603050405020304" pitchFamily="18" charset="0"/>
-              </a:rPr>
-              <a:t>O </a:t>
-            </a:r>
-            <a:r>
-              <a:rPr lang="pt-BR" sz="1600" b="1" dirty="0" err="1">
+              <a:t>Atenção</a:t>
+            </a:r>
+            <a:r>
+              <a:rPr lang="pt-BR" sz="2000" dirty="0">
+                <a:latin typeface="Times New Roman" panose="02020603050405020304" pitchFamily="18" charset="0"/>
+                <a:cs typeface="Times New Roman" panose="02020603050405020304" pitchFamily="18" charset="0"/>
+              </a:rPr>
+              <a:t>: </a:t>
+            </a:r>
+            <a:r>
+              <a:rPr lang="pt-BR" sz="2000" b="1" dirty="0">
+                <a:solidFill>
+                  <a:srgbClr val="0070C0"/>
+                </a:solidFill>
+                <a:latin typeface="Times New Roman" panose="02020603050405020304" pitchFamily="18" charset="0"/>
+                <a:cs typeface="Times New Roman" panose="02020603050405020304" pitchFamily="18" charset="0"/>
+              </a:rPr>
+              <a:t>master ou </a:t>
+            </a:r>
+            <a:r>
+              <a:rPr lang="pt-BR" sz="2000" b="1" dirty="0" err="1">
+                <a:solidFill>
+                  <a:srgbClr val="0070C0"/>
+                </a:solidFill>
+                <a:latin typeface="Times New Roman" panose="02020603050405020304" pitchFamily="18" charset="0"/>
+                <a:cs typeface="Times New Roman" panose="02020603050405020304" pitchFamily="18" charset="0"/>
+              </a:rPr>
+              <a:t>main</a:t>
+            </a:r>
+            <a:r>
+              <a:rPr lang="pt-BR" sz="2000" b="1" dirty="0">
+                <a:solidFill>
+                  <a:srgbClr val="0070C0"/>
+                </a:solidFill>
+                <a:latin typeface="Times New Roman" panose="02020603050405020304" pitchFamily="18" charset="0"/>
+                <a:cs typeface="Times New Roman" panose="02020603050405020304" pitchFamily="18" charset="0"/>
+              </a:rPr>
+              <a:t>, </a:t>
+            </a:r>
+            <a:r>
+              <a:rPr lang="pt-BR" sz="2000" dirty="0">
+                <a:latin typeface="Times New Roman" panose="02020603050405020304" pitchFamily="18" charset="0"/>
+                <a:cs typeface="Times New Roman" panose="02020603050405020304" pitchFamily="18" charset="0"/>
+              </a:rPr>
+              <a:t>aonde será executado o, </a:t>
+            </a:r>
+            <a:r>
+              <a:rPr lang="pt-BR" sz="2000" b="1" dirty="0" err="1">
                 <a:solidFill>
                   <a:srgbClr val="FF0000"/>
                 </a:solidFill>
@@ -8896,7 +8930,7 @@
               <a:t>git</a:t>
             </a:r>
             <a:r>
-              <a:rPr lang="pt-BR" sz="1600" b="1" dirty="0">
+              <a:rPr lang="pt-BR" sz="2000" b="1" dirty="0">
                 <a:solidFill>
                   <a:srgbClr val="FF0000"/>
                 </a:solidFill>
@@ -8906,7 +8940,7 @@
               <a:t> </a:t>
             </a:r>
             <a:r>
-              <a:rPr lang="pt-BR" sz="1600" b="1" dirty="0" err="1">
+              <a:rPr lang="pt-BR" sz="2000" b="1" dirty="0" err="1">
                 <a:solidFill>
                   <a:srgbClr val="FF0000"/>
                 </a:solidFill>
@@ -8916,75 +8950,165 @@
               <a:t>push</a:t>
             </a:r>
             <a:r>
-              <a:rPr lang="pt-BR" sz="1600" b="1" dirty="0">
-                <a:solidFill>
-                  <a:schemeClr val="tx1"/>
-                </a:solidFill>
-                <a:latin typeface="Times New Roman" panose="02020603050405020304" pitchFamily="18" charset="0"/>
-                <a:cs typeface="Times New Roman" panose="02020603050405020304" pitchFamily="18" charset="0"/>
-              </a:rPr>
-              <a:t> pode ser na </a:t>
-            </a:r>
-            <a:r>
-              <a:rPr lang="pt-BR" sz="1600" b="1" dirty="0" err="1">
-                <a:solidFill>
-                  <a:schemeClr val="tx1"/>
-                </a:solidFill>
-                <a:latin typeface="Times New Roman" panose="02020603050405020304" pitchFamily="18" charset="0"/>
-                <a:cs typeface="Times New Roman" panose="02020603050405020304" pitchFamily="18" charset="0"/>
-              </a:rPr>
-              <a:t>branch</a:t>
-            </a:r>
-            <a:r>
-              <a:rPr lang="pt-BR" sz="1600" b="1" dirty="0">
-                <a:solidFill>
-                  <a:schemeClr val="tx1"/>
-                </a:solidFill>
+              <a:rPr lang="pt-BR" sz="2000" b="1" dirty="0">
+                <a:solidFill>
+                  <a:srgbClr val="FF0000"/>
+                </a:solidFill>
+                <a:latin typeface="Times New Roman" panose="02020603050405020304" pitchFamily="18" charset="0"/>
+                <a:cs typeface="Times New Roman" panose="02020603050405020304" pitchFamily="18" charset="0"/>
+              </a:rPr>
+              <a:t> –u </a:t>
+            </a:r>
+            <a:r>
+              <a:rPr lang="pt-BR" sz="2000" b="1" dirty="0" err="1">
+                <a:solidFill>
+                  <a:srgbClr val="FF0000"/>
+                </a:solidFill>
+                <a:latin typeface="Times New Roman" panose="02020603050405020304" pitchFamily="18" charset="0"/>
+                <a:cs typeface="Times New Roman" panose="02020603050405020304" pitchFamily="18" charset="0"/>
+              </a:rPr>
+              <a:t>origin</a:t>
+            </a:r>
+            <a:r>
+              <a:rPr lang="pt-BR" sz="2000" b="1" dirty="0">
+                <a:solidFill>
+                  <a:srgbClr val="FF0000"/>
+                </a:solidFill>
+                <a:latin typeface="Times New Roman" panose="02020603050405020304" pitchFamily="18" charset="0"/>
+                <a:cs typeface="Times New Roman" panose="02020603050405020304" pitchFamily="18" charset="0"/>
+              </a:rPr>
+              <a:t> ???</a:t>
+            </a:r>
+            <a:r>
+              <a:rPr lang="pt-BR" sz="2000" dirty="0">
+                <a:latin typeface="Times New Roman" panose="02020603050405020304" pitchFamily="18" charset="0"/>
+                <a:cs typeface="Times New Roman" panose="02020603050405020304" pitchFamily="18" charset="0"/>
+              </a:rPr>
+              <a:t>.</a:t>
+            </a:r>
+          </a:p>
+          <a:p>
+            <a:pPr marL="0" indent="0" algn="just">
+              <a:buNone/>
+            </a:pPr>
+            <a:r>
+              <a:rPr lang="pt-BR" sz="2000" b="1" dirty="0">
+                <a:solidFill>
+                  <a:srgbClr val="FF0000"/>
+                </a:solidFill>
+                <a:latin typeface="Times New Roman" panose="02020603050405020304" pitchFamily="18" charset="0"/>
+                <a:cs typeface="Times New Roman" panose="02020603050405020304" pitchFamily="18" charset="0"/>
+              </a:rPr>
+              <a:t>		 digitar no google: </a:t>
+            </a:r>
+            <a:r>
+              <a:rPr lang="pt-BR" sz="2000" dirty="0" err="1">
+                <a:latin typeface="Times New Roman" panose="02020603050405020304" pitchFamily="18" charset="0"/>
+                <a:cs typeface="Times New Roman" panose="02020603050405020304" pitchFamily="18" charset="0"/>
+              </a:rPr>
+              <a:t>github</a:t>
+            </a:r>
+            <a:r>
+              <a:rPr lang="pt-BR" sz="2000" dirty="0">
                 <a:latin typeface="Times New Roman" panose="02020603050405020304" pitchFamily="18" charset="0"/>
                 <a:cs typeface="Times New Roman" panose="02020603050405020304" pitchFamily="18" charset="0"/>
               </a:rPr>
               <a:t> </a:t>
             </a:r>
             <a:r>
-              <a:rPr lang="pt-BR" sz="1600" b="1" dirty="0" err="1">
-                <a:solidFill>
-                  <a:srgbClr val="FF0000"/>
-                </a:solidFill>
-                <a:latin typeface="Times New Roman" panose="02020603050405020304" pitchFamily="18" charset="0"/>
-                <a:cs typeface="Times New Roman" panose="02020603050405020304" pitchFamily="18" charset="0"/>
-              </a:rPr>
-              <a:t>main</a:t>
-            </a:r>
-            <a:r>
-              <a:rPr lang="pt-BR" sz="1600" b="1" dirty="0">
-                <a:solidFill>
-                  <a:schemeClr val="tx1"/>
-                </a:solidFill>
-                <a:latin typeface="Times New Roman" panose="02020603050405020304" pitchFamily="18" charset="0"/>
-                <a:cs typeface="Times New Roman" panose="02020603050405020304" pitchFamily="18" charset="0"/>
-              </a:rPr>
-              <a:t> ou </a:t>
-            </a:r>
-            <a:r>
-              <a:rPr lang="pt-BR" sz="1600" b="1" dirty="0">
-                <a:solidFill>
-                  <a:srgbClr val="FF0000"/>
-                </a:solidFill>
-                <a:latin typeface="Times New Roman" panose="02020603050405020304" pitchFamily="18" charset="0"/>
-                <a:cs typeface="Times New Roman" panose="02020603050405020304" pitchFamily="18" charset="0"/>
-              </a:rPr>
-              <a:t>master</a:t>
-            </a:r>
-            <a:r>
-              <a:rPr lang="pt-BR" sz="1600" b="1" dirty="0">
-                <a:solidFill>
-                  <a:schemeClr val="tx1"/>
-                </a:solidFill>
-                <a:latin typeface="Times New Roman" panose="02020603050405020304" pitchFamily="18" charset="0"/>
-                <a:cs typeface="Times New Roman" panose="02020603050405020304" pitchFamily="18" charset="0"/>
-              </a:rPr>
-              <a:t>, observar o gerado pelo GITHUB.</a:t>
-            </a:r>
+              <a:rPr lang="pt-BR" sz="2000" dirty="0" err="1">
+                <a:latin typeface="Times New Roman" panose="02020603050405020304" pitchFamily="18" charset="0"/>
+                <a:cs typeface="Times New Roman" panose="02020603050405020304" pitchFamily="18" charset="0"/>
+              </a:rPr>
+              <a:t>ssh</a:t>
+            </a:r>
+            <a:r>
+              <a:rPr lang="pt-BR" sz="2000" dirty="0">
+                <a:latin typeface="Times New Roman" panose="02020603050405020304" pitchFamily="18" charset="0"/>
+                <a:cs typeface="Times New Roman" panose="02020603050405020304" pitchFamily="18" charset="0"/>
+              </a:rPr>
+              <a:t>. </a:t>
+            </a:r>
+          </a:p>
+          <a:p>
+            <a:pPr marL="0" indent="0" algn="just">
+              <a:buNone/>
+            </a:pPr>
+            <a:r>
+              <a:rPr lang="pt-BR" sz="2000" b="1" dirty="0">
+                <a:latin typeface="Times New Roman" panose="02020603050405020304" pitchFamily="18" charset="0"/>
+                <a:cs typeface="Times New Roman" panose="02020603050405020304" pitchFamily="18" charset="0"/>
+              </a:rPr>
+              <a:t>Deve ser gerado</a:t>
+            </a:r>
+            <a:r>
+              <a:rPr lang="pt-BR" sz="2000" dirty="0">
+                <a:latin typeface="Times New Roman" panose="02020603050405020304" pitchFamily="18" charset="0"/>
+                <a:cs typeface="Times New Roman" panose="02020603050405020304" pitchFamily="18" charset="0"/>
+              </a:rPr>
+              <a:t>: a) uma </a:t>
+            </a:r>
+            <a:r>
+              <a:rPr lang="pt-BR" sz="2000" b="1" dirty="0">
+                <a:latin typeface="Times New Roman" panose="02020603050405020304" pitchFamily="18" charset="0"/>
+                <a:cs typeface="Times New Roman" panose="02020603050405020304" pitchFamily="18" charset="0"/>
+              </a:rPr>
+              <a:t>chave SSH </a:t>
+            </a:r>
+            <a:r>
+              <a:rPr lang="pt-BR" sz="2000" dirty="0">
+                <a:latin typeface="Times New Roman" panose="02020603050405020304" pitchFamily="18" charset="0"/>
+                <a:cs typeface="Times New Roman" panose="02020603050405020304" pitchFamily="18" charset="0"/>
+              </a:rPr>
+              <a:t>no seu computador, </a:t>
+            </a:r>
+          </a:p>
+          <a:p>
+            <a:pPr marL="0" indent="0" algn="just">
+              <a:buNone/>
+            </a:pPr>
+            <a:r>
+              <a:rPr lang="pt-BR" sz="2000" dirty="0">
+                <a:latin typeface="Times New Roman" panose="02020603050405020304" pitchFamily="18" charset="0"/>
+                <a:cs typeface="Times New Roman" panose="02020603050405020304" pitchFamily="18" charset="0"/>
+              </a:rPr>
+              <a:t>                             b) cadastrar essa </a:t>
+            </a:r>
+            <a:r>
+              <a:rPr lang="pt-BR" sz="2000" b="1" dirty="0">
+                <a:latin typeface="Times New Roman" panose="02020603050405020304" pitchFamily="18" charset="0"/>
+                <a:cs typeface="Times New Roman" panose="02020603050405020304" pitchFamily="18" charset="0"/>
+              </a:rPr>
+              <a:t>chave SSH</a:t>
+            </a:r>
+            <a:r>
+              <a:rPr lang="pt-BR" sz="2000" dirty="0">
+                <a:latin typeface="Times New Roman" panose="02020603050405020304" pitchFamily="18" charset="0"/>
+                <a:cs typeface="Times New Roman" panose="02020603050405020304" pitchFamily="18" charset="0"/>
+              </a:rPr>
+              <a:t> no seu </a:t>
+            </a:r>
+            <a:r>
+              <a:rPr lang="pt-BR" sz="2000" dirty="0" err="1">
+                <a:latin typeface="Times New Roman" panose="02020603050405020304" pitchFamily="18" charset="0"/>
+                <a:cs typeface="Times New Roman" panose="02020603050405020304" pitchFamily="18" charset="0"/>
+              </a:rPr>
+              <a:t>Github</a:t>
+            </a:r>
+            <a:r>
+              <a:rPr lang="pt-BR" sz="2000" dirty="0">
+                <a:latin typeface="Times New Roman" panose="02020603050405020304" pitchFamily="18" charset="0"/>
+                <a:cs typeface="Times New Roman" panose="02020603050405020304" pitchFamily="18" charset="0"/>
+              </a:rPr>
+              <a:t>.</a:t>
+            </a:r>
+            <a:endParaRPr lang="pt-BR" sz="2000" b="1" dirty="0">
+              <a:solidFill>
+                <a:srgbClr val="FF0000"/>
+              </a:solidFill>
+              <a:latin typeface="Times New Roman" panose="02020603050405020304" pitchFamily="18" charset="0"/>
+              <a:cs typeface="Times New Roman" panose="02020603050405020304" pitchFamily="18" charset="0"/>
+            </a:endParaRPr>
           </a:p>
         </p:txBody>
       </p:sp>
@@ -25652,11 +25776,11 @@
               <a:t>2. </a:t>
             </a:r>
             <a:r>
-              <a:rPr lang="pt-BR" sz="3200" b="1" dirty="0">
-                <a:latin typeface="Times New Roman" panose="02020603050405020304" pitchFamily="18" charset="0"/>
-                <a:cs typeface="Times New Roman" panose="02020603050405020304" pitchFamily="18" charset="0"/>
-              </a:rPr>
-              <a:t>LOGAR</a:t>
+              <a:rPr lang="pt-BR" sz="3200" b="1" dirty="0" err="1">
+                <a:latin typeface="Times New Roman" panose="02020603050405020304" pitchFamily="18" charset="0"/>
+                <a:cs typeface="Times New Roman" panose="02020603050405020304" pitchFamily="18" charset="0"/>
+              </a:rPr>
+              <a:t>Logar</a:t>
             </a:r>
             <a:r>
               <a:rPr lang="pt-BR" sz="3200" dirty="0">

--- a/01 Classes/Aula 02, 03, 04 Desenvolvimento Web Caracterização - HTML.pptx
+++ b/01 Classes/Aula 02, 03, 04 Desenvolvimento Web Caracterização - HTML.pptx
@@ -8686,63 +8686,63 @@
               <a:buNone/>
             </a:pPr>
             <a:r>
-              <a:rPr lang="pt-BR" sz="2400" dirty="0">
+              <a:rPr lang="pt-BR" sz="2000" dirty="0">
                 <a:latin typeface="Times New Roman" panose="02020603050405020304" pitchFamily="18" charset="0"/>
                 <a:cs typeface="Times New Roman" panose="02020603050405020304" pitchFamily="18" charset="0"/>
               </a:rPr>
               <a:t>15. </a:t>
             </a:r>
             <a:r>
-              <a:rPr lang="pt-BR" sz="2400" b="1" dirty="0" err="1">
+              <a:rPr lang="pt-BR" sz="2000" b="1" dirty="0" err="1">
                 <a:latin typeface="Times New Roman" panose="02020603050405020304" pitchFamily="18" charset="0"/>
                 <a:cs typeface="Times New Roman" panose="02020603050405020304" pitchFamily="18" charset="0"/>
               </a:rPr>
               <a:t>git</a:t>
             </a:r>
             <a:r>
-              <a:rPr lang="pt-BR" sz="2400" b="1" dirty="0">
+              <a:rPr lang="pt-BR" sz="2000" b="1" dirty="0">
                 <a:latin typeface="Times New Roman" panose="02020603050405020304" pitchFamily="18" charset="0"/>
                 <a:cs typeface="Times New Roman" panose="02020603050405020304" pitchFamily="18" charset="0"/>
               </a:rPr>
               <a:t> </a:t>
             </a:r>
             <a:r>
-              <a:rPr lang="pt-BR" sz="2400" b="1" dirty="0" err="1">
+              <a:rPr lang="pt-BR" sz="2000" b="1" dirty="0" err="1">
                 <a:latin typeface="Times New Roman" panose="02020603050405020304" pitchFamily="18" charset="0"/>
                 <a:cs typeface="Times New Roman" panose="02020603050405020304" pitchFamily="18" charset="0"/>
               </a:rPr>
               <a:t>remote</a:t>
             </a:r>
             <a:r>
-              <a:rPr lang="pt-BR" sz="2400" b="1" dirty="0">
+              <a:rPr lang="pt-BR" sz="2000" b="1" dirty="0">
                 <a:latin typeface="Times New Roman" panose="02020603050405020304" pitchFamily="18" charset="0"/>
                 <a:cs typeface="Times New Roman" panose="02020603050405020304" pitchFamily="18" charset="0"/>
               </a:rPr>
               <a:t> </a:t>
             </a:r>
             <a:r>
-              <a:rPr lang="pt-BR" sz="2400" b="1" dirty="0" err="1">
+              <a:rPr lang="pt-BR" sz="2000" b="1" dirty="0" err="1">
                 <a:latin typeface="Times New Roman" panose="02020603050405020304" pitchFamily="18" charset="0"/>
                 <a:cs typeface="Times New Roman" panose="02020603050405020304" pitchFamily="18" charset="0"/>
               </a:rPr>
               <a:t>add</a:t>
             </a:r>
             <a:r>
-              <a:rPr lang="pt-BR" sz="2400" b="1" dirty="0">
+              <a:rPr lang="pt-BR" sz="2000" b="1" dirty="0">
                 <a:latin typeface="Times New Roman" panose="02020603050405020304" pitchFamily="18" charset="0"/>
                 <a:cs typeface="Times New Roman" panose="02020603050405020304" pitchFamily="18" charset="0"/>
               </a:rPr>
               <a:t> </a:t>
             </a:r>
             <a:r>
-              <a:rPr lang="pt-BR" sz="2400" b="1" dirty="0" err="1">
+              <a:rPr lang="pt-BR" sz="2000" b="1" dirty="0" err="1">
                 <a:latin typeface="Times New Roman" panose="02020603050405020304" pitchFamily="18" charset="0"/>
                 <a:cs typeface="Times New Roman" panose="02020603050405020304" pitchFamily="18" charset="0"/>
               </a:rPr>
               <a:t>origin</a:t>
             </a:r>
             <a:r>
-              <a:rPr lang="pt-BR" sz="2400" b="1" dirty="0">
+              <a:rPr lang="pt-BR" sz="2000" b="1" dirty="0">
                 <a:latin typeface="Times New Roman" panose="02020603050405020304" pitchFamily="18" charset="0"/>
                 <a:cs typeface="Times New Roman" panose="02020603050405020304" pitchFamily="18" charset="0"/>
               </a:rPr>
@@ -8754,14 +8754,14 @@
               <a:buNone/>
             </a:pPr>
             <a:r>
-              <a:rPr lang="pt-BR" sz="2400" b="1" dirty="0">
+              <a:rPr lang="pt-BR" sz="2000" b="1" dirty="0">
                 <a:latin typeface="Times New Roman" panose="02020603050405020304" pitchFamily="18" charset="0"/>
                 <a:cs typeface="Times New Roman" panose="02020603050405020304" pitchFamily="18" charset="0"/>
               </a:rPr>
               <a:t>https://github.com/CloudEducationBrazil/PROJETOWEB.git</a:t>
             </a:r>
             <a:r>
-              <a:rPr lang="pt-BR" sz="2400" dirty="0">
+              <a:rPr lang="pt-BR" sz="2000" dirty="0">
                 <a:latin typeface="Times New Roman" panose="02020603050405020304" pitchFamily="18" charset="0"/>
                 <a:cs typeface="Times New Roman" panose="02020603050405020304" pitchFamily="18" charset="0"/>
               </a:rPr>
@@ -8772,7 +8772,7 @@
             <a:pPr marL="0" indent="0" algn="just">
               <a:buNone/>
             </a:pPr>
-            <a:endParaRPr lang="pt-BR" sz="2400" dirty="0">
+            <a:endParaRPr lang="pt-BR" sz="2000" dirty="0">
               <a:latin typeface="Times New Roman" panose="02020603050405020304" pitchFamily="18" charset="0"/>
               <a:cs typeface="Times New Roman" panose="02020603050405020304" pitchFamily="18" charset="0"/>
             </a:endParaRPr>
@@ -8782,14 +8782,14 @@
               <a:buNone/>
             </a:pPr>
             <a:r>
-              <a:rPr lang="pt-BR" sz="2400" dirty="0">
+              <a:rPr lang="pt-BR" sz="2000" dirty="0">
                 <a:latin typeface="Times New Roman" panose="02020603050405020304" pitchFamily="18" charset="0"/>
                 <a:cs typeface="Times New Roman" panose="02020603050405020304" pitchFamily="18" charset="0"/>
               </a:rPr>
               <a:t>16. </a:t>
             </a:r>
             <a:r>
-              <a:rPr lang="pt-BR" sz="2400" b="1" dirty="0" err="1">
+              <a:rPr lang="pt-BR" sz="2000" b="1" dirty="0" err="1">
                 <a:solidFill>
                   <a:srgbClr val="FF0000"/>
                 </a:solidFill>
@@ -8799,7 +8799,7 @@
               <a:t>git</a:t>
             </a:r>
             <a:r>
-              <a:rPr lang="pt-BR" sz="2400" b="1" dirty="0">
+              <a:rPr lang="pt-BR" sz="2000" b="1" dirty="0">
                 <a:solidFill>
                   <a:srgbClr val="FF0000"/>
                 </a:solidFill>
@@ -8809,7 +8809,7 @@
               <a:t> </a:t>
             </a:r>
             <a:r>
-              <a:rPr lang="pt-BR" sz="2400" b="1" dirty="0" err="1">
+              <a:rPr lang="pt-BR" sz="2000" b="1" dirty="0" err="1">
                 <a:solidFill>
                   <a:srgbClr val="FF0000"/>
                 </a:solidFill>
@@ -8819,7 +8819,7 @@
               <a:t>push</a:t>
             </a:r>
             <a:r>
-              <a:rPr lang="pt-BR" sz="2400" b="1" dirty="0">
+              <a:rPr lang="pt-BR" sz="2000" b="1" dirty="0">
                 <a:solidFill>
                   <a:srgbClr val="FF0000"/>
                 </a:solidFill>
@@ -8829,7 +8829,7 @@
               <a:t> -u </a:t>
             </a:r>
             <a:r>
-              <a:rPr lang="pt-BR" sz="2400" b="1" dirty="0" err="1">
+              <a:rPr lang="pt-BR" sz="2000" b="1" dirty="0" err="1">
                 <a:solidFill>
                   <a:srgbClr val="FF0000"/>
                 </a:solidFill>
@@ -8839,7 +8839,7 @@
               <a:t>origin</a:t>
             </a:r>
             <a:r>
-              <a:rPr lang="pt-BR" sz="2400" b="1" dirty="0">
+              <a:rPr lang="pt-BR" sz="2000" b="1" dirty="0">
                 <a:solidFill>
                   <a:srgbClr val="FF0000"/>
                 </a:solidFill>
@@ -8853,7 +8853,7 @@
             <a:pPr marL="0" indent="0" algn="just">
               <a:buNone/>
             </a:pPr>
-            <a:endParaRPr lang="pt-BR" sz="2400" b="1" dirty="0">
+            <a:endParaRPr lang="pt-BR" sz="2000" b="1" dirty="0">
               <a:solidFill>
                 <a:srgbClr val="FF0000"/>
               </a:solidFill>
@@ -8873,235 +8873,246 @@
                 <a:latin typeface="Times New Roman" panose="02020603050405020304" pitchFamily="18" charset="0"/>
                 <a:cs typeface="Times New Roman" panose="02020603050405020304" pitchFamily="18" charset="0"/>
               </a:rPr>
-              <a:t>Atenção</a:t>
-            </a:r>
+              <a:t>Digitar no google: </a:t>
+            </a:r>
+            <a:r>
+              <a:rPr lang="pt-BR" sz="2000" b="1" dirty="0" err="1">
+                <a:latin typeface="Times New Roman" panose="02020603050405020304" pitchFamily="18" charset="0"/>
+                <a:cs typeface="Times New Roman" panose="02020603050405020304" pitchFamily="18" charset="0"/>
+              </a:rPr>
+              <a:t>github</a:t>
+            </a:r>
+            <a:r>
+              <a:rPr lang="pt-BR" sz="2000" b="1" dirty="0">
+                <a:latin typeface="Times New Roman" panose="02020603050405020304" pitchFamily="18" charset="0"/>
+                <a:cs typeface="Times New Roman" panose="02020603050405020304" pitchFamily="18" charset="0"/>
+              </a:rPr>
+              <a:t> </a:t>
+            </a:r>
+            <a:r>
+              <a:rPr lang="pt-BR" sz="2000" b="1" dirty="0" err="1">
+                <a:latin typeface="Times New Roman" panose="02020603050405020304" pitchFamily="18" charset="0"/>
+                <a:cs typeface="Times New Roman" panose="02020603050405020304" pitchFamily="18" charset="0"/>
+              </a:rPr>
+              <a:t>ssh</a:t>
+            </a:r>
+            <a:r>
+              <a:rPr lang="pt-BR" sz="2000" b="1" dirty="0">
+                <a:latin typeface="Times New Roman" panose="02020603050405020304" pitchFamily="18" charset="0"/>
+                <a:cs typeface="Times New Roman" panose="02020603050405020304" pitchFamily="18" charset="0"/>
+              </a:rPr>
+              <a:t> </a:t>
+            </a:r>
+            <a:r>
+              <a:rPr lang="pt-BR" sz="2000" b="1" dirty="0">
+                <a:solidFill>
+                  <a:srgbClr val="FF0000"/>
+                </a:solidFill>
+                <a:latin typeface="Times New Roman" panose="02020603050405020304" pitchFamily="18" charset="0"/>
+                <a:cs typeface="Times New Roman" panose="02020603050405020304" pitchFamily="18" charset="0"/>
+              </a:rPr>
+              <a:t>(Pesquisar tema SSH) </a:t>
+            </a:r>
+            <a:r>
+              <a:rPr lang="pt-BR" sz="2000" b="1">
+                <a:solidFill>
+                  <a:srgbClr val="FF0000"/>
+                </a:solidFill>
+                <a:latin typeface="Times New Roman" panose="02020603050405020304" pitchFamily="18" charset="0"/>
+                <a:cs typeface="Times New Roman" panose="02020603050405020304" pitchFamily="18" charset="0"/>
+              </a:rPr>
+              <a:t>- Token</a:t>
+            </a:r>
+            <a:endParaRPr lang="pt-BR" sz="2000" dirty="0">
+              <a:solidFill>
+                <a:srgbClr val="FF0000"/>
+              </a:solidFill>
+              <a:latin typeface="Times New Roman" panose="02020603050405020304" pitchFamily="18" charset="0"/>
+              <a:cs typeface="Times New Roman" panose="02020603050405020304" pitchFamily="18" charset="0"/>
+            </a:endParaRPr>
+          </a:p>
+          <a:p>
+            <a:pPr marL="457200" indent="-457200" algn="just">
+              <a:buAutoNum type="alphaLcParenR"/>
+            </a:pPr>
             <a:r>
               <a:rPr lang="pt-BR" sz="2000" dirty="0">
                 <a:latin typeface="Times New Roman" panose="02020603050405020304" pitchFamily="18" charset="0"/>
                 <a:cs typeface="Times New Roman" panose="02020603050405020304" pitchFamily="18" charset="0"/>
               </a:rPr>
+              <a:t>gerar uma </a:t>
+            </a:r>
+            <a:r>
+              <a:rPr lang="pt-BR" sz="2000" b="1" dirty="0">
+                <a:latin typeface="Times New Roman" panose="02020603050405020304" pitchFamily="18" charset="0"/>
+                <a:cs typeface="Times New Roman" panose="02020603050405020304" pitchFamily="18" charset="0"/>
+              </a:rPr>
+              <a:t>chave SSH</a:t>
+            </a:r>
+            <a:r>
+              <a:rPr lang="pt-BR" sz="2000" dirty="0">
+                <a:latin typeface="Times New Roman" panose="02020603050405020304" pitchFamily="18" charset="0"/>
+                <a:cs typeface="Times New Roman" panose="02020603050405020304" pitchFamily="18" charset="0"/>
+              </a:rPr>
+              <a:t> no computador. b) cadastrar </a:t>
+            </a:r>
+            <a:r>
+              <a:rPr lang="pt-BR" sz="2000" b="1" dirty="0">
+                <a:latin typeface="Times New Roman" panose="02020603050405020304" pitchFamily="18" charset="0"/>
+                <a:cs typeface="Times New Roman" panose="02020603050405020304" pitchFamily="18" charset="0"/>
+              </a:rPr>
+              <a:t>chave SSH</a:t>
+            </a:r>
+            <a:r>
+              <a:rPr lang="pt-BR" sz="2000" dirty="0">
+                <a:latin typeface="Times New Roman" panose="02020603050405020304" pitchFamily="18" charset="0"/>
+                <a:cs typeface="Times New Roman" panose="02020603050405020304" pitchFamily="18" charset="0"/>
+              </a:rPr>
+              <a:t> no seu </a:t>
+            </a:r>
+            <a:r>
+              <a:rPr lang="pt-BR" sz="2000" dirty="0" err="1">
+                <a:latin typeface="Times New Roman" panose="02020603050405020304" pitchFamily="18" charset="0"/>
+                <a:cs typeface="Times New Roman" panose="02020603050405020304" pitchFamily="18" charset="0"/>
+              </a:rPr>
+              <a:t>Github</a:t>
+            </a:r>
+            <a:r>
+              <a:rPr lang="pt-BR" sz="2000" dirty="0">
+                <a:latin typeface="Times New Roman" panose="02020603050405020304" pitchFamily="18" charset="0"/>
+                <a:cs typeface="Times New Roman" panose="02020603050405020304" pitchFamily="18" charset="0"/>
+              </a:rPr>
+              <a:t>.</a:t>
+            </a:r>
+          </a:p>
+          <a:p>
+            <a:pPr marL="0" indent="0" algn="just">
+              <a:buNone/>
+            </a:pPr>
+            <a:r>
+              <a:rPr lang="pt-BR" sz="2000" b="1" dirty="0">
+                <a:solidFill>
+                  <a:srgbClr val="FF0000"/>
+                </a:solidFill>
+                <a:latin typeface="Times New Roman" panose="02020603050405020304" pitchFamily="18" charset="0"/>
+                <a:cs typeface="Times New Roman" panose="02020603050405020304" pitchFamily="18" charset="0"/>
+              </a:rPr>
+              <a:t>Gerenciador de Credenciais do Windows (</a:t>
+            </a:r>
+            <a:r>
+              <a:rPr lang="pt-BR" sz="2000" b="1" dirty="0">
+                <a:solidFill>
+                  <a:srgbClr val="0070C0"/>
+                </a:solidFill>
+                <a:latin typeface="Times New Roman" panose="02020603050405020304" pitchFamily="18" charset="0"/>
+                <a:cs typeface="Times New Roman" panose="02020603050405020304" pitchFamily="18" charset="0"/>
+              </a:rPr>
+              <a:t>Adicionar um credencial genérica</a:t>
+            </a:r>
+            <a:r>
+              <a:rPr lang="pt-BR" sz="2000" b="1" dirty="0">
+                <a:solidFill>
+                  <a:srgbClr val="FF0000"/>
+                </a:solidFill>
+                <a:latin typeface="Times New Roman" panose="02020603050405020304" pitchFamily="18" charset="0"/>
+                <a:cs typeface="Times New Roman" panose="02020603050405020304" pitchFamily="18" charset="0"/>
+              </a:rPr>
+              <a:t>)</a:t>
+            </a:r>
+          </a:p>
+          <a:p>
+            <a:pPr marL="457200" indent="-457200" algn="just">
+              <a:buAutoNum type="alphaLcParenR"/>
+            </a:pPr>
+            <a:r>
+              <a:rPr lang="pt-BR" sz="2000" dirty="0">
+                <a:latin typeface="Times New Roman" panose="02020603050405020304" pitchFamily="18" charset="0"/>
+                <a:cs typeface="Times New Roman" panose="02020603050405020304" pitchFamily="18" charset="0"/>
+              </a:rPr>
+              <a:t>(</a:t>
+            </a:r>
+            <a:r>
+              <a:rPr lang="pt-BR" sz="2000" b="1" dirty="0">
+                <a:latin typeface="Times New Roman" panose="02020603050405020304" pitchFamily="18" charset="0"/>
+                <a:cs typeface="Times New Roman" panose="02020603050405020304" pitchFamily="18" charset="0"/>
+              </a:rPr>
+              <a:t>Endereço rede</a:t>
+            </a:r>
+            <a:r>
+              <a:rPr lang="pt-BR" sz="2000" dirty="0">
+                <a:latin typeface="Times New Roman" panose="02020603050405020304" pitchFamily="18" charset="0"/>
+                <a:cs typeface="Times New Roman" panose="02020603050405020304" pitchFamily="18" charset="0"/>
+              </a:rPr>
               <a:t>: </a:t>
             </a:r>
             <a:r>
+              <a:rPr lang="pt-BR" sz="2000" dirty="0" err="1">
+                <a:latin typeface="Times New Roman" panose="02020603050405020304" pitchFamily="18" charset="0"/>
+                <a:cs typeface="Times New Roman" panose="02020603050405020304" pitchFamily="18" charset="0"/>
+              </a:rPr>
+              <a:t>git:https</a:t>
+            </a:r>
+            <a:r>
+              <a:rPr lang="pt-BR" sz="2000" dirty="0">
+                <a:latin typeface="Times New Roman" panose="02020603050405020304" pitchFamily="18" charset="0"/>
+                <a:cs typeface="Times New Roman" panose="02020603050405020304" pitchFamily="18" charset="0"/>
+              </a:rPr>
+              <a:t>://github.com); </a:t>
+            </a:r>
+            <a:r>
               <a:rPr lang="pt-BR" sz="2000" b="1" dirty="0">
-                <a:solidFill>
-                  <a:srgbClr val="0070C0"/>
-                </a:solidFill>
-                <a:latin typeface="Times New Roman" panose="02020603050405020304" pitchFamily="18" charset="0"/>
-                <a:cs typeface="Times New Roman" panose="02020603050405020304" pitchFamily="18" charset="0"/>
-              </a:rPr>
-              <a:t>master ou </a:t>
-            </a:r>
-            <a:r>
-              <a:rPr lang="pt-BR" sz="2000" b="1" dirty="0" err="1">
-                <a:solidFill>
-                  <a:srgbClr val="0070C0"/>
-                </a:solidFill>
-                <a:latin typeface="Times New Roman" panose="02020603050405020304" pitchFamily="18" charset="0"/>
-                <a:cs typeface="Times New Roman" panose="02020603050405020304" pitchFamily="18" charset="0"/>
-              </a:rPr>
-              <a:t>main</a:t>
+                <a:latin typeface="Times New Roman" panose="02020603050405020304" pitchFamily="18" charset="0"/>
+                <a:cs typeface="Times New Roman" panose="02020603050405020304" pitchFamily="18" charset="0"/>
+              </a:rPr>
+              <a:t>Usuário</a:t>
+            </a:r>
+            <a:r>
+              <a:rPr lang="pt-BR" sz="2000" dirty="0">
+                <a:latin typeface="Times New Roman" panose="02020603050405020304" pitchFamily="18" charset="0"/>
+                <a:cs typeface="Times New Roman" panose="02020603050405020304" pitchFamily="18" charset="0"/>
+              </a:rPr>
+              <a:t>: Conta </a:t>
+            </a:r>
+            <a:r>
+              <a:rPr lang="pt-BR" sz="2000" dirty="0" err="1">
+                <a:latin typeface="Times New Roman" panose="02020603050405020304" pitchFamily="18" charset="0"/>
+                <a:cs typeface="Times New Roman" panose="02020603050405020304" pitchFamily="18" charset="0"/>
+              </a:rPr>
+              <a:t>Github</a:t>
+            </a:r>
+            <a:r>
+              <a:rPr lang="pt-BR" sz="2000" dirty="0">
+                <a:latin typeface="Times New Roman" panose="02020603050405020304" pitchFamily="18" charset="0"/>
+                <a:cs typeface="Times New Roman" panose="02020603050405020304" pitchFamily="18" charset="0"/>
+              </a:rPr>
+              <a:t> </a:t>
             </a:r>
             <a:r>
               <a:rPr lang="pt-BR" sz="2000" b="1" dirty="0">
-                <a:solidFill>
-                  <a:srgbClr val="0070C0"/>
-                </a:solidFill>
-                <a:latin typeface="Times New Roman" panose="02020603050405020304" pitchFamily="18" charset="0"/>
-                <a:cs typeface="Times New Roman" panose="02020603050405020304" pitchFamily="18" charset="0"/>
-              </a:rPr>
-              <a:t>, </a:t>
+                <a:latin typeface="Times New Roman" panose="02020603050405020304" pitchFamily="18" charset="0"/>
+                <a:cs typeface="Times New Roman" panose="02020603050405020304" pitchFamily="18" charset="0"/>
+              </a:rPr>
+              <a:t>Senha</a:t>
             </a:r>
             <a:r>
               <a:rPr lang="pt-BR" sz="2000" dirty="0">
                 <a:latin typeface="Times New Roman" panose="02020603050405020304" pitchFamily="18" charset="0"/>
                 <a:cs typeface="Times New Roman" panose="02020603050405020304" pitchFamily="18" charset="0"/>
               </a:rPr>
-              <a:t>aonde será executado o, </a:t>
-            </a:r>
-            <a:r>
-              <a:rPr lang="pt-BR" sz="2000" b="1" dirty="0" err="1">
-                <a:solidFill>
-                  <a:srgbClr val="FF0000"/>
-                </a:solidFill>
-                <a:latin typeface="Times New Roman" panose="02020603050405020304" pitchFamily="18" charset="0"/>
-                <a:cs typeface="Times New Roman" panose="02020603050405020304" pitchFamily="18" charset="0"/>
-              </a:rPr>
-              <a:t>git</a:t>
-            </a:r>
-            <a:r>
-              <a:rPr lang="pt-BR" sz="2000" b="1" dirty="0">
-                <a:solidFill>
-                  <a:srgbClr val="FF0000"/>
-                </a:solidFill>
-                <a:latin typeface="Times New Roman" panose="02020603050405020304" pitchFamily="18" charset="0"/>
-                <a:cs typeface="Times New Roman" panose="02020603050405020304" pitchFamily="18" charset="0"/>
-              </a:rPr>
-              <a:t> </a:t>
-            </a:r>
-            <a:r>
-              <a:rPr lang="pt-BR" sz="2000" b="1" dirty="0" err="1">
-                <a:solidFill>
-                  <a:srgbClr val="FF0000"/>
-                </a:solidFill>
-                <a:latin typeface="Times New Roman" panose="02020603050405020304" pitchFamily="18" charset="0"/>
-                <a:cs typeface="Times New Roman" panose="02020603050405020304" pitchFamily="18" charset="0"/>
-              </a:rPr>
-              <a:t>push</a:t>
-            </a:r>
-            <a:r>
-              <a:rPr lang="pt-BR" sz="2000" b="1" dirty="0">
-                <a:solidFill>
-                  <a:srgbClr val="FF0000"/>
-                </a:solidFill>
-                <a:latin typeface="Times New Roman" panose="02020603050405020304" pitchFamily="18" charset="0"/>
-                <a:cs typeface="Times New Roman" panose="02020603050405020304" pitchFamily="18" charset="0"/>
-              </a:rPr>
-              <a:t> –u </a:t>
-            </a:r>
-            <a:r>
-              <a:rPr lang="pt-BR" sz="2000" b="1" dirty="0" err="1">
-                <a:solidFill>
-                  <a:srgbClr val="FF0000"/>
-                </a:solidFill>
-                <a:latin typeface="Times New Roman" panose="02020603050405020304" pitchFamily="18" charset="0"/>
-                <a:cs typeface="Times New Roman" panose="02020603050405020304" pitchFamily="18" charset="0"/>
-              </a:rPr>
-              <a:t>origin</a:t>
-            </a:r>
-            <a:r>
-              <a:rPr lang="pt-BR" sz="2000" b="1" dirty="0">
-                <a:solidFill>
-                  <a:srgbClr val="FF0000"/>
-                </a:solidFill>
-                <a:latin typeface="Times New Roman" panose="02020603050405020304" pitchFamily="18" charset="0"/>
-                <a:cs typeface="Times New Roman" panose="02020603050405020304" pitchFamily="18" charset="0"/>
-              </a:rPr>
-              <a:t> ???</a:t>
-            </a:r>
-            <a:r>
-              <a:rPr lang="pt-BR" sz="2000" dirty="0">
-                <a:latin typeface="Times New Roman" panose="02020603050405020304" pitchFamily="18" charset="0"/>
-                <a:cs typeface="Times New Roman" panose="02020603050405020304" pitchFamily="18" charset="0"/>
-              </a:rPr>
-              <a:t>.</a:t>
-            </a:r>
-          </a:p>
-          <a:p>
-            <a:pPr marL="0" indent="0" algn="just">
-              <a:buNone/>
-            </a:pPr>
-            <a:r>
-              <a:rPr lang="pt-BR" sz="2000" b="1" dirty="0">
-                <a:solidFill>
-                  <a:srgbClr val="FF0000"/>
-                </a:solidFill>
-                <a:latin typeface="Times New Roman" panose="02020603050405020304" pitchFamily="18" charset="0"/>
-                <a:cs typeface="Times New Roman" panose="02020603050405020304" pitchFamily="18" charset="0"/>
-              </a:rPr>
-              <a:t>		 digitar no google: </a:t>
-            </a:r>
-            <a:r>
-              <a:rPr lang="pt-BR" sz="2000" dirty="0" err="1">
-                <a:latin typeface="Times New Roman" panose="02020603050405020304" pitchFamily="18" charset="0"/>
-                <a:cs typeface="Times New Roman" panose="02020603050405020304" pitchFamily="18" charset="0"/>
-              </a:rPr>
-              <a:t>github</a:t>
-            </a:r>
-            <a:r>
-              <a:rPr lang="pt-BR" sz="2000" dirty="0">
-                <a:latin typeface="Times New Roman" panose="02020603050405020304" pitchFamily="18" charset="0"/>
-                <a:cs typeface="Times New Roman" panose="02020603050405020304" pitchFamily="18" charset="0"/>
-              </a:rPr>
-              <a:t> </a:t>
-            </a:r>
-            <a:r>
-              <a:rPr lang="pt-BR" sz="2000" dirty="0" err="1">
-                <a:latin typeface="Times New Roman" panose="02020603050405020304" pitchFamily="18" charset="0"/>
-                <a:cs typeface="Times New Roman" panose="02020603050405020304" pitchFamily="18" charset="0"/>
-              </a:rPr>
-              <a:t>ssh</a:t>
-            </a:r>
-            <a:r>
-              <a:rPr lang="pt-BR" sz="2000" dirty="0">
-                <a:latin typeface="Times New Roman" panose="02020603050405020304" pitchFamily="18" charset="0"/>
-                <a:cs typeface="Times New Roman" panose="02020603050405020304" pitchFamily="18" charset="0"/>
-              </a:rPr>
-              <a:t>. </a:t>
-            </a:r>
-          </a:p>
-          <a:p>
-            <a:pPr marL="0" indent="0" algn="just">
-              <a:buNone/>
-            </a:pPr>
-            <a:r>
-              <a:rPr lang="pt-BR" sz="2000" b="1" dirty="0">
-                <a:latin typeface="Times New Roman" panose="02020603050405020304" pitchFamily="18" charset="0"/>
-                <a:cs typeface="Times New Roman" panose="02020603050405020304" pitchFamily="18" charset="0"/>
-              </a:rPr>
-              <a:t>Deve ser gerado</a:t>
-            </a:r>
-            <a:r>
-              <a:rPr lang="pt-BR" sz="2000" dirty="0">
-                <a:latin typeface="Times New Roman" panose="02020603050405020304" pitchFamily="18" charset="0"/>
-                <a:cs typeface="Times New Roman" panose="02020603050405020304" pitchFamily="18" charset="0"/>
-              </a:rPr>
-              <a:t>: a) uma </a:t>
-            </a:r>
-            <a:r>
-              <a:rPr lang="pt-BR" sz="2000" b="1" dirty="0">
-                <a:latin typeface="Times New Roman" panose="02020603050405020304" pitchFamily="18" charset="0"/>
-                <a:cs typeface="Times New Roman" panose="02020603050405020304" pitchFamily="18" charset="0"/>
-              </a:rPr>
-              <a:t>chave SSH </a:t>
-            </a:r>
-            <a:r>
-              <a:rPr lang="pt-BR" sz="2000" dirty="0">
-                <a:latin typeface="Times New Roman" panose="02020603050405020304" pitchFamily="18" charset="0"/>
-                <a:cs typeface="Times New Roman" panose="02020603050405020304" pitchFamily="18" charset="0"/>
-              </a:rPr>
-              <a:t>no seu computador, </a:t>
-            </a:r>
-          </a:p>
-          <a:p>
-            <a:pPr marL="0" indent="0" algn="just">
-              <a:buNone/>
-            </a:pPr>
-            <a:r>
-              <a:rPr lang="pt-BR" sz="2000" dirty="0">
-                <a:latin typeface="Times New Roman" panose="02020603050405020304" pitchFamily="18" charset="0"/>
-                <a:cs typeface="Times New Roman" panose="02020603050405020304" pitchFamily="18" charset="0"/>
-              </a:rPr>
-              <a:t>                             b) cadastrar essa </a:t>
-            </a:r>
-            <a:r>
-              <a:rPr lang="pt-BR" sz="2000" b="1" dirty="0">
-                <a:latin typeface="Times New Roman" panose="02020603050405020304" pitchFamily="18" charset="0"/>
-                <a:cs typeface="Times New Roman" panose="02020603050405020304" pitchFamily="18" charset="0"/>
-              </a:rPr>
-              <a:t>chave SSH</a:t>
-            </a:r>
-            <a:r>
-              <a:rPr lang="pt-BR" sz="2000" dirty="0">
-                <a:latin typeface="Times New Roman" panose="02020603050405020304" pitchFamily="18" charset="0"/>
-                <a:cs typeface="Times New Roman" panose="02020603050405020304" pitchFamily="18" charset="0"/>
-              </a:rPr>
-              <a:t> no seu </a:t>
-            </a:r>
-            <a:r>
-              <a:rPr lang="pt-BR" sz="2000" dirty="0" err="1">
-                <a:latin typeface="Times New Roman" panose="02020603050405020304" pitchFamily="18" charset="0"/>
-                <a:cs typeface="Times New Roman" panose="02020603050405020304" pitchFamily="18" charset="0"/>
-              </a:rPr>
-              <a:t>Github</a:t>
-            </a:r>
-            <a:r>
-              <a:rPr lang="pt-BR" sz="2000" dirty="0">
-                <a:latin typeface="Times New Roman" panose="02020603050405020304" pitchFamily="18" charset="0"/>
-                <a:cs typeface="Times New Roman" panose="02020603050405020304" pitchFamily="18" charset="0"/>
-              </a:rPr>
-              <a:t>.</a:t>
-            </a:r>
+              <a:t>: Token</a:t>
+            </a:r>
+            <a:endParaRPr lang="pt-BR" sz="2000" b="1" dirty="0">
+              <a:solidFill>
+                <a:srgbClr val="FF0000"/>
+              </a:solidFill>
+              <a:latin typeface="Times New Roman" panose="02020603050405020304" pitchFamily="18" charset="0"/>
+              <a:cs typeface="Times New Roman" panose="02020603050405020304" pitchFamily="18" charset="0"/>
+            </a:endParaRPr>
+          </a:p>
+          <a:p>
+            <a:pPr marL="0" indent="0" algn="just">
+              <a:buNone/>
+            </a:pPr>
             <a:endParaRPr lang="pt-BR" sz="2000" b="1" dirty="0">
               <a:solidFill>
                 <a:srgbClr val="FF0000"/>
@@ -32360,6 +32371,141 @@
               </a:rPr>
               <a:t> master</a:t>
             </a:r>
+          </a:p>
+          <a:p>
+            <a:pPr marL="0" indent="0" algn="just">
+              <a:buNone/>
+            </a:pPr>
+            <a:r>
+              <a:rPr lang="pt-BR" sz="2000" b="1" dirty="0">
+                <a:solidFill>
+                  <a:srgbClr val="FF0000"/>
+                </a:solidFill>
+                <a:latin typeface="Times New Roman" panose="02020603050405020304" pitchFamily="18" charset="0"/>
+                <a:cs typeface="Times New Roman" panose="02020603050405020304" pitchFamily="18" charset="0"/>
+              </a:rPr>
+              <a:t>Atenção</a:t>
+            </a:r>
+            <a:r>
+              <a:rPr lang="pt-BR" sz="2000" dirty="0">
+                <a:latin typeface="Times New Roman" panose="02020603050405020304" pitchFamily="18" charset="0"/>
+                <a:cs typeface="Times New Roman" panose="02020603050405020304" pitchFamily="18" charset="0"/>
+              </a:rPr>
+              <a:t>: </a:t>
+            </a:r>
+            <a:r>
+              <a:rPr lang="pt-BR" sz="2000" b="1" dirty="0">
+                <a:solidFill>
+                  <a:srgbClr val="0070C0"/>
+                </a:solidFill>
+                <a:latin typeface="Times New Roman" panose="02020603050405020304" pitchFamily="18" charset="0"/>
+                <a:cs typeface="Times New Roman" panose="02020603050405020304" pitchFamily="18" charset="0"/>
+              </a:rPr>
+              <a:t>master ou </a:t>
+            </a:r>
+            <a:r>
+              <a:rPr lang="pt-BR" sz="2000" b="1" dirty="0" err="1">
+                <a:solidFill>
+                  <a:srgbClr val="0070C0"/>
+                </a:solidFill>
+                <a:latin typeface="Times New Roman" panose="02020603050405020304" pitchFamily="18" charset="0"/>
+                <a:cs typeface="Times New Roman" panose="02020603050405020304" pitchFamily="18" charset="0"/>
+              </a:rPr>
+              <a:t>main</a:t>
+            </a:r>
+            <a:r>
+              <a:rPr lang="pt-BR" sz="2000" b="1" dirty="0">
+                <a:solidFill>
+                  <a:srgbClr val="0070C0"/>
+                </a:solidFill>
+                <a:latin typeface="Times New Roman" panose="02020603050405020304" pitchFamily="18" charset="0"/>
+                <a:cs typeface="Times New Roman" panose="02020603050405020304" pitchFamily="18" charset="0"/>
+              </a:rPr>
+              <a:t>, </a:t>
+            </a:r>
+            <a:r>
+              <a:rPr lang="pt-BR" sz="2000" dirty="0">
+                <a:latin typeface="Times New Roman" panose="02020603050405020304" pitchFamily="18" charset="0"/>
+                <a:cs typeface="Times New Roman" panose="02020603050405020304" pitchFamily="18" charset="0"/>
+              </a:rPr>
+              <a:t>aonde será executado o, </a:t>
+            </a:r>
+            <a:r>
+              <a:rPr lang="pt-BR" sz="2000" b="1" dirty="0" err="1">
+                <a:solidFill>
+                  <a:srgbClr val="FF0000"/>
+                </a:solidFill>
+                <a:latin typeface="Times New Roman" panose="02020603050405020304" pitchFamily="18" charset="0"/>
+                <a:cs typeface="Times New Roman" panose="02020603050405020304" pitchFamily="18" charset="0"/>
+              </a:rPr>
+              <a:t>git</a:t>
+            </a:r>
+            <a:r>
+              <a:rPr lang="pt-BR" sz="2000" b="1" dirty="0">
+                <a:solidFill>
+                  <a:srgbClr val="FF0000"/>
+                </a:solidFill>
+                <a:latin typeface="Times New Roman" panose="02020603050405020304" pitchFamily="18" charset="0"/>
+                <a:cs typeface="Times New Roman" panose="02020603050405020304" pitchFamily="18" charset="0"/>
+              </a:rPr>
+              <a:t> </a:t>
+            </a:r>
+            <a:r>
+              <a:rPr lang="pt-BR" sz="2000" b="1" dirty="0" err="1">
+                <a:solidFill>
+                  <a:srgbClr val="FF0000"/>
+                </a:solidFill>
+                <a:latin typeface="Times New Roman" panose="02020603050405020304" pitchFamily="18" charset="0"/>
+                <a:cs typeface="Times New Roman" panose="02020603050405020304" pitchFamily="18" charset="0"/>
+              </a:rPr>
+              <a:t>push</a:t>
+            </a:r>
+            <a:r>
+              <a:rPr lang="pt-BR" sz="2000" b="1" dirty="0">
+                <a:solidFill>
+                  <a:srgbClr val="FF0000"/>
+                </a:solidFill>
+                <a:latin typeface="Times New Roman" panose="02020603050405020304" pitchFamily="18" charset="0"/>
+                <a:cs typeface="Times New Roman" panose="02020603050405020304" pitchFamily="18" charset="0"/>
+              </a:rPr>
+              <a:t> –u </a:t>
+            </a:r>
+            <a:r>
+              <a:rPr lang="pt-BR" sz="2000" b="1" dirty="0" err="1">
+                <a:solidFill>
+                  <a:srgbClr val="FF0000"/>
+                </a:solidFill>
+                <a:latin typeface="Times New Roman" panose="02020603050405020304" pitchFamily="18" charset="0"/>
+                <a:cs typeface="Times New Roman" panose="02020603050405020304" pitchFamily="18" charset="0"/>
+              </a:rPr>
+              <a:t>origin</a:t>
+            </a:r>
+            <a:r>
+              <a:rPr lang="pt-BR" sz="2000" b="1" dirty="0">
+                <a:solidFill>
+                  <a:srgbClr val="FF0000"/>
+                </a:solidFill>
+                <a:latin typeface="Times New Roman" panose="02020603050405020304" pitchFamily="18" charset="0"/>
+                <a:cs typeface="Times New Roman" panose="02020603050405020304" pitchFamily="18" charset="0"/>
+              </a:rPr>
+              <a:t> ???</a:t>
+            </a:r>
+            <a:r>
+              <a:rPr lang="pt-BR" sz="2000" dirty="0">
+                <a:latin typeface="Times New Roman" panose="02020603050405020304" pitchFamily="18" charset="0"/>
+                <a:cs typeface="Times New Roman" panose="02020603050405020304" pitchFamily="18" charset="0"/>
+              </a:rPr>
+              <a:t>.</a:t>
+            </a:r>
+          </a:p>
+          <a:p>
+            <a:pPr marL="0" indent="0" algn="just">
+              <a:buNone/>
+            </a:pPr>
+            <a:endParaRPr lang="pt-BR" sz="2000" dirty="0">
+              <a:latin typeface="Times New Roman" panose="02020603050405020304" pitchFamily="18" charset="0"/>
+              <a:cs typeface="Times New Roman" panose="02020603050405020304" pitchFamily="18" charset="0"/>
+            </a:endParaRPr>
           </a:p>
           <a:p>
             <a:pPr marL="0" indent="0" algn="just">
